--- a/courses/apcsp/processing_arcade/processing3.pptx
+++ b/courses/apcsp/processing_arcade/processing3.pptx
@@ -5,29 +5,27 @@
     <p:sldMasterId id="2147483791" r:id="rId1"/>
   </p:sldMasterIdLst>
   <p:notesMasterIdLst>
-    <p:notesMasterId r:id="rId22"/>
+    <p:notesMasterId r:id="rId20"/>
   </p:notesMasterIdLst>
   <p:sldIdLst>
     <p:sldId id="555" r:id="rId2"/>
-    <p:sldId id="257" r:id="rId3"/>
-    <p:sldId id="575" r:id="rId4"/>
-    <p:sldId id="574" r:id="rId5"/>
-    <p:sldId id="341" r:id="rId6"/>
-    <p:sldId id="368" r:id="rId7"/>
-    <p:sldId id="373" r:id="rId8"/>
-    <p:sldId id="383" r:id="rId9"/>
-    <p:sldId id="371" r:id="rId10"/>
-    <p:sldId id="385" r:id="rId11"/>
-    <p:sldId id="372" r:id="rId12"/>
-    <p:sldId id="569" r:id="rId13"/>
-    <p:sldId id="374" r:id="rId14"/>
-    <p:sldId id="375" r:id="rId15"/>
-    <p:sldId id="576" r:id="rId16"/>
-    <p:sldId id="577" r:id="rId17"/>
-    <p:sldId id="427" r:id="rId18"/>
-    <p:sldId id="573" r:id="rId19"/>
-    <p:sldId id="572" r:id="rId20"/>
-    <p:sldId id="565" r:id="rId21"/>
+    <p:sldId id="575" r:id="rId3"/>
+    <p:sldId id="341" r:id="rId4"/>
+    <p:sldId id="368" r:id="rId5"/>
+    <p:sldId id="373" r:id="rId6"/>
+    <p:sldId id="383" r:id="rId7"/>
+    <p:sldId id="371" r:id="rId8"/>
+    <p:sldId id="385" r:id="rId9"/>
+    <p:sldId id="372" r:id="rId10"/>
+    <p:sldId id="569" r:id="rId11"/>
+    <p:sldId id="374" r:id="rId12"/>
+    <p:sldId id="375" r:id="rId13"/>
+    <p:sldId id="576" r:id="rId14"/>
+    <p:sldId id="577" r:id="rId15"/>
+    <p:sldId id="427" r:id="rId16"/>
+    <p:sldId id="573" r:id="rId17"/>
+    <p:sldId id="572" r:id="rId18"/>
+    <p:sldId id="565" r:id="rId19"/>
   </p:sldIdLst>
   <p:sldSz cx="9144000" cy="5715000" type="screen16x10"/>
   <p:notesSz cx="6858000" cy="9144000"/>
@@ -137,7 +135,7 @@
 <file path=ppt/revisionInfo.xml><?xml version="1.0" encoding="utf-8"?>
 <p1510:revInfo xmlns:a="http://schemas.openxmlformats.org/drawingml/2006/main" xmlns:r="http://schemas.openxmlformats.org/officeDocument/2006/relationships" xmlns:p1510="http://schemas.microsoft.com/office/powerpoint/2015/10/main">
   <p1510:revLst>
-    <p1510:client id="{B6BE90CF-AC9C-104F-8CE4-3F4B9598DB46}" v="2" dt="2022-08-25T14:27:19.291"/>
+    <p1510:client id="{B779933A-E43E-934F-AA84-AAD932488270}" v="259" dt="2023-01-10T15:59:54.540"/>
   </p1510:revLst>
 </p1510:revInfo>
 </file>
@@ -1797,6 +1795,303 @@
           <pc:docMk/>
           <pc:sldMk cId="2615412358" sldId="566"/>
         </pc:sldMkLst>
+      </pc:sldChg>
+    </pc:docChg>
+  </pc:docChgLst>
+  <pc:docChgLst>
+    <pc:chgData name="Long Nguyen" userId="f59fb8f3-a021-417a-8bc1-65c8d471c621" providerId="ADAL" clId="{B779933A-E43E-934F-AA84-AAD932488270}"/>
+    <pc:docChg chg="undo custSel addSld delSld modSld">
+      <pc:chgData name="Long Nguyen" userId="f59fb8f3-a021-417a-8bc1-65c8d471c621" providerId="ADAL" clId="{B779933A-E43E-934F-AA84-AAD932488270}" dt="2023-01-10T15:59:54.540" v="405" actId="20577"/>
+      <pc:docMkLst>
+        <pc:docMk/>
+      </pc:docMkLst>
+      <pc:sldChg chg="modSp del mod modAnim">
+        <pc:chgData name="Long Nguyen" userId="f59fb8f3-a021-417a-8bc1-65c8d471c621" providerId="ADAL" clId="{B779933A-E43E-934F-AA84-AAD932488270}" dt="2023-01-10T15:59:33.866" v="376" actId="2696"/>
+        <pc:sldMkLst>
+          <pc:docMk/>
+          <pc:sldMk cId="2631037396" sldId="257"/>
+        </pc:sldMkLst>
+        <pc:spChg chg="mod">
+          <ac:chgData name="Long Nguyen" userId="f59fb8f3-a021-417a-8bc1-65c8d471c621" providerId="ADAL" clId="{B779933A-E43E-934F-AA84-AAD932488270}" dt="2023-01-10T15:58:41.414" v="364" actId="20577"/>
+          <ac:spMkLst>
+            <pc:docMk/>
+            <pc:sldMk cId="2631037396" sldId="257"/>
+            <ac:spMk id="2" creationId="{AA3A228F-61D0-D949-A5E7-F83756230BF8}"/>
+          </ac:spMkLst>
+        </pc:spChg>
+        <pc:spChg chg="mod">
+          <ac:chgData name="Long Nguyen" userId="f59fb8f3-a021-417a-8bc1-65c8d471c621" providerId="ADAL" clId="{B779933A-E43E-934F-AA84-AAD932488270}" dt="2023-01-10T15:58:44.669" v="365" actId="21"/>
+          <ac:spMkLst>
+            <pc:docMk/>
+            <pc:sldMk cId="2631037396" sldId="257"/>
+            <ac:spMk id="9" creationId="{E3B2E017-30B2-884B-A113-B419A2ED51AD}"/>
+          </ac:spMkLst>
+        </pc:spChg>
+      </pc:sldChg>
+      <pc:sldChg chg="modSp add del">
+        <pc:chgData name="Long Nguyen" userId="f59fb8f3-a021-417a-8bc1-65c8d471c621" providerId="ADAL" clId="{B779933A-E43E-934F-AA84-AAD932488270}" dt="2023-01-10T15:59:54.540" v="405" actId="20577"/>
+        <pc:sldMkLst>
+          <pc:docMk/>
+          <pc:sldMk cId="1190543687" sldId="341"/>
+        </pc:sldMkLst>
+        <pc:spChg chg="mod">
+          <ac:chgData name="Long Nguyen" userId="f59fb8f3-a021-417a-8bc1-65c8d471c621" providerId="ADAL" clId="{B779933A-E43E-934F-AA84-AAD932488270}" dt="2023-01-10T15:59:54.540" v="405" actId="20577"/>
+          <ac:spMkLst>
+            <pc:docMk/>
+            <pc:sldMk cId="1190543687" sldId="341"/>
+            <ac:spMk id="9" creationId="{E3B2E017-30B2-884B-A113-B419A2ED51AD}"/>
+          </ac:spMkLst>
+        </pc:spChg>
+      </pc:sldChg>
+      <pc:sldChg chg="modSp mod">
+        <pc:chgData name="Long Nguyen" userId="f59fb8f3-a021-417a-8bc1-65c8d471c621" providerId="ADAL" clId="{B779933A-E43E-934F-AA84-AAD932488270}" dt="2023-01-10T15:55:49.951" v="72"/>
+        <pc:sldMkLst>
+          <pc:docMk/>
+          <pc:sldMk cId="528345614" sldId="368"/>
+        </pc:sldMkLst>
+        <pc:spChg chg="mod">
+          <ac:chgData name="Long Nguyen" userId="f59fb8f3-a021-417a-8bc1-65c8d471c621" providerId="ADAL" clId="{B779933A-E43E-934F-AA84-AAD932488270}" dt="2023-01-10T15:51:56.251" v="13" actId="20577"/>
+          <ac:spMkLst>
+            <pc:docMk/>
+            <pc:sldMk cId="528345614" sldId="368"/>
+            <ac:spMk id="9" creationId="{E3B2E017-30B2-884B-A113-B419A2ED51AD}"/>
+          </ac:spMkLst>
+        </pc:spChg>
+        <pc:graphicFrameChg chg="mod modGraphic">
+          <ac:chgData name="Long Nguyen" userId="f59fb8f3-a021-417a-8bc1-65c8d471c621" providerId="ADAL" clId="{B779933A-E43E-934F-AA84-AAD932488270}" dt="2023-01-10T15:55:49.951" v="72"/>
+          <ac:graphicFrameMkLst>
+            <pc:docMk/>
+            <pc:sldMk cId="528345614" sldId="368"/>
+            <ac:graphicFrameMk id="4" creationId="{910DE0CC-5FEF-A94D-BF5D-C253E3945850}"/>
+          </ac:graphicFrameMkLst>
+        </pc:graphicFrameChg>
+      </pc:sldChg>
+      <pc:sldChg chg="modSp mod">
+        <pc:chgData name="Long Nguyen" userId="f59fb8f3-a021-417a-8bc1-65c8d471c621" providerId="ADAL" clId="{B779933A-E43E-934F-AA84-AAD932488270}" dt="2023-01-10T15:55:49.951" v="72"/>
+        <pc:sldMkLst>
+          <pc:docMk/>
+          <pc:sldMk cId="3119869035" sldId="371"/>
+        </pc:sldMkLst>
+        <pc:graphicFrameChg chg="mod modGraphic">
+          <ac:chgData name="Long Nguyen" userId="f59fb8f3-a021-417a-8bc1-65c8d471c621" providerId="ADAL" clId="{B779933A-E43E-934F-AA84-AAD932488270}" dt="2023-01-10T15:55:49.951" v="72"/>
+          <ac:graphicFrameMkLst>
+            <pc:docMk/>
+            <pc:sldMk cId="3119869035" sldId="371"/>
+            <ac:graphicFrameMk id="4" creationId="{910DE0CC-5FEF-A94D-BF5D-C253E3945850}"/>
+          </ac:graphicFrameMkLst>
+        </pc:graphicFrameChg>
+      </pc:sldChg>
+      <pc:sldChg chg="modSp mod">
+        <pc:chgData name="Long Nguyen" userId="f59fb8f3-a021-417a-8bc1-65c8d471c621" providerId="ADAL" clId="{B779933A-E43E-934F-AA84-AAD932488270}" dt="2023-01-10T15:55:49.951" v="72"/>
+        <pc:sldMkLst>
+          <pc:docMk/>
+          <pc:sldMk cId="4121273586" sldId="372"/>
+        </pc:sldMkLst>
+        <pc:graphicFrameChg chg="mod modGraphic">
+          <ac:chgData name="Long Nguyen" userId="f59fb8f3-a021-417a-8bc1-65c8d471c621" providerId="ADAL" clId="{B779933A-E43E-934F-AA84-AAD932488270}" dt="2023-01-10T15:55:49.951" v="72"/>
+          <ac:graphicFrameMkLst>
+            <pc:docMk/>
+            <pc:sldMk cId="4121273586" sldId="372"/>
+            <ac:graphicFrameMk id="4" creationId="{910DE0CC-5FEF-A94D-BF5D-C253E3945850}"/>
+          </ac:graphicFrameMkLst>
+        </pc:graphicFrameChg>
+      </pc:sldChg>
+      <pc:sldChg chg="modSp mod">
+        <pc:chgData name="Long Nguyen" userId="f59fb8f3-a021-417a-8bc1-65c8d471c621" providerId="ADAL" clId="{B779933A-E43E-934F-AA84-AAD932488270}" dt="2023-01-10T15:55:49.951" v="72"/>
+        <pc:sldMkLst>
+          <pc:docMk/>
+          <pc:sldMk cId="3678049184" sldId="373"/>
+        </pc:sldMkLst>
+        <pc:graphicFrameChg chg="mod modGraphic">
+          <ac:chgData name="Long Nguyen" userId="f59fb8f3-a021-417a-8bc1-65c8d471c621" providerId="ADAL" clId="{B779933A-E43E-934F-AA84-AAD932488270}" dt="2023-01-10T15:55:49.951" v="72"/>
+          <ac:graphicFrameMkLst>
+            <pc:docMk/>
+            <pc:sldMk cId="3678049184" sldId="373"/>
+            <ac:graphicFrameMk id="4" creationId="{910DE0CC-5FEF-A94D-BF5D-C253E3945850}"/>
+          </ac:graphicFrameMkLst>
+        </pc:graphicFrameChg>
+      </pc:sldChg>
+      <pc:sldChg chg="modSp mod">
+        <pc:chgData name="Long Nguyen" userId="f59fb8f3-a021-417a-8bc1-65c8d471c621" providerId="ADAL" clId="{B779933A-E43E-934F-AA84-AAD932488270}" dt="2023-01-10T15:55:49.951" v="72"/>
+        <pc:sldMkLst>
+          <pc:docMk/>
+          <pc:sldMk cId="744554462" sldId="374"/>
+        </pc:sldMkLst>
+        <pc:graphicFrameChg chg="mod modGraphic">
+          <ac:chgData name="Long Nguyen" userId="f59fb8f3-a021-417a-8bc1-65c8d471c621" providerId="ADAL" clId="{B779933A-E43E-934F-AA84-AAD932488270}" dt="2023-01-10T15:55:49.951" v="72"/>
+          <ac:graphicFrameMkLst>
+            <pc:docMk/>
+            <pc:sldMk cId="744554462" sldId="374"/>
+            <ac:graphicFrameMk id="4" creationId="{910DE0CC-5FEF-A94D-BF5D-C253E3945850}"/>
+          </ac:graphicFrameMkLst>
+        </pc:graphicFrameChg>
+      </pc:sldChg>
+      <pc:sldChg chg="modSp mod">
+        <pc:chgData name="Long Nguyen" userId="f59fb8f3-a021-417a-8bc1-65c8d471c621" providerId="ADAL" clId="{B779933A-E43E-934F-AA84-AAD932488270}" dt="2023-01-10T15:56:23.454" v="73" actId="20577"/>
+        <pc:sldMkLst>
+          <pc:docMk/>
+          <pc:sldMk cId="1389296992" sldId="375"/>
+        </pc:sldMkLst>
+        <pc:spChg chg="mod">
+          <ac:chgData name="Long Nguyen" userId="f59fb8f3-a021-417a-8bc1-65c8d471c621" providerId="ADAL" clId="{B779933A-E43E-934F-AA84-AAD932488270}" dt="2023-01-10T15:56:23.454" v="73" actId="20577"/>
+          <ac:spMkLst>
+            <pc:docMk/>
+            <pc:sldMk cId="1389296992" sldId="375"/>
+            <ac:spMk id="11" creationId="{D4310815-845D-E54A-A272-6DAA89CB5B1C}"/>
+          </ac:spMkLst>
+        </pc:spChg>
+        <pc:spChg chg="mod">
+          <ac:chgData name="Long Nguyen" userId="f59fb8f3-a021-417a-8bc1-65c8d471c621" providerId="ADAL" clId="{B779933A-E43E-934F-AA84-AAD932488270}" dt="2023-01-10T15:55:49.951" v="72"/>
+          <ac:spMkLst>
+            <pc:docMk/>
+            <pc:sldMk cId="1389296992" sldId="375"/>
+            <ac:spMk id="14" creationId="{63449E36-9DBB-134E-94FD-16C40C15EBDC}"/>
+          </ac:spMkLst>
+        </pc:spChg>
+        <pc:graphicFrameChg chg="mod modGraphic">
+          <ac:chgData name="Long Nguyen" userId="f59fb8f3-a021-417a-8bc1-65c8d471c621" providerId="ADAL" clId="{B779933A-E43E-934F-AA84-AAD932488270}" dt="2023-01-10T15:55:49.951" v="72"/>
+          <ac:graphicFrameMkLst>
+            <pc:docMk/>
+            <pc:sldMk cId="1389296992" sldId="375"/>
+            <ac:graphicFrameMk id="4" creationId="{910DE0CC-5FEF-A94D-BF5D-C253E3945850}"/>
+          </ac:graphicFrameMkLst>
+        </pc:graphicFrameChg>
+      </pc:sldChg>
+      <pc:sldChg chg="modSp mod">
+        <pc:chgData name="Long Nguyen" userId="f59fb8f3-a021-417a-8bc1-65c8d471c621" providerId="ADAL" clId="{B779933A-E43E-934F-AA84-AAD932488270}" dt="2023-01-10T15:55:49.951" v="72"/>
+        <pc:sldMkLst>
+          <pc:docMk/>
+          <pc:sldMk cId="2424282737" sldId="383"/>
+        </pc:sldMkLst>
+        <pc:graphicFrameChg chg="mod modGraphic">
+          <ac:chgData name="Long Nguyen" userId="f59fb8f3-a021-417a-8bc1-65c8d471c621" providerId="ADAL" clId="{B779933A-E43E-934F-AA84-AAD932488270}" dt="2023-01-10T15:55:49.951" v="72"/>
+          <ac:graphicFrameMkLst>
+            <pc:docMk/>
+            <pc:sldMk cId="2424282737" sldId="383"/>
+            <ac:graphicFrameMk id="4" creationId="{910DE0CC-5FEF-A94D-BF5D-C253E3945850}"/>
+          </ac:graphicFrameMkLst>
+        </pc:graphicFrameChg>
+      </pc:sldChg>
+      <pc:sldChg chg="modSp mod">
+        <pc:chgData name="Long Nguyen" userId="f59fb8f3-a021-417a-8bc1-65c8d471c621" providerId="ADAL" clId="{B779933A-E43E-934F-AA84-AAD932488270}" dt="2023-01-10T15:55:49.951" v="72"/>
+        <pc:sldMkLst>
+          <pc:docMk/>
+          <pc:sldMk cId="3949056306" sldId="385"/>
+        </pc:sldMkLst>
+        <pc:graphicFrameChg chg="mod modGraphic">
+          <ac:chgData name="Long Nguyen" userId="f59fb8f3-a021-417a-8bc1-65c8d471c621" providerId="ADAL" clId="{B779933A-E43E-934F-AA84-AAD932488270}" dt="2023-01-10T15:55:49.951" v="72"/>
+          <ac:graphicFrameMkLst>
+            <pc:docMk/>
+            <pc:sldMk cId="3949056306" sldId="385"/>
+            <ac:graphicFrameMk id="4" creationId="{910DE0CC-5FEF-A94D-BF5D-C253E3945850}"/>
+          </ac:graphicFrameMkLst>
+        </pc:graphicFrameChg>
+      </pc:sldChg>
+      <pc:sldChg chg="modSp">
+        <pc:chgData name="Long Nguyen" userId="f59fb8f3-a021-417a-8bc1-65c8d471c621" providerId="ADAL" clId="{B779933A-E43E-934F-AA84-AAD932488270}" dt="2023-01-10T15:55:49.951" v="72"/>
+        <pc:sldMkLst>
+          <pc:docMk/>
+          <pc:sldMk cId="4045518149" sldId="427"/>
+        </pc:sldMkLst>
+        <pc:spChg chg="mod">
+          <ac:chgData name="Long Nguyen" userId="f59fb8f3-a021-417a-8bc1-65c8d471c621" providerId="ADAL" clId="{B779933A-E43E-934F-AA84-AAD932488270}" dt="2023-01-10T15:55:49.951" v="72"/>
+          <ac:spMkLst>
+            <pc:docMk/>
+            <pc:sldMk cId="4045518149" sldId="427"/>
+            <ac:spMk id="20483" creationId="{A8F31A66-1B3E-984C-AD67-E6CB9676BCA4}"/>
+          </ac:spMkLst>
+        </pc:spChg>
+      </pc:sldChg>
+      <pc:sldChg chg="modSp mod">
+        <pc:chgData name="Long Nguyen" userId="f59fb8f3-a021-417a-8bc1-65c8d471c621" providerId="ADAL" clId="{B779933A-E43E-934F-AA84-AAD932488270}" dt="2023-01-10T15:55:49.951" v="72"/>
+        <pc:sldMkLst>
+          <pc:docMk/>
+          <pc:sldMk cId="3614561866" sldId="569"/>
+        </pc:sldMkLst>
+        <pc:graphicFrameChg chg="mod modGraphic">
+          <ac:chgData name="Long Nguyen" userId="f59fb8f3-a021-417a-8bc1-65c8d471c621" providerId="ADAL" clId="{B779933A-E43E-934F-AA84-AAD932488270}" dt="2023-01-10T15:55:49.951" v="72"/>
+          <ac:graphicFrameMkLst>
+            <pc:docMk/>
+            <pc:sldMk cId="3614561866" sldId="569"/>
+            <ac:graphicFrameMk id="4" creationId="{910DE0CC-5FEF-A94D-BF5D-C253E3945850}"/>
+          </ac:graphicFrameMkLst>
+        </pc:graphicFrameChg>
+      </pc:sldChg>
+      <pc:sldChg chg="add del">
+        <pc:chgData name="Long Nguyen" userId="f59fb8f3-a021-417a-8bc1-65c8d471c621" providerId="ADAL" clId="{B779933A-E43E-934F-AA84-AAD932488270}" dt="2023-01-10T15:59:20.579" v="374" actId="2696"/>
+        <pc:sldMkLst>
+          <pc:docMk/>
+          <pc:sldMk cId="1899292602" sldId="574"/>
+        </pc:sldMkLst>
+      </pc:sldChg>
+      <pc:sldChg chg="delSp modSp mod">
+        <pc:chgData name="Long Nguyen" userId="f59fb8f3-a021-417a-8bc1-65c8d471c621" providerId="ADAL" clId="{B779933A-E43E-934F-AA84-AAD932488270}" dt="2023-01-10T15:59:37.331" v="380" actId="20577"/>
+        <pc:sldMkLst>
+          <pc:docMk/>
+          <pc:sldMk cId="2696303466" sldId="575"/>
+        </pc:sldMkLst>
+        <pc:spChg chg="mod">
+          <ac:chgData name="Long Nguyen" userId="f59fb8f3-a021-417a-8bc1-65c8d471c621" providerId="ADAL" clId="{B779933A-E43E-934F-AA84-AAD932488270}" dt="2023-01-10T15:59:29.674" v="375" actId="20577"/>
+          <ac:spMkLst>
+            <pc:docMk/>
+            <pc:sldMk cId="2696303466" sldId="575"/>
+            <ac:spMk id="2" creationId="{AA3A228F-61D0-D949-A5E7-F83756230BF8}"/>
+          </ac:spMkLst>
+        </pc:spChg>
+        <pc:spChg chg="del">
+          <ac:chgData name="Long Nguyen" userId="f59fb8f3-a021-417a-8bc1-65c8d471c621" providerId="ADAL" clId="{B779933A-E43E-934F-AA84-AAD932488270}" dt="2023-01-10T15:59:02.029" v="369" actId="478"/>
+          <ac:spMkLst>
+            <pc:docMk/>
+            <pc:sldMk cId="2696303466" sldId="575"/>
+            <ac:spMk id="3" creationId="{43066786-2460-4F4E-A926-EC35B443FC7C}"/>
+          </ac:spMkLst>
+        </pc:spChg>
+        <pc:spChg chg="mod">
+          <ac:chgData name="Long Nguyen" userId="f59fb8f3-a021-417a-8bc1-65c8d471c621" providerId="ADAL" clId="{B779933A-E43E-934F-AA84-AAD932488270}" dt="2023-01-10T15:59:37.331" v="380" actId="20577"/>
+          <ac:spMkLst>
+            <pc:docMk/>
+            <pc:sldMk cId="2696303466" sldId="575"/>
+            <ac:spMk id="9" creationId="{E3B2E017-30B2-884B-A113-B419A2ED51AD}"/>
+          </ac:spMkLst>
+        </pc:spChg>
+      </pc:sldChg>
+      <pc:sldChg chg="modSp mod">
+        <pc:chgData name="Long Nguyen" userId="f59fb8f3-a021-417a-8bc1-65c8d471c621" providerId="ADAL" clId="{B779933A-E43E-934F-AA84-AAD932488270}" dt="2023-01-10T15:57:27.557" v="110" actId="20577"/>
+        <pc:sldMkLst>
+          <pc:docMk/>
+          <pc:sldMk cId="1655667199" sldId="576"/>
+        </pc:sldMkLst>
+        <pc:spChg chg="mod">
+          <ac:chgData name="Long Nguyen" userId="f59fb8f3-a021-417a-8bc1-65c8d471c621" providerId="ADAL" clId="{B779933A-E43E-934F-AA84-AAD932488270}" dt="2023-01-10T15:57:17.825" v="103" actId="20577"/>
+          <ac:spMkLst>
+            <pc:docMk/>
+            <pc:sldMk cId="1655667199" sldId="576"/>
+            <ac:spMk id="4" creationId="{F5F925A9-41D3-6E4F-86DA-C9E92CE1D468}"/>
+          </ac:spMkLst>
+        </pc:spChg>
+        <pc:spChg chg="mod">
+          <ac:chgData name="Long Nguyen" userId="f59fb8f3-a021-417a-8bc1-65c8d471c621" providerId="ADAL" clId="{B779933A-E43E-934F-AA84-AAD932488270}" dt="2023-01-10T15:57:27.557" v="110" actId="20577"/>
+          <ac:spMkLst>
+            <pc:docMk/>
+            <pc:sldMk cId="1655667199" sldId="576"/>
+            <ac:spMk id="35842" creationId="{C94BCA01-D831-ED4D-84FD-C30E8117F872}"/>
+          </ac:spMkLst>
+        </pc:spChg>
+      </pc:sldChg>
+      <pc:sldChg chg="modSp mod">
+        <pc:chgData name="Long Nguyen" userId="f59fb8f3-a021-417a-8bc1-65c8d471c621" providerId="ADAL" clId="{B779933A-E43E-934F-AA84-AAD932488270}" dt="2023-01-10T15:57:07.995" v="96" actId="20577"/>
+        <pc:sldMkLst>
+          <pc:docMk/>
+          <pc:sldMk cId="1245941282" sldId="577"/>
+        </pc:sldMkLst>
+        <pc:spChg chg="mod">
+          <ac:chgData name="Long Nguyen" userId="f59fb8f3-a021-417a-8bc1-65c8d471c621" providerId="ADAL" clId="{B779933A-E43E-934F-AA84-AAD932488270}" dt="2023-01-10T15:57:07.995" v="96" actId="20577"/>
+          <ac:spMkLst>
+            <pc:docMk/>
+            <pc:sldMk cId="1245941282" sldId="577"/>
+            <ac:spMk id="35842" creationId="{C94BCA01-D831-ED4D-84FD-C30E8117F872}"/>
+          </ac:spMkLst>
+        </pc:spChg>
       </pc:sldChg>
     </pc:docChg>
   </pc:docChgLst>
@@ -3781,7 +4076,7 @@
           <a:p>
             <a:fld id="{29FB45CD-1365-4F4B-B580-C19222E1A371}" type="datetimeFigureOut">
               <a:rPr lang="en-US" smtClean="0"/>
-              <a:t>8/25/22</a:t>
+              <a:t>1/10/23</a:t>
             </a:fld>
             <a:endParaRPr lang="en-US"/>
           </a:p>
@@ -4179,7 +4474,7 @@
           <a:p>
             <a:fld id="{4AAD347D-5ACD-4C99-B74B-A9C85AD731AF}" type="datetimeFigureOut">
               <a:rPr lang="en-US" smtClean="0"/>
-              <a:t>8/25/22</a:t>
+              <a:t>1/10/23</a:t>
             </a:fld>
             <a:endParaRPr lang="en-US" dirty="0"/>
           </a:p>
@@ -4349,7 +4644,7 @@
           <a:p>
             <a:fld id="{4509A250-FF31-4206-8172-F9D3106AACB1}" type="datetimeFigureOut">
               <a:rPr lang="en-US" smtClean="0"/>
-              <a:t>8/25/22</a:t>
+              <a:t>1/10/23</a:t>
             </a:fld>
             <a:endParaRPr lang="en-US" dirty="0"/>
           </a:p>
@@ -4529,7 +4824,7 @@
           <a:p>
             <a:fld id="{4509A250-FF31-4206-8172-F9D3106AACB1}" type="datetimeFigureOut">
               <a:rPr lang="en-US" smtClean="0"/>
-              <a:t>8/25/22</a:t>
+              <a:t>1/10/23</a:t>
             </a:fld>
             <a:endParaRPr lang="en-US" dirty="0"/>
           </a:p>
@@ -4699,7 +4994,7 @@
           <a:p>
             <a:fld id="{4509A250-FF31-4206-8172-F9D3106AACB1}" type="datetimeFigureOut">
               <a:rPr lang="en-US" smtClean="0"/>
-              <a:t>8/25/22</a:t>
+              <a:t>1/10/23</a:t>
             </a:fld>
             <a:endParaRPr lang="en-US" dirty="0"/>
           </a:p>
@@ -4945,7 +5240,7 @@
           <a:p>
             <a:fld id="{9796027F-7875-4030-9381-8BD8C4F21935}" type="datetimeFigureOut">
               <a:rPr lang="en-US" smtClean="0"/>
-              <a:t>8/25/22</a:t>
+              <a:t>1/10/23</a:t>
             </a:fld>
             <a:endParaRPr lang="en-US" dirty="0"/>
           </a:p>
@@ -5177,7 +5472,7 @@
           <a:p>
             <a:fld id="{9796027F-7875-4030-9381-8BD8C4F21935}" type="datetimeFigureOut">
               <a:rPr lang="en-US" smtClean="0"/>
-              <a:t>8/25/22</a:t>
+              <a:t>1/10/23</a:t>
             </a:fld>
             <a:endParaRPr lang="en-US" dirty="0"/>
           </a:p>
@@ -5544,7 +5839,7 @@
           <a:p>
             <a:fld id="{9796027F-7875-4030-9381-8BD8C4F21935}" type="datetimeFigureOut">
               <a:rPr lang="en-US" smtClean="0"/>
-              <a:t>8/25/22</a:t>
+              <a:t>1/10/23</a:t>
             </a:fld>
             <a:endParaRPr lang="en-US" dirty="0"/>
           </a:p>
@@ -5662,7 +5957,7 @@
           <a:p>
             <a:fld id="{4509A250-FF31-4206-8172-F9D3106AACB1}" type="datetimeFigureOut">
               <a:rPr lang="en-US" smtClean="0"/>
-              <a:t>8/25/22</a:t>
+              <a:t>1/10/23</a:t>
             </a:fld>
             <a:endParaRPr lang="en-US" dirty="0"/>
           </a:p>
@@ -5757,7 +6052,7 @@
           <a:p>
             <a:fld id="{4509A250-FF31-4206-8172-F9D3106AACB1}" type="datetimeFigureOut">
               <a:rPr lang="en-US" smtClean="0"/>
-              <a:t>8/25/22</a:t>
+              <a:t>1/10/23</a:t>
             </a:fld>
             <a:endParaRPr lang="en-US" dirty="0"/>
           </a:p>
@@ -6034,7 +6329,7 @@
           <a:p>
             <a:fld id="{4509A250-FF31-4206-8172-F9D3106AACB1}" type="datetimeFigureOut">
               <a:rPr lang="en-US" smtClean="0"/>
-              <a:t>8/25/22</a:t>
+              <a:t>1/10/23</a:t>
             </a:fld>
             <a:endParaRPr lang="en-US" dirty="0"/>
           </a:p>
@@ -6291,7 +6586,7 @@
           <a:p>
             <a:fld id="{4509A250-FF31-4206-8172-F9D3106AACB1}" type="datetimeFigureOut">
               <a:rPr lang="en-US" smtClean="0"/>
-              <a:t>8/25/22</a:t>
+              <a:t>1/10/23</a:t>
             </a:fld>
             <a:endParaRPr lang="en-US" dirty="0"/>
           </a:p>
@@ -6504,7 +6799,7 @@
           <a:p>
             <a:fld id="{4AAD347D-5ACD-4C99-B74B-A9C85AD731AF}" type="datetimeFigureOut">
               <a:rPr lang="en-US" smtClean="0"/>
-              <a:t>8/25/22</a:t>
+              <a:t>1/10/23</a:t>
             </a:fld>
             <a:endParaRPr lang="en-US" dirty="0"/>
           </a:p>
@@ -7103,7 +7398,13 @@
           <p:cNvGraphicFramePr>
             <a:graphicFrameLocks/>
           </p:cNvGraphicFramePr>
-          <p:nvPr/>
+          <p:nvPr>
+            <p:extLst>
+              <p:ext uri="{D42A27DB-BD31-4B8C-83A1-F6EECF244321}">
+                <p14:modId xmlns:p14="http://schemas.microsoft.com/office/powerpoint/2010/main" val="3445581055"/>
+              </p:ext>
+            </p:extLst>
+          </p:nvPr>
         </p:nvGraphicFramePr>
         <p:xfrm>
           <a:off x="4412973" y="1150913"/>
@@ -7144,661 +7445,7 @@
                             </a:outerShdw>
                           </a:effectLst>
                         </a:rPr>
-                        <a:t>arcade.Sprite</a:t>
-                      </a:r>
-                      <a:r>
-                        <a:rPr lang="en-US" sz="1800" b="0" cap="none" spc="0" dirty="0">
-                          <a:ln w="0"/>
-                          <a:solidFill>
-                            <a:srgbClr val="FF0000"/>
-                          </a:solidFill>
-                          <a:effectLst>
-                            <a:outerShdw blurRad="38100" dist="19050" dir="2700000" algn="tl" rotWithShape="0">
-                              <a:schemeClr val="dk1">
-                                <a:alpha val="40000"/>
-                              </a:schemeClr>
-                            </a:outerShdw>
-                          </a:effectLst>
-                        </a:rPr>
-                        <a:t>(filename, scale=1.0)</a:t>
-                      </a:r>
-                    </a:p>
-                  </a:txBody>
-                  <a:tcPr/>
-                </a:tc>
-                <a:extLst>
-                  <a:ext uri="{0D108BD9-81ED-4DB2-BD59-A6C34878D82A}">
-                    <a16:rowId xmlns:a16="http://schemas.microsoft.com/office/drawing/2014/main" val="1405314547"/>
-                  </a:ext>
-                </a:extLst>
-              </a:tr>
-              <a:tr h="1397523">
-                <a:tc>
-                  <a:txBody>
-                    <a:bodyPr/>
-                    <a:lstStyle/>
-                    <a:p>
-                      <a:r>
-                        <a:rPr lang="en-US" sz="1800" b="0" cap="none" spc="0" dirty="0" err="1">
-                          <a:ln w="0"/>
-                          <a:solidFill>
-                            <a:schemeClr val="tx1"/>
-                          </a:solidFill>
-                          <a:effectLst>
-                            <a:outerShdw blurRad="38100" dist="19050" dir="2700000" algn="tl" rotWithShape="0">
-                              <a:schemeClr val="dk1">
-                                <a:alpha val="40000"/>
-                              </a:schemeClr>
-                            </a:outerShdw>
-                          </a:effectLst>
-                        </a:rPr>
-                        <a:t>center_x</a:t>
-                      </a:r>
-                      <a:endParaRPr lang="en-US" sz="1800" b="0" cap="none" spc="0" dirty="0">
-                        <a:ln w="0"/>
-                        <a:solidFill>
-                          <a:schemeClr val="tx1"/>
-                        </a:solidFill>
-                        <a:effectLst>
-                          <a:outerShdw blurRad="38100" dist="19050" dir="2700000" algn="tl" rotWithShape="0">
-                            <a:schemeClr val="dk1">
-                              <a:alpha val="40000"/>
-                            </a:schemeClr>
-                          </a:outerShdw>
-                        </a:effectLst>
-                      </a:endParaRPr>
-                    </a:p>
-                    <a:p>
-                      <a:r>
-                        <a:rPr lang="en-US" sz="1800" b="0" cap="none" spc="0" dirty="0" err="1">
-                          <a:ln w="0"/>
-                          <a:solidFill>
-                            <a:schemeClr val="tx1"/>
-                          </a:solidFill>
-                          <a:effectLst>
-                            <a:outerShdw blurRad="38100" dist="19050" dir="2700000" algn="tl" rotWithShape="0">
-                              <a:schemeClr val="dk1">
-                                <a:alpha val="40000"/>
-                              </a:schemeClr>
-                            </a:outerShdw>
-                          </a:effectLst>
-                        </a:rPr>
-                        <a:t>center_y</a:t>
-                      </a:r>
-                      <a:endParaRPr lang="en-US" sz="1800" b="0" cap="none" spc="0" dirty="0">
-                        <a:ln w="0"/>
-                        <a:solidFill>
-                          <a:schemeClr val="tx1"/>
-                        </a:solidFill>
-                        <a:effectLst>
-                          <a:outerShdw blurRad="38100" dist="19050" dir="2700000" algn="tl" rotWithShape="0">
-                            <a:schemeClr val="dk1">
-                              <a:alpha val="40000"/>
-                            </a:schemeClr>
-                          </a:outerShdw>
-                        </a:effectLst>
-                      </a:endParaRPr>
-                    </a:p>
-                    <a:p>
-                      <a:r>
-                        <a:rPr lang="en-US" sz="1800" b="0" cap="none" spc="0" dirty="0">
-                          <a:ln w="0"/>
-                          <a:solidFill>
-                            <a:schemeClr val="tx1"/>
-                          </a:solidFill>
-                          <a:effectLst>
-                            <a:outerShdw blurRad="38100" dist="19050" dir="2700000" algn="tl" rotWithShape="0">
-                              <a:schemeClr val="dk1">
-                                <a:alpha val="40000"/>
-                              </a:schemeClr>
-                            </a:outerShdw>
-                          </a:effectLst>
-                        </a:rPr>
-                        <a:t>angle</a:t>
-                      </a:r>
-                    </a:p>
-                    <a:p>
-                      <a:r>
-                        <a:rPr lang="en-US" sz="1800" b="0" cap="none" spc="0" dirty="0">
-                          <a:ln w="0"/>
-                          <a:solidFill>
-                            <a:schemeClr val="tx1"/>
-                          </a:solidFill>
-                          <a:effectLst>
-                            <a:outerShdw blurRad="38100" dist="19050" dir="2700000" algn="tl" rotWithShape="0">
-                              <a:schemeClr val="dk1">
-                                <a:alpha val="40000"/>
-                              </a:schemeClr>
-                            </a:outerShdw>
-                          </a:effectLst>
-                        </a:rPr>
-                        <a:t>width</a:t>
-                      </a:r>
-                    </a:p>
-                    <a:p>
-                      <a:r>
-                        <a:rPr lang="en-US" sz="1800" b="0" cap="none" spc="0" dirty="0">
-                          <a:ln w="0"/>
-                          <a:solidFill>
-                            <a:schemeClr val="tx1"/>
-                          </a:solidFill>
-                          <a:effectLst>
-                            <a:outerShdw blurRad="38100" dist="19050" dir="2700000" algn="tl" rotWithShape="0">
-                              <a:schemeClr val="dk1">
-                                <a:alpha val="40000"/>
-                              </a:schemeClr>
-                            </a:outerShdw>
-                          </a:effectLst>
-                        </a:rPr>
-                        <a:t>height</a:t>
-                      </a:r>
-                    </a:p>
-                    <a:p>
-                      <a:r>
-                        <a:rPr lang="en-US" sz="1800" b="0" cap="none" spc="0" dirty="0" err="1">
-                          <a:ln w="0"/>
-                          <a:solidFill>
-                            <a:srgbClr val="00B050"/>
-                          </a:solidFill>
-                          <a:effectLst>
-                            <a:outerShdw blurRad="38100" dist="19050" dir="2700000" algn="tl" rotWithShape="0">
-                              <a:schemeClr val="dk1">
-                                <a:alpha val="40000"/>
-                              </a:schemeClr>
-                            </a:outerShdw>
-                          </a:effectLst>
-                        </a:rPr>
-                        <a:t>change_x</a:t>
-                      </a:r>
-                      <a:endParaRPr lang="en-US" sz="1800" b="0" cap="none" spc="0" dirty="0">
-                        <a:ln w="0"/>
-                        <a:solidFill>
-                          <a:srgbClr val="00B050"/>
-                        </a:solidFill>
-                        <a:effectLst>
-                          <a:outerShdw blurRad="38100" dist="19050" dir="2700000" algn="tl" rotWithShape="0">
-                            <a:schemeClr val="dk1">
-                              <a:alpha val="40000"/>
-                            </a:schemeClr>
-                          </a:outerShdw>
-                        </a:effectLst>
-                      </a:endParaRPr>
-                    </a:p>
-                    <a:p>
-                      <a:r>
-                        <a:rPr lang="en-US" sz="1800" b="0" cap="none" spc="0" dirty="0" err="1">
-                          <a:ln w="0"/>
-                          <a:solidFill>
-                            <a:srgbClr val="00B050"/>
-                          </a:solidFill>
-                          <a:effectLst>
-                            <a:outerShdw blurRad="38100" dist="19050" dir="2700000" algn="tl" rotWithShape="0">
-                              <a:schemeClr val="dk1">
-                                <a:alpha val="40000"/>
-                              </a:schemeClr>
-                            </a:outerShdw>
-                          </a:effectLst>
-                        </a:rPr>
-                        <a:t>change_y</a:t>
-                      </a:r>
-                      <a:endParaRPr lang="en-US" sz="1800" b="0" cap="none" spc="0" dirty="0">
-                        <a:ln w="0"/>
-                        <a:solidFill>
-                          <a:srgbClr val="00B050"/>
-                        </a:solidFill>
-                        <a:effectLst>
-                          <a:outerShdw blurRad="38100" dist="19050" dir="2700000" algn="tl" rotWithShape="0">
-                            <a:schemeClr val="dk1">
-                              <a:alpha val="40000"/>
-                            </a:schemeClr>
-                          </a:outerShdw>
-                        </a:effectLst>
-                      </a:endParaRPr>
-                    </a:p>
-                    <a:p>
-                      <a:r>
-                        <a:rPr lang="en-US" sz="1800" b="0" cap="none" spc="0" dirty="0" err="1">
-                          <a:ln w="0"/>
-                          <a:solidFill>
-                            <a:schemeClr val="tx1"/>
-                          </a:solidFill>
-                          <a:effectLst>
-                            <a:outerShdw blurRad="38100" dist="19050" dir="2700000" algn="tl" rotWithShape="0">
-                              <a:schemeClr val="dk1">
-                                <a:alpha val="40000"/>
-                              </a:schemeClr>
-                            </a:outerShdw>
-                          </a:effectLst>
-                        </a:rPr>
-                        <a:t>change_angle</a:t>
-                      </a:r>
-                      <a:endParaRPr lang="en-US" sz="1800" b="0" cap="none" spc="0" dirty="0">
-                        <a:ln w="0"/>
-                        <a:solidFill>
-                          <a:schemeClr val="tx1"/>
-                        </a:solidFill>
-                        <a:effectLst>
-                          <a:outerShdw blurRad="38100" dist="19050" dir="2700000" algn="tl" rotWithShape="0">
-                            <a:schemeClr val="dk1">
-                              <a:alpha val="40000"/>
-                            </a:schemeClr>
-                          </a:outerShdw>
-                        </a:effectLst>
-                      </a:endParaRPr>
-                    </a:p>
-                    <a:p>
-                      <a:pPr marL="0" marR="0" lvl="0" indent="0" algn="l" defTabSz="685800" rtl="0" eaLnBrk="1" fontAlgn="auto" latinLnBrk="0" hangingPunct="1">
-                        <a:lnSpc>
-                          <a:spcPct val="100000"/>
-                        </a:lnSpc>
-                        <a:spcBef>
-                          <a:spcPts val="0"/>
-                        </a:spcBef>
-                        <a:spcAft>
-                          <a:spcPts val="0"/>
-                        </a:spcAft>
-                        <a:buClrTx/>
-                        <a:buSzTx/>
-                        <a:buFontTx/>
-                        <a:buNone/>
-                        <a:tabLst/>
-                        <a:defRPr/>
-                      </a:pPr>
-                      <a:r>
-                        <a:rPr lang="en-US" sz="1800" b="0" cap="none" spc="0" dirty="0">
-                          <a:ln w="0"/>
-                          <a:solidFill>
-                            <a:schemeClr val="tx1"/>
-                          </a:solidFill>
-                          <a:effectLst>
-                            <a:outerShdw blurRad="38100" dist="19050" dir="2700000" algn="tl" rotWithShape="0">
-                              <a:schemeClr val="dk1">
-                                <a:alpha val="40000"/>
-                              </a:schemeClr>
-                            </a:outerShdw>
-                          </a:effectLst>
-                        </a:rPr>
-                        <a:t>alpha</a:t>
-                      </a:r>
-                    </a:p>
-                  </a:txBody>
-                  <a:tcPr/>
-                </a:tc>
-                <a:extLst>
-                  <a:ext uri="{0D108BD9-81ED-4DB2-BD59-A6C34878D82A}">
-                    <a16:rowId xmlns:a16="http://schemas.microsoft.com/office/drawing/2014/main" val="3404010091"/>
-                  </a:ext>
-                </a:extLst>
-              </a:tr>
-              <a:tr h="395423">
-                <a:tc>
-                  <a:txBody>
-                    <a:bodyPr/>
-                    <a:lstStyle/>
-                    <a:p>
-                      <a:r>
-                        <a:rPr lang="en-US" sz="1800" b="0" cap="none" spc="0" dirty="0">
-                          <a:ln w="0"/>
-                          <a:solidFill>
-                            <a:schemeClr val="tx1"/>
-                          </a:solidFill>
-                          <a:effectLst>
-                            <a:outerShdw blurRad="38100" dist="19050" dir="2700000" algn="tl" rotWithShape="0">
-                              <a:schemeClr val="dk1">
-                                <a:alpha val="40000"/>
-                              </a:schemeClr>
-                            </a:outerShdw>
-                          </a:effectLst>
-                        </a:rPr>
-                        <a:t>draw()</a:t>
-                      </a:r>
-                    </a:p>
-                    <a:p>
-                      <a:r>
-                        <a:rPr lang="en-US" sz="1800" b="0" cap="none" spc="0" dirty="0">
-                          <a:ln w="0"/>
-                          <a:solidFill>
-                            <a:schemeClr val="tx1"/>
-                          </a:solidFill>
-                          <a:effectLst>
-                            <a:outerShdw blurRad="38100" dist="19050" dir="2700000" algn="tl" rotWithShape="0">
-                              <a:schemeClr val="dk1">
-                                <a:alpha val="40000"/>
-                              </a:schemeClr>
-                            </a:outerShdw>
-                          </a:effectLst>
-                        </a:rPr>
-                        <a:t>update()</a:t>
-                      </a:r>
-                    </a:p>
-                  </a:txBody>
-                  <a:tcPr/>
-                </a:tc>
-                <a:extLst>
-                  <a:ext uri="{0D108BD9-81ED-4DB2-BD59-A6C34878D82A}">
-                    <a16:rowId xmlns:a16="http://schemas.microsoft.com/office/drawing/2014/main" val="2577202153"/>
-                  </a:ext>
-                </a:extLst>
-              </a:tr>
-            </a:tbl>
-          </a:graphicData>
-        </a:graphic>
-      </p:graphicFrame>
-      <p:sp>
-        <p:nvSpPr>
-          <p:cNvPr id="3" name="TextBox 2">
-            <a:extLst>
-              <a:ext uri="{FF2B5EF4-FFF2-40B4-BE49-F238E27FC236}">
-                <a16:creationId xmlns:a16="http://schemas.microsoft.com/office/drawing/2014/main" id="{8BB97AF7-6488-BE43-8363-9BFD815B4E7A}"/>
-              </a:ext>
-            </a:extLst>
-          </p:cNvPr>
-          <p:cNvSpPr txBox="1"/>
-          <p:nvPr/>
-        </p:nvSpPr>
-        <p:spPr>
-          <a:xfrm>
-            <a:off x="3670852" y="728870"/>
-            <a:ext cx="184731" cy="308418"/>
-          </a:xfrm>
-          <a:prstGeom prst="rect">
-            <a:avLst/>
-          </a:prstGeom>
-          <a:noFill/>
-        </p:spPr>
-        <p:txBody>
-          <a:bodyPr wrap="none" rtlCol="0">
-            <a:spAutoFit/>
-          </a:bodyPr>
-          <a:lstStyle/>
-          <a:p>
-            <a:endParaRPr lang="en-US" dirty="0"/>
-          </a:p>
-        </p:txBody>
-      </p:sp>
-      <p:sp>
-        <p:nvSpPr>
-          <p:cNvPr id="5" name="TextBox 4">
-            <a:extLst>
-              <a:ext uri="{FF2B5EF4-FFF2-40B4-BE49-F238E27FC236}">
-                <a16:creationId xmlns:a16="http://schemas.microsoft.com/office/drawing/2014/main" id="{0AFD9F14-5FDD-9A41-B24B-7D381714B083}"/>
-              </a:ext>
-            </a:extLst>
-          </p:cNvPr>
-          <p:cNvSpPr txBox="1"/>
-          <p:nvPr/>
-        </p:nvSpPr>
-        <p:spPr>
-          <a:xfrm>
-            <a:off x="1444487" y="1470991"/>
-            <a:ext cx="184731" cy="308418"/>
-          </a:xfrm>
-          <a:prstGeom prst="rect">
-            <a:avLst/>
-          </a:prstGeom>
-          <a:noFill/>
-        </p:spPr>
-        <p:txBody>
-          <a:bodyPr wrap="none" rtlCol="0">
-            <a:spAutoFit/>
-          </a:bodyPr>
-          <a:lstStyle/>
-          <a:p>
-            <a:endParaRPr lang="en-US" dirty="0"/>
-          </a:p>
-        </p:txBody>
-      </p:sp>
-      <p:cxnSp>
-        <p:nvCxnSpPr>
-          <p:cNvPr id="13" name="Straight Arrow Connector 12">
-            <a:extLst>
-              <a:ext uri="{FF2B5EF4-FFF2-40B4-BE49-F238E27FC236}">
-                <a16:creationId xmlns:a16="http://schemas.microsoft.com/office/drawing/2014/main" id="{D2556216-41CD-8D42-B4C1-6D4D9ECF9A05}"/>
-              </a:ext>
-            </a:extLst>
-          </p:cNvPr>
-          <p:cNvCxnSpPr>
-            <a:cxnSpLocks/>
-          </p:cNvCxnSpPr>
-          <p:nvPr/>
-        </p:nvCxnSpPr>
-        <p:spPr>
-          <a:xfrm>
-            <a:off x="3057498" y="3253658"/>
-            <a:ext cx="1226707" cy="0"/>
-          </a:xfrm>
-          <a:prstGeom prst="straightConnector1">
-            <a:avLst/>
-          </a:prstGeom>
-          <a:ln w="38100">
-            <a:tailEnd type="triangle"/>
-          </a:ln>
-        </p:spPr>
-        <p:style>
-          <a:lnRef idx="1">
-            <a:schemeClr val="dk1"/>
-          </a:lnRef>
-          <a:fillRef idx="0">
-            <a:schemeClr val="dk1"/>
-          </a:fillRef>
-          <a:effectRef idx="0">
-            <a:schemeClr val="dk1"/>
-          </a:effectRef>
-          <a:fontRef idx="minor">
-            <a:schemeClr val="tx1"/>
-          </a:fontRef>
-        </p:style>
-      </p:cxnSp>
-      <p:sp>
-        <p:nvSpPr>
-          <p:cNvPr id="14" name="TextBox 13">
-            <a:extLst>
-              <a:ext uri="{FF2B5EF4-FFF2-40B4-BE49-F238E27FC236}">
-                <a16:creationId xmlns:a16="http://schemas.microsoft.com/office/drawing/2014/main" id="{63449E36-9DBB-134E-94FD-16C40C15EBDC}"/>
-              </a:ext>
-            </a:extLst>
-          </p:cNvPr>
-          <p:cNvSpPr txBox="1"/>
-          <p:nvPr/>
-        </p:nvSpPr>
-        <p:spPr>
-          <a:xfrm>
-            <a:off x="187527" y="2992901"/>
-            <a:ext cx="2949483" cy="738664"/>
-          </a:xfrm>
-          <a:prstGeom prst="rect">
-            <a:avLst/>
-          </a:prstGeom>
-          <a:noFill/>
-        </p:spPr>
-        <p:txBody>
-          <a:bodyPr wrap="square" rtlCol="0">
-            <a:spAutoFit/>
-          </a:bodyPr>
-          <a:lstStyle/>
-          <a:p>
-            <a:r>
-              <a:rPr lang="en-US" sz="2100" dirty="0">
-                <a:solidFill>
-                  <a:srgbClr val="FF0000"/>
-                </a:solidFill>
-              </a:rPr>
-              <a:t>For moving the sprite.</a:t>
-            </a:r>
-          </a:p>
-          <a:p>
-            <a:r>
-              <a:rPr lang="en-US" sz="2100" dirty="0">
-                <a:solidFill>
-                  <a:srgbClr val="FF0000"/>
-                </a:solidFill>
-              </a:rPr>
-              <a:t>(velocity)</a:t>
-            </a:r>
-          </a:p>
-        </p:txBody>
-      </p:sp>
-    </p:spTree>
-    <p:extLst>
-      <p:ext uri="{BB962C8B-B14F-4D97-AF65-F5344CB8AC3E}">
-        <p14:creationId xmlns:p14="http://schemas.microsoft.com/office/powerpoint/2010/main" val="3949056306"/>
-      </p:ext>
-    </p:extLst>
-  </p:cSld>
-  <p:clrMapOvr>
-    <a:masterClrMapping/>
-  </p:clrMapOvr>
-</p:sld>
-</file>
-
-<file path=ppt/slides/slide11.xml><?xml version="1.0" encoding="utf-8"?>
-<p:sld xmlns:a="http://schemas.openxmlformats.org/drawingml/2006/main" xmlns:r="http://schemas.openxmlformats.org/officeDocument/2006/relationships" xmlns:p="http://schemas.openxmlformats.org/presentationml/2006/main">
-  <p:cSld>
-    <p:spTree>
-      <p:nvGrpSpPr>
-        <p:cNvPr id="1" name=""/>
-        <p:cNvGrpSpPr/>
-        <p:nvPr/>
-      </p:nvGrpSpPr>
-      <p:grpSpPr>
-        <a:xfrm>
-          <a:off x="0" y="0"/>
-          <a:ext cx="0" cy="0"/>
-          <a:chOff x="0" y="0"/>
-          <a:chExt cx="0" cy="0"/>
-        </a:xfrm>
-      </p:grpSpPr>
-      <p:sp>
-        <p:nvSpPr>
-          <p:cNvPr id="2" name="Title 1">
-            <a:extLst>
-              <a:ext uri="{FF2B5EF4-FFF2-40B4-BE49-F238E27FC236}">
-                <a16:creationId xmlns:a16="http://schemas.microsoft.com/office/drawing/2014/main" id="{AA3A228F-61D0-D949-A5E7-F83756230BF8}"/>
-              </a:ext>
-            </a:extLst>
-          </p:cNvPr>
-          <p:cNvSpPr>
-            <a:spLocks noGrp="1"/>
-          </p:cNvSpPr>
-          <p:nvPr>
-            <p:ph type="title"/>
-          </p:nvPr>
-        </p:nvSpPr>
-        <p:spPr>
-          <a:xfrm>
-            <a:off x="483848" y="467027"/>
-            <a:ext cx="7053542" cy="683886"/>
-          </a:xfrm>
-        </p:spPr>
-        <p:txBody>
-          <a:bodyPr/>
-          <a:lstStyle/>
-          <a:p>
-            <a:r>
-              <a:rPr lang="en-US" dirty="0"/>
-              <a:t>The Sprite Class</a:t>
-            </a:r>
-          </a:p>
-        </p:txBody>
-      </p:sp>
-      <p:sp>
-        <p:nvSpPr>
-          <p:cNvPr id="9" name="Content Placeholder 8">
-            <a:extLst>
-              <a:ext uri="{FF2B5EF4-FFF2-40B4-BE49-F238E27FC236}">
-                <a16:creationId xmlns:a16="http://schemas.microsoft.com/office/drawing/2014/main" id="{E3B2E017-30B2-884B-A113-B419A2ED51AD}"/>
-              </a:ext>
-            </a:extLst>
-          </p:cNvPr>
-          <p:cNvSpPr>
-            <a:spLocks noGrp="1"/>
-          </p:cNvSpPr>
-          <p:nvPr>
-            <p:ph idx="1"/>
-          </p:nvPr>
-        </p:nvSpPr>
-        <p:spPr>
-          <a:xfrm>
-            <a:off x="483848" y="1284605"/>
-            <a:ext cx="8051725" cy="4404149"/>
-          </a:xfrm>
-        </p:spPr>
-        <p:txBody>
-          <a:bodyPr>
-            <a:noAutofit/>
-          </a:bodyPr>
-          <a:lstStyle/>
-          <a:p>
-            <a:pPr marL="0" indent="0">
-              <a:buNone/>
-            </a:pPr>
-            <a:endParaRPr lang="en-US" dirty="0"/>
-          </a:p>
-          <a:p>
-            <a:pPr marL="0" indent="0">
-              <a:buNone/>
-            </a:pPr>
-            <a:r>
-              <a:rPr lang="en-US" dirty="0"/>
-              <a:t> </a:t>
-            </a:r>
-          </a:p>
-        </p:txBody>
-      </p:sp>
-      <p:graphicFrame>
-        <p:nvGraphicFramePr>
-          <p:cNvPr id="4" name="Content Placeholder 2">
-            <a:extLst>
-              <a:ext uri="{FF2B5EF4-FFF2-40B4-BE49-F238E27FC236}">
-                <a16:creationId xmlns:a16="http://schemas.microsoft.com/office/drawing/2014/main" id="{910DE0CC-5FEF-A94D-BF5D-C253E3945850}"/>
-              </a:ext>
-            </a:extLst>
-          </p:cNvPr>
-          <p:cNvGraphicFramePr>
-            <a:graphicFrameLocks/>
-          </p:cNvGraphicFramePr>
-          <p:nvPr/>
-        </p:nvGraphicFramePr>
-        <p:xfrm>
-          <a:off x="4412973" y="1150913"/>
-          <a:ext cx="4122600" cy="3566160"/>
-        </p:xfrm>
-        <a:graphic>
-          <a:graphicData uri="http://schemas.openxmlformats.org/drawingml/2006/table">
-            <a:tbl>
-              <a:tblPr firstRow="1" bandRow="1">
-                <a:tableStyleId>{5940675A-B579-460E-94D1-54222C63F5DA}</a:tableStyleId>
-              </a:tblPr>
-              <a:tblGrid>
-                <a:gridCol w="4122600">
-                  <a:extLst>
-                    <a:ext uri="{9D8B030D-6E8A-4147-A177-3AD203B41FA5}">
-                      <a16:colId xmlns:a16="http://schemas.microsoft.com/office/drawing/2014/main" val="2159819282"/>
-                    </a:ext>
-                  </a:extLst>
-                </a:gridCol>
-              </a:tblGrid>
-              <a:tr h="130193">
-                <a:tc>
-                  <a:txBody>
-                    <a:bodyPr/>
-                    <a:lstStyle/>
-                    <a:p>
-                      <a:r>
-                        <a:rPr lang="en-US" sz="1800" b="0" cap="none" spc="0" dirty="0" err="1">
-                          <a:ln w="0"/>
-                          <a:solidFill>
-                            <a:srgbClr val="FF0000"/>
-                          </a:solidFill>
-                          <a:effectLst>
-                            <a:outerShdw blurRad="38100" dist="19050" dir="2700000" algn="tl" rotWithShape="0">
-                              <a:schemeClr val="dk1">
-                                <a:alpha val="40000"/>
-                              </a:schemeClr>
-                            </a:outerShdw>
-                          </a:effectLst>
-                        </a:rPr>
-                        <a:t>arcade.Sprite</a:t>
+                        <a:t>Sprite</a:t>
                       </a:r>
                       <a:r>
                         <a:rPr lang="en-US" sz="1800" b="0" cap="none" spc="0" dirty="0">
@@ -8122,651 +7769,7 @@
                             </a:outerShdw>
                           </a:effectLst>
                         </a:rPr>
-                        <a:t>update()</a:t>
-                      </a:r>
-                    </a:p>
-                  </a:txBody>
-                  <a:tcPr/>
-                </a:tc>
-                <a:extLst>
-                  <a:ext uri="{0D108BD9-81ED-4DB2-BD59-A6C34878D82A}">
-                    <a16:rowId xmlns:a16="http://schemas.microsoft.com/office/drawing/2014/main" val="2577202153"/>
-                  </a:ext>
-                </a:extLst>
-              </a:tr>
-            </a:tbl>
-          </a:graphicData>
-        </a:graphic>
-      </p:graphicFrame>
-      <p:sp>
-        <p:nvSpPr>
-          <p:cNvPr id="3" name="TextBox 2">
-            <a:extLst>
-              <a:ext uri="{FF2B5EF4-FFF2-40B4-BE49-F238E27FC236}">
-                <a16:creationId xmlns:a16="http://schemas.microsoft.com/office/drawing/2014/main" id="{8BB97AF7-6488-BE43-8363-9BFD815B4E7A}"/>
-              </a:ext>
-            </a:extLst>
-          </p:cNvPr>
-          <p:cNvSpPr txBox="1"/>
-          <p:nvPr/>
-        </p:nvSpPr>
-        <p:spPr>
-          <a:xfrm>
-            <a:off x="3670852" y="728870"/>
-            <a:ext cx="184731" cy="308418"/>
-          </a:xfrm>
-          <a:prstGeom prst="rect">
-            <a:avLst/>
-          </a:prstGeom>
-          <a:noFill/>
-        </p:spPr>
-        <p:txBody>
-          <a:bodyPr wrap="none" rtlCol="0">
-            <a:spAutoFit/>
-          </a:bodyPr>
-          <a:lstStyle/>
-          <a:p>
-            <a:endParaRPr lang="en-US" dirty="0"/>
-          </a:p>
-        </p:txBody>
-      </p:sp>
-      <p:sp>
-        <p:nvSpPr>
-          <p:cNvPr id="5" name="TextBox 4">
-            <a:extLst>
-              <a:ext uri="{FF2B5EF4-FFF2-40B4-BE49-F238E27FC236}">
-                <a16:creationId xmlns:a16="http://schemas.microsoft.com/office/drawing/2014/main" id="{0AFD9F14-5FDD-9A41-B24B-7D381714B083}"/>
-              </a:ext>
-            </a:extLst>
-          </p:cNvPr>
-          <p:cNvSpPr txBox="1"/>
-          <p:nvPr/>
-        </p:nvSpPr>
-        <p:spPr>
-          <a:xfrm>
-            <a:off x="1444487" y="1470991"/>
-            <a:ext cx="184731" cy="308418"/>
-          </a:xfrm>
-          <a:prstGeom prst="rect">
-            <a:avLst/>
-          </a:prstGeom>
-          <a:noFill/>
-        </p:spPr>
-        <p:txBody>
-          <a:bodyPr wrap="none" rtlCol="0">
-            <a:spAutoFit/>
-          </a:bodyPr>
-          <a:lstStyle/>
-          <a:p>
-            <a:endParaRPr lang="en-US" dirty="0"/>
-          </a:p>
-        </p:txBody>
-      </p:sp>
-      <p:cxnSp>
-        <p:nvCxnSpPr>
-          <p:cNvPr id="13" name="Straight Arrow Connector 12">
-            <a:extLst>
-              <a:ext uri="{FF2B5EF4-FFF2-40B4-BE49-F238E27FC236}">
-                <a16:creationId xmlns:a16="http://schemas.microsoft.com/office/drawing/2014/main" id="{D2556216-41CD-8D42-B4C1-6D4D9ECF9A05}"/>
-              </a:ext>
-            </a:extLst>
-          </p:cNvPr>
-          <p:cNvCxnSpPr>
-            <a:cxnSpLocks/>
-          </p:cNvCxnSpPr>
-          <p:nvPr/>
-        </p:nvCxnSpPr>
-        <p:spPr>
-          <a:xfrm>
-            <a:off x="3024447" y="3625506"/>
-            <a:ext cx="1226707" cy="0"/>
-          </a:xfrm>
-          <a:prstGeom prst="straightConnector1">
-            <a:avLst/>
-          </a:prstGeom>
-          <a:ln w="38100">
-            <a:tailEnd type="triangle"/>
-          </a:ln>
-        </p:spPr>
-        <p:style>
-          <a:lnRef idx="1">
-            <a:schemeClr val="dk1"/>
-          </a:lnRef>
-          <a:fillRef idx="0">
-            <a:schemeClr val="dk1"/>
-          </a:fillRef>
-          <a:effectRef idx="0">
-            <a:schemeClr val="dk1"/>
-          </a:effectRef>
-          <a:fontRef idx="minor">
-            <a:schemeClr val="tx1"/>
-          </a:fontRef>
-        </p:style>
-      </p:cxnSp>
-      <p:sp>
-        <p:nvSpPr>
-          <p:cNvPr id="14" name="TextBox 13">
-            <a:extLst>
-              <a:ext uri="{FF2B5EF4-FFF2-40B4-BE49-F238E27FC236}">
-                <a16:creationId xmlns:a16="http://schemas.microsoft.com/office/drawing/2014/main" id="{63449E36-9DBB-134E-94FD-16C40C15EBDC}"/>
-              </a:ext>
-            </a:extLst>
-          </p:cNvPr>
-          <p:cNvSpPr txBox="1"/>
-          <p:nvPr/>
-        </p:nvSpPr>
-        <p:spPr>
-          <a:xfrm>
-            <a:off x="154476" y="3364749"/>
-            <a:ext cx="2949483" cy="415498"/>
-          </a:xfrm>
-          <a:prstGeom prst="rect">
-            <a:avLst/>
-          </a:prstGeom>
-          <a:noFill/>
-        </p:spPr>
-        <p:txBody>
-          <a:bodyPr wrap="square" rtlCol="0">
-            <a:spAutoFit/>
-          </a:bodyPr>
-          <a:lstStyle/>
-          <a:p>
-            <a:r>
-              <a:rPr lang="en-US" sz="2100" dirty="0">
-                <a:solidFill>
-                  <a:srgbClr val="FF0000"/>
-                </a:solidFill>
-              </a:rPr>
-              <a:t>For rotating the sprite.</a:t>
-            </a:r>
-          </a:p>
-        </p:txBody>
-      </p:sp>
-    </p:spTree>
-    <p:extLst>
-      <p:ext uri="{BB962C8B-B14F-4D97-AF65-F5344CB8AC3E}">
-        <p14:creationId xmlns:p14="http://schemas.microsoft.com/office/powerpoint/2010/main" val="4121273586"/>
-      </p:ext>
-    </p:extLst>
-  </p:cSld>
-  <p:clrMapOvr>
-    <a:masterClrMapping/>
-  </p:clrMapOvr>
-</p:sld>
-</file>
-
-<file path=ppt/slides/slide12.xml><?xml version="1.0" encoding="utf-8"?>
-<p:sld xmlns:a="http://schemas.openxmlformats.org/drawingml/2006/main" xmlns:r="http://schemas.openxmlformats.org/officeDocument/2006/relationships" xmlns:p="http://schemas.openxmlformats.org/presentationml/2006/main">
-  <p:cSld>
-    <p:spTree>
-      <p:nvGrpSpPr>
-        <p:cNvPr id="1" name=""/>
-        <p:cNvGrpSpPr/>
-        <p:nvPr/>
-      </p:nvGrpSpPr>
-      <p:grpSpPr>
-        <a:xfrm>
-          <a:off x="0" y="0"/>
-          <a:ext cx="0" cy="0"/>
-          <a:chOff x="0" y="0"/>
-          <a:chExt cx="0" cy="0"/>
-        </a:xfrm>
-      </p:grpSpPr>
-      <p:sp>
-        <p:nvSpPr>
-          <p:cNvPr id="2" name="Title 1">
-            <a:extLst>
-              <a:ext uri="{FF2B5EF4-FFF2-40B4-BE49-F238E27FC236}">
-                <a16:creationId xmlns:a16="http://schemas.microsoft.com/office/drawing/2014/main" id="{AA3A228F-61D0-D949-A5E7-F83756230BF8}"/>
-              </a:ext>
-            </a:extLst>
-          </p:cNvPr>
-          <p:cNvSpPr>
-            <a:spLocks noGrp="1"/>
-          </p:cNvSpPr>
-          <p:nvPr>
-            <p:ph type="title"/>
-          </p:nvPr>
-        </p:nvSpPr>
-        <p:spPr>
-          <a:xfrm>
-            <a:off x="483848" y="467027"/>
-            <a:ext cx="7053542" cy="683886"/>
-          </a:xfrm>
-        </p:spPr>
-        <p:txBody>
-          <a:bodyPr/>
-          <a:lstStyle/>
-          <a:p>
-            <a:r>
-              <a:rPr lang="en-US" dirty="0"/>
-              <a:t>The Sprite Class</a:t>
-            </a:r>
-          </a:p>
-        </p:txBody>
-      </p:sp>
-      <p:sp>
-        <p:nvSpPr>
-          <p:cNvPr id="9" name="Content Placeholder 8">
-            <a:extLst>
-              <a:ext uri="{FF2B5EF4-FFF2-40B4-BE49-F238E27FC236}">
-                <a16:creationId xmlns:a16="http://schemas.microsoft.com/office/drawing/2014/main" id="{E3B2E017-30B2-884B-A113-B419A2ED51AD}"/>
-              </a:ext>
-            </a:extLst>
-          </p:cNvPr>
-          <p:cNvSpPr>
-            <a:spLocks noGrp="1"/>
-          </p:cNvSpPr>
-          <p:nvPr>
-            <p:ph idx="1"/>
-          </p:nvPr>
-        </p:nvSpPr>
-        <p:spPr>
-          <a:xfrm>
-            <a:off x="483848" y="1284605"/>
-            <a:ext cx="8051725" cy="4404149"/>
-          </a:xfrm>
-        </p:spPr>
-        <p:txBody>
-          <a:bodyPr>
-            <a:noAutofit/>
-          </a:bodyPr>
-          <a:lstStyle/>
-          <a:p>
-            <a:pPr marL="0" indent="0">
-              <a:buNone/>
-            </a:pPr>
-            <a:endParaRPr lang="en-US" dirty="0"/>
-          </a:p>
-          <a:p>
-            <a:pPr marL="0" indent="0">
-              <a:buNone/>
-            </a:pPr>
-            <a:r>
-              <a:rPr lang="en-US" dirty="0"/>
-              <a:t> </a:t>
-            </a:r>
-          </a:p>
-        </p:txBody>
-      </p:sp>
-      <p:graphicFrame>
-        <p:nvGraphicFramePr>
-          <p:cNvPr id="4" name="Content Placeholder 2">
-            <a:extLst>
-              <a:ext uri="{FF2B5EF4-FFF2-40B4-BE49-F238E27FC236}">
-                <a16:creationId xmlns:a16="http://schemas.microsoft.com/office/drawing/2014/main" id="{910DE0CC-5FEF-A94D-BF5D-C253E3945850}"/>
-              </a:ext>
-            </a:extLst>
-          </p:cNvPr>
-          <p:cNvGraphicFramePr>
-            <a:graphicFrameLocks/>
-          </p:cNvGraphicFramePr>
-          <p:nvPr/>
-        </p:nvGraphicFramePr>
-        <p:xfrm>
-          <a:off x="4412973" y="1150913"/>
-          <a:ext cx="4122600" cy="3566160"/>
-        </p:xfrm>
-        <a:graphic>
-          <a:graphicData uri="http://schemas.openxmlformats.org/drawingml/2006/table">
-            <a:tbl>
-              <a:tblPr firstRow="1" bandRow="1">
-                <a:tableStyleId>{5940675A-B579-460E-94D1-54222C63F5DA}</a:tableStyleId>
-              </a:tblPr>
-              <a:tblGrid>
-                <a:gridCol w="4122600">
-                  <a:extLst>
-                    <a:ext uri="{9D8B030D-6E8A-4147-A177-3AD203B41FA5}">
-                      <a16:colId xmlns:a16="http://schemas.microsoft.com/office/drawing/2014/main" val="2159819282"/>
-                    </a:ext>
-                  </a:extLst>
-                </a:gridCol>
-              </a:tblGrid>
-              <a:tr h="130193">
-                <a:tc>
-                  <a:txBody>
-                    <a:bodyPr/>
-                    <a:lstStyle/>
-                    <a:p>
-                      <a:r>
-                        <a:rPr lang="en-US" sz="1800" b="0" cap="none" spc="0" dirty="0" err="1">
-                          <a:ln w="0"/>
-                          <a:solidFill>
-                            <a:srgbClr val="FF0000"/>
-                          </a:solidFill>
-                          <a:effectLst>
-                            <a:outerShdw blurRad="38100" dist="19050" dir="2700000" algn="tl" rotWithShape="0">
-                              <a:schemeClr val="dk1">
-                                <a:alpha val="40000"/>
-                              </a:schemeClr>
-                            </a:outerShdw>
-                          </a:effectLst>
-                        </a:rPr>
-                        <a:t>arcade.Sprite</a:t>
-                      </a:r>
-                      <a:r>
-                        <a:rPr lang="en-US" sz="1800" b="0" cap="none" spc="0" dirty="0">
-                          <a:ln w="0"/>
-                          <a:solidFill>
-                            <a:srgbClr val="FF0000"/>
-                          </a:solidFill>
-                          <a:effectLst>
-                            <a:outerShdw blurRad="38100" dist="19050" dir="2700000" algn="tl" rotWithShape="0">
-                              <a:schemeClr val="dk1">
-                                <a:alpha val="40000"/>
-                              </a:schemeClr>
-                            </a:outerShdw>
-                          </a:effectLst>
-                        </a:rPr>
-                        <a:t>(filename, scale=1.0)</a:t>
-                      </a:r>
-                    </a:p>
-                  </a:txBody>
-                  <a:tcPr/>
-                </a:tc>
-                <a:extLst>
-                  <a:ext uri="{0D108BD9-81ED-4DB2-BD59-A6C34878D82A}">
-                    <a16:rowId xmlns:a16="http://schemas.microsoft.com/office/drawing/2014/main" val="1405314547"/>
-                  </a:ext>
-                </a:extLst>
-              </a:tr>
-              <a:tr h="1397523">
-                <a:tc>
-                  <a:txBody>
-                    <a:bodyPr/>
-                    <a:lstStyle/>
-                    <a:p>
-                      <a:r>
-                        <a:rPr lang="en-US" sz="1800" b="0" cap="none" spc="0" dirty="0" err="1">
-                          <a:ln w="0"/>
-                          <a:solidFill>
-                            <a:schemeClr val="tx1"/>
-                          </a:solidFill>
-                          <a:effectLst>
-                            <a:outerShdw blurRad="38100" dist="19050" dir="2700000" algn="tl" rotWithShape="0">
-                              <a:schemeClr val="dk1">
-                                <a:alpha val="40000"/>
-                              </a:schemeClr>
-                            </a:outerShdw>
-                          </a:effectLst>
-                        </a:rPr>
-                        <a:t>center_x</a:t>
-                      </a:r>
-                      <a:endParaRPr lang="en-US" sz="1800" b="0" cap="none" spc="0" dirty="0">
-                        <a:ln w="0"/>
-                        <a:solidFill>
-                          <a:schemeClr val="tx1"/>
-                        </a:solidFill>
-                        <a:effectLst>
-                          <a:outerShdw blurRad="38100" dist="19050" dir="2700000" algn="tl" rotWithShape="0">
-                            <a:schemeClr val="dk1">
-                              <a:alpha val="40000"/>
-                            </a:schemeClr>
-                          </a:outerShdw>
-                        </a:effectLst>
-                      </a:endParaRPr>
-                    </a:p>
-                    <a:p>
-                      <a:r>
-                        <a:rPr lang="en-US" sz="1800" b="0" cap="none" spc="0" dirty="0" err="1">
-                          <a:ln w="0"/>
-                          <a:solidFill>
-                            <a:schemeClr val="tx1"/>
-                          </a:solidFill>
-                          <a:effectLst>
-                            <a:outerShdw blurRad="38100" dist="19050" dir="2700000" algn="tl" rotWithShape="0">
-                              <a:schemeClr val="dk1">
-                                <a:alpha val="40000"/>
-                              </a:schemeClr>
-                            </a:outerShdw>
-                          </a:effectLst>
-                        </a:rPr>
-                        <a:t>center_y</a:t>
-                      </a:r>
-                      <a:endParaRPr lang="en-US" sz="1800" b="0" cap="none" spc="0" dirty="0">
-                        <a:ln w="0"/>
-                        <a:solidFill>
-                          <a:schemeClr val="tx1"/>
-                        </a:solidFill>
-                        <a:effectLst>
-                          <a:outerShdw blurRad="38100" dist="19050" dir="2700000" algn="tl" rotWithShape="0">
-                            <a:schemeClr val="dk1">
-                              <a:alpha val="40000"/>
-                            </a:schemeClr>
-                          </a:outerShdw>
-                        </a:effectLst>
-                      </a:endParaRPr>
-                    </a:p>
-                    <a:p>
-                      <a:r>
-                        <a:rPr lang="en-US" sz="1800" b="0" cap="none" spc="0" dirty="0">
-                          <a:ln w="0"/>
-                          <a:solidFill>
-                            <a:schemeClr val="tx1"/>
-                          </a:solidFill>
-                          <a:effectLst>
-                            <a:outerShdw blurRad="38100" dist="19050" dir="2700000" algn="tl" rotWithShape="0">
-                              <a:schemeClr val="dk1">
-                                <a:alpha val="40000"/>
-                              </a:schemeClr>
-                            </a:outerShdw>
-                          </a:effectLst>
-                        </a:rPr>
-                        <a:t>angle</a:t>
-                      </a:r>
-                    </a:p>
-                    <a:p>
-                      <a:r>
-                        <a:rPr lang="en-US" sz="1800" b="0" cap="none" spc="0" dirty="0">
-                          <a:ln w="0"/>
-                          <a:solidFill>
-                            <a:schemeClr val="tx1"/>
-                          </a:solidFill>
-                          <a:effectLst>
-                            <a:outerShdw blurRad="38100" dist="19050" dir="2700000" algn="tl" rotWithShape="0">
-                              <a:schemeClr val="dk1">
-                                <a:alpha val="40000"/>
-                              </a:schemeClr>
-                            </a:outerShdw>
-                          </a:effectLst>
-                        </a:rPr>
-                        <a:t>width</a:t>
-                      </a:r>
-                    </a:p>
-                    <a:p>
-                      <a:r>
-                        <a:rPr lang="en-US" sz="1800" b="0" cap="none" spc="0" dirty="0">
-                          <a:ln w="0"/>
-                          <a:solidFill>
-                            <a:schemeClr val="tx1"/>
-                          </a:solidFill>
-                          <a:effectLst>
-                            <a:outerShdw blurRad="38100" dist="19050" dir="2700000" algn="tl" rotWithShape="0">
-                              <a:schemeClr val="dk1">
-                                <a:alpha val="40000"/>
-                              </a:schemeClr>
-                            </a:outerShdw>
-                          </a:effectLst>
-                        </a:rPr>
-                        <a:t>height</a:t>
-                      </a:r>
-                    </a:p>
-                    <a:p>
-                      <a:r>
-                        <a:rPr lang="en-US" sz="1800" b="0" cap="none" spc="0" dirty="0" err="1">
-                          <a:ln w="0"/>
-                          <a:solidFill>
-                            <a:schemeClr val="tx1"/>
-                          </a:solidFill>
-                          <a:effectLst>
-                            <a:outerShdw blurRad="38100" dist="19050" dir="2700000" algn="tl" rotWithShape="0">
-                              <a:schemeClr val="dk1">
-                                <a:alpha val="40000"/>
-                              </a:schemeClr>
-                            </a:outerShdw>
-                          </a:effectLst>
-                        </a:rPr>
-                        <a:t>change_x</a:t>
-                      </a:r>
-                      <a:endParaRPr lang="en-US" sz="1800" b="0" cap="none" spc="0" dirty="0">
-                        <a:ln w="0"/>
-                        <a:solidFill>
-                          <a:schemeClr val="tx1"/>
-                        </a:solidFill>
-                        <a:effectLst>
-                          <a:outerShdw blurRad="38100" dist="19050" dir="2700000" algn="tl" rotWithShape="0">
-                            <a:schemeClr val="dk1">
-                              <a:alpha val="40000"/>
-                            </a:schemeClr>
-                          </a:outerShdw>
-                        </a:effectLst>
-                      </a:endParaRPr>
-                    </a:p>
-                    <a:p>
-                      <a:r>
-                        <a:rPr lang="en-US" sz="1800" b="0" cap="none" spc="0" dirty="0" err="1">
-                          <a:ln w="0"/>
-                          <a:solidFill>
-                            <a:schemeClr val="tx1"/>
-                          </a:solidFill>
-                          <a:effectLst>
-                            <a:outerShdw blurRad="38100" dist="19050" dir="2700000" algn="tl" rotWithShape="0">
-                              <a:schemeClr val="dk1">
-                                <a:alpha val="40000"/>
-                              </a:schemeClr>
-                            </a:outerShdw>
-                          </a:effectLst>
-                        </a:rPr>
-                        <a:t>change_y</a:t>
-                      </a:r>
-                      <a:endParaRPr lang="en-US" sz="1800" b="0" cap="none" spc="0" dirty="0">
-                        <a:ln w="0"/>
-                        <a:solidFill>
-                          <a:schemeClr val="tx1"/>
-                        </a:solidFill>
-                        <a:effectLst>
-                          <a:outerShdw blurRad="38100" dist="19050" dir="2700000" algn="tl" rotWithShape="0">
-                            <a:schemeClr val="dk1">
-                              <a:alpha val="40000"/>
-                            </a:schemeClr>
-                          </a:outerShdw>
-                        </a:effectLst>
-                      </a:endParaRPr>
-                    </a:p>
-                    <a:p>
-                      <a:r>
-                        <a:rPr lang="en-US" sz="1800" b="0" cap="none" spc="0" dirty="0" err="1">
-                          <a:ln w="0"/>
-                          <a:solidFill>
-                            <a:srgbClr val="00B050"/>
-                          </a:solidFill>
-                          <a:effectLst>
-                            <a:outerShdw blurRad="38100" dist="19050" dir="2700000" algn="tl" rotWithShape="0">
-                              <a:schemeClr val="dk1">
-                                <a:alpha val="40000"/>
-                              </a:schemeClr>
-                            </a:outerShdw>
-                          </a:effectLst>
-                        </a:rPr>
-                        <a:t>change_angle</a:t>
-                      </a:r>
-                      <a:endParaRPr lang="en-US" sz="1800" b="0" cap="none" spc="0" dirty="0">
-                        <a:ln w="0"/>
-                        <a:solidFill>
-                          <a:srgbClr val="00B050"/>
-                        </a:solidFill>
-                        <a:effectLst>
-                          <a:outerShdw blurRad="38100" dist="19050" dir="2700000" algn="tl" rotWithShape="0">
-                            <a:schemeClr val="dk1">
-                              <a:alpha val="40000"/>
-                            </a:schemeClr>
-                          </a:outerShdw>
-                        </a:effectLst>
-                      </a:endParaRPr>
-                    </a:p>
-                    <a:p>
-                      <a:pPr marL="0" marR="0" lvl="0" indent="0" algn="l" defTabSz="685800" rtl="0" eaLnBrk="1" fontAlgn="auto" latinLnBrk="0" hangingPunct="1">
-                        <a:lnSpc>
-                          <a:spcPct val="100000"/>
-                        </a:lnSpc>
-                        <a:spcBef>
-                          <a:spcPts val="0"/>
-                        </a:spcBef>
-                        <a:spcAft>
-                          <a:spcPts val="0"/>
-                        </a:spcAft>
-                        <a:buClrTx/>
-                        <a:buSzTx/>
-                        <a:buFontTx/>
-                        <a:buNone/>
-                        <a:tabLst/>
-                        <a:defRPr/>
-                      </a:pPr>
-                      <a:r>
-                        <a:rPr lang="en-US" sz="1800" b="0" cap="none" spc="0" dirty="0">
-                          <a:ln w="0"/>
-                          <a:solidFill>
-                            <a:schemeClr val="tx1"/>
-                          </a:solidFill>
-                          <a:effectLst>
-                            <a:outerShdw blurRad="38100" dist="19050" dir="2700000" algn="tl" rotWithShape="0">
-                              <a:schemeClr val="dk1">
-                                <a:alpha val="40000"/>
-                              </a:schemeClr>
-                            </a:outerShdw>
-                          </a:effectLst>
-                        </a:rPr>
-                        <a:t>alpha</a:t>
-                      </a:r>
-                    </a:p>
-                  </a:txBody>
-                  <a:tcPr/>
-                </a:tc>
-                <a:extLst>
-                  <a:ext uri="{0D108BD9-81ED-4DB2-BD59-A6C34878D82A}">
-                    <a16:rowId xmlns:a16="http://schemas.microsoft.com/office/drawing/2014/main" val="3404010091"/>
-                  </a:ext>
-                </a:extLst>
-              </a:tr>
-              <a:tr h="395423">
-                <a:tc>
-                  <a:txBody>
-                    <a:bodyPr/>
-                    <a:lstStyle/>
-                    <a:p>
-                      <a:r>
-                        <a:rPr lang="en-US" sz="1800" b="0" cap="none" spc="0" dirty="0">
-                          <a:ln w="0"/>
-                          <a:solidFill>
-                            <a:schemeClr val="tx1"/>
-                          </a:solidFill>
-                          <a:effectLst>
-                            <a:outerShdw blurRad="38100" dist="19050" dir="2700000" algn="tl" rotWithShape="0">
-                              <a:schemeClr val="dk1">
-                                <a:alpha val="40000"/>
-                              </a:schemeClr>
-                            </a:outerShdw>
-                          </a:effectLst>
-                        </a:rPr>
-                        <a:t>draw()</a:t>
-                      </a:r>
-                    </a:p>
-                    <a:p>
-                      <a:r>
-                        <a:rPr lang="en-US" sz="1800" b="0" cap="none" spc="0" dirty="0">
-                          <a:ln w="0"/>
-                          <a:solidFill>
-                            <a:schemeClr val="tx1"/>
-                          </a:solidFill>
-                          <a:effectLst>
-                            <a:outerShdw blurRad="38100" dist="19050" dir="2700000" algn="tl" rotWithShape="0">
-                              <a:schemeClr val="dk1">
-                                <a:alpha val="40000"/>
-                              </a:schemeClr>
-                            </a:outerShdw>
-                          </a:effectLst>
-                        </a:rPr>
-                        <a:t>update()</a:t>
+                        <a:t>move()</a:t>
                       </a:r>
                     </a:p>
                   </a:txBody>
@@ -8956,7 +7959,7 @@
 </p:sld>
 </file>
 
-<file path=ppt/slides/slide13.xml><?xml version="1.0" encoding="utf-8"?>
+<file path=ppt/slides/slide11.xml><?xml version="1.0" encoding="utf-8"?>
 <p:sld xmlns:a="http://schemas.openxmlformats.org/drawingml/2006/main" xmlns:r="http://schemas.openxmlformats.org/officeDocument/2006/relationships" xmlns:p="http://schemas.openxmlformats.org/presentationml/2006/main">
   <p:cSld>
     <p:spTree>
@@ -9062,7 +8065,13 @@
           <p:cNvGraphicFramePr>
             <a:graphicFrameLocks/>
           </p:cNvGraphicFramePr>
-          <p:nvPr/>
+          <p:nvPr>
+            <p:extLst>
+              <p:ext uri="{D42A27DB-BD31-4B8C-83A1-F6EECF244321}">
+                <p14:modId xmlns:p14="http://schemas.microsoft.com/office/powerpoint/2010/main" val="698185692"/>
+              </p:ext>
+            </p:extLst>
+          </p:nvPr>
         </p:nvGraphicFramePr>
         <p:xfrm>
           <a:off x="4412973" y="1150913"/>
@@ -9103,7 +8112,7 @@
                             </a:outerShdw>
                           </a:effectLst>
                         </a:rPr>
-                        <a:t>arcade.Sprite</a:t>
+                        <a:t>Sprite</a:t>
                       </a:r>
                       <a:r>
                         <a:rPr lang="en-US" sz="1800" b="0" cap="none" spc="0" dirty="0">
@@ -9450,7 +8459,7 @@
                             </a:outerShdw>
                           </a:effectLst>
                         </a:rPr>
-                        <a:t>update()</a:t>
+                        <a:t>move()</a:t>
                       </a:r>
                     </a:p>
                   </a:txBody>
@@ -9623,7 +8632,7 @@
 </p:sld>
 </file>
 
-<file path=ppt/slides/slide14.xml><?xml version="1.0" encoding="utf-8"?>
+<file path=ppt/slides/slide12.xml><?xml version="1.0" encoding="utf-8"?>
 <p:sld xmlns:a="http://schemas.openxmlformats.org/drawingml/2006/main" xmlns:r="http://schemas.openxmlformats.org/officeDocument/2006/relationships" xmlns:p="http://schemas.openxmlformats.org/presentationml/2006/main">
   <p:cSld>
     <p:spTree>
@@ -9729,7 +8738,13 @@
           <p:cNvGraphicFramePr>
             <a:graphicFrameLocks/>
           </p:cNvGraphicFramePr>
-          <p:nvPr/>
+          <p:nvPr>
+            <p:extLst>
+              <p:ext uri="{D42A27DB-BD31-4B8C-83A1-F6EECF244321}">
+                <p14:modId xmlns:p14="http://schemas.microsoft.com/office/powerpoint/2010/main" val="2651783000"/>
+              </p:ext>
+            </p:extLst>
+          </p:nvPr>
         </p:nvGraphicFramePr>
         <p:xfrm>
           <a:off x="4412973" y="1150913"/>
@@ -9770,7 +8785,7 @@
                             </a:outerShdw>
                           </a:effectLst>
                         </a:rPr>
-                        <a:t>arcade.Sprite</a:t>
+                        <a:t>Sprite</a:t>
                       </a:r>
                       <a:r>
                         <a:rPr lang="en-US" sz="1800" b="0" cap="none" spc="0" dirty="0">
@@ -10117,7 +9132,7 @@
                             </a:outerShdw>
                           </a:effectLst>
                         </a:rPr>
-                        <a:t>update()</a:t>
+                        <a:t>move()</a:t>
                       </a:r>
                     </a:p>
                   </a:txBody>
@@ -10253,7 +9268,7 @@
         <p:spPr>
           <a:xfrm>
             <a:off x="202317" y="1418710"/>
-            <a:ext cx="2949483" cy="2354491"/>
+            <a:ext cx="2949483" cy="2031325"/>
           </a:xfrm>
           <a:prstGeom prst="rect">
             <a:avLst/>
@@ -10272,7 +9287,7 @@
                   <a:srgbClr val="FF0000"/>
                 </a:solidFill>
               </a:rPr>
-              <a:t>update() will automatically animate the sprite:</a:t>
+              <a:t>move() will automatically animate the sprite:</a:t>
             </a:r>
           </a:p>
           <a:p>
@@ -10384,7 +9399,7 @@
         <p:spPr>
           <a:xfrm>
             <a:off x="166163" y="4186144"/>
-            <a:ext cx="3909079" cy="738664"/>
+            <a:ext cx="3909079" cy="415498"/>
           </a:xfrm>
           <a:prstGeom prst="rect">
             <a:avLst/>
@@ -10403,23 +9418,7 @@
                   <a:srgbClr val="FF0000"/>
                 </a:solidFill>
               </a:rPr>
-              <a:t>call update() on each object in </a:t>
-            </a:r>
-            <a:r>
-              <a:rPr lang="en-US" sz="2100" dirty="0" err="1">
-                <a:solidFill>
-                  <a:srgbClr val="FF0000"/>
-                </a:solidFill>
-              </a:rPr>
-              <a:t>on_update</a:t>
-            </a:r>
-            <a:r>
-              <a:rPr lang="en-US" sz="2100" dirty="0">
-                <a:solidFill>
-                  <a:srgbClr val="FF0000"/>
-                </a:solidFill>
-              </a:rPr>
-              <a:t>() </a:t>
+              <a:t>call move() on each object</a:t>
             </a:r>
           </a:p>
         </p:txBody>
@@ -10515,7 +9514,7 @@
 </p:sld>
 </file>
 
-<file path=ppt/slides/slide15.xml><?xml version="1.0" encoding="utf-8"?>
+<file path=ppt/slides/slide13.xml><?xml version="1.0" encoding="utf-8"?>
 <p:sld xmlns:a="http://schemas.openxmlformats.org/drawingml/2006/main" xmlns:r="http://schemas.openxmlformats.org/officeDocument/2006/relationships" xmlns:p="http://schemas.openxmlformats.org/presentationml/2006/main">
   <p:cSld>
     <p:spTree>
@@ -10592,7 +9591,7 @@
         </p:spPr>
         <p:txBody>
           <a:bodyPr>
-            <a:normAutofit lnSpcReduction="10000"/>
+            <a:normAutofit/>
           </a:bodyPr>
           <a:lstStyle/>
           <a:p>
@@ -10706,7 +9705,7 @@
                 <a:latin typeface="INCONSOLATA" panose="020B0609030003000000" pitchFamily="49" charset="77"/>
                 <a:ea typeface="ＭＳ Ｐゴシック" panose="020B0600070205080204" pitchFamily="34" charset="-128"/>
               </a:rPr>
-              <a:t>arcade.Sprite</a:t>
+              <a:t>Sprite</a:t>
             </a:r>
             <a:r>
               <a:rPr lang="en-US" altLang="en-US" sz="1800" dirty="0">
@@ -10955,13 +9954,41 @@
               </a:rPr>
               <a:t>()</a:t>
             </a:r>
-            <a:endParaRPr lang="en-US" altLang="en-US" sz="1800" dirty="0">
-              <a:solidFill>
-                <a:srgbClr val="7030A0"/>
-              </a:solidFill>
-              <a:latin typeface="INCONSOLATA" panose="020B0609030003000000" pitchFamily="49" charset="77"/>
-              <a:ea typeface="ＭＳ Ｐゴシック" panose="020B0600070205080204" pitchFamily="34" charset="-128"/>
-            </a:endParaRPr>
+          </a:p>
+          <a:p>
+            <a:pPr marL="0" indent="0">
+              <a:buNone/>
+            </a:pPr>
+            <a:r>
+              <a:rPr lang="en-US" altLang="en-US" sz="1800" dirty="0">
+                <a:solidFill>
+                  <a:srgbClr val="7030A0"/>
+                </a:solidFill>
+                <a:latin typeface="INCONSOLATA" panose="020B0609030003000000" pitchFamily="49" charset="77"/>
+                <a:ea typeface="ＭＳ Ｐゴシック" panose="020B0600070205080204" pitchFamily="34" charset="-128"/>
+              </a:rPr>
+              <a:t>	  </a:t>
+            </a:r>
+            <a:r>
+              <a:rPr lang="en-US" altLang="en-US" sz="1800" dirty="0" err="1">
+                <a:solidFill>
+                  <a:srgbClr val="FF0000"/>
+                </a:solidFill>
+                <a:latin typeface="INCONSOLATA" panose="020B0609030003000000" pitchFamily="49" charset="77"/>
+                <a:ea typeface="ＭＳ Ｐゴシック" panose="020B0600070205080204" pitchFamily="34" charset="-128"/>
+              </a:rPr>
+              <a:t>self.player.move</a:t>
+            </a:r>
+            <a:r>
+              <a:rPr lang="en-US" altLang="en-US" sz="1800" dirty="0">
+                <a:solidFill>
+                  <a:srgbClr val="FF0000"/>
+                </a:solidFill>
+                <a:latin typeface="INCONSOLATA" panose="020B0609030003000000" pitchFamily="49" charset="77"/>
+                <a:ea typeface="ＭＳ Ｐゴシック" panose="020B0600070205080204" pitchFamily="34" charset="-128"/>
+              </a:rPr>
+              <a:t>()</a:t>
+            </a:r>
           </a:p>
           <a:p>
             <a:pPr marL="0" indent="0">
@@ -10979,51 +10006,13 @@
             <a:pPr marL="0" indent="0">
               <a:buNone/>
             </a:pPr>
-            <a:r>
-              <a:rPr lang="en-US" altLang="en-US" sz="1800" dirty="0">
-                <a:solidFill>
-                  <a:srgbClr val="7030A0"/>
-                </a:solidFill>
-                <a:latin typeface="INCONSOLATA" panose="020B0609030003000000" pitchFamily="49" charset="77"/>
-                <a:ea typeface="ＭＳ Ｐゴシック" panose="020B0600070205080204" pitchFamily="34" charset="-128"/>
-              </a:rPr>
-              <a:t>    def </a:t>
-            </a:r>
-            <a:r>
-              <a:rPr lang="en-US" altLang="en-US" sz="1800" dirty="0" err="1">
-                <a:solidFill>
-                  <a:srgbClr val="7030A0"/>
-                </a:solidFill>
-                <a:latin typeface="INCONSOLATA" panose="020B0609030003000000" pitchFamily="49" charset="77"/>
-                <a:ea typeface="ＭＳ Ｐゴシック" panose="020B0600070205080204" pitchFamily="34" charset="-128"/>
-              </a:rPr>
-              <a:t>on_update</a:t>
-            </a:r>
-            <a:r>
-              <a:rPr lang="en-US" altLang="en-US" sz="1800" dirty="0">
-                <a:solidFill>
-                  <a:srgbClr val="7030A0"/>
-                </a:solidFill>
-                <a:latin typeface="INCONSOLATA" panose="020B0609030003000000" pitchFamily="49" charset="77"/>
-                <a:ea typeface="ＭＳ Ｐゴシック" panose="020B0600070205080204" pitchFamily="34" charset="-128"/>
-              </a:rPr>
-              <a:t>(self):</a:t>
-            </a:r>
-          </a:p>
-          <a:p>
-            <a:pPr marL="0" indent="0">
-              <a:buNone/>
-            </a:pPr>
-            <a:r>
-              <a:rPr lang="en-US" altLang="en-US" sz="1800" dirty="0">
-                <a:solidFill>
-                  <a:srgbClr val="7030A0"/>
-                </a:solidFill>
-                <a:latin typeface="INCONSOLATA" panose="020B0609030003000000" pitchFamily="49" charset="77"/>
-                <a:ea typeface="ＭＳ Ｐゴシック" panose="020B0600070205080204" pitchFamily="34" charset="-128"/>
-              </a:rPr>
-              <a:t>        """ Called automatically 60 times a second to update all objects.""" </a:t>
-            </a:r>
+            <a:endParaRPr lang="en-US" altLang="en-US" sz="1800" dirty="0">
+              <a:solidFill>
+                <a:srgbClr val="7030A0"/>
+              </a:solidFill>
+              <a:latin typeface="INCONSOLATA" panose="020B0609030003000000" pitchFamily="49" charset="77"/>
+              <a:ea typeface="ＭＳ Ｐゴシック" panose="020B0600070205080204" pitchFamily="34" charset="-128"/>
+            </a:endParaRPr>
           </a:p>
           <a:p>
             <a:pPr marL="0" indent="0">
@@ -11104,7 +10093,7 @@
         <p:spPr>
           <a:xfrm>
             <a:off x="3358014" y="3142854"/>
-            <a:ext cx="5724644" cy="800860"/>
+            <a:ext cx="5109091" cy="800860"/>
           </a:xfrm>
           <a:prstGeom prst="rect">
             <a:avLst/>
@@ -11157,7 +10146,7 @@
                 <a:latin typeface="INCONSOLATA" panose="020B0609030003000000" pitchFamily="49" charset="77"/>
                 <a:ea typeface="ＭＳ Ｐゴシック" panose="020B0600070205080204" pitchFamily="34" charset="-128"/>
               </a:rPr>
-              <a:t>arcade.Sprite</a:t>
+              <a:t>Sprite</a:t>
             </a:r>
             <a:r>
               <a:rPr lang="en-US" altLang="en-US" sz="1600" dirty="0">
@@ -11355,7 +10344,7 @@
 </p:sld>
 </file>
 
-<file path=ppt/slides/slide16.xml><?xml version="1.0" encoding="utf-8"?>
+<file path=ppt/slides/slide14.xml><?xml version="1.0" encoding="utf-8"?>
 <p:sld xmlns:a="http://schemas.openxmlformats.org/drawingml/2006/main" xmlns:r="http://schemas.openxmlformats.org/officeDocument/2006/relationships" xmlns:p="http://schemas.openxmlformats.org/presentationml/2006/main">
   <p:cSld>
     <p:spTree>
@@ -11546,7 +10535,7 @@
                 <a:latin typeface="INCONSOLATA" panose="020B0609030003000000" pitchFamily="49" charset="77"/>
                 <a:ea typeface="ＭＳ Ｐゴシック" panose="020B0600070205080204" pitchFamily="34" charset="-128"/>
               </a:rPr>
-              <a:t>arcade.Sprite</a:t>
+              <a:t>Sprite</a:t>
             </a:r>
             <a:r>
               <a:rPr lang="en-US" altLang="en-US" sz="1800" dirty="0">
@@ -11717,68 +10706,6 @@
             <a:pPr marL="0" indent="0">
               <a:buNone/>
             </a:pPr>
-            <a:endParaRPr lang="en-US" altLang="en-US" sz="1800" dirty="0">
-              <a:solidFill>
-                <a:srgbClr val="7030A0"/>
-              </a:solidFill>
-              <a:latin typeface="INCONSOLATA" panose="020B0609030003000000" pitchFamily="49" charset="77"/>
-              <a:ea typeface="ＭＳ Ｐゴシック" panose="020B0600070205080204" pitchFamily="34" charset="-128"/>
-            </a:endParaRPr>
-          </a:p>
-          <a:p>
-            <a:pPr marL="0" indent="0">
-              <a:buNone/>
-            </a:pPr>
-            <a:r>
-              <a:rPr lang="en-US" altLang="en-US" sz="1800" dirty="0">
-                <a:solidFill>
-                  <a:srgbClr val="7030A0"/>
-                </a:solidFill>
-                <a:latin typeface="INCONSOLATA" panose="020B0609030003000000" pitchFamily="49" charset="77"/>
-                <a:ea typeface="ＭＳ Ｐゴシック" panose="020B0600070205080204" pitchFamily="34" charset="-128"/>
-              </a:rPr>
-              <a:t>    def </a:t>
-            </a:r>
-            <a:r>
-              <a:rPr lang="en-US" altLang="en-US" sz="1800" dirty="0" err="1">
-                <a:solidFill>
-                  <a:srgbClr val="7030A0"/>
-                </a:solidFill>
-                <a:latin typeface="INCONSOLATA" panose="020B0609030003000000" pitchFamily="49" charset="77"/>
-                <a:ea typeface="ＭＳ Ｐゴシック" panose="020B0600070205080204" pitchFamily="34" charset="-128"/>
-              </a:rPr>
-              <a:t>on_update</a:t>
-            </a:r>
-            <a:r>
-              <a:rPr lang="en-US" altLang="en-US" sz="1800" dirty="0">
-                <a:solidFill>
-                  <a:srgbClr val="7030A0"/>
-                </a:solidFill>
-                <a:latin typeface="INCONSOLATA" panose="020B0609030003000000" pitchFamily="49" charset="77"/>
-                <a:ea typeface="ＭＳ Ｐゴシック" panose="020B0600070205080204" pitchFamily="34" charset="-128"/>
-              </a:rPr>
-              <a:t>(self):</a:t>
-            </a:r>
-          </a:p>
-          <a:p>
-            <a:pPr marL="0" indent="0">
-              <a:buNone/>
-            </a:pPr>
-            <a:r>
-              <a:rPr lang="en-US" altLang="en-US" sz="1800" dirty="0">
-                <a:solidFill>
-                  <a:srgbClr val="7030A0"/>
-                </a:solidFill>
-                <a:latin typeface="INCONSOLATA" panose="020B0609030003000000" pitchFamily="49" charset="77"/>
-                <a:ea typeface="ＭＳ Ｐゴシック" panose="020B0600070205080204" pitchFamily="34" charset="-128"/>
-              </a:rPr>
-              <a:t>        """ Called automatically 60 times a second to update all objects.""" </a:t>
-            </a:r>
-          </a:p>
-          <a:p>
-            <a:pPr marL="0" indent="0">
-              <a:buNone/>
-            </a:pPr>
             <a:r>
               <a:rPr lang="en-US" altLang="en-US" sz="1800" dirty="0">
                 <a:solidFill>
@@ -11797,17 +10724,7 @@
                 <a:latin typeface="INCONSOLATA" panose="020B0609030003000000" pitchFamily="49" charset="77"/>
                 <a:ea typeface="ＭＳ Ｐゴシック" panose="020B0600070205080204" pitchFamily="34" charset="-128"/>
               </a:rPr>
-              <a:t>self.player.update</a:t>
-            </a:r>
-            <a:r>
-              <a:rPr lang="en-US" altLang="en-US" sz="1800" dirty="0">
-                <a:solidFill>
-                  <a:srgbClr val="FF0000"/>
-                </a:solidFill>
-                <a:latin typeface="INCONSOLATA" panose="020B0609030003000000" pitchFamily="49" charset="77"/>
-                <a:ea typeface="ＭＳ Ｐゴシック" panose="020B0600070205080204" pitchFamily="34" charset="-128"/>
-              </a:rPr>
-              <a:t>()</a:t>
+              <a:t>self.player.move()</a:t>
             </a:r>
             <a:endParaRPr lang="en-US" altLang="en-US" sz="1800" dirty="0">
               <a:solidFill>
@@ -11863,7 +10780,7 @@
 </p:sld>
 </file>
 
-<file path=ppt/slides/slide17.xml><?xml version="1.0" encoding="utf-8"?>
+<file path=ppt/slides/slide15.xml><?xml version="1.0" encoding="utf-8"?>
 <p:sld xmlns:a="http://schemas.openxmlformats.org/drawingml/2006/main" xmlns:r="http://schemas.openxmlformats.org/officeDocument/2006/relationships" xmlns:p="http://schemas.openxmlformats.org/presentationml/2006/main">
   <p:cSld>
     <p:spTree>
@@ -11926,7 +10843,7 @@
                 <a:ea typeface="Tahoma" panose="020B0604030504040204" pitchFamily="34" charset="0"/>
                 <a:cs typeface="Tahoma" panose="020B0604030504040204" pitchFamily="34" charset="0"/>
               </a:rPr>
-              <a:t>on_update</a:t>
+              <a:t>on_move()</a:t>
             </a:r>
             <a:r>
               <a:rPr lang="en-US" sz="2000" dirty="0">
@@ -11934,7 +10851,7 @@
                 <a:ea typeface="Tahoma" panose="020B0604030504040204" pitchFamily="34" charset="0"/>
                 <a:cs typeface="Tahoma" panose="020B0604030504040204" pitchFamily="34" charset="0"/>
               </a:rPr>
-              <a:t>() method. Then, if a user presses a key, change the velocity component according to which key was pressed. If a key is released, reset the velocity in that direction to 0. </a:t>
+              <a:t> method. Then, if a user presses a key, change the velocity component according to which key was pressed. If a key is released, reset the velocity in that direction to 0. </a:t>
             </a:r>
           </a:p>
           <a:p>
@@ -12304,7 +11221,7 @@
 </p:sld>
 </file>
 
-<file path=ppt/slides/slide18.xml><?xml version="1.0" encoding="utf-8"?>
+<file path=ppt/slides/slide16.xml><?xml version="1.0" encoding="utf-8"?>
 <p:sld xmlns:a="http://schemas.openxmlformats.org/drawingml/2006/main" xmlns:r="http://schemas.openxmlformats.org/officeDocument/2006/relationships" xmlns:p="http://schemas.openxmlformats.org/presentationml/2006/main">
   <p:cSld>
     <p:spTree>
@@ -12751,7 +11668,7 @@
 </p:sld>
 </file>
 
-<file path=ppt/slides/slide19.xml><?xml version="1.0" encoding="utf-8"?>
+<file path=ppt/slides/slide17.xml><?xml version="1.0" encoding="utf-8"?>
 <p:sld xmlns:a="http://schemas.openxmlformats.org/drawingml/2006/main" xmlns:r="http://schemas.openxmlformats.org/officeDocument/2006/relationships" xmlns:p="http://schemas.openxmlformats.org/presentationml/2006/main">
   <p:cSld>
     <p:spTree>
@@ -13058,6 +11975,240 @@
     <p:extLst>
       <p:ext uri="{BB962C8B-B14F-4D97-AF65-F5344CB8AC3E}">
         <p14:creationId xmlns:p14="http://schemas.microsoft.com/office/powerpoint/2010/main" val="1097849800"/>
+      </p:ext>
+    </p:extLst>
+  </p:cSld>
+  <p:clrMapOvr>
+    <a:masterClrMapping/>
+  </p:clrMapOvr>
+  <p:transition/>
+</p:sld>
+</file>
+
+<file path=ppt/slides/slide18.xml><?xml version="1.0" encoding="utf-8"?>
+<p:sld xmlns:a="http://schemas.openxmlformats.org/drawingml/2006/main" xmlns:r="http://schemas.openxmlformats.org/officeDocument/2006/relationships" xmlns:p="http://schemas.openxmlformats.org/presentationml/2006/main">
+  <p:cSld>
+    <p:spTree>
+      <p:nvGrpSpPr>
+        <p:cNvPr id="1" name=""/>
+        <p:cNvGrpSpPr/>
+        <p:nvPr/>
+      </p:nvGrpSpPr>
+      <p:grpSpPr>
+        <a:xfrm>
+          <a:off x="0" y="0"/>
+          <a:ext cx="0" cy="0"/>
+          <a:chOff x="0" y="0"/>
+          <a:chExt cx="0" cy="0"/>
+        </a:xfrm>
+      </p:grpSpPr>
+      <p:sp>
+        <p:nvSpPr>
+          <p:cNvPr id="35841" name="Rectangle 2">
+            <a:extLst>
+              <a:ext uri="{FF2B5EF4-FFF2-40B4-BE49-F238E27FC236}">
+                <a16:creationId xmlns:a16="http://schemas.microsoft.com/office/drawing/2014/main" id="{09D8876C-8F7A-C748-966B-672B36C17545}"/>
+              </a:ext>
+            </a:extLst>
+          </p:cNvPr>
+          <p:cNvSpPr>
+            <a:spLocks noGrp="1" noChangeArrowheads="1"/>
+          </p:cNvSpPr>
+          <p:nvPr>
+            <p:ph type="title"/>
+          </p:nvPr>
+        </p:nvSpPr>
+        <p:spPr>
+          <a:xfrm>
+            <a:off x="152400" y="123825"/>
+            <a:ext cx="7848600" cy="713582"/>
+          </a:xfrm>
+        </p:spPr>
+        <p:txBody>
+          <a:bodyPr/>
+          <a:lstStyle/>
+          <a:p>
+            <a:pPr eaLnBrk="1" hangingPunct="1"/>
+            <a:r>
+              <a:rPr lang="en-US" altLang="en-US" dirty="0">
+                <a:ea typeface="ＭＳ Ｐゴシック" panose="020B0600070205080204" pitchFamily="34" charset="-128"/>
+              </a:rPr>
+              <a:t>Control Sprite with Keyboard Lab</a:t>
+            </a:r>
+          </a:p>
+        </p:txBody>
+      </p:sp>
+      <p:sp>
+        <p:nvSpPr>
+          <p:cNvPr id="35842" name="Rectangle 3">
+            <a:extLst>
+              <a:ext uri="{FF2B5EF4-FFF2-40B4-BE49-F238E27FC236}">
+                <a16:creationId xmlns:a16="http://schemas.microsoft.com/office/drawing/2014/main" id="{C94BCA01-D831-ED4D-84FD-C30E8117F872}"/>
+              </a:ext>
+            </a:extLst>
+          </p:cNvPr>
+          <p:cNvSpPr>
+            <a:spLocks noGrp="1" noChangeArrowheads="1"/>
+          </p:cNvSpPr>
+          <p:nvPr>
+            <p:ph type="body" idx="1"/>
+          </p:nvPr>
+        </p:nvSpPr>
+        <p:spPr>
+          <a:xfrm>
+            <a:off x="152399" y="923926"/>
+            <a:ext cx="8715375" cy="4505324"/>
+          </a:xfrm>
+        </p:spPr>
+        <p:txBody>
+          <a:bodyPr/>
+          <a:lstStyle/>
+          <a:p>
+            <a:pPr marL="0" indent="0">
+              <a:buNone/>
+            </a:pPr>
+            <a:endParaRPr lang="en-US" altLang="en-US" sz="2167" dirty="0">
+              <a:latin typeface="Gill Sans MT" panose="020B0502020104020203" pitchFamily="34" charset="77"/>
+              <a:ea typeface="ＭＳ Ｐゴシック" panose="020B0600070205080204" pitchFamily="34" charset="-128"/>
+            </a:endParaRPr>
+          </a:p>
+          <a:p>
+            <a:pPr marL="0" indent="0">
+              <a:buNone/>
+            </a:pPr>
+            <a:r>
+              <a:rPr lang="en-US" altLang="en-US" sz="2167" dirty="0">
+                <a:latin typeface="Gill Sans MT" panose="020B0502020104020203" pitchFamily="34" charset="77"/>
+                <a:ea typeface="ＭＳ Ｐゴシック" panose="020B0600070205080204" pitchFamily="34" charset="-128"/>
+              </a:rPr>
+              <a:t>Modify the previous "List of Sprite Objects" lab to allow for controlling the tank with keyboard inputs. </a:t>
+            </a:r>
+          </a:p>
+          <a:p>
+            <a:pPr marL="0" indent="0">
+              <a:buNone/>
+            </a:pPr>
+            <a:endParaRPr lang="en-US" altLang="en-US" sz="2167" dirty="0">
+              <a:latin typeface="Gill Sans MT" panose="020B0502020104020203" pitchFamily="34" charset="77"/>
+              <a:ea typeface="ＭＳ Ｐゴシック" panose="020B0600070205080204" pitchFamily="34" charset="-128"/>
+            </a:endParaRPr>
+          </a:p>
+          <a:p>
+            <a:pPr marL="0" indent="0">
+              <a:buNone/>
+            </a:pPr>
+            <a:r>
+              <a:rPr lang="en-US" altLang="en-US" sz="2167" dirty="0">
+                <a:latin typeface="Gill Sans MT" panose="020B0502020104020203" pitchFamily="34" charset="77"/>
+                <a:ea typeface="ＭＳ Ｐゴシック" panose="020B0600070205080204" pitchFamily="34" charset="-128"/>
+              </a:rPr>
+              <a:t>Implement both </a:t>
+            </a:r>
+            <a:r>
+              <a:rPr lang="en-US" altLang="en-US" sz="2167" dirty="0" err="1">
+                <a:latin typeface="Courier New" panose="02070309020205020404" pitchFamily="49" charset="0"/>
+                <a:ea typeface="ＭＳ Ｐゴシック" panose="020B0600070205080204" pitchFamily="34" charset="-128"/>
+                <a:cs typeface="Courier New" panose="02070309020205020404" pitchFamily="49" charset="0"/>
+              </a:rPr>
+              <a:t>on_key_press</a:t>
+            </a:r>
+            <a:r>
+              <a:rPr lang="en-US" altLang="en-US" sz="2167" dirty="0">
+                <a:latin typeface="Gill Sans MT" panose="020B0502020104020203" pitchFamily="34" charset="77"/>
+                <a:ea typeface="ＭＳ Ｐゴシック" panose="020B0600070205080204" pitchFamily="34" charset="-128"/>
+              </a:rPr>
+              <a:t> and </a:t>
+            </a:r>
+            <a:r>
+              <a:rPr lang="en-US" altLang="en-US" sz="2167" dirty="0" err="1">
+                <a:latin typeface="Courier New" panose="02070309020205020404" pitchFamily="49" charset="0"/>
+                <a:ea typeface="ＭＳ Ｐゴシック" panose="020B0600070205080204" pitchFamily="34" charset="-128"/>
+                <a:cs typeface="Courier New" panose="02070309020205020404" pitchFamily="49" charset="0"/>
+              </a:rPr>
+              <a:t>on_key_release</a:t>
+            </a:r>
+            <a:r>
+              <a:rPr lang="en-US" altLang="en-US" sz="2167" dirty="0">
+                <a:latin typeface="Gill Sans MT" panose="020B0502020104020203" pitchFamily="34" charset="77"/>
+                <a:ea typeface="ＭＳ Ｐゴシック" panose="020B0600070205080204" pitchFamily="34" charset="-128"/>
+              </a:rPr>
+              <a:t> to respond to arrow keys: UP, DOWN, LEFT, RIGHT.</a:t>
+            </a:r>
+          </a:p>
+          <a:p>
+            <a:pPr marL="0" indent="0">
+              <a:buNone/>
+            </a:pPr>
+            <a:endParaRPr lang="en-US" altLang="en-US" sz="2167" dirty="0">
+              <a:latin typeface="Gill Sans MT" panose="020B0502020104020203" pitchFamily="34" charset="77"/>
+              <a:ea typeface="ＭＳ Ｐゴシック" panose="020B0600070205080204" pitchFamily="34" charset="-128"/>
+            </a:endParaRPr>
+          </a:p>
+          <a:p>
+            <a:pPr marL="0" indent="0">
+              <a:buNone/>
+            </a:pPr>
+            <a:r>
+              <a:rPr lang="en-US" altLang="en-US" sz="2167" dirty="0">
+                <a:latin typeface="Gill Sans MT" panose="020B0502020104020203" pitchFamily="34" charset="77"/>
+                <a:ea typeface="ＭＳ Ｐゴシック" panose="020B0600070205080204" pitchFamily="34" charset="-128"/>
+              </a:rPr>
+              <a:t>Each of the keys should move the tank in that direction. If two keys are pressed, for example, UP and RIGHT, the tank should move in the </a:t>
+            </a:r>
+            <a:r>
+              <a:rPr lang="en-US" altLang="en-US" sz="2167">
+                <a:latin typeface="Gill Sans MT" panose="020B0502020104020203" pitchFamily="34" charset="77"/>
+                <a:ea typeface="ＭＳ Ｐゴシック" panose="020B0600070205080204" pitchFamily="34" charset="-128"/>
+              </a:rPr>
+              <a:t>diagonal direction.</a:t>
+            </a:r>
+            <a:endParaRPr lang="en-US" altLang="en-US" sz="2167" dirty="0">
+              <a:latin typeface="Gill Sans MT" panose="020B0502020104020203" pitchFamily="34" charset="77"/>
+              <a:ea typeface="ＭＳ Ｐゴシック" panose="020B0600070205080204" pitchFamily="34" charset="-128"/>
+            </a:endParaRPr>
+          </a:p>
+          <a:p>
+            <a:pPr marL="0" indent="0">
+              <a:buNone/>
+            </a:pPr>
+            <a:endParaRPr lang="en-US" altLang="en-US" sz="2167" dirty="0">
+              <a:latin typeface="Gill Sans MT" panose="020B0502020104020203" pitchFamily="34" charset="77"/>
+              <a:ea typeface="ＭＳ Ｐゴシック" panose="020B0600070205080204" pitchFamily="34" charset="-128"/>
+            </a:endParaRPr>
+          </a:p>
+          <a:p>
+            <a:pPr marL="0" indent="0">
+              <a:buNone/>
+            </a:pPr>
+            <a:endParaRPr lang="en-US" altLang="en-US" sz="2167" dirty="0">
+              <a:latin typeface="Gill Sans MT" panose="020B0502020104020203" pitchFamily="34" charset="77"/>
+              <a:ea typeface="ＭＳ Ｐゴシック" panose="020B0600070205080204" pitchFamily="34" charset="-128"/>
+            </a:endParaRPr>
+          </a:p>
+          <a:p>
+            <a:pPr marL="0" indent="0">
+              <a:buNone/>
+            </a:pPr>
+            <a:endParaRPr lang="en-US" altLang="en-US" sz="2167" dirty="0">
+              <a:latin typeface="Gill Sans MT" panose="020B0502020104020203" pitchFamily="34" charset="77"/>
+              <a:ea typeface="ＭＳ Ｐゴシック" panose="020B0600070205080204" pitchFamily="34" charset="-128"/>
+            </a:endParaRPr>
+          </a:p>
+          <a:p>
+            <a:pPr marL="0" indent="0">
+              <a:buNone/>
+            </a:pPr>
+            <a:endParaRPr lang="en-US" altLang="en-US" sz="2167" dirty="0">
+              <a:latin typeface="Gill Sans MT" panose="020B0502020104020203" pitchFamily="34" charset="77"/>
+              <a:ea typeface="ＭＳ Ｐゴシック" panose="020B0600070205080204" pitchFamily="34" charset="-128"/>
+            </a:endParaRPr>
+          </a:p>
+        </p:txBody>
+      </p:sp>
+    </p:spTree>
+    <p:extLst>
+      <p:ext uri="{BB962C8B-B14F-4D97-AF65-F5344CB8AC3E}">
+        <p14:creationId xmlns:p14="http://schemas.microsoft.com/office/powerpoint/2010/main" val="3337710789"/>
       </p:ext>
     </p:extLst>
   </p:cSld>
@@ -13111,10 +12262,7 @@
           <a:bodyPr/>
           <a:lstStyle/>
           <a:p>
-            <a:r>
-              <a:rPr lang="en-US" dirty="0"/>
-              <a:t>Class vs Objects</a:t>
-            </a:r>
+            <a:endParaRPr lang="en-US" dirty="0"/>
           </a:p>
         </p:txBody>
       </p:sp>
@@ -13149,41 +12297,43 @@
             <a:pPr marL="0" indent="0">
               <a:buNone/>
             </a:pPr>
-            <a:r>
-              <a:rPr lang="en-US" dirty="0"/>
-              <a:t>A </a:t>
-            </a:r>
-            <a:r>
-              <a:rPr lang="en-US" b="1" dirty="0"/>
-              <a:t>class</a:t>
-            </a:r>
-            <a:r>
-              <a:rPr lang="en-US" dirty="0"/>
-              <a:t> bundles together </a:t>
-            </a:r>
-            <a:r>
-              <a:rPr lang="en-US" i="1" dirty="0"/>
-              <a:t>data </a:t>
-            </a:r>
-            <a:r>
-              <a:rPr lang="en-US" dirty="0"/>
-              <a:t>(instance variables or attributes) and </a:t>
-            </a:r>
-            <a:r>
-              <a:rPr lang="en-US" i="1" dirty="0"/>
-              <a:t>functionality </a:t>
-            </a:r>
-            <a:r>
-              <a:rPr lang="en-US" dirty="0"/>
-              <a:t>(methods). Another name for class is </a:t>
-            </a:r>
-            <a:r>
-              <a:rPr lang="en-US" b="1" dirty="0"/>
-              <a:t>type</a:t>
-            </a:r>
-            <a:r>
-              <a:rPr lang="en-US" dirty="0"/>
-              <a:t>.</a:t>
+            <a:endParaRPr lang="en-US" sz="2400" dirty="0">
+              <a:latin typeface="Gill Sans MT" panose="020B0502020104020203" pitchFamily="34" charset="77"/>
+            </a:endParaRPr>
+          </a:p>
+          <a:p>
+            <a:pPr marL="0" indent="0">
+              <a:buNone/>
+            </a:pPr>
+            <a:endParaRPr lang="en-US" sz="2400" dirty="0">
+              <a:latin typeface="Gill Sans MT" panose="020B0502020104020203" pitchFamily="34" charset="77"/>
+            </a:endParaRPr>
+          </a:p>
+          <a:p>
+            <a:pPr marL="0" indent="0">
+              <a:buNone/>
+            </a:pPr>
+            <a:endParaRPr lang="en-US" sz="2400" dirty="0">
+              <a:latin typeface="Gill Sans MT" panose="020B0502020104020203" pitchFamily="34" charset="77"/>
+            </a:endParaRPr>
+          </a:p>
+          <a:p>
+            <a:pPr marL="0" indent="0">
+              <a:buNone/>
+            </a:pPr>
+            <a:endParaRPr lang="en-US" sz="2400" dirty="0">
+              <a:latin typeface="Gill Sans MT" panose="020B0502020104020203" pitchFamily="34" charset="77"/>
+            </a:endParaRPr>
+          </a:p>
+          <a:p>
+            <a:pPr marL="0" indent="0">
+              <a:buNone/>
+            </a:pPr>
+            <a:r>
+              <a:rPr lang="en-US" sz="2400" dirty="0">
+                <a:latin typeface="Gill Sans MT" panose="020B0502020104020203" pitchFamily="34" charset="77"/>
+              </a:rPr>
+              <a:t>This material requires some familiarity with objects and classes. See Lecture 8: Object-Oriented Programming on the website for more information. </a:t>
             </a:r>
           </a:p>
           <a:p>
@@ -13191,132 +12341,6 @@
               <a:buNone/>
             </a:pPr>
             <a:endParaRPr lang="en-US" dirty="0"/>
-          </a:p>
-          <a:p>
-            <a:pPr marL="0" indent="0">
-              <a:buNone/>
-            </a:pPr>
-            <a:r>
-              <a:rPr lang="en-US" dirty="0"/>
-              <a:t>Everything in Python is a class. A list is a class. So is an integer, a string, a tuple, even functions!</a:t>
-            </a:r>
-          </a:p>
-          <a:p>
-            <a:pPr marL="0" indent="0">
-              <a:buNone/>
-            </a:pPr>
-            <a:r>
-              <a:rPr lang="en-US" dirty="0"/>
-              <a:t>The following creates two list </a:t>
-            </a:r>
-            <a:r>
-              <a:rPr lang="en-US" b="1" dirty="0"/>
-              <a:t>objects</a:t>
-            </a:r>
-            <a:r>
-              <a:rPr lang="en-US" dirty="0"/>
-              <a:t>. </a:t>
-            </a:r>
-          </a:p>
-          <a:p>
-            <a:pPr marL="0" indent="0">
-              <a:buNone/>
-            </a:pPr>
-            <a:r>
-              <a:rPr lang="en-US" sz="2000" b="1" dirty="0">
-                <a:latin typeface="Inconsolata" panose="020B0609030003000000" pitchFamily="49" charset="77"/>
-              </a:rPr>
-              <a:t>a = [1, 2, 3]</a:t>
-            </a:r>
-          </a:p>
-          <a:p>
-            <a:pPr marL="0" indent="0">
-              <a:buNone/>
-            </a:pPr>
-            <a:r>
-              <a:rPr lang="en-US" sz="2000" b="1" dirty="0">
-                <a:latin typeface="Inconsolata" panose="020B0609030003000000" pitchFamily="49" charset="77"/>
-              </a:rPr>
-              <a:t>b = [8, -5.3 "hi"]</a:t>
-            </a:r>
-          </a:p>
-          <a:p>
-            <a:pPr marL="0" indent="0">
-              <a:buNone/>
-            </a:pPr>
-            <a:r>
-              <a:rPr lang="en-US" sz="2000" b="1" dirty="0">
-                <a:latin typeface="Inconsolata" panose="020B0609030003000000" pitchFamily="49" charset="77"/>
-              </a:rPr>
-              <a:t>print(type(a)) </a:t>
-            </a:r>
-            <a:r>
-              <a:rPr lang="en-US" sz="2000" b="1" dirty="0">
-                <a:solidFill>
-                  <a:srgbClr val="4070A0"/>
-                </a:solidFill>
-                <a:latin typeface="Inconsolata" panose="020B0609030003000000" pitchFamily="49" charset="77"/>
-              </a:rPr>
-              <a:t># list</a:t>
-            </a:r>
-          </a:p>
-          <a:p>
-            <a:pPr marL="0" indent="0">
-              <a:buNone/>
-            </a:pPr>
-            <a:endParaRPr lang="en-US" sz="2000" b="1" dirty="0">
-              <a:solidFill>
-                <a:srgbClr val="4070A0"/>
-              </a:solidFill>
-              <a:latin typeface="Inconsolata" panose="020B0609030003000000" pitchFamily="49" charset="77"/>
-            </a:endParaRPr>
-          </a:p>
-          <a:p>
-            <a:pPr marL="0" indent="0">
-              <a:buNone/>
-            </a:pPr>
-            <a:r>
-              <a:rPr lang="en-US" sz="2000" dirty="0">
-                <a:latin typeface="Gill Sans MT" panose="020B0502020104020203" pitchFamily="34" charset="77"/>
-              </a:rPr>
-              <a:t>Thus, in this example, list is a </a:t>
-            </a:r>
-            <a:r>
-              <a:rPr lang="en-US" sz="2000" b="1" dirty="0">
-                <a:latin typeface="Gill Sans MT" panose="020B0502020104020203" pitchFamily="34" charset="77"/>
-              </a:rPr>
-              <a:t>class</a:t>
-            </a:r>
-            <a:r>
-              <a:rPr lang="en-US" sz="2000" dirty="0">
-                <a:latin typeface="Gill Sans MT" panose="020B0502020104020203" pitchFamily="34" charset="77"/>
-              </a:rPr>
-              <a:t>(or </a:t>
-            </a:r>
-            <a:r>
-              <a:rPr lang="en-US" sz="2000" b="1" dirty="0">
-                <a:latin typeface="Gill Sans MT" panose="020B0502020104020203" pitchFamily="34" charset="77"/>
-              </a:rPr>
-              <a:t>type</a:t>
-            </a:r>
-            <a:r>
-              <a:rPr lang="en-US" sz="2000" dirty="0">
-                <a:latin typeface="Gill Sans MT" panose="020B0502020104020203" pitchFamily="34" charset="77"/>
-              </a:rPr>
-              <a:t>) and a and b are two of its </a:t>
-            </a:r>
-            <a:r>
-              <a:rPr lang="en-US" sz="2000" b="1" dirty="0">
-                <a:latin typeface="Gill Sans MT" panose="020B0502020104020203" pitchFamily="34" charset="77"/>
-              </a:rPr>
-              <a:t>objects</a:t>
-            </a:r>
-            <a:r>
-              <a:rPr lang="en-US" sz="2000" dirty="0">
-                <a:latin typeface="Gill Sans MT" panose="020B0502020104020203" pitchFamily="34" charset="77"/>
-              </a:rPr>
-              <a:t>. </a:t>
-            </a:r>
           </a:p>
           <a:p>
             <a:pPr marL="0" indent="0">
@@ -13330,640 +12354,9 @@
             <a:pPr marL="0" indent="0">
               <a:buNone/>
             </a:pPr>
-            <a:endParaRPr lang="en-US" sz="2000" b="1" dirty="0">
-              <a:latin typeface="Inconsolata" panose="020B0609030003000000" pitchFamily="49" charset="77"/>
+            <a:endParaRPr lang="en-US" sz="2000" dirty="0">
+              <a:latin typeface="Gill Sans MT" panose="020B0502020104020203" pitchFamily="34" charset="77"/>
             </a:endParaRPr>
-          </a:p>
-        </p:txBody>
-      </p:sp>
-    </p:spTree>
-    <p:extLst>
-      <p:ext uri="{BB962C8B-B14F-4D97-AF65-F5344CB8AC3E}">
-        <p14:creationId xmlns:p14="http://schemas.microsoft.com/office/powerpoint/2010/main" val="2631037396"/>
-      </p:ext>
-    </p:extLst>
-  </p:cSld>
-  <p:clrMapOvr>
-    <a:masterClrMapping/>
-  </p:clrMapOvr>
-  <p:timing>
-    <p:tnLst>
-      <p:par>
-        <p:cTn id="1" dur="indefinite" restart="never" nodeType="tmRoot">
-          <p:childTnLst>
-            <p:seq concurrent="1" nextAc="seek">
-              <p:cTn id="2" dur="indefinite" nodeType="mainSeq">
-                <p:childTnLst>
-                  <p:par>
-                    <p:cTn id="3" fill="hold">
-                      <p:stCondLst>
-                        <p:cond delay="indefinite"/>
-                      </p:stCondLst>
-                      <p:childTnLst>
-                        <p:par>
-                          <p:cTn id="4" fill="hold">
-                            <p:stCondLst>
-                              <p:cond delay="0"/>
-                            </p:stCondLst>
-                            <p:childTnLst>
-                              <p:par>
-                                <p:cTn id="5" presetID="1" presetClass="entr" presetSubtype="0" fill="hold" nodeType="clickEffect">
-                                  <p:stCondLst>
-                                    <p:cond delay="0"/>
-                                  </p:stCondLst>
-                                  <p:childTnLst>
-                                    <p:set>
-                                      <p:cBhvr>
-                                        <p:cTn id="6" dur="1" fill="hold">
-                                          <p:stCondLst>
-                                            <p:cond delay="0"/>
-                                          </p:stCondLst>
-                                        </p:cTn>
-                                        <p:tgtEl>
-                                          <p:spTgt spid="9">
-                                            <p:txEl>
-                                              <p:pRg st="2" end="2"/>
-                                            </p:txEl>
-                                          </p:spTgt>
-                                        </p:tgtEl>
-                                        <p:attrNameLst>
-                                          <p:attrName>style.visibility</p:attrName>
-                                        </p:attrNameLst>
-                                      </p:cBhvr>
-                                      <p:to>
-                                        <p:strVal val="visible"/>
-                                      </p:to>
-                                    </p:set>
-                                  </p:childTnLst>
-                                </p:cTn>
-                              </p:par>
-                            </p:childTnLst>
-                          </p:cTn>
-                        </p:par>
-                      </p:childTnLst>
-                    </p:cTn>
-                  </p:par>
-                  <p:par>
-                    <p:cTn id="7" fill="hold">
-                      <p:stCondLst>
-                        <p:cond delay="indefinite"/>
-                      </p:stCondLst>
-                      <p:childTnLst>
-                        <p:par>
-                          <p:cTn id="8" fill="hold">
-                            <p:stCondLst>
-                              <p:cond delay="0"/>
-                            </p:stCondLst>
-                            <p:childTnLst>
-                              <p:par>
-                                <p:cTn id="9" presetID="1" presetClass="entr" presetSubtype="0" fill="hold" nodeType="clickEffect">
-                                  <p:stCondLst>
-                                    <p:cond delay="0"/>
-                                  </p:stCondLst>
-                                  <p:childTnLst>
-                                    <p:set>
-                                      <p:cBhvr>
-                                        <p:cTn id="10" dur="1" fill="hold">
-                                          <p:stCondLst>
-                                            <p:cond delay="0"/>
-                                          </p:stCondLst>
-                                        </p:cTn>
-                                        <p:tgtEl>
-                                          <p:spTgt spid="9">
-                                            <p:txEl>
-                                              <p:pRg st="3" end="3"/>
-                                            </p:txEl>
-                                          </p:spTgt>
-                                        </p:tgtEl>
-                                        <p:attrNameLst>
-                                          <p:attrName>style.visibility</p:attrName>
-                                        </p:attrNameLst>
-                                      </p:cBhvr>
-                                      <p:to>
-                                        <p:strVal val="visible"/>
-                                      </p:to>
-                                    </p:set>
-                                  </p:childTnLst>
-                                </p:cTn>
-                              </p:par>
-                              <p:par>
-                                <p:cTn id="11" presetID="1" presetClass="entr" presetSubtype="0" fill="hold" nodeType="withEffect">
-                                  <p:stCondLst>
-                                    <p:cond delay="0"/>
-                                  </p:stCondLst>
-                                  <p:childTnLst>
-                                    <p:set>
-                                      <p:cBhvr>
-                                        <p:cTn id="12" dur="1" fill="hold">
-                                          <p:stCondLst>
-                                            <p:cond delay="0"/>
-                                          </p:stCondLst>
-                                        </p:cTn>
-                                        <p:tgtEl>
-                                          <p:spTgt spid="9">
-                                            <p:txEl>
-                                              <p:pRg st="4" end="4"/>
-                                            </p:txEl>
-                                          </p:spTgt>
-                                        </p:tgtEl>
-                                        <p:attrNameLst>
-                                          <p:attrName>style.visibility</p:attrName>
-                                        </p:attrNameLst>
-                                      </p:cBhvr>
-                                      <p:to>
-                                        <p:strVal val="visible"/>
-                                      </p:to>
-                                    </p:set>
-                                  </p:childTnLst>
-                                </p:cTn>
-                              </p:par>
-                              <p:par>
-                                <p:cTn id="13" presetID="1" presetClass="entr" presetSubtype="0" fill="hold" nodeType="withEffect">
-                                  <p:stCondLst>
-                                    <p:cond delay="0"/>
-                                  </p:stCondLst>
-                                  <p:childTnLst>
-                                    <p:set>
-                                      <p:cBhvr>
-                                        <p:cTn id="14" dur="1" fill="hold">
-                                          <p:stCondLst>
-                                            <p:cond delay="0"/>
-                                          </p:stCondLst>
-                                        </p:cTn>
-                                        <p:tgtEl>
-                                          <p:spTgt spid="9">
-                                            <p:txEl>
-                                              <p:pRg st="5" end="5"/>
-                                            </p:txEl>
-                                          </p:spTgt>
-                                        </p:tgtEl>
-                                        <p:attrNameLst>
-                                          <p:attrName>style.visibility</p:attrName>
-                                        </p:attrNameLst>
-                                      </p:cBhvr>
-                                      <p:to>
-                                        <p:strVal val="visible"/>
-                                      </p:to>
-                                    </p:set>
-                                  </p:childTnLst>
-                                </p:cTn>
-                              </p:par>
-                            </p:childTnLst>
-                          </p:cTn>
-                        </p:par>
-                      </p:childTnLst>
-                    </p:cTn>
-                  </p:par>
-                  <p:par>
-                    <p:cTn id="15" fill="hold">
-                      <p:stCondLst>
-                        <p:cond delay="indefinite"/>
-                      </p:stCondLst>
-                      <p:childTnLst>
-                        <p:par>
-                          <p:cTn id="16" fill="hold">
-                            <p:stCondLst>
-                              <p:cond delay="0"/>
-                            </p:stCondLst>
-                            <p:childTnLst>
-                              <p:par>
-                                <p:cTn id="17" presetID="1" presetClass="entr" presetSubtype="0" fill="hold" nodeType="clickEffect">
-                                  <p:stCondLst>
-                                    <p:cond delay="0"/>
-                                  </p:stCondLst>
-                                  <p:childTnLst>
-                                    <p:set>
-                                      <p:cBhvr>
-                                        <p:cTn id="18" dur="1" fill="hold">
-                                          <p:stCondLst>
-                                            <p:cond delay="0"/>
-                                          </p:stCondLst>
-                                        </p:cTn>
-                                        <p:tgtEl>
-                                          <p:spTgt spid="9">
-                                            <p:txEl>
-                                              <p:pRg st="6" end="6"/>
-                                            </p:txEl>
-                                          </p:spTgt>
-                                        </p:tgtEl>
-                                        <p:attrNameLst>
-                                          <p:attrName>style.visibility</p:attrName>
-                                        </p:attrNameLst>
-                                      </p:cBhvr>
-                                      <p:to>
-                                        <p:strVal val="visible"/>
-                                      </p:to>
-                                    </p:set>
-                                  </p:childTnLst>
-                                </p:cTn>
-                              </p:par>
-                            </p:childTnLst>
-                          </p:cTn>
-                        </p:par>
-                      </p:childTnLst>
-                    </p:cTn>
-                  </p:par>
-                  <p:par>
-                    <p:cTn id="19" fill="hold">
-                      <p:stCondLst>
-                        <p:cond delay="indefinite"/>
-                      </p:stCondLst>
-                      <p:childTnLst>
-                        <p:par>
-                          <p:cTn id="20" fill="hold">
-                            <p:stCondLst>
-                              <p:cond delay="0"/>
-                            </p:stCondLst>
-                            <p:childTnLst>
-                              <p:par>
-                                <p:cTn id="21" presetID="1" presetClass="entr" presetSubtype="0" fill="hold" nodeType="clickEffect">
-                                  <p:stCondLst>
-                                    <p:cond delay="0"/>
-                                  </p:stCondLst>
-                                  <p:childTnLst>
-                                    <p:set>
-                                      <p:cBhvr>
-                                        <p:cTn id="22" dur="1" fill="hold">
-                                          <p:stCondLst>
-                                            <p:cond delay="0"/>
-                                          </p:stCondLst>
-                                        </p:cTn>
-                                        <p:tgtEl>
-                                          <p:spTgt spid="9">
-                                            <p:txEl>
-                                              <p:pRg st="8" end="8"/>
-                                            </p:txEl>
-                                          </p:spTgt>
-                                        </p:tgtEl>
-                                        <p:attrNameLst>
-                                          <p:attrName>style.visibility</p:attrName>
-                                        </p:attrNameLst>
-                                      </p:cBhvr>
-                                      <p:to>
-                                        <p:strVal val="visible"/>
-                                      </p:to>
-                                    </p:set>
-                                  </p:childTnLst>
-                                </p:cTn>
-                              </p:par>
-                            </p:childTnLst>
-                          </p:cTn>
-                        </p:par>
-                      </p:childTnLst>
-                    </p:cTn>
-                  </p:par>
-                </p:childTnLst>
-              </p:cTn>
-              <p:prevCondLst>
-                <p:cond evt="onPrev" delay="0">
-                  <p:tgtEl>
-                    <p:sldTgt/>
-                  </p:tgtEl>
-                </p:cond>
-              </p:prevCondLst>
-              <p:nextCondLst>
-                <p:cond evt="onNext" delay="0">
-                  <p:tgtEl>
-                    <p:sldTgt/>
-                  </p:tgtEl>
-                </p:cond>
-              </p:nextCondLst>
-            </p:seq>
-          </p:childTnLst>
-        </p:cTn>
-      </p:par>
-    </p:tnLst>
-  </p:timing>
-</p:sld>
-</file>
-
-<file path=ppt/slides/slide20.xml><?xml version="1.0" encoding="utf-8"?>
-<p:sld xmlns:a="http://schemas.openxmlformats.org/drawingml/2006/main" xmlns:r="http://schemas.openxmlformats.org/officeDocument/2006/relationships" xmlns:p="http://schemas.openxmlformats.org/presentationml/2006/main">
-  <p:cSld>
-    <p:spTree>
-      <p:nvGrpSpPr>
-        <p:cNvPr id="1" name=""/>
-        <p:cNvGrpSpPr/>
-        <p:nvPr/>
-      </p:nvGrpSpPr>
-      <p:grpSpPr>
-        <a:xfrm>
-          <a:off x="0" y="0"/>
-          <a:ext cx="0" cy="0"/>
-          <a:chOff x="0" y="0"/>
-          <a:chExt cx="0" cy="0"/>
-        </a:xfrm>
-      </p:grpSpPr>
-      <p:sp>
-        <p:nvSpPr>
-          <p:cNvPr id="35841" name="Rectangle 2">
-            <a:extLst>
-              <a:ext uri="{FF2B5EF4-FFF2-40B4-BE49-F238E27FC236}">
-                <a16:creationId xmlns:a16="http://schemas.microsoft.com/office/drawing/2014/main" id="{09D8876C-8F7A-C748-966B-672B36C17545}"/>
-              </a:ext>
-            </a:extLst>
-          </p:cNvPr>
-          <p:cNvSpPr>
-            <a:spLocks noGrp="1" noChangeArrowheads="1"/>
-          </p:cNvSpPr>
-          <p:nvPr>
-            <p:ph type="title"/>
-          </p:nvPr>
-        </p:nvSpPr>
-        <p:spPr>
-          <a:xfrm>
-            <a:off x="152400" y="123825"/>
-            <a:ext cx="7848600" cy="713582"/>
-          </a:xfrm>
-        </p:spPr>
-        <p:txBody>
-          <a:bodyPr/>
-          <a:lstStyle/>
-          <a:p>
-            <a:pPr eaLnBrk="1" hangingPunct="1"/>
-            <a:r>
-              <a:rPr lang="en-US" altLang="en-US" dirty="0">
-                <a:ea typeface="ＭＳ Ｐゴシック" panose="020B0600070205080204" pitchFamily="34" charset="-128"/>
-              </a:rPr>
-              <a:t>Control Sprite with Keyboard Lab</a:t>
-            </a:r>
-          </a:p>
-        </p:txBody>
-      </p:sp>
-      <p:sp>
-        <p:nvSpPr>
-          <p:cNvPr id="35842" name="Rectangle 3">
-            <a:extLst>
-              <a:ext uri="{FF2B5EF4-FFF2-40B4-BE49-F238E27FC236}">
-                <a16:creationId xmlns:a16="http://schemas.microsoft.com/office/drawing/2014/main" id="{C94BCA01-D831-ED4D-84FD-C30E8117F872}"/>
-              </a:ext>
-            </a:extLst>
-          </p:cNvPr>
-          <p:cNvSpPr>
-            <a:spLocks noGrp="1" noChangeArrowheads="1"/>
-          </p:cNvSpPr>
-          <p:nvPr>
-            <p:ph type="body" idx="1"/>
-          </p:nvPr>
-        </p:nvSpPr>
-        <p:spPr>
-          <a:xfrm>
-            <a:off x="152399" y="923926"/>
-            <a:ext cx="8715375" cy="4505324"/>
-          </a:xfrm>
-        </p:spPr>
-        <p:txBody>
-          <a:bodyPr/>
-          <a:lstStyle/>
-          <a:p>
-            <a:pPr marL="0" indent="0">
-              <a:buNone/>
-            </a:pPr>
-            <a:endParaRPr lang="en-US" altLang="en-US" sz="2167" dirty="0">
-              <a:latin typeface="Gill Sans MT" panose="020B0502020104020203" pitchFamily="34" charset="77"/>
-              <a:ea typeface="ＭＳ Ｐゴシック" panose="020B0600070205080204" pitchFamily="34" charset="-128"/>
-            </a:endParaRPr>
-          </a:p>
-          <a:p>
-            <a:pPr marL="0" indent="0">
-              <a:buNone/>
-            </a:pPr>
-            <a:r>
-              <a:rPr lang="en-US" altLang="en-US" sz="2167" dirty="0">
-                <a:latin typeface="Gill Sans MT" panose="020B0502020104020203" pitchFamily="34" charset="77"/>
-                <a:ea typeface="ＭＳ Ｐゴシック" panose="020B0600070205080204" pitchFamily="34" charset="-128"/>
-              </a:rPr>
-              <a:t>Modify the previous "List of Sprite Objects" lab to allow for controlling the tank with keyboard inputs. </a:t>
-            </a:r>
-          </a:p>
-          <a:p>
-            <a:pPr marL="0" indent="0">
-              <a:buNone/>
-            </a:pPr>
-            <a:endParaRPr lang="en-US" altLang="en-US" sz="2167" dirty="0">
-              <a:latin typeface="Gill Sans MT" panose="020B0502020104020203" pitchFamily="34" charset="77"/>
-              <a:ea typeface="ＭＳ Ｐゴシック" panose="020B0600070205080204" pitchFamily="34" charset="-128"/>
-            </a:endParaRPr>
-          </a:p>
-          <a:p>
-            <a:pPr marL="0" indent="0">
-              <a:buNone/>
-            </a:pPr>
-            <a:r>
-              <a:rPr lang="en-US" altLang="en-US" sz="2167" dirty="0">
-                <a:latin typeface="Gill Sans MT" panose="020B0502020104020203" pitchFamily="34" charset="77"/>
-                <a:ea typeface="ＭＳ Ｐゴシック" panose="020B0600070205080204" pitchFamily="34" charset="-128"/>
-              </a:rPr>
-              <a:t>Implement both </a:t>
-            </a:r>
-            <a:r>
-              <a:rPr lang="en-US" altLang="en-US" sz="2167" dirty="0" err="1">
-                <a:latin typeface="Courier New" panose="02070309020205020404" pitchFamily="49" charset="0"/>
-                <a:ea typeface="ＭＳ Ｐゴシック" panose="020B0600070205080204" pitchFamily="34" charset="-128"/>
-                <a:cs typeface="Courier New" panose="02070309020205020404" pitchFamily="49" charset="0"/>
-              </a:rPr>
-              <a:t>on_key_press</a:t>
-            </a:r>
-            <a:r>
-              <a:rPr lang="en-US" altLang="en-US" sz="2167" dirty="0">
-                <a:latin typeface="Gill Sans MT" panose="020B0502020104020203" pitchFamily="34" charset="77"/>
-                <a:ea typeface="ＭＳ Ｐゴシック" panose="020B0600070205080204" pitchFamily="34" charset="-128"/>
-              </a:rPr>
-              <a:t> and </a:t>
-            </a:r>
-            <a:r>
-              <a:rPr lang="en-US" altLang="en-US" sz="2167" dirty="0" err="1">
-                <a:latin typeface="Courier New" panose="02070309020205020404" pitchFamily="49" charset="0"/>
-                <a:ea typeface="ＭＳ Ｐゴシック" panose="020B0600070205080204" pitchFamily="34" charset="-128"/>
-                <a:cs typeface="Courier New" panose="02070309020205020404" pitchFamily="49" charset="0"/>
-              </a:rPr>
-              <a:t>on_key_release</a:t>
-            </a:r>
-            <a:r>
-              <a:rPr lang="en-US" altLang="en-US" sz="2167" dirty="0">
-                <a:latin typeface="Gill Sans MT" panose="020B0502020104020203" pitchFamily="34" charset="77"/>
-                <a:ea typeface="ＭＳ Ｐゴシック" panose="020B0600070205080204" pitchFamily="34" charset="-128"/>
-              </a:rPr>
-              <a:t> to respond to arrow keys: UP, DOWN, LEFT, RIGHT.</a:t>
-            </a:r>
-          </a:p>
-          <a:p>
-            <a:pPr marL="0" indent="0">
-              <a:buNone/>
-            </a:pPr>
-            <a:endParaRPr lang="en-US" altLang="en-US" sz="2167" dirty="0">
-              <a:latin typeface="Gill Sans MT" panose="020B0502020104020203" pitchFamily="34" charset="77"/>
-              <a:ea typeface="ＭＳ Ｐゴシック" panose="020B0600070205080204" pitchFamily="34" charset="-128"/>
-            </a:endParaRPr>
-          </a:p>
-          <a:p>
-            <a:pPr marL="0" indent="0">
-              <a:buNone/>
-            </a:pPr>
-            <a:r>
-              <a:rPr lang="en-US" altLang="en-US" sz="2167" dirty="0">
-                <a:latin typeface="Gill Sans MT" panose="020B0502020104020203" pitchFamily="34" charset="77"/>
-                <a:ea typeface="ＭＳ Ｐゴシック" panose="020B0600070205080204" pitchFamily="34" charset="-128"/>
-              </a:rPr>
-              <a:t>Each of the keys should move the tank in that direction. If two keys are pressed, for example, UP and RIGHT, the tank should move in the </a:t>
-            </a:r>
-            <a:r>
-              <a:rPr lang="en-US" altLang="en-US" sz="2167">
-                <a:latin typeface="Gill Sans MT" panose="020B0502020104020203" pitchFamily="34" charset="77"/>
-                <a:ea typeface="ＭＳ Ｐゴシック" panose="020B0600070205080204" pitchFamily="34" charset="-128"/>
-              </a:rPr>
-              <a:t>diagonal direction.</a:t>
-            </a:r>
-            <a:endParaRPr lang="en-US" altLang="en-US" sz="2167" dirty="0">
-              <a:latin typeface="Gill Sans MT" panose="020B0502020104020203" pitchFamily="34" charset="77"/>
-              <a:ea typeface="ＭＳ Ｐゴシック" panose="020B0600070205080204" pitchFamily="34" charset="-128"/>
-            </a:endParaRPr>
-          </a:p>
-          <a:p>
-            <a:pPr marL="0" indent="0">
-              <a:buNone/>
-            </a:pPr>
-            <a:endParaRPr lang="en-US" altLang="en-US" sz="2167" dirty="0">
-              <a:latin typeface="Gill Sans MT" panose="020B0502020104020203" pitchFamily="34" charset="77"/>
-              <a:ea typeface="ＭＳ Ｐゴシック" panose="020B0600070205080204" pitchFamily="34" charset="-128"/>
-            </a:endParaRPr>
-          </a:p>
-          <a:p>
-            <a:pPr marL="0" indent="0">
-              <a:buNone/>
-            </a:pPr>
-            <a:endParaRPr lang="en-US" altLang="en-US" sz="2167" dirty="0">
-              <a:latin typeface="Gill Sans MT" panose="020B0502020104020203" pitchFamily="34" charset="77"/>
-              <a:ea typeface="ＭＳ Ｐゴシック" panose="020B0600070205080204" pitchFamily="34" charset="-128"/>
-            </a:endParaRPr>
-          </a:p>
-          <a:p>
-            <a:pPr marL="0" indent="0">
-              <a:buNone/>
-            </a:pPr>
-            <a:endParaRPr lang="en-US" altLang="en-US" sz="2167" dirty="0">
-              <a:latin typeface="Gill Sans MT" panose="020B0502020104020203" pitchFamily="34" charset="77"/>
-              <a:ea typeface="ＭＳ Ｐゴシック" panose="020B0600070205080204" pitchFamily="34" charset="-128"/>
-            </a:endParaRPr>
-          </a:p>
-          <a:p>
-            <a:pPr marL="0" indent="0">
-              <a:buNone/>
-            </a:pPr>
-            <a:endParaRPr lang="en-US" altLang="en-US" sz="2167" dirty="0">
-              <a:latin typeface="Gill Sans MT" panose="020B0502020104020203" pitchFamily="34" charset="77"/>
-              <a:ea typeface="ＭＳ Ｐゴシック" panose="020B0600070205080204" pitchFamily="34" charset="-128"/>
-            </a:endParaRPr>
-          </a:p>
-        </p:txBody>
-      </p:sp>
-    </p:spTree>
-    <p:extLst>
-      <p:ext uri="{BB962C8B-B14F-4D97-AF65-F5344CB8AC3E}">
-        <p14:creationId xmlns:p14="http://schemas.microsoft.com/office/powerpoint/2010/main" val="3337710789"/>
-      </p:ext>
-    </p:extLst>
-  </p:cSld>
-  <p:clrMapOvr>
-    <a:masterClrMapping/>
-  </p:clrMapOvr>
-  <p:transition/>
-</p:sld>
-</file>
-
-<file path=ppt/slides/slide3.xml><?xml version="1.0" encoding="utf-8"?>
-<p:sld xmlns:a="http://schemas.openxmlformats.org/drawingml/2006/main" xmlns:r="http://schemas.openxmlformats.org/officeDocument/2006/relationships" xmlns:p="http://schemas.openxmlformats.org/presentationml/2006/main">
-  <p:cSld>
-    <p:spTree>
-      <p:nvGrpSpPr>
-        <p:cNvPr id="1" name=""/>
-        <p:cNvGrpSpPr/>
-        <p:nvPr/>
-      </p:nvGrpSpPr>
-      <p:grpSpPr>
-        <a:xfrm>
-          <a:off x="0" y="0"/>
-          <a:ext cx="0" cy="0"/>
-          <a:chOff x="0" y="0"/>
-          <a:chExt cx="0" cy="0"/>
-        </a:xfrm>
-      </p:grpSpPr>
-      <p:sp>
-        <p:nvSpPr>
-          <p:cNvPr id="2" name="Title 1">
-            <a:extLst>
-              <a:ext uri="{FF2B5EF4-FFF2-40B4-BE49-F238E27FC236}">
-                <a16:creationId xmlns:a16="http://schemas.microsoft.com/office/drawing/2014/main" id="{AA3A228F-61D0-D949-A5E7-F83756230BF8}"/>
-              </a:ext>
-            </a:extLst>
-          </p:cNvPr>
-          <p:cNvSpPr>
-            <a:spLocks noGrp="1"/>
-          </p:cNvSpPr>
-          <p:nvPr>
-            <p:ph type="title"/>
-          </p:nvPr>
-        </p:nvSpPr>
-        <p:spPr>
-          <a:xfrm>
-            <a:off x="179048" y="108959"/>
-            <a:ext cx="7053542" cy="683886"/>
-          </a:xfrm>
-        </p:spPr>
-        <p:txBody>
-          <a:bodyPr/>
-          <a:lstStyle/>
-          <a:p>
-            <a:r>
-              <a:rPr lang="en-US" dirty="0"/>
-              <a:t>Example</a:t>
-            </a:r>
-          </a:p>
-        </p:txBody>
-      </p:sp>
-      <p:sp>
-        <p:nvSpPr>
-          <p:cNvPr id="9" name="Content Placeholder 8">
-            <a:extLst>
-              <a:ext uri="{FF2B5EF4-FFF2-40B4-BE49-F238E27FC236}">
-                <a16:creationId xmlns:a16="http://schemas.microsoft.com/office/drawing/2014/main" id="{E3B2E017-30B2-884B-A113-B419A2ED51AD}"/>
-              </a:ext>
-            </a:extLst>
-          </p:cNvPr>
-          <p:cNvSpPr>
-            <a:spLocks noGrp="1"/>
-          </p:cNvSpPr>
-          <p:nvPr>
-            <p:ph idx="1"/>
-          </p:nvPr>
-        </p:nvSpPr>
-        <p:spPr>
-          <a:xfrm>
-            <a:off x="179048" y="792845"/>
-            <a:ext cx="8356525" cy="4813196"/>
-          </a:xfrm>
-        </p:spPr>
-        <p:txBody>
-          <a:bodyPr>
-            <a:noAutofit/>
-          </a:bodyPr>
-          <a:lstStyle/>
-          <a:p>
-            <a:pPr marL="0" indent="0">
-              <a:buNone/>
-            </a:pPr>
-            <a:r>
-              <a:rPr lang="en-US" dirty="0"/>
-              <a:t>Suppose we like to write a game that contains many characters moving about on a map. Each character has a position(x and y), a speed(</a:t>
-            </a:r>
-            <a:r>
-              <a:rPr lang="en-US" dirty="0" err="1"/>
-              <a:t>speedx</a:t>
-            </a:r>
-            <a:r>
-              <a:rPr lang="en-US" dirty="0"/>
-              <a:t>, speedy). Consider the following code:</a:t>
-            </a:r>
           </a:p>
           <a:p>
             <a:pPr marL="0" indent="0">
@@ -13977,202 +12370,9 @@
             <a:pPr marL="0" indent="0">
               <a:buNone/>
             </a:pPr>
-            <a:r>
-              <a:rPr lang="en-US" sz="2000" dirty="0">
-                <a:latin typeface="Gill Sans MT" panose="020B0502020104020203" pitchFamily="34" charset="77"/>
-              </a:rPr>
-              <a:t>x1 = 0</a:t>
-            </a:r>
-          </a:p>
-          <a:p>
-            <a:pPr marL="0" indent="0">
-              <a:buNone/>
-            </a:pPr>
-            <a:r>
-              <a:rPr lang="en-US" sz="2000" dirty="0">
-                <a:latin typeface="Gill Sans MT" panose="020B0502020104020203" pitchFamily="34" charset="77"/>
-              </a:rPr>
-              <a:t>y1 = 0</a:t>
-            </a:r>
-          </a:p>
-          <a:p>
-            <a:pPr marL="0" indent="0">
-              <a:buNone/>
-            </a:pPr>
-            <a:r>
-              <a:rPr lang="en-US" sz="2000" dirty="0">
-                <a:latin typeface="Gill Sans MT" panose="020B0502020104020203" pitchFamily="34" charset="77"/>
-              </a:rPr>
-              <a:t>speedx1 = 5</a:t>
-            </a:r>
-          </a:p>
-          <a:p>
-            <a:pPr marL="0" indent="0">
-              <a:buNone/>
-            </a:pPr>
-            <a:r>
-              <a:rPr lang="en-US" sz="2000" dirty="0">
-                <a:latin typeface="Gill Sans MT" panose="020B0502020104020203" pitchFamily="34" charset="77"/>
-              </a:rPr>
-              <a:t>speedy1 = 3</a:t>
-            </a:r>
-          </a:p>
-          <a:p>
-            <a:pPr marL="0" indent="0">
-              <a:buNone/>
-            </a:pPr>
-            <a:endParaRPr lang="en-US" sz="2000" dirty="0">
-              <a:latin typeface="Gill Sans MT" panose="020B0502020104020203" pitchFamily="34" charset="77"/>
-            </a:endParaRPr>
-          </a:p>
-          <a:p>
-            <a:pPr marL="0" indent="0">
-              <a:buNone/>
-            </a:pPr>
-            <a:r>
-              <a:rPr lang="en-US" sz="2000" dirty="0">
-                <a:latin typeface="Gill Sans MT" panose="020B0502020104020203" pitchFamily="34" charset="77"/>
-              </a:rPr>
-              <a:t>x2 = 10</a:t>
-            </a:r>
-          </a:p>
-          <a:p>
-            <a:pPr marL="0" indent="0">
-              <a:buNone/>
-            </a:pPr>
-            <a:r>
-              <a:rPr lang="en-US" sz="2000" dirty="0">
-                <a:latin typeface="Gill Sans MT" panose="020B0502020104020203" pitchFamily="34" charset="77"/>
-              </a:rPr>
-              <a:t>y2 = 10</a:t>
-            </a:r>
-          </a:p>
-          <a:p>
-            <a:pPr marL="0" indent="0">
-              <a:buNone/>
-            </a:pPr>
-            <a:r>
-              <a:rPr lang="en-US" sz="2000" dirty="0">
-                <a:latin typeface="Gill Sans MT" panose="020B0502020104020203" pitchFamily="34" charset="77"/>
-              </a:rPr>
-              <a:t>speedx2 = 2</a:t>
-            </a:r>
-          </a:p>
-          <a:p>
-            <a:pPr marL="0" indent="0">
-              <a:buNone/>
-            </a:pPr>
-            <a:r>
-              <a:rPr lang="en-US" sz="2000" dirty="0">
-                <a:latin typeface="Gill Sans MT" panose="020B0502020104020203" pitchFamily="34" charset="77"/>
-              </a:rPr>
-              <a:t>speedy2 = 4</a:t>
-            </a:r>
-          </a:p>
-          <a:p>
-            <a:pPr marL="0" indent="0">
-              <a:buNone/>
-            </a:pPr>
-            <a:endParaRPr lang="en-US" sz="2000" dirty="0">
-              <a:latin typeface="Gill Sans MT" panose="020B0502020104020203" pitchFamily="34" charset="77"/>
-            </a:endParaRPr>
-          </a:p>
-          <a:p>
-            <a:pPr marL="0" indent="0">
-              <a:buNone/>
-            </a:pPr>
-            <a:endParaRPr lang="en-US" sz="2000" dirty="0">
-              <a:latin typeface="Gill Sans MT" panose="020B0502020104020203" pitchFamily="34" charset="77"/>
-            </a:endParaRPr>
-          </a:p>
-          <a:p>
-            <a:pPr marL="0" indent="0">
-              <a:buNone/>
-            </a:pPr>
-            <a:endParaRPr lang="en-US" sz="2000" dirty="0">
-              <a:latin typeface="Gill Sans MT" panose="020B0502020104020203" pitchFamily="34" charset="77"/>
-            </a:endParaRPr>
-          </a:p>
-          <a:p>
-            <a:pPr marL="0" indent="0">
-              <a:buNone/>
-            </a:pPr>
-            <a:endParaRPr lang="en-US" sz="2000" dirty="0">
-              <a:latin typeface="Gill Sans MT" panose="020B0502020104020203" pitchFamily="34" charset="77"/>
-            </a:endParaRPr>
-          </a:p>
-          <a:p>
-            <a:pPr marL="0" indent="0">
-              <a:buNone/>
-            </a:pPr>
             <a:endParaRPr lang="en-US" sz="2000" b="1" dirty="0">
               <a:latin typeface="Inconsolata" panose="020B0609030003000000" pitchFamily="49" charset="77"/>
             </a:endParaRPr>
-          </a:p>
-        </p:txBody>
-      </p:sp>
-      <p:sp>
-        <p:nvSpPr>
-          <p:cNvPr id="3" name="TextBox 2">
-            <a:extLst>
-              <a:ext uri="{FF2B5EF4-FFF2-40B4-BE49-F238E27FC236}">
-                <a16:creationId xmlns:a16="http://schemas.microsoft.com/office/drawing/2014/main" id="{43066786-2460-4F4E-A926-EC35B443FC7C}"/>
-              </a:ext>
-            </a:extLst>
-          </p:cNvPr>
-          <p:cNvSpPr txBox="1"/>
-          <p:nvPr/>
-        </p:nvSpPr>
-        <p:spPr>
-          <a:xfrm>
-            <a:off x="2224322" y="2537723"/>
-            <a:ext cx="6609245" cy="2246769"/>
-          </a:xfrm>
-          <a:prstGeom prst="rect">
-            <a:avLst/>
-          </a:prstGeom>
-          <a:noFill/>
-        </p:spPr>
-        <p:txBody>
-          <a:bodyPr wrap="none" rtlCol="0">
-            <a:spAutoFit/>
-          </a:bodyPr>
-          <a:lstStyle/>
-          <a:p>
-            <a:r>
-              <a:rPr lang="en-US" sz="2000" dirty="0"/>
-              <a:t>If we have many characters in the game, this code </a:t>
-            </a:r>
-          </a:p>
-          <a:p>
-            <a:r>
-              <a:rPr lang="en-US" sz="2000" dirty="0"/>
-              <a:t>makes it difficult to keep track of all the characters.</a:t>
-            </a:r>
-          </a:p>
-          <a:p>
-            <a:endParaRPr lang="en-US" sz="2000" dirty="0"/>
-          </a:p>
-          <a:p>
-            <a:r>
-              <a:rPr lang="en-US" sz="2000" dirty="0"/>
-              <a:t>Even with 5 characters, we need to keep track of 20 variables.</a:t>
-            </a:r>
-          </a:p>
-          <a:p>
-            <a:endParaRPr lang="en-US" sz="2000" dirty="0"/>
-          </a:p>
-          <a:p>
-            <a:r>
-              <a:rPr lang="en-US" sz="2000" dirty="0"/>
-              <a:t>This is just counting variables. What if we want each character</a:t>
-            </a:r>
-          </a:p>
-          <a:p>
-            <a:r>
-              <a:rPr lang="en-US" sz="2000" dirty="0"/>
-              <a:t>to have behaviors(functions) such as jumping, shooting?</a:t>
-            </a:r>
           </a:p>
         </p:txBody>
       </p:sp>
@@ -14189,522 +12389,7 @@
 </p:sld>
 </file>
 
-<file path=ppt/slides/slide4.xml><?xml version="1.0" encoding="utf-8"?>
-<p:sld xmlns:a="http://schemas.openxmlformats.org/drawingml/2006/main" xmlns:r="http://schemas.openxmlformats.org/officeDocument/2006/relationships" xmlns:p="http://schemas.openxmlformats.org/presentationml/2006/main">
-  <p:cSld>
-    <p:spTree>
-      <p:nvGrpSpPr>
-        <p:cNvPr id="1" name=""/>
-        <p:cNvGrpSpPr/>
-        <p:nvPr/>
-      </p:nvGrpSpPr>
-      <p:grpSpPr>
-        <a:xfrm>
-          <a:off x="0" y="0"/>
-          <a:ext cx="0" cy="0"/>
-          <a:chOff x="0" y="0"/>
-          <a:chExt cx="0" cy="0"/>
-        </a:xfrm>
-      </p:grpSpPr>
-      <p:sp>
-        <p:nvSpPr>
-          <p:cNvPr id="2" name="Title 1">
-            <a:extLst>
-              <a:ext uri="{FF2B5EF4-FFF2-40B4-BE49-F238E27FC236}">
-                <a16:creationId xmlns:a16="http://schemas.microsoft.com/office/drawing/2014/main" id="{AA3A228F-61D0-D949-A5E7-F83756230BF8}"/>
-              </a:ext>
-            </a:extLst>
-          </p:cNvPr>
-          <p:cNvSpPr>
-            <a:spLocks noGrp="1"/>
-          </p:cNvSpPr>
-          <p:nvPr>
-            <p:ph type="title"/>
-          </p:nvPr>
-        </p:nvSpPr>
-        <p:spPr>
-          <a:xfrm>
-            <a:off x="179048" y="108959"/>
-            <a:ext cx="7053542" cy="683886"/>
-          </a:xfrm>
-        </p:spPr>
-        <p:txBody>
-          <a:bodyPr/>
-          <a:lstStyle/>
-          <a:p>
-            <a:r>
-              <a:rPr lang="en-US" dirty="0"/>
-              <a:t>Class</a:t>
-            </a:r>
-          </a:p>
-        </p:txBody>
-      </p:sp>
-      <p:sp>
-        <p:nvSpPr>
-          <p:cNvPr id="9" name="Content Placeholder 8">
-            <a:extLst>
-              <a:ext uri="{FF2B5EF4-FFF2-40B4-BE49-F238E27FC236}">
-                <a16:creationId xmlns:a16="http://schemas.microsoft.com/office/drawing/2014/main" id="{E3B2E017-30B2-884B-A113-B419A2ED51AD}"/>
-              </a:ext>
-            </a:extLst>
-          </p:cNvPr>
-          <p:cNvSpPr>
-            <a:spLocks noGrp="1"/>
-          </p:cNvSpPr>
-          <p:nvPr>
-            <p:ph idx="1"/>
-          </p:nvPr>
-        </p:nvSpPr>
-        <p:spPr>
-          <a:xfrm>
-            <a:off x="179048" y="792845"/>
-            <a:ext cx="8356525" cy="4813196"/>
-          </a:xfrm>
-        </p:spPr>
-        <p:txBody>
-          <a:bodyPr>
-            <a:noAutofit/>
-          </a:bodyPr>
-          <a:lstStyle/>
-          <a:p>
-            <a:pPr marL="0" indent="0">
-              <a:buNone/>
-            </a:pPr>
-            <a:r>
-              <a:rPr lang="en-US" dirty="0"/>
-              <a:t>We like to write code once(called a class) and be able to reuse it for all of the objects of that class.  A </a:t>
-            </a:r>
-            <a:r>
-              <a:rPr lang="en-US" b="1" dirty="0"/>
-              <a:t>class</a:t>
-            </a:r>
-            <a:r>
-              <a:rPr lang="en-US" dirty="0"/>
-              <a:t> bundles together </a:t>
-            </a:r>
-            <a:r>
-              <a:rPr lang="en-US" b="1" dirty="0"/>
-              <a:t>data</a:t>
-            </a:r>
-            <a:r>
-              <a:rPr lang="en-US" i="1" dirty="0"/>
-              <a:t> </a:t>
-            </a:r>
-            <a:r>
-              <a:rPr lang="en-US" dirty="0"/>
-              <a:t>(instance variables or attributes) and </a:t>
-            </a:r>
-            <a:r>
-              <a:rPr lang="en-US" b="1" dirty="0"/>
-              <a:t>behavior or functionality</a:t>
-            </a:r>
-            <a:r>
-              <a:rPr lang="en-US" dirty="0"/>
-              <a:t>(functions). </a:t>
-            </a:r>
-          </a:p>
-          <a:p>
-            <a:pPr marL="0" indent="0">
-              <a:buNone/>
-            </a:pPr>
-            <a:endParaRPr lang="en-US" sz="2000" dirty="0">
-              <a:latin typeface="Gill Sans MT" panose="020B0502020104020203" pitchFamily="34" charset="77"/>
-            </a:endParaRPr>
-          </a:p>
-          <a:p>
-            <a:pPr marL="0" indent="0">
-              <a:buNone/>
-            </a:pPr>
-            <a:r>
-              <a:rPr lang="en-US" sz="2000" dirty="0">
-                <a:latin typeface="Gill Sans MT" panose="020B0502020104020203" pitchFamily="34" charset="77"/>
-              </a:rPr>
-              <a:t>x1 = 0</a:t>
-            </a:r>
-          </a:p>
-          <a:p>
-            <a:pPr marL="0" indent="0">
-              <a:buNone/>
-            </a:pPr>
-            <a:r>
-              <a:rPr lang="en-US" sz="2000" dirty="0">
-                <a:latin typeface="Gill Sans MT" panose="020B0502020104020203" pitchFamily="34" charset="77"/>
-              </a:rPr>
-              <a:t>y1 = 0</a:t>
-            </a:r>
-          </a:p>
-          <a:p>
-            <a:pPr marL="0" indent="0">
-              <a:buNone/>
-            </a:pPr>
-            <a:r>
-              <a:rPr lang="en-US" sz="2000" dirty="0">
-                <a:latin typeface="Gill Sans MT" panose="020B0502020104020203" pitchFamily="34" charset="77"/>
-              </a:rPr>
-              <a:t>speedx1 = 5</a:t>
-            </a:r>
-          </a:p>
-          <a:p>
-            <a:pPr marL="0" indent="0">
-              <a:buNone/>
-            </a:pPr>
-            <a:r>
-              <a:rPr lang="en-US" sz="2000" dirty="0">
-                <a:latin typeface="Gill Sans MT" panose="020B0502020104020203" pitchFamily="34" charset="77"/>
-              </a:rPr>
-              <a:t>speedy1 = 3</a:t>
-            </a:r>
-          </a:p>
-          <a:p>
-            <a:pPr marL="0" indent="0">
-              <a:buNone/>
-            </a:pPr>
-            <a:endParaRPr lang="en-US" sz="2000" dirty="0">
-              <a:latin typeface="Gill Sans MT" panose="020B0502020104020203" pitchFamily="34" charset="77"/>
-            </a:endParaRPr>
-          </a:p>
-          <a:p>
-            <a:pPr marL="0" indent="0">
-              <a:buNone/>
-            </a:pPr>
-            <a:r>
-              <a:rPr lang="en-US" sz="2000" dirty="0">
-                <a:latin typeface="Gill Sans MT" panose="020B0502020104020203" pitchFamily="34" charset="77"/>
-              </a:rPr>
-              <a:t>x2 = 10</a:t>
-            </a:r>
-          </a:p>
-          <a:p>
-            <a:pPr marL="0" indent="0">
-              <a:buNone/>
-            </a:pPr>
-            <a:r>
-              <a:rPr lang="en-US" sz="2000" dirty="0">
-                <a:latin typeface="Gill Sans MT" panose="020B0502020104020203" pitchFamily="34" charset="77"/>
-              </a:rPr>
-              <a:t>y2 = 10</a:t>
-            </a:r>
-          </a:p>
-          <a:p>
-            <a:pPr marL="0" indent="0">
-              <a:buNone/>
-            </a:pPr>
-            <a:r>
-              <a:rPr lang="en-US" sz="2000" dirty="0">
-                <a:latin typeface="Gill Sans MT" panose="020B0502020104020203" pitchFamily="34" charset="77"/>
-              </a:rPr>
-              <a:t>speedx2 = 2</a:t>
-            </a:r>
-          </a:p>
-          <a:p>
-            <a:pPr marL="0" indent="0">
-              <a:buNone/>
-            </a:pPr>
-            <a:r>
-              <a:rPr lang="en-US" sz="2000" dirty="0">
-                <a:latin typeface="Gill Sans MT" panose="020B0502020104020203" pitchFamily="34" charset="77"/>
-              </a:rPr>
-              <a:t>speedy2 = 4</a:t>
-            </a:r>
-          </a:p>
-          <a:p>
-            <a:pPr marL="0" indent="0">
-              <a:buNone/>
-            </a:pPr>
-            <a:endParaRPr lang="en-US" sz="2000" dirty="0">
-              <a:latin typeface="Gill Sans MT" panose="020B0502020104020203" pitchFamily="34" charset="77"/>
-            </a:endParaRPr>
-          </a:p>
-          <a:p>
-            <a:pPr marL="0" indent="0">
-              <a:buNone/>
-            </a:pPr>
-            <a:endParaRPr lang="en-US" sz="2000" dirty="0">
-              <a:latin typeface="Gill Sans MT" panose="020B0502020104020203" pitchFamily="34" charset="77"/>
-            </a:endParaRPr>
-          </a:p>
-          <a:p>
-            <a:pPr marL="0" indent="0">
-              <a:buNone/>
-            </a:pPr>
-            <a:endParaRPr lang="en-US" sz="2000" dirty="0">
-              <a:latin typeface="Gill Sans MT" panose="020B0502020104020203" pitchFamily="34" charset="77"/>
-            </a:endParaRPr>
-          </a:p>
-          <a:p>
-            <a:pPr marL="0" indent="0">
-              <a:buNone/>
-            </a:pPr>
-            <a:endParaRPr lang="en-US" sz="2000" dirty="0">
-              <a:latin typeface="Gill Sans MT" panose="020B0502020104020203" pitchFamily="34" charset="77"/>
-            </a:endParaRPr>
-          </a:p>
-          <a:p>
-            <a:pPr marL="0" indent="0">
-              <a:buNone/>
-            </a:pPr>
-            <a:endParaRPr lang="en-US" sz="2000" b="1" dirty="0">
-              <a:latin typeface="Inconsolata" panose="020B0609030003000000" pitchFamily="49" charset="77"/>
-            </a:endParaRPr>
-          </a:p>
-        </p:txBody>
-      </p:sp>
-      <p:sp>
-        <p:nvSpPr>
-          <p:cNvPr id="3" name="TextBox 2">
-            <a:extLst>
-              <a:ext uri="{FF2B5EF4-FFF2-40B4-BE49-F238E27FC236}">
-                <a16:creationId xmlns:a16="http://schemas.microsoft.com/office/drawing/2014/main" id="{43066786-2460-4F4E-A926-EC35B443FC7C}"/>
-              </a:ext>
-            </a:extLst>
-          </p:cNvPr>
-          <p:cNvSpPr txBox="1"/>
-          <p:nvPr/>
-        </p:nvSpPr>
-        <p:spPr>
-          <a:xfrm>
-            <a:off x="4239288" y="3151788"/>
-            <a:ext cx="4456028" cy="707886"/>
-          </a:xfrm>
-          <a:prstGeom prst="rect">
-            <a:avLst/>
-          </a:prstGeom>
-          <a:noFill/>
-        </p:spPr>
-        <p:txBody>
-          <a:bodyPr wrap="none" rtlCol="0">
-            <a:spAutoFit/>
-          </a:bodyPr>
-          <a:lstStyle/>
-          <a:p>
-            <a:r>
-              <a:rPr lang="en-US" sz="2000" dirty="0">
-                <a:solidFill>
-                  <a:srgbClr val="FF0000"/>
-                </a:solidFill>
-              </a:rPr>
-              <a:t>Two variables player1 and player2 instead</a:t>
-            </a:r>
-          </a:p>
-          <a:p>
-            <a:r>
-              <a:rPr lang="en-US" sz="2000" dirty="0">
-                <a:solidFill>
-                  <a:srgbClr val="FF0000"/>
-                </a:solidFill>
-              </a:rPr>
-              <a:t>of eight variables.</a:t>
-            </a:r>
-          </a:p>
-        </p:txBody>
-      </p:sp>
-      <p:cxnSp>
-        <p:nvCxnSpPr>
-          <p:cNvPr id="5" name="Straight Arrow Connector 4">
-            <a:extLst>
-              <a:ext uri="{FF2B5EF4-FFF2-40B4-BE49-F238E27FC236}">
-                <a16:creationId xmlns:a16="http://schemas.microsoft.com/office/drawing/2014/main" id="{7ECFE949-5E17-FC42-9960-BCDAB348B02C}"/>
-              </a:ext>
-            </a:extLst>
-          </p:cNvPr>
-          <p:cNvCxnSpPr>
-            <a:cxnSpLocks/>
-          </p:cNvCxnSpPr>
-          <p:nvPr/>
-        </p:nvCxnSpPr>
-        <p:spPr>
-          <a:xfrm>
-            <a:off x="1682497" y="3143056"/>
-            <a:ext cx="1010690" cy="251203"/>
-          </a:xfrm>
-          <a:prstGeom prst="straightConnector1">
-            <a:avLst/>
-          </a:prstGeom>
-          <a:ln w="31750">
-            <a:tailEnd type="triangle"/>
-          </a:ln>
-        </p:spPr>
-        <p:style>
-          <a:lnRef idx="1">
-            <a:schemeClr val="accent1"/>
-          </a:lnRef>
-          <a:fillRef idx="0">
-            <a:schemeClr val="accent1"/>
-          </a:fillRef>
-          <a:effectRef idx="0">
-            <a:schemeClr val="accent1"/>
-          </a:effectRef>
-          <a:fontRef idx="minor">
-            <a:schemeClr val="tx1"/>
-          </a:fontRef>
-        </p:style>
-      </p:cxnSp>
-      <p:sp>
-        <p:nvSpPr>
-          <p:cNvPr id="8" name="TextBox 7">
-            <a:extLst>
-              <a:ext uri="{FF2B5EF4-FFF2-40B4-BE49-F238E27FC236}">
-                <a16:creationId xmlns:a16="http://schemas.microsoft.com/office/drawing/2014/main" id="{1518AF63-F058-5848-A6B8-99B63BA4A5AA}"/>
-              </a:ext>
-            </a:extLst>
-          </p:cNvPr>
-          <p:cNvSpPr txBox="1"/>
-          <p:nvPr/>
-        </p:nvSpPr>
-        <p:spPr>
-          <a:xfrm>
-            <a:off x="2791968" y="4055238"/>
-            <a:ext cx="927498" cy="400110"/>
-          </a:xfrm>
-          <a:prstGeom prst="rect">
-            <a:avLst/>
-          </a:prstGeom>
-          <a:noFill/>
-        </p:spPr>
-        <p:txBody>
-          <a:bodyPr wrap="none" rtlCol="0">
-            <a:spAutoFit/>
-          </a:bodyPr>
-          <a:lstStyle/>
-          <a:p>
-            <a:r>
-              <a:rPr lang="en-US" sz="2000" dirty="0"/>
-              <a:t>player2</a:t>
-            </a:r>
-          </a:p>
-        </p:txBody>
-      </p:sp>
-      <p:cxnSp>
-        <p:nvCxnSpPr>
-          <p:cNvPr id="10" name="Straight Arrow Connector 9">
-            <a:extLst>
-              <a:ext uri="{FF2B5EF4-FFF2-40B4-BE49-F238E27FC236}">
-                <a16:creationId xmlns:a16="http://schemas.microsoft.com/office/drawing/2014/main" id="{D6FBC0B7-550F-304E-B114-B33A965C3586}"/>
-              </a:ext>
-            </a:extLst>
-          </p:cNvPr>
-          <p:cNvCxnSpPr>
-            <a:cxnSpLocks/>
-          </p:cNvCxnSpPr>
-          <p:nvPr/>
-        </p:nvCxnSpPr>
-        <p:spPr>
-          <a:xfrm flipV="1">
-            <a:off x="1682497" y="4313460"/>
-            <a:ext cx="1109471" cy="373380"/>
-          </a:xfrm>
-          <a:prstGeom prst="straightConnector1">
-            <a:avLst/>
-          </a:prstGeom>
-          <a:ln w="31750">
-            <a:tailEnd type="triangle"/>
-          </a:ln>
-        </p:spPr>
-        <p:style>
-          <a:lnRef idx="1">
-            <a:schemeClr val="accent1"/>
-          </a:lnRef>
-          <a:fillRef idx="0">
-            <a:schemeClr val="accent1"/>
-          </a:fillRef>
-          <a:effectRef idx="0">
-            <a:schemeClr val="accent1"/>
-          </a:effectRef>
-          <a:fontRef idx="minor">
-            <a:schemeClr val="tx1"/>
-          </a:fontRef>
-        </p:style>
-      </p:cxnSp>
-      <p:sp>
-        <p:nvSpPr>
-          <p:cNvPr id="13" name="TextBox 12">
-            <a:extLst>
-              <a:ext uri="{FF2B5EF4-FFF2-40B4-BE49-F238E27FC236}">
-                <a16:creationId xmlns:a16="http://schemas.microsoft.com/office/drawing/2014/main" id="{6BD218E2-AF0E-114A-A6E0-CB450613A31F}"/>
-              </a:ext>
-            </a:extLst>
-          </p:cNvPr>
-          <p:cNvSpPr txBox="1"/>
-          <p:nvPr/>
-        </p:nvSpPr>
-        <p:spPr>
-          <a:xfrm>
-            <a:off x="2778321" y="3151788"/>
-            <a:ext cx="927498" cy="400110"/>
-          </a:xfrm>
-          <a:prstGeom prst="rect">
-            <a:avLst/>
-          </a:prstGeom>
-          <a:noFill/>
-        </p:spPr>
-        <p:txBody>
-          <a:bodyPr wrap="none" rtlCol="0">
-            <a:spAutoFit/>
-          </a:bodyPr>
-          <a:lstStyle/>
-          <a:p>
-            <a:r>
-              <a:rPr lang="en-US" sz="2000" dirty="0"/>
-              <a:t>player1</a:t>
-            </a:r>
-          </a:p>
-        </p:txBody>
-      </p:sp>
-      <p:sp>
-        <p:nvSpPr>
-          <p:cNvPr id="14" name="TextBox 13">
-            <a:extLst>
-              <a:ext uri="{FF2B5EF4-FFF2-40B4-BE49-F238E27FC236}">
-                <a16:creationId xmlns:a16="http://schemas.microsoft.com/office/drawing/2014/main" id="{E0452E39-9133-5B48-9209-7A7A2D22DFED}"/>
-              </a:ext>
-            </a:extLst>
-          </p:cNvPr>
-          <p:cNvSpPr txBox="1"/>
-          <p:nvPr/>
-        </p:nvSpPr>
-        <p:spPr>
-          <a:xfrm>
-            <a:off x="3366411" y="4686840"/>
-            <a:ext cx="5437386" cy="707886"/>
-          </a:xfrm>
-          <a:prstGeom prst="rect">
-            <a:avLst/>
-          </a:prstGeom>
-          <a:noFill/>
-        </p:spPr>
-        <p:txBody>
-          <a:bodyPr wrap="none" rtlCol="0">
-            <a:spAutoFit/>
-          </a:bodyPr>
-          <a:lstStyle/>
-          <a:p>
-            <a:r>
-              <a:rPr lang="en-US" sz="2000" dirty="0"/>
-              <a:t>If our class is called Sprite, player1 and player2 are </a:t>
-            </a:r>
-          </a:p>
-          <a:p>
-            <a:r>
-              <a:rPr lang="en-US" sz="2000" dirty="0"/>
-              <a:t>two objects of that class.</a:t>
-            </a:r>
-          </a:p>
-        </p:txBody>
-      </p:sp>
-    </p:spTree>
-    <p:extLst>
-      <p:ext uri="{BB962C8B-B14F-4D97-AF65-F5344CB8AC3E}">
-        <p14:creationId xmlns:p14="http://schemas.microsoft.com/office/powerpoint/2010/main" val="1899292602"/>
-      </p:ext>
-    </p:extLst>
-  </p:cSld>
-  <p:clrMapOvr>
-    <a:masterClrMapping/>
-  </p:clrMapOvr>
-</p:sld>
-</file>
-
-<file path=ppt/slides/slide5.xml><?xml version="1.0" encoding="utf-8"?>
+<file path=ppt/slides/slide3.xml><?xml version="1.0" encoding="utf-8"?>
 <p:sld xmlns:a="http://schemas.openxmlformats.org/drawingml/2006/main" xmlns:r="http://schemas.openxmlformats.org/officeDocument/2006/relationships" xmlns:p="http://schemas.openxmlformats.org/presentationml/2006/main">
   <p:cSld>
     <p:spTree>
@@ -14795,7 +12480,7 @@
             </a:r>
             <a:r>
               <a:rPr lang="en-US" dirty="0"/>
-              <a:t>).</a:t>
+              <a:t>). See Lecture 8.</a:t>
             </a:r>
           </a:p>
           <a:p>
@@ -14977,7 +12662,7 @@
 </p:sld>
 </file>
 
-<file path=ppt/slides/slide6.xml><?xml version="1.0" encoding="utf-8"?>
+<file path=ppt/slides/slide4.xml><?xml version="1.0" encoding="utf-8"?>
 <p:sld xmlns:a="http://schemas.openxmlformats.org/drawingml/2006/main" xmlns:r="http://schemas.openxmlformats.org/officeDocument/2006/relationships" xmlns:p="http://schemas.openxmlformats.org/presentationml/2006/main">
   <p:cSld>
     <p:spTree>
@@ -15139,7 +12824,7 @@
             </a:r>
             <a:r>
               <a:rPr lang="en-US" dirty="0" err="1"/>
-              <a:t>arcade.Sprite</a:t>
+              <a:t>Sprite</a:t>
             </a:r>
             <a:r>
               <a:rPr lang="en-US" dirty="0"/>
@@ -15183,7 +12868,13 @@
           <p:cNvGraphicFramePr>
             <a:graphicFrameLocks/>
           </p:cNvGraphicFramePr>
-          <p:nvPr/>
+          <p:nvPr>
+            <p:extLst>
+              <p:ext uri="{D42A27DB-BD31-4B8C-83A1-F6EECF244321}">
+                <p14:modId xmlns:p14="http://schemas.microsoft.com/office/powerpoint/2010/main" val="2896102604"/>
+              </p:ext>
+            </p:extLst>
+          </p:nvPr>
         </p:nvGraphicFramePr>
         <p:xfrm>
           <a:off x="5297803" y="324436"/>
@@ -15224,7 +12915,7 @@
                             </a:outerShdw>
                           </a:effectLst>
                         </a:rPr>
-                        <a:t>arcade.Sprite</a:t>
+                        <a:t>Sprite</a:t>
                       </a:r>
                       <a:r>
                         <a:rPr lang="en-US" sz="1800" b="0" cap="none" spc="0" dirty="0">
@@ -15548,7 +13239,7 @@
                             </a:outerShdw>
                           </a:effectLst>
                         </a:rPr>
-                        <a:t>update()</a:t>
+                        <a:t>move()</a:t>
                       </a:r>
                     </a:p>
                   </a:txBody>
@@ -15977,7 +13668,7 @@
 </p:sld>
 </file>
 
-<file path=ppt/slides/slide7.xml><?xml version="1.0" encoding="utf-8"?>
+<file path=ppt/slides/slide5.xml><?xml version="1.0" encoding="utf-8"?>
 <p:sld xmlns:a="http://schemas.openxmlformats.org/drawingml/2006/main" xmlns:r="http://schemas.openxmlformats.org/officeDocument/2006/relationships" xmlns:p="http://schemas.openxmlformats.org/presentationml/2006/main">
   <p:cSld>
     <p:spTree>
@@ -16083,7 +13774,13 @@
           <p:cNvGraphicFramePr>
             <a:graphicFrameLocks/>
           </p:cNvGraphicFramePr>
-          <p:nvPr/>
+          <p:nvPr>
+            <p:extLst>
+              <p:ext uri="{D42A27DB-BD31-4B8C-83A1-F6EECF244321}">
+                <p14:modId xmlns:p14="http://schemas.microsoft.com/office/powerpoint/2010/main" val="1499538986"/>
+              </p:ext>
+            </p:extLst>
+          </p:nvPr>
         </p:nvGraphicFramePr>
         <p:xfrm>
           <a:off x="4412973" y="1150913"/>
@@ -16124,7 +13821,7 @@
                             </a:outerShdw>
                           </a:effectLst>
                         </a:rPr>
-                        <a:t>arcade.Sprite</a:t>
+                        <a:t>Sprite</a:t>
                       </a:r>
                       <a:r>
                         <a:rPr lang="en-US" sz="1800" b="0" cap="none" spc="0" dirty="0">
@@ -16465,7 +14162,7 @@
                             </a:outerShdw>
                           </a:effectLst>
                         </a:rPr>
-                        <a:t>update()</a:t>
+                        <a:t>move()</a:t>
                       </a:r>
                     </a:p>
                   </a:txBody>
@@ -16638,7 +14335,7 @@
 </p:sld>
 </file>
 
-<file path=ppt/slides/slide8.xml><?xml version="1.0" encoding="utf-8"?>
+<file path=ppt/slides/slide6.xml><?xml version="1.0" encoding="utf-8"?>
 <p:sld xmlns:a="http://schemas.openxmlformats.org/drawingml/2006/main" xmlns:r="http://schemas.openxmlformats.org/officeDocument/2006/relationships" xmlns:p="http://schemas.openxmlformats.org/presentationml/2006/main">
   <p:cSld>
     <p:spTree>
@@ -16774,7 +14471,13 @@
           <p:cNvGraphicFramePr>
             <a:graphicFrameLocks/>
           </p:cNvGraphicFramePr>
-          <p:nvPr/>
+          <p:nvPr>
+            <p:extLst>
+              <p:ext uri="{D42A27DB-BD31-4B8C-83A1-F6EECF244321}">
+                <p14:modId xmlns:p14="http://schemas.microsoft.com/office/powerpoint/2010/main" val="3875677625"/>
+              </p:ext>
+            </p:extLst>
+          </p:nvPr>
         </p:nvGraphicFramePr>
         <p:xfrm>
           <a:off x="5113616" y="728870"/>
@@ -16815,7 +14518,7 @@
                             </a:outerShdw>
                           </a:effectLst>
                         </a:rPr>
-                        <a:t>arcade.Sprite</a:t>
+                        <a:t>Sprite</a:t>
                       </a:r>
                       <a:r>
                         <a:rPr lang="en-US" sz="1800" b="0" cap="none" spc="0" dirty="0">
@@ -17156,7 +14859,7 @@
                             </a:outerShdw>
                           </a:effectLst>
                         </a:rPr>
-                        <a:t>update()</a:t>
+                        <a:t>move()</a:t>
                       </a:r>
                     </a:p>
                   </a:txBody>
@@ -17432,7 +15135,7 @@
 </p:sld>
 </file>
 
-<file path=ppt/slides/slide9.xml><?xml version="1.0" encoding="utf-8"?>
+<file path=ppt/slides/slide7.xml><?xml version="1.0" encoding="utf-8"?>
 <p:sld xmlns:a="http://schemas.openxmlformats.org/drawingml/2006/main" xmlns:r="http://schemas.openxmlformats.org/officeDocument/2006/relationships" xmlns:p="http://schemas.openxmlformats.org/presentationml/2006/main">
   <p:cSld>
     <p:spTree>
@@ -17538,7 +15241,13 @@
           <p:cNvGraphicFramePr>
             <a:graphicFrameLocks/>
           </p:cNvGraphicFramePr>
-          <p:nvPr/>
+          <p:nvPr>
+            <p:extLst>
+              <p:ext uri="{D42A27DB-BD31-4B8C-83A1-F6EECF244321}">
+                <p14:modId xmlns:p14="http://schemas.microsoft.com/office/powerpoint/2010/main" val="3658149503"/>
+              </p:ext>
+            </p:extLst>
+          </p:nvPr>
         </p:nvGraphicFramePr>
         <p:xfrm>
           <a:off x="4412973" y="1177417"/>
@@ -17579,7 +15288,7 @@
                             </a:outerShdw>
                           </a:effectLst>
                         </a:rPr>
-                        <a:t>arcade.Sprite</a:t>
+                        <a:t>Sprite</a:t>
                       </a:r>
                       <a:r>
                         <a:rPr lang="en-US" sz="1800" b="0" cap="none" spc="0" dirty="0">
@@ -17920,7 +15629,7 @@
                             </a:outerShdw>
                           </a:effectLst>
                         </a:rPr>
-                        <a:t>update()</a:t>
+                        <a:t>move()</a:t>
                       </a:r>
                     </a:p>
                   </a:txBody>
@@ -18189,6 +15898,1316 @@
     <p:extLst>
       <p:ext uri="{BB962C8B-B14F-4D97-AF65-F5344CB8AC3E}">
         <p14:creationId xmlns:p14="http://schemas.microsoft.com/office/powerpoint/2010/main" val="3119869035"/>
+      </p:ext>
+    </p:extLst>
+  </p:cSld>
+  <p:clrMapOvr>
+    <a:masterClrMapping/>
+  </p:clrMapOvr>
+</p:sld>
+</file>
+
+<file path=ppt/slides/slide8.xml><?xml version="1.0" encoding="utf-8"?>
+<p:sld xmlns:a="http://schemas.openxmlformats.org/drawingml/2006/main" xmlns:r="http://schemas.openxmlformats.org/officeDocument/2006/relationships" xmlns:p="http://schemas.openxmlformats.org/presentationml/2006/main">
+  <p:cSld>
+    <p:spTree>
+      <p:nvGrpSpPr>
+        <p:cNvPr id="1" name=""/>
+        <p:cNvGrpSpPr/>
+        <p:nvPr/>
+      </p:nvGrpSpPr>
+      <p:grpSpPr>
+        <a:xfrm>
+          <a:off x="0" y="0"/>
+          <a:ext cx="0" cy="0"/>
+          <a:chOff x="0" y="0"/>
+          <a:chExt cx="0" cy="0"/>
+        </a:xfrm>
+      </p:grpSpPr>
+      <p:sp>
+        <p:nvSpPr>
+          <p:cNvPr id="2" name="Title 1">
+            <a:extLst>
+              <a:ext uri="{FF2B5EF4-FFF2-40B4-BE49-F238E27FC236}">
+                <a16:creationId xmlns:a16="http://schemas.microsoft.com/office/drawing/2014/main" id="{AA3A228F-61D0-D949-A5E7-F83756230BF8}"/>
+              </a:ext>
+            </a:extLst>
+          </p:cNvPr>
+          <p:cNvSpPr>
+            <a:spLocks noGrp="1"/>
+          </p:cNvSpPr>
+          <p:nvPr>
+            <p:ph type="title"/>
+          </p:nvPr>
+        </p:nvSpPr>
+        <p:spPr>
+          <a:xfrm>
+            <a:off x="483848" y="467027"/>
+            <a:ext cx="7053542" cy="683886"/>
+          </a:xfrm>
+        </p:spPr>
+        <p:txBody>
+          <a:bodyPr/>
+          <a:lstStyle/>
+          <a:p>
+            <a:r>
+              <a:rPr lang="en-US" dirty="0"/>
+              <a:t>The Sprite Class</a:t>
+            </a:r>
+          </a:p>
+        </p:txBody>
+      </p:sp>
+      <p:sp>
+        <p:nvSpPr>
+          <p:cNvPr id="9" name="Content Placeholder 8">
+            <a:extLst>
+              <a:ext uri="{FF2B5EF4-FFF2-40B4-BE49-F238E27FC236}">
+                <a16:creationId xmlns:a16="http://schemas.microsoft.com/office/drawing/2014/main" id="{E3B2E017-30B2-884B-A113-B419A2ED51AD}"/>
+              </a:ext>
+            </a:extLst>
+          </p:cNvPr>
+          <p:cNvSpPr>
+            <a:spLocks noGrp="1"/>
+          </p:cNvSpPr>
+          <p:nvPr>
+            <p:ph idx="1"/>
+          </p:nvPr>
+        </p:nvSpPr>
+        <p:spPr>
+          <a:xfrm>
+            <a:off x="483848" y="1284605"/>
+            <a:ext cx="8051725" cy="4404149"/>
+          </a:xfrm>
+        </p:spPr>
+        <p:txBody>
+          <a:bodyPr>
+            <a:noAutofit/>
+          </a:bodyPr>
+          <a:lstStyle/>
+          <a:p>
+            <a:pPr marL="0" indent="0">
+              <a:buNone/>
+            </a:pPr>
+            <a:endParaRPr lang="en-US" dirty="0"/>
+          </a:p>
+          <a:p>
+            <a:pPr marL="0" indent="0">
+              <a:buNone/>
+            </a:pPr>
+            <a:r>
+              <a:rPr lang="en-US" dirty="0"/>
+              <a:t> </a:t>
+            </a:r>
+          </a:p>
+        </p:txBody>
+      </p:sp>
+      <p:graphicFrame>
+        <p:nvGraphicFramePr>
+          <p:cNvPr id="4" name="Content Placeholder 2">
+            <a:extLst>
+              <a:ext uri="{FF2B5EF4-FFF2-40B4-BE49-F238E27FC236}">
+                <a16:creationId xmlns:a16="http://schemas.microsoft.com/office/drawing/2014/main" id="{910DE0CC-5FEF-A94D-BF5D-C253E3945850}"/>
+              </a:ext>
+            </a:extLst>
+          </p:cNvPr>
+          <p:cNvGraphicFramePr>
+            <a:graphicFrameLocks/>
+          </p:cNvGraphicFramePr>
+          <p:nvPr>
+            <p:extLst>
+              <p:ext uri="{D42A27DB-BD31-4B8C-83A1-F6EECF244321}">
+                <p14:modId xmlns:p14="http://schemas.microsoft.com/office/powerpoint/2010/main" val="3168940931"/>
+              </p:ext>
+            </p:extLst>
+          </p:nvPr>
+        </p:nvGraphicFramePr>
+        <p:xfrm>
+          <a:off x="4412973" y="1150913"/>
+          <a:ext cx="4122600" cy="3566160"/>
+        </p:xfrm>
+        <a:graphic>
+          <a:graphicData uri="http://schemas.openxmlformats.org/drawingml/2006/table">
+            <a:tbl>
+              <a:tblPr firstRow="1" bandRow="1">
+                <a:tableStyleId>{5940675A-B579-460E-94D1-54222C63F5DA}</a:tableStyleId>
+              </a:tblPr>
+              <a:tblGrid>
+                <a:gridCol w="4122600">
+                  <a:extLst>
+                    <a:ext uri="{9D8B030D-6E8A-4147-A177-3AD203B41FA5}">
+                      <a16:colId xmlns:a16="http://schemas.microsoft.com/office/drawing/2014/main" val="2159819282"/>
+                    </a:ext>
+                  </a:extLst>
+                </a:gridCol>
+              </a:tblGrid>
+              <a:tr h="130193">
+                <a:tc>
+                  <a:txBody>
+                    <a:bodyPr/>
+                    <a:lstStyle/>
+                    <a:p>
+                      <a:r>
+                        <a:rPr lang="en-US" sz="1800" b="0" cap="none" spc="0" dirty="0" err="1">
+                          <a:ln w="0"/>
+                          <a:solidFill>
+                            <a:srgbClr val="FF0000"/>
+                          </a:solidFill>
+                          <a:effectLst>
+                            <a:outerShdw blurRad="38100" dist="19050" dir="2700000" algn="tl" rotWithShape="0">
+                              <a:schemeClr val="dk1">
+                                <a:alpha val="40000"/>
+                              </a:schemeClr>
+                            </a:outerShdw>
+                          </a:effectLst>
+                        </a:rPr>
+                        <a:t>Sprite</a:t>
+                      </a:r>
+                      <a:r>
+                        <a:rPr lang="en-US" sz="1800" b="0" cap="none" spc="0" dirty="0">
+                          <a:ln w="0"/>
+                          <a:solidFill>
+                            <a:srgbClr val="FF0000"/>
+                          </a:solidFill>
+                          <a:effectLst>
+                            <a:outerShdw blurRad="38100" dist="19050" dir="2700000" algn="tl" rotWithShape="0">
+                              <a:schemeClr val="dk1">
+                                <a:alpha val="40000"/>
+                              </a:schemeClr>
+                            </a:outerShdw>
+                          </a:effectLst>
+                        </a:rPr>
+                        <a:t>(filename, scale=1.0)</a:t>
+                      </a:r>
+                    </a:p>
+                  </a:txBody>
+                  <a:tcPr/>
+                </a:tc>
+                <a:extLst>
+                  <a:ext uri="{0D108BD9-81ED-4DB2-BD59-A6C34878D82A}">
+                    <a16:rowId xmlns:a16="http://schemas.microsoft.com/office/drawing/2014/main" val="1405314547"/>
+                  </a:ext>
+                </a:extLst>
+              </a:tr>
+              <a:tr h="1397523">
+                <a:tc>
+                  <a:txBody>
+                    <a:bodyPr/>
+                    <a:lstStyle/>
+                    <a:p>
+                      <a:r>
+                        <a:rPr lang="en-US" sz="1800" b="0" cap="none" spc="0" dirty="0" err="1">
+                          <a:ln w="0"/>
+                          <a:solidFill>
+                            <a:schemeClr val="tx1"/>
+                          </a:solidFill>
+                          <a:effectLst>
+                            <a:outerShdw blurRad="38100" dist="19050" dir="2700000" algn="tl" rotWithShape="0">
+                              <a:schemeClr val="dk1">
+                                <a:alpha val="40000"/>
+                              </a:schemeClr>
+                            </a:outerShdw>
+                          </a:effectLst>
+                        </a:rPr>
+                        <a:t>center_x</a:t>
+                      </a:r>
+                      <a:endParaRPr lang="en-US" sz="1800" b="0" cap="none" spc="0" dirty="0">
+                        <a:ln w="0"/>
+                        <a:solidFill>
+                          <a:schemeClr val="tx1"/>
+                        </a:solidFill>
+                        <a:effectLst>
+                          <a:outerShdw blurRad="38100" dist="19050" dir="2700000" algn="tl" rotWithShape="0">
+                            <a:schemeClr val="dk1">
+                              <a:alpha val="40000"/>
+                            </a:schemeClr>
+                          </a:outerShdw>
+                        </a:effectLst>
+                      </a:endParaRPr>
+                    </a:p>
+                    <a:p>
+                      <a:r>
+                        <a:rPr lang="en-US" sz="1800" b="0" cap="none" spc="0" dirty="0" err="1">
+                          <a:ln w="0"/>
+                          <a:solidFill>
+                            <a:schemeClr val="tx1"/>
+                          </a:solidFill>
+                          <a:effectLst>
+                            <a:outerShdw blurRad="38100" dist="19050" dir="2700000" algn="tl" rotWithShape="0">
+                              <a:schemeClr val="dk1">
+                                <a:alpha val="40000"/>
+                              </a:schemeClr>
+                            </a:outerShdw>
+                          </a:effectLst>
+                        </a:rPr>
+                        <a:t>center_y</a:t>
+                      </a:r>
+                      <a:endParaRPr lang="en-US" sz="1800" b="0" cap="none" spc="0" dirty="0">
+                        <a:ln w="0"/>
+                        <a:solidFill>
+                          <a:schemeClr val="tx1"/>
+                        </a:solidFill>
+                        <a:effectLst>
+                          <a:outerShdw blurRad="38100" dist="19050" dir="2700000" algn="tl" rotWithShape="0">
+                            <a:schemeClr val="dk1">
+                              <a:alpha val="40000"/>
+                            </a:schemeClr>
+                          </a:outerShdw>
+                        </a:effectLst>
+                      </a:endParaRPr>
+                    </a:p>
+                    <a:p>
+                      <a:r>
+                        <a:rPr lang="en-US" sz="1800" b="0" cap="none" spc="0" dirty="0">
+                          <a:ln w="0"/>
+                          <a:solidFill>
+                            <a:schemeClr val="tx1"/>
+                          </a:solidFill>
+                          <a:effectLst>
+                            <a:outerShdw blurRad="38100" dist="19050" dir="2700000" algn="tl" rotWithShape="0">
+                              <a:schemeClr val="dk1">
+                                <a:alpha val="40000"/>
+                              </a:schemeClr>
+                            </a:outerShdw>
+                          </a:effectLst>
+                        </a:rPr>
+                        <a:t>angle</a:t>
+                      </a:r>
+                    </a:p>
+                    <a:p>
+                      <a:r>
+                        <a:rPr lang="en-US" sz="1800" b="0" cap="none" spc="0" dirty="0">
+                          <a:ln w="0"/>
+                          <a:solidFill>
+                            <a:schemeClr val="tx1"/>
+                          </a:solidFill>
+                          <a:effectLst>
+                            <a:outerShdw blurRad="38100" dist="19050" dir="2700000" algn="tl" rotWithShape="0">
+                              <a:schemeClr val="dk1">
+                                <a:alpha val="40000"/>
+                              </a:schemeClr>
+                            </a:outerShdw>
+                          </a:effectLst>
+                        </a:rPr>
+                        <a:t>width</a:t>
+                      </a:r>
+                    </a:p>
+                    <a:p>
+                      <a:r>
+                        <a:rPr lang="en-US" sz="1800" b="0" cap="none" spc="0" dirty="0">
+                          <a:ln w="0"/>
+                          <a:solidFill>
+                            <a:schemeClr val="tx1"/>
+                          </a:solidFill>
+                          <a:effectLst>
+                            <a:outerShdw blurRad="38100" dist="19050" dir="2700000" algn="tl" rotWithShape="0">
+                              <a:schemeClr val="dk1">
+                                <a:alpha val="40000"/>
+                              </a:schemeClr>
+                            </a:outerShdw>
+                          </a:effectLst>
+                        </a:rPr>
+                        <a:t>height</a:t>
+                      </a:r>
+                    </a:p>
+                    <a:p>
+                      <a:r>
+                        <a:rPr lang="en-US" sz="1800" b="0" cap="none" spc="0" dirty="0" err="1">
+                          <a:ln w="0"/>
+                          <a:solidFill>
+                            <a:srgbClr val="00B050"/>
+                          </a:solidFill>
+                          <a:effectLst>
+                            <a:outerShdw blurRad="38100" dist="19050" dir="2700000" algn="tl" rotWithShape="0">
+                              <a:schemeClr val="dk1">
+                                <a:alpha val="40000"/>
+                              </a:schemeClr>
+                            </a:outerShdw>
+                          </a:effectLst>
+                        </a:rPr>
+                        <a:t>change_x</a:t>
+                      </a:r>
+                      <a:endParaRPr lang="en-US" sz="1800" b="0" cap="none" spc="0" dirty="0">
+                        <a:ln w="0"/>
+                        <a:solidFill>
+                          <a:srgbClr val="00B050"/>
+                        </a:solidFill>
+                        <a:effectLst>
+                          <a:outerShdw blurRad="38100" dist="19050" dir="2700000" algn="tl" rotWithShape="0">
+                            <a:schemeClr val="dk1">
+                              <a:alpha val="40000"/>
+                            </a:schemeClr>
+                          </a:outerShdw>
+                        </a:effectLst>
+                      </a:endParaRPr>
+                    </a:p>
+                    <a:p>
+                      <a:r>
+                        <a:rPr lang="en-US" sz="1800" b="0" cap="none" spc="0" dirty="0" err="1">
+                          <a:ln w="0"/>
+                          <a:solidFill>
+                            <a:srgbClr val="00B050"/>
+                          </a:solidFill>
+                          <a:effectLst>
+                            <a:outerShdw blurRad="38100" dist="19050" dir="2700000" algn="tl" rotWithShape="0">
+                              <a:schemeClr val="dk1">
+                                <a:alpha val="40000"/>
+                              </a:schemeClr>
+                            </a:outerShdw>
+                          </a:effectLst>
+                        </a:rPr>
+                        <a:t>change_y</a:t>
+                      </a:r>
+                      <a:endParaRPr lang="en-US" sz="1800" b="0" cap="none" spc="0" dirty="0">
+                        <a:ln w="0"/>
+                        <a:solidFill>
+                          <a:srgbClr val="00B050"/>
+                        </a:solidFill>
+                        <a:effectLst>
+                          <a:outerShdw blurRad="38100" dist="19050" dir="2700000" algn="tl" rotWithShape="0">
+                            <a:schemeClr val="dk1">
+                              <a:alpha val="40000"/>
+                            </a:schemeClr>
+                          </a:outerShdw>
+                        </a:effectLst>
+                      </a:endParaRPr>
+                    </a:p>
+                    <a:p>
+                      <a:r>
+                        <a:rPr lang="en-US" sz="1800" b="0" cap="none" spc="0" dirty="0" err="1">
+                          <a:ln w="0"/>
+                          <a:solidFill>
+                            <a:schemeClr val="tx1"/>
+                          </a:solidFill>
+                          <a:effectLst>
+                            <a:outerShdw blurRad="38100" dist="19050" dir="2700000" algn="tl" rotWithShape="0">
+                              <a:schemeClr val="dk1">
+                                <a:alpha val="40000"/>
+                              </a:schemeClr>
+                            </a:outerShdw>
+                          </a:effectLst>
+                        </a:rPr>
+                        <a:t>change_angle</a:t>
+                      </a:r>
+                      <a:endParaRPr lang="en-US" sz="1800" b="0" cap="none" spc="0" dirty="0">
+                        <a:ln w="0"/>
+                        <a:solidFill>
+                          <a:schemeClr val="tx1"/>
+                        </a:solidFill>
+                        <a:effectLst>
+                          <a:outerShdw blurRad="38100" dist="19050" dir="2700000" algn="tl" rotWithShape="0">
+                            <a:schemeClr val="dk1">
+                              <a:alpha val="40000"/>
+                            </a:schemeClr>
+                          </a:outerShdw>
+                        </a:effectLst>
+                      </a:endParaRPr>
+                    </a:p>
+                    <a:p>
+                      <a:pPr marL="0" marR="0" lvl="0" indent="0" algn="l" defTabSz="685800" rtl="0" eaLnBrk="1" fontAlgn="auto" latinLnBrk="0" hangingPunct="1">
+                        <a:lnSpc>
+                          <a:spcPct val="100000"/>
+                        </a:lnSpc>
+                        <a:spcBef>
+                          <a:spcPts val="0"/>
+                        </a:spcBef>
+                        <a:spcAft>
+                          <a:spcPts val="0"/>
+                        </a:spcAft>
+                        <a:buClrTx/>
+                        <a:buSzTx/>
+                        <a:buFontTx/>
+                        <a:buNone/>
+                        <a:tabLst/>
+                        <a:defRPr/>
+                      </a:pPr>
+                      <a:r>
+                        <a:rPr lang="en-US" sz="1800" b="0" cap="none" spc="0" dirty="0">
+                          <a:ln w="0"/>
+                          <a:solidFill>
+                            <a:schemeClr val="tx1"/>
+                          </a:solidFill>
+                          <a:effectLst>
+                            <a:outerShdw blurRad="38100" dist="19050" dir="2700000" algn="tl" rotWithShape="0">
+                              <a:schemeClr val="dk1">
+                                <a:alpha val="40000"/>
+                              </a:schemeClr>
+                            </a:outerShdw>
+                          </a:effectLst>
+                        </a:rPr>
+                        <a:t>alpha</a:t>
+                      </a:r>
+                    </a:p>
+                  </a:txBody>
+                  <a:tcPr/>
+                </a:tc>
+                <a:extLst>
+                  <a:ext uri="{0D108BD9-81ED-4DB2-BD59-A6C34878D82A}">
+                    <a16:rowId xmlns:a16="http://schemas.microsoft.com/office/drawing/2014/main" val="3404010091"/>
+                  </a:ext>
+                </a:extLst>
+              </a:tr>
+              <a:tr h="395423">
+                <a:tc>
+                  <a:txBody>
+                    <a:bodyPr/>
+                    <a:lstStyle/>
+                    <a:p>
+                      <a:r>
+                        <a:rPr lang="en-US" sz="1800" b="0" cap="none" spc="0" dirty="0">
+                          <a:ln w="0"/>
+                          <a:solidFill>
+                            <a:schemeClr val="tx1"/>
+                          </a:solidFill>
+                          <a:effectLst>
+                            <a:outerShdw blurRad="38100" dist="19050" dir="2700000" algn="tl" rotWithShape="0">
+                              <a:schemeClr val="dk1">
+                                <a:alpha val="40000"/>
+                              </a:schemeClr>
+                            </a:outerShdw>
+                          </a:effectLst>
+                        </a:rPr>
+                        <a:t>draw()</a:t>
+                      </a:r>
+                    </a:p>
+                    <a:p>
+                      <a:r>
+                        <a:rPr lang="en-US" sz="1800" b="0" cap="none" spc="0" dirty="0">
+                          <a:ln w="0"/>
+                          <a:solidFill>
+                            <a:schemeClr val="tx1"/>
+                          </a:solidFill>
+                          <a:effectLst>
+                            <a:outerShdw blurRad="38100" dist="19050" dir="2700000" algn="tl" rotWithShape="0">
+                              <a:schemeClr val="dk1">
+                                <a:alpha val="40000"/>
+                              </a:schemeClr>
+                            </a:outerShdw>
+                          </a:effectLst>
+                        </a:rPr>
+                        <a:t>move()</a:t>
+                      </a:r>
+                    </a:p>
+                  </a:txBody>
+                  <a:tcPr/>
+                </a:tc>
+                <a:extLst>
+                  <a:ext uri="{0D108BD9-81ED-4DB2-BD59-A6C34878D82A}">
+                    <a16:rowId xmlns:a16="http://schemas.microsoft.com/office/drawing/2014/main" val="2577202153"/>
+                  </a:ext>
+                </a:extLst>
+              </a:tr>
+            </a:tbl>
+          </a:graphicData>
+        </a:graphic>
+      </p:graphicFrame>
+      <p:sp>
+        <p:nvSpPr>
+          <p:cNvPr id="3" name="TextBox 2">
+            <a:extLst>
+              <a:ext uri="{FF2B5EF4-FFF2-40B4-BE49-F238E27FC236}">
+                <a16:creationId xmlns:a16="http://schemas.microsoft.com/office/drawing/2014/main" id="{8BB97AF7-6488-BE43-8363-9BFD815B4E7A}"/>
+              </a:ext>
+            </a:extLst>
+          </p:cNvPr>
+          <p:cNvSpPr txBox="1"/>
+          <p:nvPr/>
+        </p:nvSpPr>
+        <p:spPr>
+          <a:xfrm>
+            <a:off x="3670852" y="728870"/>
+            <a:ext cx="184731" cy="308418"/>
+          </a:xfrm>
+          <a:prstGeom prst="rect">
+            <a:avLst/>
+          </a:prstGeom>
+          <a:noFill/>
+        </p:spPr>
+        <p:txBody>
+          <a:bodyPr wrap="none" rtlCol="0">
+            <a:spAutoFit/>
+          </a:bodyPr>
+          <a:lstStyle/>
+          <a:p>
+            <a:endParaRPr lang="en-US" dirty="0"/>
+          </a:p>
+        </p:txBody>
+      </p:sp>
+      <p:sp>
+        <p:nvSpPr>
+          <p:cNvPr id="5" name="TextBox 4">
+            <a:extLst>
+              <a:ext uri="{FF2B5EF4-FFF2-40B4-BE49-F238E27FC236}">
+                <a16:creationId xmlns:a16="http://schemas.microsoft.com/office/drawing/2014/main" id="{0AFD9F14-5FDD-9A41-B24B-7D381714B083}"/>
+              </a:ext>
+            </a:extLst>
+          </p:cNvPr>
+          <p:cNvSpPr txBox="1"/>
+          <p:nvPr/>
+        </p:nvSpPr>
+        <p:spPr>
+          <a:xfrm>
+            <a:off x="1444487" y="1470991"/>
+            <a:ext cx="184731" cy="308418"/>
+          </a:xfrm>
+          <a:prstGeom prst="rect">
+            <a:avLst/>
+          </a:prstGeom>
+          <a:noFill/>
+        </p:spPr>
+        <p:txBody>
+          <a:bodyPr wrap="none" rtlCol="0">
+            <a:spAutoFit/>
+          </a:bodyPr>
+          <a:lstStyle/>
+          <a:p>
+            <a:endParaRPr lang="en-US" dirty="0"/>
+          </a:p>
+        </p:txBody>
+      </p:sp>
+      <p:cxnSp>
+        <p:nvCxnSpPr>
+          <p:cNvPr id="13" name="Straight Arrow Connector 12">
+            <a:extLst>
+              <a:ext uri="{FF2B5EF4-FFF2-40B4-BE49-F238E27FC236}">
+                <a16:creationId xmlns:a16="http://schemas.microsoft.com/office/drawing/2014/main" id="{D2556216-41CD-8D42-B4C1-6D4D9ECF9A05}"/>
+              </a:ext>
+            </a:extLst>
+          </p:cNvPr>
+          <p:cNvCxnSpPr>
+            <a:cxnSpLocks/>
+          </p:cNvCxnSpPr>
+          <p:nvPr/>
+        </p:nvCxnSpPr>
+        <p:spPr>
+          <a:xfrm>
+            <a:off x="3057498" y="3253658"/>
+            <a:ext cx="1226707" cy="0"/>
+          </a:xfrm>
+          <a:prstGeom prst="straightConnector1">
+            <a:avLst/>
+          </a:prstGeom>
+          <a:ln w="38100">
+            <a:tailEnd type="triangle"/>
+          </a:ln>
+        </p:spPr>
+        <p:style>
+          <a:lnRef idx="1">
+            <a:schemeClr val="dk1"/>
+          </a:lnRef>
+          <a:fillRef idx="0">
+            <a:schemeClr val="dk1"/>
+          </a:fillRef>
+          <a:effectRef idx="0">
+            <a:schemeClr val="dk1"/>
+          </a:effectRef>
+          <a:fontRef idx="minor">
+            <a:schemeClr val="tx1"/>
+          </a:fontRef>
+        </p:style>
+      </p:cxnSp>
+      <p:sp>
+        <p:nvSpPr>
+          <p:cNvPr id="14" name="TextBox 13">
+            <a:extLst>
+              <a:ext uri="{FF2B5EF4-FFF2-40B4-BE49-F238E27FC236}">
+                <a16:creationId xmlns:a16="http://schemas.microsoft.com/office/drawing/2014/main" id="{63449E36-9DBB-134E-94FD-16C40C15EBDC}"/>
+              </a:ext>
+            </a:extLst>
+          </p:cNvPr>
+          <p:cNvSpPr txBox="1"/>
+          <p:nvPr/>
+        </p:nvSpPr>
+        <p:spPr>
+          <a:xfrm>
+            <a:off x="187527" y="2992901"/>
+            <a:ext cx="2949483" cy="738664"/>
+          </a:xfrm>
+          <a:prstGeom prst="rect">
+            <a:avLst/>
+          </a:prstGeom>
+          <a:noFill/>
+        </p:spPr>
+        <p:txBody>
+          <a:bodyPr wrap="square" rtlCol="0">
+            <a:spAutoFit/>
+          </a:bodyPr>
+          <a:lstStyle/>
+          <a:p>
+            <a:r>
+              <a:rPr lang="en-US" sz="2100" dirty="0">
+                <a:solidFill>
+                  <a:srgbClr val="FF0000"/>
+                </a:solidFill>
+              </a:rPr>
+              <a:t>For moving the sprite.</a:t>
+            </a:r>
+          </a:p>
+          <a:p>
+            <a:r>
+              <a:rPr lang="en-US" sz="2100" dirty="0">
+                <a:solidFill>
+                  <a:srgbClr val="FF0000"/>
+                </a:solidFill>
+              </a:rPr>
+              <a:t>(velocity)</a:t>
+            </a:r>
+          </a:p>
+        </p:txBody>
+      </p:sp>
+    </p:spTree>
+    <p:extLst>
+      <p:ext uri="{BB962C8B-B14F-4D97-AF65-F5344CB8AC3E}">
+        <p14:creationId xmlns:p14="http://schemas.microsoft.com/office/powerpoint/2010/main" val="3949056306"/>
+      </p:ext>
+    </p:extLst>
+  </p:cSld>
+  <p:clrMapOvr>
+    <a:masterClrMapping/>
+  </p:clrMapOvr>
+</p:sld>
+</file>
+
+<file path=ppt/slides/slide9.xml><?xml version="1.0" encoding="utf-8"?>
+<p:sld xmlns:a="http://schemas.openxmlformats.org/drawingml/2006/main" xmlns:r="http://schemas.openxmlformats.org/officeDocument/2006/relationships" xmlns:p="http://schemas.openxmlformats.org/presentationml/2006/main">
+  <p:cSld>
+    <p:spTree>
+      <p:nvGrpSpPr>
+        <p:cNvPr id="1" name=""/>
+        <p:cNvGrpSpPr/>
+        <p:nvPr/>
+      </p:nvGrpSpPr>
+      <p:grpSpPr>
+        <a:xfrm>
+          <a:off x="0" y="0"/>
+          <a:ext cx="0" cy="0"/>
+          <a:chOff x="0" y="0"/>
+          <a:chExt cx="0" cy="0"/>
+        </a:xfrm>
+      </p:grpSpPr>
+      <p:sp>
+        <p:nvSpPr>
+          <p:cNvPr id="2" name="Title 1">
+            <a:extLst>
+              <a:ext uri="{FF2B5EF4-FFF2-40B4-BE49-F238E27FC236}">
+                <a16:creationId xmlns:a16="http://schemas.microsoft.com/office/drawing/2014/main" id="{AA3A228F-61D0-D949-A5E7-F83756230BF8}"/>
+              </a:ext>
+            </a:extLst>
+          </p:cNvPr>
+          <p:cNvSpPr>
+            <a:spLocks noGrp="1"/>
+          </p:cNvSpPr>
+          <p:nvPr>
+            <p:ph type="title"/>
+          </p:nvPr>
+        </p:nvSpPr>
+        <p:spPr>
+          <a:xfrm>
+            <a:off x="483848" y="467027"/>
+            <a:ext cx="7053542" cy="683886"/>
+          </a:xfrm>
+        </p:spPr>
+        <p:txBody>
+          <a:bodyPr/>
+          <a:lstStyle/>
+          <a:p>
+            <a:r>
+              <a:rPr lang="en-US" dirty="0"/>
+              <a:t>The Sprite Class</a:t>
+            </a:r>
+          </a:p>
+        </p:txBody>
+      </p:sp>
+      <p:sp>
+        <p:nvSpPr>
+          <p:cNvPr id="9" name="Content Placeholder 8">
+            <a:extLst>
+              <a:ext uri="{FF2B5EF4-FFF2-40B4-BE49-F238E27FC236}">
+                <a16:creationId xmlns:a16="http://schemas.microsoft.com/office/drawing/2014/main" id="{E3B2E017-30B2-884B-A113-B419A2ED51AD}"/>
+              </a:ext>
+            </a:extLst>
+          </p:cNvPr>
+          <p:cNvSpPr>
+            <a:spLocks noGrp="1"/>
+          </p:cNvSpPr>
+          <p:nvPr>
+            <p:ph idx="1"/>
+          </p:nvPr>
+        </p:nvSpPr>
+        <p:spPr>
+          <a:xfrm>
+            <a:off x="483848" y="1284605"/>
+            <a:ext cx="8051725" cy="4404149"/>
+          </a:xfrm>
+        </p:spPr>
+        <p:txBody>
+          <a:bodyPr>
+            <a:noAutofit/>
+          </a:bodyPr>
+          <a:lstStyle/>
+          <a:p>
+            <a:pPr marL="0" indent="0">
+              <a:buNone/>
+            </a:pPr>
+            <a:endParaRPr lang="en-US" dirty="0"/>
+          </a:p>
+          <a:p>
+            <a:pPr marL="0" indent="0">
+              <a:buNone/>
+            </a:pPr>
+            <a:r>
+              <a:rPr lang="en-US" dirty="0"/>
+              <a:t> </a:t>
+            </a:r>
+          </a:p>
+        </p:txBody>
+      </p:sp>
+      <p:graphicFrame>
+        <p:nvGraphicFramePr>
+          <p:cNvPr id="4" name="Content Placeholder 2">
+            <a:extLst>
+              <a:ext uri="{FF2B5EF4-FFF2-40B4-BE49-F238E27FC236}">
+                <a16:creationId xmlns:a16="http://schemas.microsoft.com/office/drawing/2014/main" id="{910DE0CC-5FEF-A94D-BF5D-C253E3945850}"/>
+              </a:ext>
+            </a:extLst>
+          </p:cNvPr>
+          <p:cNvGraphicFramePr>
+            <a:graphicFrameLocks/>
+          </p:cNvGraphicFramePr>
+          <p:nvPr>
+            <p:extLst>
+              <p:ext uri="{D42A27DB-BD31-4B8C-83A1-F6EECF244321}">
+                <p14:modId xmlns:p14="http://schemas.microsoft.com/office/powerpoint/2010/main" val="2333466185"/>
+              </p:ext>
+            </p:extLst>
+          </p:nvPr>
+        </p:nvGraphicFramePr>
+        <p:xfrm>
+          <a:off x="4412973" y="1150913"/>
+          <a:ext cx="4122600" cy="3566160"/>
+        </p:xfrm>
+        <a:graphic>
+          <a:graphicData uri="http://schemas.openxmlformats.org/drawingml/2006/table">
+            <a:tbl>
+              <a:tblPr firstRow="1" bandRow="1">
+                <a:tableStyleId>{5940675A-B579-460E-94D1-54222C63F5DA}</a:tableStyleId>
+              </a:tblPr>
+              <a:tblGrid>
+                <a:gridCol w="4122600">
+                  <a:extLst>
+                    <a:ext uri="{9D8B030D-6E8A-4147-A177-3AD203B41FA5}">
+                      <a16:colId xmlns:a16="http://schemas.microsoft.com/office/drawing/2014/main" val="2159819282"/>
+                    </a:ext>
+                  </a:extLst>
+                </a:gridCol>
+              </a:tblGrid>
+              <a:tr h="130193">
+                <a:tc>
+                  <a:txBody>
+                    <a:bodyPr/>
+                    <a:lstStyle/>
+                    <a:p>
+                      <a:r>
+                        <a:rPr lang="en-US" sz="1800" b="0" cap="none" spc="0" dirty="0" err="1">
+                          <a:ln w="0"/>
+                          <a:solidFill>
+                            <a:srgbClr val="FF0000"/>
+                          </a:solidFill>
+                          <a:effectLst>
+                            <a:outerShdw blurRad="38100" dist="19050" dir="2700000" algn="tl" rotWithShape="0">
+                              <a:schemeClr val="dk1">
+                                <a:alpha val="40000"/>
+                              </a:schemeClr>
+                            </a:outerShdw>
+                          </a:effectLst>
+                        </a:rPr>
+                        <a:t>Sprite</a:t>
+                      </a:r>
+                      <a:r>
+                        <a:rPr lang="en-US" sz="1800" b="0" cap="none" spc="0" dirty="0">
+                          <a:ln w="0"/>
+                          <a:solidFill>
+                            <a:srgbClr val="FF0000"/>
+                          </a:solidFill>
+                          <a:effectLst>
+                            <a:outerShdw blurRad="38100" dist="19050" dir="2700000" algn="tl" rotWithShape="0">
+                              <a:schemeClr val="dk1">
+                                <a:alpha val="40000"/>
+                              </a:schemeClr>
+                            </a:outerShdw>
+                          </a:effectLst>
+                        </a:rPr>
+                        <a:t>(filename, scale=1.0)</a:t>
+                      </a:r>
+                    </a:p>
+                  </a:txBody>
+                  <a:tcPr/>
+                </a:tc>
+                <a:extLst>
+                  <a:ext uri="{0D108BD9-81ED-4DB2-BD59-A6C34878D82A}">
+                    <a16:rowId xmlns:a16="http://schemas.microsoft.com/office/drawing/2014/main" val="1405314547"/>
+                  </a:ext>
+                </a:extLst>
+              </a:tr>
+              <a:tr h="1397523">
+                <a:tc>
+                  <a:txBody>
+                    <a:bodyPr/>
+                    <a:lstStyle/>
+                    <a:p>
+                      <a:r>
+                        <a:rPr lang="en-US" sz="1800" b="0" cap="none" spc="0" dirty="0" err="1">
+                          <a:ln w="0"/>
+                          <a:solidFill>
+                            <a:schemeClr val="tx1"/>
+                          </a:solidFill>
+                          <a:effectLst>
+                            <a:outerShdw blurRad="38100" dist="19050" dir="2700000" algn="tl" rotWithShape="0">
+                              <a:schemeClr val="dk1">
+                                <a:alpha val="40000"/>
+                              </a:schemeClr>
+                            </a:outerShdw>
+                          </a:effectLst>
+                        </a:rPr>
+                        <a:t>center_x</a:t>
+                      </a:r>
+                      <a:endParaRPr lang="en-US" sz="1800" b="0" cap="none" spc="0" dirty="0">
+                        <a:ln w="0"/>
+                        <a:solidFill>
+                          <a:schemeClr val="tx1"/>
+                        </a:solidFill>
+                        <a:effectLst>
+                          <a:outerShdw blurRad="38100" dist="19050" dir="2700000" algn="tl" rotWithShape="0">
+                            <a:schemeClr val="dk1">
+                              <a:alpha val="40000"/>
+                            </a:schemeClr>
+                          </a:outerShdw>
+                        </a:effectLst>
+                      </a:endParaRPr>
+                    </a:p>
+                    <a:p>
+                      <a:r>
+                        <a:rPr lang="en-US" sz="1800" b="0" cap="none" spc="0" dirty="0" err="1">
+                          <a:ln w="0"/>
+                          <a:solidFill>
+                            <a:schemeClr val="tx1"/>
+                          </a:solidFill>
+                          <a:effectLst>
+                            <a:outerShdw blurRad="38100" dist="19050" dir="2700000" algn="tl" rotWithShape="0">
+                              <a:schemeClr val="dk1">
+                                <a:alpha val="40000"/>
+                              </a:schemeClr>
+                            </a:outerShdw>
+                          </a:effectLst>
+                        </a:rPr>
+                        <a:t>center_y</a:t>
+                      </a:r>
+                      <a:endParaRPr lang="en-US" sz="1800" b="0" cap="none" spc="0" dirty="0">
+                        <a:ln w="0"/>
+                        <a:solidFill>
+                          <a:schemeClr val="tx1"/>
+                        </a:solidFill>
+                        <a:effectLst>
+                          <a:outerShdw blurRad="38100" dist="19050" dir="2700000" algn="tl" rotWithShape="0">
+                            <a:schemeClr val="dk1">
+                              <a:alpha val="40000"/>
+                            </a:schemeClr>
+                          </a:outerShdw>
+                        </a:effectLst>
+                      </a:endParaRPr>
+                    </a:p>
+                    <a:p>
+                      <a:r>
+                        <a:rPr lang="en-US" sz="1800" b="0" cap="none" spc="0" dirty="0">
+                          <a:ln w="0"/>
+                          <a:solidFill>
+                            <a:schemeClr val="tx1"/>
+                          </a:solidFill>
+                          <a:effectLst>
+                            <a:outerShdw blurRad="38100" dist="19050" dir="2700000" algn="tl" rotWithShape="0">
+                              <a:schemeClr val="dk1">
+                                <a:alpha val="40000"/>
+                              </a:schemeClr>
+                            </a:outerShdw>
+                          </a:effectLst>
+                        </a:rPr>
+                        <a:t>angle</a:t>
+                      </a:r>
+                    </a:p>
+                    <a:p>
+                      <a:r>
+                        <a:rPr lang="en-US" sz="1800" b="0" cap="none" spc="0" dirty="0">
+                          <a:ln w="0"/>
+                          <a:solidFill>
+                            <a:schemeClr val="tx1"/>
+                          </a:solidFill>
+                          <a:effectLst>
+                            <a:outerShdw blurRad="38100" dist="19050" dir="2700000" algn="tl" rotWithShape="0">
+                              <a:schemeClr val="dk1">
+                                <a:alpha val="40000"/>
+                              </a:schemeClr>
+                            </a:outerShdw>
+                          </a:effectLst>
+                        </a:rPr>
+                        <a:t>width</a:t>
+                      </a:r>
+                    </a:p>
+                    <a:p>
+                      <a:r>
+                        <a:rPr lang="en-US" sz="1800" b="0" cap="none" spc="0" dirty="0">
+                          <a:ln w="0"/>
+                          <a:solidFill>
+                            <a:schemeClr val="tx1"/>
+                          </a:solidFill>
+                          <a:effectLst>
+                            <a:outerShdw blurRad="38100" dist="19050" dir="2700000" algn="tl" rotWithShape="0">
+                              <a:schemeClr val="dk1">
+                                <a:alpha val="40000"/>
+                              </a:schemeClr>
+                            </a:outerShdw>
+                          </a:effectLst>
+                        </a:rPr>
+                        <a:t>height</a:t>
+                      </a:r>
+                    </a:p>
+                    <a:p>
+                      <a:r>
+                        <a:rPr lang="en-US" sz="1800" b="0" cap="none" spc="0" dirty="0" err="1">
+                          <a:ln w="0"/>
+                          <a:solidFill>
+                            <a:schemeClr val="tx1"/>
+                          </a:solidFill>
+                          <a:effectLst>
+                            <a:outerShdw blurRad="38100" dist="19050" dir="2700000" algn="tl" rotWithShape="0">
+                              <a:schemeClr val="dk1">
+                                <a:alpha val="40000"/>
+                              </a:schemeClr>
+                            </a:outerShdw>
+                          </a:effectLst>
+                        </a:rPr>
+                        <a:t>change_x</a:t>
+                      </a:r>
+                      <a:endParaRPr lang="en-US" sz="1800" b="0" cap="none" spc="0" dirty="0">
+                        <a:ln w="0"/>
+                        <a:solidFill>
+                          <a:schemeClr val="tx1"/>
+                        </a:solidFill>
+                        <a:effectLst>
+                          <a:outerShdw blurRad="38100" dist="19050" dir="2700000" algn="tl" rotWithShape="0">
+                            <a:schemeClr val="dk1">
+                              <a:alpha val="40000"/>
+                            </a:schemeClr>
+                          </a:outerShdw>
+                        </a:effectLst>
+                      </a:endParaRPr>
+                    </a:p>
+                    <a:p>
+                      <a:r>
+                        <a:rPr lang="en-US" sz="1800" b="0" cap="none" spc="0" dirty="0" err="1">
+                          <a:ln w="0"/>
+                          <a:solidFill>
+                            <a:schemeClr val="tx1"/>
+                          </a:solidFill>
+                          <a:effectLst>
+                            <a:outerShdw blurRad="38100" dist="19050" dir="2700000" algn="tl" rotWithShape="0">
+                              <a:schemeClr val="dk1">
+                                <a:alpha val="40000"/>
+                              </a:schemeClr>
+                            </a:outerShdw>
+                          </a:effectLst>
+                        </a:rPr>
+                        <a:t>change_y</a:t>
+                      </a:r>
+                      <a:endParaRPr lang="en-US" sz="1800" b="0" cap="none" spc="0" dirty="0">
+                        <a:ln w="0"/>
+                        <a:solidFill>
+                          <a:schemeClr val="tx1"/>
+                        </a:solidFill>
+                        <a:effectLst>
+                          <a:outerShdw blurRad="38100" dist="19050" dir="2700000" algn="tl" rotWithShape="0">
+                            <a:schemeClr val="dk1">
+                              <a:alpha val="40000"/>
+                            </a:schemeClr>
+                          </a:outerShdw>
+                        </a:effectLst>
+                      </a:endParaRPr>
+                    </a:p>
+                    <a:p>
+                      <a:r>
+                        <a:rPr lang="en-US" sz="1800" b="0" cap="none" spc="0" dirty="0" err="1">
+                          <a:ln w="0"/>
+                          <a:solidFill>
+                            <a:srgbClr val="00B050"/>
+                          </a:solidFill>
+                          <a:effectLst>
+                            <a:outerShdw blurRad="38100" dist="19050" dir="2700000" algn="tl" rotWithShape="0">
+                              <a:schemeClr val="dk1">
+                                <a:alpha val="40000"/>
+                              </a:schemeClr>
+                            </a:outerShdw>
+                          </a:effectLst>
+                        </a:rPr>
+                        <a:t>change_angle</a:t>
+                      </a:r>
+                      <a:endParaRPr lang="en-US" sz="1800" b="0" cap="none" spc="0" dirty="0">
+                        <a:ln w="0"/>
+                        <a:solidFill>
+                          <a:srgbClr val="00B050"/>
+                        </a:solidFill>
+                        <a:effectLst>
+                          <a:outerShdw blurRad="38100" dist="19050" dir="2700000" algn="tl" rotWithShape="0">
+                            <a:schemeClr val="dk1">
+                              <a:alpha val="40000"/>
+                            </a:schemeClr>
+                          </a:outerShdw>
+                        </a:effectLst>
+                      </a:endParaRPr>
+                    </a:p>
+                    <a:p>
+                      <a:pPr marL="0" marR="0" lvl="0" indent="0" algn="l" defTabSz="685800" rtl="0" eaLnBrk="1" fontAlgn="auto" latinLnBrk="0" hangingPunct="1">
+                        <a:lnSpc>
+                          <a:spcPct val="100000"/>
+                        </a:lnSpc>
+                        <a:spcBef>
+                          <a:spcPts val="0"/>
+                        </a:spcBef>
+                        <a:spcAft>
+                          <a:spcPts val="0"/>
+                        </a:spcAft>
+                        <a:buClrTx/>
+                        <a:buSzTx/>
+                        <a:buFontTx/>
+                        <a:buNone/>
+                        <a:tabLst/>
+                        <a:defRPr/>
+                      </a:pPr>
+                      <a:r>
+                        <a:rPr lang="en-US" sz="1800" b="0" cap="none" spc="0" dirty="0">
+                          <a:ln w="0"/>
+                          <a:solidFill>
+                            <a:schemeClr val="tx1"/>
+                          </a:solidFill>
+                          <a:effectLst>
+                            <a:outerShdw blurRad="38100" dist="19050" dir="2700000" algn="tl" rotWithShape="0">
+                              <a:schemeClr val="dk1">
+                                <a:alpha val="40000"/>
+                              </a:schemeClr>
+                            </a:outerShdw>
+                          </a:effectLst>
+                        </a:rPr>
+                        <a:t>alpha</a:t>
+                      </a:r>
+                    </a:p>
+                  </a:txBody>
+                  <a:tcPr/>
+                </a:tc>
+                <a:extLst>
+                  <a:ext uri="{0D108BD9-81ED-4DB2-BD59-A6C34878D82A}">
+                    <a16:rowId xmlns:a16="http://schemas.microsoft.com/office/drawing/2014/main" val="3404010091"/>
+                  </a:ext>
+                </a:extLst>
+              </a:tr>
+              <a:tr h="395423">
+                <a:tc>
+                  <a:txBody>
+                    <a:bodyPr/>
+                    <a:lstStyle/>
+                    <a:p>
+                      <a:r>
+                        <a:rPr lang="en-US" sz="1800" b="0" cap="none" spc="0" dirty="0">
+                          <a:ln w="0"/>
+                          <a:solidFill>
+                            <a:schemeClr val="tx1"/>
+                          </a:solidFill>
+                          <a:effectLst>
+                            <a:outerShdw blurRad="38100" dist="19050" dir="2700000" algn="tl" rotWithShape="0">
+                              <a:schemeClr val="dk1">
+                                <a:alpha val="40000"/>
+                              </a:schemeClr>
+                            </a:outerShdw>
+                          </a:effectLst>
+                        </a:rPr>
+                        <a:t>draw()</a:t>
+                      </a:r>
+                    </a:p>
+                    <a:p>
+                      <a:r>
+                        <a:rPr lang="en-US" sz="1800" b="0" cap="none" spc="0" dirty="0">
+                          <a:ln w="0"/>
+                          <a:solidFill>
+                            <a:schemeClr val="tx1"/>
+                          </a:solidFill>
+                          <a:effectLst>
+                            <a:outerShdw blurRad="38100" dist="19050" dir="2700000" algn="tl" rotWithShape="0">
+                              <a:schemeClr val="dk1">
+                                <a:alpha val="40000"/>
+                              </a:schemeClr>
+                            </a:outerShdw>
+                          </a:effectLst>
+                        </a:rPr>
+                        <a:t>move()</a:t>
+                      </a:r>
+                    </a:p>
+                  </a:txBody>
+                  <a:tcPr/>
+                </a:tc>
+                <a:extLst>
+                  <a:ext uri="{0D108BD9-81ED-4DB2-BD59-A6C34878D82A}">
+                    <a16:rowId xmlns:a16="http://schemas.microsoft.com/office/drawing/2014/main" val="2577202153"/>
+                  </a:ext>
+                </a:extLst>
+              </a:tr>
+            </a:tbl>
+          </a:graphicData>
+        </a:graphic>
+      </p:graphicFrame>
+      <p:sp>
+        <p:nvSpPr>
+          <p:cNvPr id="3" name="TextBox 2">
+            <a:extLst>
+              <a:ext uri="{FF2B5EF4-FFF2-40B4-BE49-F238E27FC236}">
+                <a16:creationId xmlns:a16="http://schemas.microsoft.com/office/drawing/2014/main" id="{8BB97AF7-6488-BE43-8363-9BFD815B4E7A}"/>
+              </a:ext>
+            </a:extLst>
+          </p:cNvPr>
+          <p:cNvSpPr txBox="1"/>
+          <p:nvPr/>
+        </p:nvSpPr>
+        <p:spPr>
+          <a:xfrm>
+            <a:off x="3670852" y="728870"/>
+            <a:ext cx="184731" cy="308418"/>
+          </a:xfrm>
+          <a:prstGeom prst="rect">
+            <a:avLst/>
+          </a:prstGeom>
+          <a:noFill/>
+        </p:spPr>
+        <p:txBody>
+          <a:bodyPr wrap="none" rtlCol="0">
+            <a:spAutoFit/>
+          </a:bodyPr>
+          <a:lstStyle/>
+          <a:p>
+            <a:endParaRPr lang="en-US" dirty="0"/>
+          </a:p>
+        </p:txBody>
+      </p:sp>
+      <p:sp>
+        <p:nvSpPr>
+          <p:cNvPr id="5" name="TextBox 4">
+            <a:extLst>
+              <a:ext uri="{FF2B5EF4-FFF2-40B4-BE49-F238E27FC236}">
+                <a16:creationId xmlns:a16="http://schemas.microsoft.com/office/drawing/2014/main" id="{0AFD9F14-5FDD-9A41-B24B-7D381714B083}"/>
+              </a:ext>
+            </a:extLst>
+          </p:cNvPr>
+          <p:cNvSpPr txBox="1"/>
+          <p:nvPr/>
+        </p:nvSpPr>
+        <p:spPr>
+          <a:xfrm>
+            <a:off x="1444487" y="1470991"/>
+            <a:ext cx="184731" cy="308418"/>
+          </a:xfrm>
+          <a:prstGeom prst="rect">
+            <a:avLst/>
+          </a:prstGeom>
+          <a:noFill/>
+        </p:spPr>
+        <p:txBody>
+          <a:bodyPr wrap="none" rtlCol="0">
+            <a:spAutoFit/>
+          </a:bodyPr>
+          <a:lstStyle/>
+          <a:p>
+            <a:endParaRPr lang="en-US" dirty="0"/>
+          </a:p>
+        </p:txBody>
+      </p:sp>
+      <p:cxnSp>
+        <p:nvCxnSpPr>
+          <p:cNvPr id="13" name="Straight Arrow Connector 12">
+            <a:extLst>
+              <a:ext uri="{FF2B5EF4-FFF2-40B4-BE49-F238E27FC236}">
+                <a16:creationId xmlns:a16="http://schemas.microsoft.com/office/drawing/2014/main" id="{D2556216-41CD-8D42-B4C1-6D4D9ECF9A05}"/>
+              </a:ext>
+            </a:extLst>
+          </p:cNvPr>
+          <p:cNvCxnSpPr>
+            <a:cxnSpLocks/>
+          </p:cNvCxnSpPr>
+          <p:nvPr/>
+        </p:nvCxnSpPr>
+        <p:spPr>
+          <a:xfrm>
+            <a:off x="3024447" y="3625506"/>
+            <a:ext cx="1226707" cy="0"/>
+          </a:xfrm>
+          <a:prstGeom prst="straightConnector1">
+            <a:avLst/>
+          </a:prstGeom>
+          <a:ln w="38100">
+            <a:tailEnd type="triangle"/>
+          </a:ln>
+        </p:spPr>
+        <p:style>
+          <a:lnRef idx="1">
+            <a:schemeClr val="dk1"/>
+          </a:lnRef>
+          <a:fillRef idx="0">
+            <a:schemeClr val="dk1"/>
+          </a:fillRef>
+          <a:effectRef idx="0">
+            <a:schemeClr val="dk1"/>
+          </a:effectRef>
+          <a:fontRef idx="minor">
+            <a:schemeClr val="tx1"/>
+          </a:fontRef>
+        </p:style>
+      </p:cxnSp>
+      <p:sp>
+        <p:nvSpPr>
+          <p:cNvPr id="14" name="TextBox 13">
+            <a:extLst>
+              <a:ext uri="{FF2B5EF4-FFF2-40B4-BE49-F238E27FC236}">
+                <a16:creationId xmlns:a16="http://schemas.microsoft.com/office/drawing/2014/main" id="{63449E36-9DBB-134E-94FD-16C40C15EBDC}"/>
+              </a:ext>
+            </a:extLst>
+          </p:cNvPr>
+          <p:cNvSpPr txBox="1"/>
+          <p:nvPr/>
+        </p:nvSpPr>
+        <p:spPr>
+          <a:xfrm>
+            <a:off x="154476" y="3364749"/>
+            <a:ext cx="2949483" cy="415498"/>
+          </a:xfrm>
+          <a:prstGeom prst="rect">
+            <a:avLst/>
+          </a:prstGeom>
+          <a:noFill/>
+        </p:spPr>
+        <p:txBody>
+          <a:bodyPr wrap="square" rtlCol="0">
+            <a:spAutoFit/>
+          </a:bodyPr>
+          <a:lstStyle/>
+          <a:p>
+            <a:r>
+              <a:rPr lang="en-US" sz="2100" dirty="0">
+                <a:solidFill>
+                  <a:srgbClr val="FF0000"/>
+                </a:solidFill>
+              </a:rPr>
+              <a:t>For rotating the sprite.</a:t>
+            </a:r>
+          </a:p>
+        </p:txBody>
+      </p:sp>
+    </p:spTree>
+    <p:extLst>
+      <p:ext uri="{BB962C8B-B14F-4D97-AF65-F5344CB8AC3E}">
+        <p14:creationId xmlns:p14="http://schemas.microsoft.com/office/powerpoint/2010/main" val="4121273586"/>
       </p:ext>
     </p:extLst>
   </p:cSld>

--- a/courses/apcsp/processing_arcade/processing3.pptx
+++ b/courses/apcsp/processing_arcade/processing3.pptx
@@ -135,13 +135,2460 @@
 <file path=ppt/revisionInfo.xml><?xml version="1.0" encoding="utf-8"?>
 <p1510:revInfo xmlns:a="http://schemas.openxmlformats.org/drawingml/2006/main" xmlns:r="http://schemas.openxmlformats.org/officeDocument/2006/relationships" xmlns:p1510="http://schemas.microsoft.com/office/powerpoint/2015/10/main">
   <p1510:revLst>
-    <p1510:client id="{B779933A-E43E-934F-AA84-AAD932488270}" v="259" dt="2023-01-10T15:59:54.540"/>
+    <p1510:client id="{809B38DD-6807-2340-A6E8-3DAAFD3B5DC0}" v="1" dt="2023-11-02T11:53:43.832"/>
   </p1510:revLst>
 </p1510:revInfo>
 </file>
 
 <file path=ppt/changesInfos/changesInfo1.xml><?xml version="1.0" encoding="utf-8"?>
 <pc:chgInfo xmlns:a="http://schemas.openxmlformats.org/drawingml/2006/main" xmlns:r="http://schemas.openxmlformats.org/officeDocument/2006/relationships" xmlns:ac="http://schemas.microsoft.com/office/drawing/2013/main/command" xmlns:pc="http://schemas.microsoft.com/office/powerpoint/2013/main/command">
+  <pc:docChgLst>
+    <pc:chgData name="Long B Nguyen" userId="f59fb8f3-a021-417a-8bc1-65c8d471c621" providerId="ADAL" clId="{308CFCF3-47BA-8D4A-8A80-5ECC75BA7E52}"/>
+    <pc:docChg chg="addSld delSld modSld">
+      <pc:chgData name="Long B Nguyen" userId="f59fb8f3-a021-417a-8bc1-65c8d471c621" providerId="ADAL" clId="{308CFCF3-47BA-8D4A-8A80-5ECC75BA7E52}" dt="2019-11-19T12:50:23.367" v="38" actId="207"/>
+      <pc:docMkLst>
+        <pc:docMk/>
+      </pc:docMkLst>
+      <pc:sldChg chg="del">
+        <pc:chgData name="Long B Nguyen" userId="f59fb8f3-a021-417a-8bc1-65c8d471c621" providerId="ADAL" clId="{308CFCF3-47BA-8D4A-8A80-5ECC75BA7E52}" dt="2019-11-19T12:49:13.963" v="1" actId="2696"/>
+        <pc:sldMkLst>
+          <pc:docMk/>
+          <pc:sldMk cId="4247104139" sldId="256"/>
+        </pc:sldMkLst>
+      </pc:sldChg>
+      <pc:sldChg chg="del">
+        <pc:chgData name="Long B Nguyen" userId="f59fb8f3-a021-417a-8bc1-65c8d471c621" providerId="ADAL" clId="{308CFCF3-47BA-8D4A-8A80-5ECC75BA7E52}" dt="2019-11-19T12:49:54.751" v="6" actId="2696"/>
+        <pc:sldMkLst>
+          <pc:docMk/>
+          <pc:sldMk cId="278045358" sldId="257"/>
+        </pc:sldMkLst>
+      </pc:sldChg>
+      <pc:sldChg chg="del">
+        <pc:chgData name="Long B Nguyen" userId="f59fb8f3-a021-417a-8bc1-65c8d471c621" providerId="ADAL" clId="{308CFCF3-47BA-8D4A-8A80-5ECC75BA7E52}" dt="2019-11-19T12:49:55.390" v="35" actId="2696"/>
+        <pc:sldMkLst>
+          <pc:docMk/>
+          <pc:sldMk cId="1438711869" sldId="284"/>
+        </pc:sldMkLst>
+      </pc:sldChg>
+      <pc:sldChg chg="del">
+        <pc:chgData name="Long B Nguyen" userId="f59fb8f3-a021-417a-8bc1-65c8d471c621" providerId="ADAL" clId="{308CFCF3-47BA-8D4A-8A80-5ECC75BA7E52}" dt="2019-11-19T12:49:54.721" v="4" actId="2696"/>
+        <pc:sldMkLst>
+          <pc:docMk/>
+          <pc:sldMk cId="131840209" sldId="286"/>
+        </pc:sldMkLst>
+      </pc:sldChg>
+      <pc:sldChg chg="add">
+        <pc:chgData name="Long B Nguyen" userId="f59fb8f3-a021-417a-8bc1-65c8d471c621" providerId="ADAL" clId="{308CFCF3-47BA-8D4A-8A80-5ECC75BA7E52}" dt="2019-11-19T12:49:08.416" v="0"/>
+        <pc:sldMkLst>
+          <pc:docMk/>
+          <pc:sldMk cId="1769313612" sldId="306"/>
+        </pc:sldMkLst>
+      </pc:sldChg>
+      <pc:sldChg chg="add">
+        <pc:chgData name="Long B Nguyen" userId="f59fb8f3-a021-417a-8bc1-65c8d471c621" providerId="ADAL" clId="{308CFCF3-47BA-8D4A-8A80-5ECC75BA7E52}" dt="2019-11-19T12:49:08.416" v="0"/>
+        <pc:sldMkLst>
+          <pc:docMk/>
+          <pc:sldMk cId="3175113722" sldId="307"/>
+        </pc:sldMkLst>
+      </pc:sldChg>
+      <pc:sldChg chg="add">
+        <pc:chgData name="Long B Nguyen" userId="f59fb8f3-a021-417a-8bc1-65c8d471c621" providerId="ADAL" clId="{308CFCF3-47BA-8D4A-8A80-5ECC75BA7E52}" dt="2019-11-19T12:49:08.416" v="0"/>
+        <pc:sldMkLst>
+          <pc:docMk/>
+          <pc:sldMk cId="3855133670" sldId="308"/>
+        </pc:sldMkLst>
+      </pc:sldChg>
+      <pc:sldChg chg="add">
+        <pc:chgData name="Long B Nguyen" userId="f59fb8f3-a021-417a-8bc1-65c8d471c621" providerId="ADAL" clId="{308CFCF3-47BA-8D4A-8A80-5ECC75BA7E52}" dt="2019-11-19T12:49:08.416" v="0"/>
+        <pc:sldMkLst>
+          <pc:docMk/>
+          <pc:sldMk cId="3585856351" sldId="309"/>
+        </pc:sldMkLst>
+      </pc:sldChg>
+      <pc:sldChg chg="add">
+        <pc:chgData name="Long B Nguyen" userId="f59fb8f3-a021-417a-8bc1-65c8d471c621" providerId="ADAL" clId="{308CFCF3-47BA-8D4A-8A80-5ECC75BA7E52}" dt="2019-11-19T12:49:08.416" v="0"/>
+        <pc:sldMkLst>
+          <pc:docMk/>
+          <pc:sldMk cId="3276587347" sldId="310"/>
+        </pc:sldMkLst>
+      </pc:sldChg>
+      <pc:sldChg chg="add">
+        <pc:chgData name="Long B Nguyen" userId="f59fb8f3-a021-417a-8bc1-65c8d471c621" providerId="ADAL" clId="{308CFCF3-47BA-8D4A-8A80-5ECC75BA7E52}" dt="2019-11-19T12:49:08.416" v="0"/>
+        <pc:sldMkLst>
+          <pc:docMk/>
+          <pc:sldMk cId="863905040" sldId="312"/>
+        </pc:sldMkLst>
+      </pc:sldChg>
+      <pc:sldChg chg="add">
+        <pc:chgData name="Long B Nguyen" userId="f59fb8f3-a021-417a-8bc1-65c8d471c621" providerId="ADAL" clId="{308CFCF3-47BA-8D4A-8A80-5ECC75BA7E52}" dt="2019-11-19T12:49:08.416" v="0"/>
+        <pc:sldMkLst>
+          <pc:docMk/>
+          <pc:sldMk cId="1871198671" sldId="313"/>
+        </pc:sldMkLst>
+      </pc:sldChg>
+      <pc:sldChg chg="add">
+        <pc:chgData name="Long B Nguyen" userId="f59fb8f3-a021-417a-8bc1-65c8d471c621" providerId="ADAL" clId="{308CFCF3-47BA-8D4A-8A80-5ECC75BA7E52}" dt="2019-11-19T12:49:08.416" v="0"/>
+        <pc:sldMkLst>
+          <pc:docMk/>
+          <pc:sldMk cId="1880090826" sldId="316"/>
+        </pc:sldMkLst>
+      </pc:sldChg>
+      <pc:sldChg chg="add">
+        <pc:chgData name="Long B Nguyen" userId="f59fb8f3-a021-417a-8bc1-65c8d471c621" providerId="ADAL" clId="{308CFCF3-47BA-8D4A-8A80-5ECC75BA7E52}" dt="2019-11-19T12:49:08.416" v="0"/>
+        <pc:sldMkLst>
+          <pc:docMk/>
+          <pc:sldMk cId="518539467" sldId="317"/>
+        </pc:sldMkLst>
+      </pc:sldChg>
+      <pc:sldChg chg="add">
+        <pc:chgData name="Long B Nguyen" userId="f59fb8f3-a021-417a-8bc1-65c8d471c621" providerId="ADAL" clId="{308CFCF3-47BA-8D4A-8A80-5ECC75BA7E52}" dt="2019-11-19T12:49:08.416" v="0"/>
+        <pc:sldMkLst>
+          <pc:docMk/>
+          <pc:sldMk cId="2878693247" sldId="318"/>
+        </pc:sldMkLst>
+      </pc:sldChg>
+      <pc:sldChg chg="add">
+        <pc:chgData name="Long B Nguyen" userId="f59fb8f3-a021-417a-8bc1-65c8d471c621" providerId="ADAL" clId="{308CFCF3-47BA-8D4A-8A80-5ECC75BA7E52}" dt="2019-11-19T12:49:08.416" v="0"/>
+        <pc:sldMkLst>
+          <pc:docMk/>
+          <pc:sldMk cId="3014449171" sldId="319"/>
+        </pc:sldMkLst>
+      </pc:sldChg>
+      <pc:sldChg chg="del">
+        <pc:chgData name="Long B Nguyen" userId="f59fb8f3-a021-417a-8bc1-65c8d471c621" providerId="ADAL" clId="{308CFCF3-47BA-8D4A-8A80-5ECC75BA7E52}" dt="2019-11-19T12:49:55.067" v="19" actId="2696"/>
+        <pc:sldMkLst>
+          <pc:docMk/>
+          <pc:sldMk cId="3036972376" sldId="321"/>
+        </pc:sldMkLst>
+      </pc:sldChg>
+      <pc:sldChg chg="add">
+        <pc:chgData name="Long B Nguyen" userId="f59fb8f3-a021-417a-8bc1-65c8d471c621" providerId="ADAL" clId="{308CFCF3-47BA-8D4A-8A80-5ECC75BA7E52}" dt="2019-11-19T12:49:08.416" v="0"/>
+        <pc:sldMkLst>
+          <pc:docMk/>
+          <pc:sldMk cId="1925491708" sldId="322"/>
+        </pc:sldMkLst>
+      </pc:sldChg>
+      <pc:sldChg chg="add">
+        <pc:chgData name="Long B Nguyen" userId="f59fb8f3-a021-417a-8bc1-65c8d471c621" providerId="ADAL" clId="{308CFCF3-47BA-8D4A-8A80-5ECC75BA7E52}" dt="2019-11-19T12:49:08.416" v="0"/>
+        <pc:sldMkLst>
+          <pc:docMk/>
+          <pc:sldMk cId="856464997" sldId="323"/>
+        </pc:sldMkLst>
+      </pc:sldChg>
+      <pc:sldChg chg="del">
+        <pc:chgData name="Long B Nguyen" userId="f59fb8f3-a021-417a-8bc1-65c8d471c621" providerId="ADAL" clId="{308CFCF3-47BA-8D4A-8A80-5ECC75BA7E52}" dt="2019-11-19T12:49:54.854" v="12" actId="2696"/>
+        <pc:sldMkLst>
+          <pc:docMk/>
+          <pc:sldMk cId="3329169435" sldId="324"/>
+        </pc:sldMkLst>
+      </pc:sldChg>
+      <pc:sldChg chg="add">
+        <pc:chgData name="Long B Nguyen" userId="f59fb8f3-a021-417a-8bc1-65c8d471c621" providerId="ADAL" clId="{308CFCF3-47BA-8D4A-8A80-5ECC75BA7E52}" dt="2019-11-19T12:49:08.416" v="0"/>
+        <pc:sldMkLst>
+          <pc:docMk/>
+          <pc:sldMk cId="2537719982" sldId="325"/>
+        </pc:sldMkLst>
+      </pc:sldChg>
+      <pc:sldChg chg="add">
+        <pc:chgData name="Long B Nguyen" userId="f59fb8f3-a021-417a-8bc1-65c8d471c621" providerId="ADAL" clId="{308CFCF3-47BA-8D4A-8A80-5ECC75BA7E52}" dt="2019-11-19T12:49:08.416" v="0"/>
+        <pc:sldMkLst>
+          <pc:docMk/>
+          <pc:sldMk cId="73332731" sldId="326"/>
+        </pc:sldMkLst>
+      </pc:sldChg>
+      <pc:sldChg chg="add">
+        <pc:chgData name="Long B Nguyen" userId="f59fb8f3-a021-417a-8bc1-65c8d471c621" providerId="ADAL" clId="{308CFCF3-47BA-8D4A-8A80-5ECC75BA7E52}" dt="2019-11-19T12:49:08.416" v="0"/>
+        <pc:sldMkLst>
+          <pc:docMk/>
+          <pc:sldMk cId="3935762855" sldId="327"/>
+        </pc:sldMkLst>
+      </pc:sldChg>
+      <pc:sldChg chg="del">
+        <pc:chgData name="Long B Nguyen" userId="f59fb8f3-a021-417a-8bc1-65c8d471c621" providerId="ADAL" clId="{308CFCF3-47BA-8D4A-8A80-5ECC75BA7E52}" dt="2019-11-19T12:49:54.890" v="13" actId="2696"/>
+        <pc:sldMkLst>
+          <pc:docMk/>
+          <pc:sldMk cId="1776864183" sldId="328"/>
+        </pc:sldMkLst>
+      </pc:sldChg>
+      <pc:sldChg chg="add">
+        <pc:chgData name="Long B Nguyen" userId="f59fb8f3-a021-417a-8bc1-65c8d471c621" providerId="ADAL" clId="{308CFCF3-47BA-8D4A-8A80-5ECC75BA7E52}" dt="2019-11-19T12:49:08.416" v="0"/>
+        <pc:sldMkLst>
+          <pc:docMk/>
+          <pc:sldMk cId="1369627949" sldId="330"/>
+        </pc:sldMkLst>
+      </pc:sldChg>
+      <pc:sldChg chg="del">
+        <pc:chgData name="Long B Nguyen" userId="f59fb8f3-a021-417a-8bc1-65c8d471c621" providerId="ADAL" clId="{308CFCF3-47BA-8D4A-8A80-5ECC75BA7E52}" dt="2019-11-19T12:49:55.092" v="20" actId="2696"/>
+        <pc:sldMkLst>
+          <pc:docMk/>
+          <pc:sldMk cId="1403592009" sldId="331"/>
+        </pc:sldMkLst>
+      </pc:sldChg>
+      <pc:sldChg chg="del">
+        <pc:chgData name="Long B Nguyen" userId="f59fb8f3-a021-417a-8bc1-65c8d471c621" providerId="ADAL" clId="{308CFCF3-47BA-8D4A-8A80-5ECC75BA7E52}" dt="2019-11-19T12:49:55.001" v="17" actId="2696"/>
+        <pc:sldMkLst>
+          <pc:docMk/>
+          <pc:sldMk cId="1776526477" sldId="332"/>
+        </pc:sldMkLst>
+      </pc:sldChg>
+      <pc:sldChg chg="del">
+        <pc:chgData name="Long B Nguyen" userId="f59fb8f3-a021-417a-8bc1-65c8d471c621" providerId="ADAL" clId="{308CFCF3-47BA-8D4A-8A80-5ECC75BA7E52}" dt="2019-11-19T12:49:54.925" v="14" actId="2696"/>
+        <pc:sldMkLst>
+          <pc:docMk/>
+          <pc:sldMk cId="3768911574" sldId="333"/>
+        </pc:sldMkLst>
+      </pc:sldChg>
+      <pc:sldChg chg="del">
+        <pc:chgData name="Long B Nguyen" userId="f59fb8f3-a021-417a-8bc1-65c8d471c621" providerId="ADAL" clId="{308CFCF3-47BA-8D4A-8A80-5ECC75BA7E52}" dt="2019-11-19T12:49:55.115" v="21" actId="2696"/>
+        <pc:sldMkLst>
+          <pc:docMk/>
+          <pc:sldMk cId="1520390356" sldId="334"/>
+        </pc:sldMkLst>
+      </pc:sldChg>
+      <pc:sldChg chg="del">
+        <pc:chgData name="Long B Nguyen" userId="f59fb8f3-a021-417a-8bc1-65c8d471c621" providerId="ADAL" clId="{308CFCF3-47BA-8D4A-8A80-5ECC75BA7E52}" dt="2019-11-19T12:49:54.938" v="15" actId="2696"/>
+        <pc:sldMkLst>
+          <pc:docMk/>
+          <pc:sldMk cId="1370301937" sldId="335"/>
+        </pc:sldMkLst>
+      </pc:sldChg>
+      <pc:sldChg chg="del">
+        <pc:chgData name="Long B Nguyen" userId="f59fb8f3-a021-417a-8bc1-65c8d471c621" providerId="ADAL" clId="{308CFCF3-47BA-8D4A-8A80-5ECC75BA7E52}" dt="2019-11-19T12:49:55.033" v="18" actId="2696"/>
+        <pc:sldMkLst>
+          <pc:docMk/>
+          <pc:sldMk cId="649473723" sldId="336"/>
+        </pc:sldMkLst>
+      </pc:sldChg>
+      <pc:sldChg chg="del">
+        <pc:chgData name="Long B Nguyen" userId="f59fb8f3-a021-417a-8bc1-65c8d471c621" providerId="ADAL" clId="{308CFCF3-47BA-8D4A-8A80-5ECC75BA7E52}" dt="2019-11-19T12:49:55.295" v="29" actId="2696"/>
+        <pc:sldMkLst>
+          <pc:docMk/>
+          <pc:sldMk cId="1454819895" sldId="337"/>
+        </pc:sldMkLst>
+      </pc:sldChg>
+      <pc:sldChg chg="del">
+        <pc:chgData name="Long B Nguyen" userId="f59fb8f3-a021-417a-8bc1-65c8d471c621" providerId="ADAL" clId="{308CFCF3-47BA-8D4A-8A80-5ECC75BA7E52}" dt="2019-11-19T12:49:55.313" v="30" actId="2696"/>
+        <pc:sldMkLst>
+          <pc:docMk/>
+          <pc:sldMk cId="3761802647" sldId="338"/>
+        </pc:sldMkLst>
+      </pc:sldChg>
+      <pc:sldChg chg="del">
+        <pc:chgData name="Long B Nguyen" userId="f59fb8f3-a021-417a-8bc1-65c8d471c621" providerId="ADAL" clId="{308CFCF3-47BA-8D4A-8A80-5ECC75BA7E52}" dt="2019-11-19T12:49:54.789" v="9" actId="2696"/>
+        <pc:sldMkLst>
+          <pc:docMk/>
+          <pc:sldMk cId="2700872664" sldId="339"/>
+        </pc:sldMkLst>
+      </pc:sldChg>
+      <pc:sldChg chg="del">
+        <pc:chgData name="Long B Nguyen" userId="f59fb8f3-a021-417a-8bc1-65c8d471c621" providerId="ADAL" clId="{308CFCF3-47BA-8D4A-8A80-5ECC75BA7E52}" dt="2019-11-19T12:49:54.803" v="10" actId="2696"/>
+        <pc:sldMkLst>
+          <pc:docMk/>
+          <pc:sldMk cId="2044636910" sldId="340"/>
+        </pc:sldMkLst>
+      </pc:sldChg>
+      <pc:sldChg chg="del">
+        <pc:chgData name="Long B Nguyen" userId="f59fb8f3-a021-417a-8bc1-65c8d471c621" providerId="ADAL" clId="{308CFCF3-47BA-8D4A-8A80-5ECC75BA7E52}" dt="2019-11-19T12:49:54.775" v="8" actId="2696"/>
+        <pc:sldMkLst>
+          <pc:docMk/>
+          <pc:sldMk cId="2849583976" sldId="341"/>
+        </pc:sldMkLst>
+      </pc:sldChg>
+      <pc:sldChg chg="del">
+        <pc:chgData name="Long B Nguyen" userId="f59fb8f3-a021-417a-8bc1-65c8d471c621" providerId="ADAL" clId="{308CFCF3-47BA-8D4A-8A80-5ECC75BA7E52}" dt="2019-11-19T12:49:54.762" v="7" actId="2696"/>
+        <pc:sldMkLst>
+          <pc:docMk/>
+          <pc:sldMk cId="1097937752" sldId="342"/>
+        </pc:sldMkLst>
+      </pc:sldChg>
+      <pc:sldChg chg="del">
+        <pc:chgData name="Long B Nguyen" userId="f59fb8f3-a021-417a-8bc1-65c8d471c621" providerId="ADAL" clId="{308CFCF3-47BA-8D4A-8A80-5ECC75BA7E52}" dt="2019-11-19T12:49:55.133" v="22" actId="2696"/>
+        <pc:sldMkLst>
+          <pc:docMk/>
+          <pc:sldMk cId="2946703032" sldId="346"/>
+        </pc:sldMkLst>
+      </pc:sldChg>
+      <pc:sldChg chg="del">
+        <pc:chgData name="Long B Nguyen" userId="f59fb8f3-a021-417a-8bc1-65c8d471c621" providerId="ADAL" clId="{308CFCF3-47BA-8D4A-8A80-5ECC75BA7E52}" dt="2019-11-19T12:49:55.164" v="23" actId="2696"/>
+        <pc:sldMkLst>
+          <pc:docMk/>
+          <pc:sldMk cId="3861312264" sldId="347"/>
+        </pc:sldMkLst>
+      </pc:sldChg>
+      <pc:sldChg chg="del">
+        <pc:chgData name="Long B Nguyen" userId="f59fb8f3-a021-417a-8bc1-65c8d471c621" providerId="ADAL" clId="{308CFCF3-47BA-8D4A-8A80-5ECC75BA7E52}" dt="2019-11-19T12:49:55.189" v="24" actId="2696"/>
+        <pc:sldMkLst>
+          <pc:docMk/>
+          <pc:sldMk cId="4152312606" sldId="348"/>
+        </pc:sldMkLst>
+      </pc:sldChg>
+      <pc:sldChg chg="del">
+        <pc:chgData name="Long B Nguyen" userId="f59fb8f3-a021-417a-8bc1-65c8d471c621" providerId="ADAL" clId="{308CFCF3-47BA-8D4A-8A80-5ECC75BA7E52}" dt="2019-11-19T12:49:55.235" v="26" actId="2696"/>
+        <pc:sldMkLst>
+          <pc:docMk/>
+          <pc:sldMk cId="2239308720" sldId="349"/>
+        </pc:sldMkLst>
+      </pc:sldChg>
+      <pc:sldChg chg="del">
+        <pc:chgData name="Long B Nguyen" userId="f59fb8f3-a021-417a-8bc1-65c8d471c621" providerId="ADAL" clId="{308CFCF3-47BA-8D4A-8A80-5ECC75BA7E52}" dt="2019-11-19T12:49:55.252" v="27" actId="2696"/>
+        <pc:sldMkLst>
+          <pc:docMk/>
+          <pc:sldMk cId="1532134668" sldId="350"/>
+        </pc:sldMkLst>
+      </pc:sldChg>
+      <pc:sldChg chg="del">
+        <pc:chgData name="Long B Nguyen" userId="f59fb8f3-a021-417a-8bc1-65c8d471c621" providerId="ADAL" clId="{308CFCF3-47BA-8D4A-8A80-5ECC75BA7E52}" dt="2019-11-19T12:49:55.212" v="25" actId="2696"/>
+        <pc:sldMkLst>
+          <pc:docMk/>
+          <pc:sldMk cId="3420249496" sldId="351"/>
+        </pc:sldMkLst>
+      </pc:sldChg>
+      <pc:sldChg chg="add">
+        <pc:chgData name="Long B Nguyen" userId="f59fb8f3-a021-417a-8bc1-65c8d471c621" providerId="ADAL" clId="{308CFCF3-47BA-8D4A-8A80-5ECC75BA7E52}" dt="2019-11-19T12:49:08.416" v="0"/>
+        <pc:sldMkLst>
+          <pc:docMk/>
+          <pc:sldMk cId="3212712238" sldId="424"/>
+        </pc:sldMkLst>
+      </pc:sldChg>
+      <pc:sldChg chg="add">
+        <pc:chgData name="Long B Nguyen" userId="f59fb8f3-a021-417a-8bc1-65c8d471c621" providerId="ADAL" clId="{308CFCF3-47BA-8D4A-8A80-5ECC75BA7E52}" dt="2019-11-19T12:49:08.416" v="0"/>
+        <pc:sldMkLst>
+          <pc:docMk/>
+          <pc:sldMk cId="2744089513" sldId="425"/>
+        </pc:sldMkLst>
+      </pc:sldChg>
+      <pc:sldChg chg="add">
+        <pc:chgData name="Long B Nguyen" userId="f59fb8f3-a021-417a-8bc1-65c8d471c621" providerId="ADAL" clId="{308CFCF3-47BA-8D4A-8A80-5ECC75BA7E52}" dt="2019-11-19T12:49:08.416" v="0"/>
+        <pc:sldMkLst>
+          <pc:docMk/>
+          <pc:sldMk cId="3169230028" sldId="426"/>
+        </pc:sldMkLst>
+      </pc:sldChg>
+      <pc:sldChg chg="del">
+        <pc:chgData name="Long B Nguyen" userId="f59fb8f3-a021-417a-8bc1-65c8d471c621" providerId="ADAL" clId="{308CFCF3-47BA-8D4A-8A80-5ECC75BA7E52}" dt="2019-11-19T12:49:54.737" v="5" actId="2696"/>
+        <pc:sldMkLst>
+          <pc:docMk/>
+          <pc:sldMk cId="2101795491" sldId="545"/>
+        </pc:sldMkLst>
+      </pc:sldChg>
+      <pc:sldChg chg="del">
+        <pc:chgData name="Long B Nguyen" userId="f59fb8f3-a021-417a-8bc1-65c8d471c621" providerId="ADAL" clId="{308CFCF3-47BA-8D4A-8A80-5ECC75BA7E52}" dt="2019-11-19T12:49:55.369" v="33" actId="2696"/>
+        <pc:sldMkLst>
+          <pc:docMk/>
+          <pc:sldMk cId="1854861563" sldId="546"/>
+        </pc:sldMkLst>
+      </pc:sldChg>
+      <pc:sldChg chg="del">
+        <pc:chgData name="Long B Nguyen" userId="f59fb8f3-a021-417a-8bc1-65c8d471c621" providerId="ADAL" clId="{308CFCF3-47BA-8D4A-8A80-5ECC75BA7E52}" dt="2019-11-19T12:49:54.838" v="11" actId="2696"/>
+        <pc:sldMkLst>
+          <pc:docMk/>
+          <pc:sldMk cId="906346442" sldId="547"/>
+        </pc:sldMkLst>
+      </pc:sldChg>
+      <pc:sldChg chg="del">
+        <pc:chgData name="Long B Nguyen" userId="f59fb8f3-a021-417a-8bc1-65c8d471c621" providerId="ADAL" clId="{308CFCF3-47BA-8D4A-8A80-5ECC75BA7E52}" dt="2019-11-19T12:49:54.972" v="16" actId="2696"/>
+        <pc:sldMkLst>
+          <pc:docMk/>
+          <pc:sldMk cId="2079192273" sldId="548"/>
+        </pc:sldMkLst>
+      </pc:sldChg>
+      <pc:sldChg chg="del">
+        <pc:chgData name="Long B Nguyen" userId="f59fb8f3-a021-417a-8bc1-65c8d471c621" providerId="ADAL" clId="{308CFCF3-47BA-8D4A-8A80-5ECC75BA7E52}" dt="2019-11-19T12:49:55.340" v="31" actId="2696"/>
+        <pc:sldMkLst>
+          <pc:docMk/>
+          <pc:sldMk cId="1299838656" sldId="549"/>
+        </pc:sldMkLst>
+      </pc:sldChg>
+      <pc:sldChg chg="del">
+        <pc:chgData name="Long B Nguyen" userId="f59fb8f3-a021-417a-8bc1-65c8d471c621" providerId="ADAL" clId="{308CFCF3-47BA-8D4A-8A80-5ECC75BA7E52}" dt="2019-11-19T12:49:55.357" v="32" actId="2696"/>
+        <pc:sldMkLst>
+          <pc:docMk/>
+          <pc:sldMk cId="2820908233" sldId="551"/>
+        </pc:sldMkLst>
+      </pc:sldChg>
+      <pc:sldChg chg="del">
+        <pc:chgData name="Long B Nguyen" userId="f59fb8f3-a021-417a-8bc1-65c8d471c621" providerId="ADAL" clId="{308CFCF3-47BA-8D4A-8A80-5ECC75BA7E52}" dt="2019-11-19T12:49:55.279" v="28" actId="2696"/>
+        <pc:sldMkLst>
+          <pc:docMk/>
+          <pc:sldMk cId="1358728332" sldId="553"/>
+        </pc:sldMkLst>
+      </pc:sldChg>
+      <pc:sldChg chg="del">
+        <pc:chgData name="Long B Nguyen" userId="f59fb8f3-a021-417a-8bc1-65c8d471c621" providerId="ADAL" clId="{308CFCF3-47BA-8D4A-8A80-5ECC75BA7E52}" dt="2019-11-19T12:49:55.378" v="34" actId="2696"/>
+        <pc:sldMkLst>
+          <pc:docMk/>
+          <pc:sldMk cId="3027756854" sldId="554"/>
+        </pc:sldMkLst>
+      </pc:sldChg>
+      <pc:sldChg chg="add">
+        <pc:chgData name="Long B Nguyen" userId="f59fb8f3-a021-417a-8bc1-65c8d471c621" providerId="ADAL" clId="{308CFCF3-47BA-8D4A-8A80-5ECC75BA7E52}" dt="2019-11-19T12:49:08.416" v="0"/>
+        <pc:sldMkLst>
+          <pc:docMk/>
+          <pc:sldMk cId="847347657" sldId="555"/>
+        </pc:sldMkLst>
+      </pc:sldChg>
+      <pc:sldChg chg="modSp add">
+        <pc:chgData name="Long B Nguyen" userId="f59fb8f3-a021-417a-8bc1-65c8d471c621" providerId="ADAL" clId="{308CFCF3-47BA-8D4A-8A80-5ECC75BA7E52}" dt="2019-11-19T12:50:23.367" v="38" actId="207"/>
+        <pc:sldMkLst>
+          <pc:docMk/>
+          <pc:sldMk cId="3515362357" sldId="556"/>
+        </pc:sldMkLst>
+        <pc:spChg chg="mod">
+          <ac:chgData name="Long B Nguyen" userId="f59fb8f3-a021-417a-8bc1-65c8d471c621" providerId="ADAL" clId="{308CFCF3-47BA-8D4A-8A80-5ECC75BA7E52}" dt="2019-11-19T12:50:23.367" v="38" actId="207"/>
+          <ac:spMkLst>
+            <pc:docMk/>
+            <pc:sldMk cId="3515362357" sldId="556"/>
+            <ac:spMk id="20483" creationId="{11D6A34E-F264-984B-AD46-8F4C5C826246}"/>
+          </ac:spMkLst>
+        </pc:spChg>
+      </pc:sldChg>
+      <pc:sldChg chg="modSp add">
+        <pc:chgData name="Long B Nguyen" userId="f59fb8f3-a021-417a-8bc1-65c8d471c621" providerId="ADAL" clId="{308CFCF3-47BA-8D4A-8A80-5ECC75BA7E52}" dt="2019-11-19T12:49:34.413" v="3" actId="1076"/>
+        <pc:sldMkLst>
+          <pc:docMk/>
+          <pc:sldMk cId="56364418" sldId="557"/>
+        </pc:sldMkLst>
+        <pc:spChg chg="mod">
+          <ac:chgData name="Long B Nguyen" userId="f59fb8f3-a021-417a-8bc1-65c8d471c621" providerId="ADAL" clId="{308CFCF3-47BA-8D4A-8A80-5ECC75BA7E52}" dt="2019-11-19T12:49:34.413" v="3" actId="1076"/>
+          <ac:spMkLst>
+            <pc:docMk/>
+            <pc:sldMk cId="56364418" sldId="557"/>
+            <ac:spMk id="20482" creationId="{6D756BCF-3D62-744E-A1A2-5EA11AF1F5DE}"/>
+          </ac:spMkLst>
+        </pc:spChg>
+      </pc:sldChg>
+      <pc:sldChg chg="modSp add">
+        <pc:chgData name="Long B Nguyen" userId="f59fb8f3-a021-417a-8bc1-65c8d471c621" providerId="ADAL" clId="{308CFCF3-47BA-8D4A-8A80-5ECC75BA7E52}" dt="2019-11-19T12:49:29.575" v="2" actId="1076"/>
+        <pc:sldMkLst>
+          <pc:docMk/>
+          <pc:sldMk cId="4185702486" sldId="558"/>
+        </pc:sldMkLst>
+        <pc:spChg chg="mod">
+          <ac:chgData name="Long B Nguyen" userId="f59fb8f3-a021-417a-8bc1-65c8d471c621" providerId="ADAL" clId="{308CFCF3-47BA-8D4A-8A80-5ECC75BA7E52}" dt="2019-11-19T12:49:29.575" v="2" actId="1076"/>
+          <ac:spMkLst>
+            <pc:docMk/>
+            <pc:sldMk cId="4185702486" sldId="558"/>
+            <ac:spMk id="20482" creationId="{6D756BCF-3D62-744E-A1A2-5EA11AF1F5DE}"/>
+          </ac:spMkLst>
+        </pc:spChg>
+      </pc:sldChg>
+      <pc:sldChg chg="add">
+        <pc:chgData name="Long B Nguyen" userId="f59fb8f3-a021-417a-8bc1-65c8d471c621" providerId="ADAL" clId="{308CFCF3-47BA-8D4A-8A80-5ECC75BA7E52}" dt="2019-11-19T12:49:08.416" v="0"/>
+        <pc:sldMkLst>
+          <pc:docMk/>
+          <pc:sldMk cId="2190184513" sldId="559"/>
+        </pc:sldMkLst>
+      </pc:sldChg>
+      <pc:sldChg chg="add">
+        <pc:chgData name="Long B Nguyen" userId="f59fb8f3-a021-417a-8bc1-65c8d471c621" providerId="ADAL" clId="{308CFCF3-47BA-8D4A-8A80-5ECC75BA7E52}" dt="2019-11-19T12:49:08.416" v="0"/>
+        <pc:sldMkLst>
+          <pc:docMk/>
+          <pc:sldMk cId="3797534927" sldId="560"/>
+        </pc:sldMkLst>
+      </pc:sldChg>
+      <pc:sldChg chg="add">
+        <pc:chgData name="Long B Nguyen" userId="f59fb8f3-a021-417a-8bc1-65c8d471c621" providerId="ADAL" clId="{308CFCF3-47BA-8D4A-8A80-5ECC75BA7E52}" dt="2019-11-19T12:49:08.416" v="0"/>
+        <pc:sldMkLst>
+          <pc:docMk/>
+          <pc:sldMk cId="3461972299" sldId="561"/>
+        </pc:sldMkLst>
+      </pc:sldChg>
+      <pc:sldChg chg="add">
+        <pc:chgData name="Long B Nguyen" userId="f59fb8f3-a021-417a-8bc1-65c8d471c621" providerId="ADAL" clId="{308CFCF3-47BA-8D4A-8A80-5ECC75BA7E52}" dt="2019-11-19T12:49:08.416" v="0"/>
+        <pc:sldMkLst>
+          <pc:docMk/>
+          <pc:sldMk cId="2056856836" sldId="562"/>
+        </pc:sldMkLst>
+      </pc:sldChg>
+      <pc:sldChg chg="add">
+        <pc:chgData name="Long B Nguyen" userId="f59fb8f3-a021-417a-8bc1-65c8d471c621" providerId="ADAL" clId="{308CFCF3-47BA-8D4A-8A80-5ECC75BA7E52}" dt="2019-11-19T12:49:08.416" v="0"/>
+        <pc:sldMkLst>
+          <pc:docMk/>
+          <pc:sldMk cId="1129266536" sldId="563"/>
+        </pc:sldMkLst>
+      </pc:sldChg>
+      <pc:sldChg chg="add">
+        <pc:chgData name="Long B Nguyen" userId="f59fb8f3-a021-417a-8bc1-65c8d471c621" providerId="ADAL" clId="{308CFCF3-47BA-8D4A-8A80-5ECC75BA7E52}" dt="2019-11-19T12:49:08.416" v="0"/>
+        <pc:sldMkLst>
+          <pc:docMk/>
+          <pc:sldMk cId="602950482" sldId="564"/>
+        </pc:sldMkLst>
+      </pc:sldChg>
+      <pc:sldChg chg="add">
+        <pc:chgData name="Long B Nguyen" userId="f59fb8f3-a021-417a-8bc1-65c8d471c621" providerId="ADAL" clId="{308CFCF3-47BA-8D4A-8A80-5ECC75BA7E52}" dt="2019-11-19T12:49:08.416" v="0"/>
+        <pc:sldMkLst>
+          <pc:docMk/>
+          <pc:sldMk cId="4104989124" sldId="565"/>
+        </pc:sldMkLst>
+      </pc:sldChg>
+      <pc:sldChg chg="add">
+        <pc:chgData name="Long B Nguyen" userId="f59fb8f3-a021-417a-8bc1-65c8d471c621" providerId="ADAL" clId="{308CFCF3-47BA-8D4A-8A80-5ECC75BA7E52}" dt="2019-11-19T12:49:08.416" v="0"/>
+        <pc:sldMkLst>
+          <pc:docMk/>
+          <pc:sldMk cId="2615412358" sldId="566"/>
+        </pc:sldMkLst>
+      </pc:sldChg>
+    </pc:docChg>
+  </pc:docChgLst>
+  <pc:docChgLst>
+    <pc:chgData name="Long Nguyen" userId="f59fb8f3-a021-417a-8bc1-65c8d471c621" providerId="ADAL" clId="{DEEC9A6B-597B-A549-8046-E8A6FAF2541E}"/>
+    <pc:docChg chg="addSld modSld">
+      <pc:chgData name="Long Nguyen" userId="f59fb8f3-a021-417a-8bc1-65c8d471c621" providerId="ADAL" clId="{DEEC9A6B-597B-A549-8046-E8A6FAF2541E}" dt="2022-01-10T19:13:47.222" v="827"/>
+      <pc:docMkLst>
+        <pc:docMk/>
+      </pc:docMkLst>
+      <pc:sldChg chg="modSp">
+        <pc:chgData name="Long Nguyen" userId="f59fb8f3-a021-417a-8bc1-65c8d471c621" providerId="ADAL" clId="{DEEC9A6B-597B-A549-8046-E8A6FAF2541E}" dt="2022-01-10T16:01:48.822" v="805" actId="20577"/>
+        <pc:sldMkLst>
+          <pc:docMk/>
+          <pc:sldMk cId="1190543687" sldId="341"/>
+        </pc:sldMkLst>
+        <pc:spChg chg="mod">
+          <ac:chgData name="Long Nguyen" userId="f59fb8f3-a021-417a-8bc1-65c8d471c621" providerId="ADAL" clId="{DEEC9A6B-597B-A549-8046-E8A6FAF2541E}" dt="2022-01-10T16:01:48.822" v="805" actId="20577"/>
+          <ac:spMkLst>
+            <pc:docMk/>
+            <pc:sldMk cId="1190543687" sldId="341"/>
+            <ac:spMk id="9" creationId="{E3B2E017-30B2-884B-A113-B419A2ED51AD}"/>
+          </ac:spMkLst>
+        </pc:spChg>
+      </pc:sldChg>
+      <pc:sldChg chg="addSp modSp modAnim">
+        <pc:chgData name="Long Nguyen" userId="f59fb8f3-a021-417a-8bc1-65c8d471c621" providerId="ADAL" clId="{DEEC9A6B-597B-A549-8046-E8A6FAF2541E}" dt="2022-01-10T15:05:52.399" v="414"/>
+        <pc:sldMkLst>
+          <pc:docMk/>
+          <pc:sldMk cId="2681292538" sldId="567"/>
+        </pc:sldMkLst>
+        <pc:spChg chg="mod">
+          <ac:chgData name="Long Nguyen" userId="f59fb8f3-a021-417a-8bc1-65c8d471c621" providerId="ADAL" clId="{DEEC9A6B-597B-A549-8046-E8A6FAF2541E}" dt="2022-01-10T14:56:41.122" v="56" actId="20577"/>
+          <ac:spMkLst>
+            <pc:docMk/>
+            <pc:sldMk cId="2681292538" sldId="567"/>
+            <ac:spMk id="2" creationId="{C360779D-4CA6-E54E-AF40-CFF286ECEDB6}"/>
+          </ac:spMkLst>
+        </pc:spChg>
+        <pc:spChg chg="mod">
+          <ac:chgData name="Long Nguyen" userId="f59fb8f3-a021-417a-8bc1-65c8d471c621" providerId="ADAL" clId="{DEEC9A6B-597B-A549-8046-E8A6FAF2541E}" dt="2022-01-10T14:57:15.920" v="88" actId="20577"/>
+          <ac:spMkLst>
+            <pc:docMk/>
+            <pc:sldMk cId="2681292538" sldId="567"/>
+            <ac:spMk id="7" creationId="{FCD9C15D-1329-1444-B6C2-5E444C159CB2}"/>
+          </ac:spMkLst>
+        </pc:spChg>
+        <pc:spChg chg="add mod">
+          <ac:chgData name="Long Nguyen" userId="f59fb8f3-a021-417a-8bc1-65c8d471c621" providerId="ADAL" clId="{DEEC9A6B-597B-A549-8046-E8A6FAF2541E}" dt="2022-01-10T14:57:53.445" v="90" actId="20577"/>
+          <ac:spMkLst>
+            <pc:docMk/>
+            <pc:sldMk cId="2681292538" sldId="567"/>
+            <ac:spMk id="9" creationId="{6947F684-5A40-904D-92F6-7871C732A6FC}"/>
+          </ac:spMkLst>
+        </pc:spChg>
+        <pc:spChg chg="add mod">
+          <ac:chgData name="Long Nguyen" userId="f59fb8f3-a021-417a-8bc1-65c8d471c621" providerId="ADAL" clId="{DEEC9A6B-597B-A549-8046-E8A6FAF2541E}" dt="2022-01-10T15:01:55.951" v="300" actId="20577"/>
+          <ac:spMkLst>
+            <pc:docMk/>
+            <pc:sldMk cId="2681292538" sldId="567"/>
+            <ac:spMk id="10" creationId="{6CBCEBFC-7FEB-A942-8AA6-1D8C8EE77906}"/>
+          </ac:spMkLst>
+        </pc:spChg>
+        <pc:spChg chg="add mod">
+          <ac:chgData name="Long Nguyen" userId="f59fb8f3-a021-417a-8bc1-65c8d471c621" providerId="ADAL" clId="{DEEC9A6B-597B-A549-8046-E8A6FAF2541E}" dt="2022-01-10T15:01:50.244" v="288" actId="20577"/>
+          <ac:spMkLst>
+            <pc:docMk/>
+            <pc:sldMk cId="2681292538" sldId="567"/>
+            <ac:spMk id="15" creationId="{3FA56609-6251-2345-BA26-D035BE446C47}"/>
+          </ac:spMkLst>
+        </pc:spChg>
+        <pc:spChg chg="mod">
+          <ac:chgData name="Long Nguyen" userId="f59fb8f3-a021-417a-8bc1-65c8d471c621" providerId="ADAL" clId="{DEEC9A6B-597B-A549-8046-E8A6FAF2541E}" dt="2022-01-10T15:00:32.436" v="186" actId="20577"/>
+          <ac:spMkLst>
+            <pc:docMk/>
+            <pc:sldMk cId="2681292538" sldId="567"/>
+            <ac:spMk id="35842" creationId="{C94BCA01-D831-ED4D-84FD-C30E8117F872}"/>
+          </ac:spMkLst>
+        </pc:spChg>
+        <pc:cxnChg chg="add mod">
+          <ac:chgData name="Long Nguyen" userId="f59fb8f3-a021-417a-8bc1-65c8d471c621" providerId="ADAL" clId="{DEEC9A6B-597B-A549-8046-E8A6FAF2541E}" dt="2022-01-10T15:00:41.622" v="187"/>
+          <ac:cxnSpMkLst>
+            <pc:docMk/>
+            <pc:sldMk cId="2681292538" sldId="567"/>
+            <ac:cxnSpMk id="11" creationId="{4E4AC876-0F77-7543-B7D3-9FBA2F410F0C}"/>
+          </ac:cxnSpMkLst>
+        </pc:cxnChg>
+        <pc:cxnChg chg="add mod">
+          <ac:chgData name="Long Nguyen" userId="f59fb8f3-a021-417a-8bc1-65c8d471c621" providerId="ADAL" clId="{DEEC9A6B-597B-A549-8046-E8A6FAF2541E}" dt="2022-01-10T15:01:31.700" v="243"/>
+          <ac:cxnSpMkLst>
+            <pc:docMk/>
+            <pc:sldMk cId="2681292538" sldId="567"/>
+            <ac:cxnSpMk id="16" creationId="{75E9AD7F-0E14-4E4B-9F19-CF7FF14EDDA7}"/>
+          </ac:cxnSpMkLst>
+        </pc:cxnChg>
+      </pc:sldChg>
+      <pc:sldChg chg="addSp modSp modAnim">
+        <pc:chgData name="Long Nguyen" userId="f59fb8f3-a021-417a-8bc1-65c8d471c621" providerId="ADAL" clId="{DEEC9A6B-597B-A549-8046-E8A6FAF2541E}" dt="2022-01-10T15:06:14.745" v="418"/>
+        <pc:sldMkLst>
+          <pc:docMk/>
+          <pc:sldMk cId="38565667" sldId="573"/>
+        </pc:sldMkLst>
+        <pc:spChg chg="add mod">
+          <ac:chgData name="Long Nguyen" userId="f59fb8f3-a021-417a-8bc1-65c8d471c621" providerId="ADAL" clId="{DEEC9A6B-597B-A549-8046-E8A6FAF2541E}" dt="2022-01-10T15:04:19.558" v="355" actId="20577"/>
+          <ac:spMkLst>
+            <pc:docMk/>
+            <pc:sldMk cId="38565667" sldId="573"/>
+            <ac:spMk id="9" creationId="{35CC8408-E93C-EB4D-BCE0-708761392E17}"/>
+          </ac:spMkLst>
+        </pc:spChg>
+        <pc:spChg chg="add mod">
+          <ac:chgData name="Long Nguyen" userId="f59fb8f3-a021-417a-8bc1-65c8d471c621" providerId="ADAL" clId="{DEEC9A6B-597B-A549-8046-E8A6FAF2541E}" dt="2022-01-10T15:05:13.458" v="410" actId="20577"/>
+          <ac:spMkLst>
+            <pc:docMk/>
+            <pc:sldMk cId="38565667" sldId="573"/>
+            <ac:spMk id="13" creationId="{89954A57-FAD0-2145-9240-CC143305A109}"/>
+          </ac:spMkLst>
+        </pc:spChg>
+        <pc:spChg chg="mod">
+          <ac:chgData name="Long Nguyen" userId="f59fb8f3-a021-417a-8bc1-65c8d471c621" providerId="ADAL" clId="{DEEC9A6B-597B-A549-8046-E8A6FAF2541E}" dt="2022-01-10T15:03:21.880" v="318" actId="20577"/>
+          <ac:spMkLst>
+            <pc:docMk/>
+            <pc:sldMk cId="38565667" sldId="573"/>
+            <ac:spMk id="35842" creationId="{C94BCA01-D831-ED4D-84FD-C30E8117F872}"/>
+          </ac:spMkLst>
+        </pc:spChg>
+        <pc:cxnChg chg="add mod">
+          <ac:chgData name="Long Nguyen" userId="f59fb8f3-a021-417a-8bc1-65c8d471c621" providerId="ADAL" clId="{DEEC9A6B-597B-A549-8046-E8A6FAF2541E}" dt="2022-01-10T15:03:58.463" v="319"/>
+          <ac:cxnSpMkLst>
+            <pc:docMk/>
+            <pc:sldMk cId="38565667" sldId="573"/>
+            <ac:cxnSpMk id="10" creationId="{45FCB104-5BCC-3048-9038-D14F4C9B439C}"/>
+          </ac:cxnSpMkLst>
+        </pc:cxnChg>
+        <pc:cxnChg chg="add mod">
+          <ac:chgData name="Long Nguyen" userId="f59fb8f3-a021-417a-8bc1-65c8d471c621" providerId="ADAL" clId="{DEEC9A6B-597B-A549-8046-E8A6FAF2541E}" dt="2022-01-10T15:04:37.914" v="356"/>
+          <ac:cxnSpMkLst>
+            <pc:docMk/>
+            <pc:sldMk cId="38565667" sldId="573"/>
+            <ac:cxnSpMk id="14" creationId="{B2A0D62D-1FB8-E449-88AE-FE32A1C9F275}"/>
+          </ac:cxnSpMkLst>
+        </pc:cxnChg>
+      </pc:sldChg>
+      <pc:sldChg chg="addSp delSp modSp add modAnim">
+        <pc:chgData name="Long Nguyen" userId="f59fb8f3-a021-417a-8bc1-65c8d471c621" providerId="ADAL" clId="{DEEC9A6B-597B-A549-8046-E8A6FAF2541E}" dt="2022-01-10T16:09:45.624" v="806"/>
+        <pc:sldMkLst>
+          <pc:docMk/>
+          <pc:sldMk cId="1899292602" sldId="574"/>
+        </pc:sldMkLst>
+        <pc:spChg chg="add mod">
+          <ac:chgData name="Long Nguyen" userId="f59fb8f3-a021-417a-8bc1-65c8d471c621" providerId="ADAL" clId="{DEEC9A6B-597B-A549-8046-E8A6FAF2541E}" dt="2022-01-10T15:26:25.746" v="793"/>
+          <ac:spMkLst>
+            <pc:docMk/>
+            <pc:sldMk cId="1899292602" sldId="574"/>
+            <ac:spMk id="3" creationId="{43066786-2460-4F4E-A926-EC35B443FC7C}"/>
+          </ac:spMkLst>
+        </pc:spChg>
+        <pc:spChg chg="add mod">
+          <ac:chgData name="Long Nguyen" userId="f59fb8f3-a021-417a-8bc1-65c8d471c621" providerId="ADAL" clId="{DEEC9A6B-597B-A549-8046-E8A6FAF2541E}" dt="2022-01-10T15:30:03.832" v="796"/>
+          <ac:spMkLst>
+            <pc:docMk/>
+            <pc:sldMk cId="1899292602" sldId="574"/>
+            <ac:spMk id="8" creationId="{1518AF63-F058-5848-A6B8-99B63BA4A5AA}"/>
+          </ac:spMkLst>
+        </pc:spChg>
+        <pc:spChg chg="mod">
+          <ac:chgData name="Long Nguyen" userId="f59fb8f3-a021-417a-8bc1-65c8d471c621" providerId="ADAL" clId="{DEEC9A6B-597B-A549-8046-E8A6FAF2541E}" dt="2022-01-10T15:32:13.467" v="802"/>
+          <ac:spMkLst>
+            <pc:docMk/>
+            <pc:sldMk cId="1899292602" sldId="574"/>
+            <ac:spMk id="9" creationId="{E3B2E017-30B2-884B-A113-B419A2ED51AD}"/>
+          </ac:spMkLst>
+        </pc:spChg>
+        <pc:spChg chg="add del mod">
+          <ac:chgData name="Long Nguyen" userId="f59fb8f3-a021-417a-8bc1-65c8d471c621" providerId="ADAL" clId="{DEEC9A6B-597B-A549-8046-E8A6FAF2541E}" dt="2022-01-10T15:30:32.040" v="798"/>
+          <ac:spMkLst>
+            <pc:docMk/>
+            <pc:sldMk cId="1899292602" sldId="574"/>
+            <ac:spMk id="11" creationId="{7DEF6168-241B-B244-A6F2-5CCF1A0B517E}"/>
+          </ac:spMkLst>
+        </pc:spChg>
+        <pc:spChg chg="add mod">
+          <ac:chgData name="Long Nguyen" userId="f59fb8f3-a021-417a-8bc1-65c8d471c621" providerId="ADAL" clId="{DEEC9A6B-597B-A549-8046-E8A6FAF2541E}" dt="2022-01-10T15:30:34.435" v="799"/>
+          <ac:spMkLst>
+            <pc:docMk/>
+            <pc:sldMk cId="1899292602" sldId="574"/>
+            <ac:spMk id="13" creationId="{6BD218E2-AF0E-114A-A6E0-CB450613A31F}"/>
+          </ac:spMkLst>
+        </pc:spChg>
+        <pc:spChg chg="add mod">
+          <ac:chgData name="Long Nguyen" userId="f59fb8f3-a021-417a-8bc1-65c8d471c621" providerId="ADAL" clId="{DEEC9A6B-597B-A549-8046-E8A6FAF2541E}" dt="2022-01-10T16:09:45.624" v="806"/>
+          <ac:spMkLst>
+            <pc:docMk/>
+            <pc:sldMk cId="1899292602" sldId="574"/>
+            <ac:spMk id="14" creationId="{E0452E39-9133-5B48-9209-7A7A2D22DFED}"/>
+          </ac:spMkLst>
+        </pc:spChg>
+        <pc:cxnChg chg="add mod">
+          <ac:chgData name="Long Nguyen" userId="f59fb8f3-a021-417a-8bc1-65c8d471c621" providerId="ADAL" clId="{DEEC9A6B-597B-A549-8046-E8A6FAF2541E}" dt="2022-01-10T15:29:49.065" v="795"/>
+          <ac:cxnSpMkLst>
+            <pc:docMk/>
+            <pc:sldMk cId="1899292602" sldId="574"/>
+            <ac:cxnSpMk id="5" creationId="{7ECFE949-5E17-FC42-9960-BCDAB348B02C}"/>
+          </ac:cxnSpMkLst>
+        </pc:cxnChg>
+        <pc:cxnChg chg="add mod">
+          <ac:chgData name="Long Nguyen" userId="f59fb8f3-a021-417a-8bc1-65c8d471c621" providerId="ADAL" clId="{DEEC9A6B-597B-A549-8046-E8A6FAF2541E}" dt="2022-01-10T15:30:03.832" v="796"/>
+          <ac:cxnSpMkLst>
+            <pc:docMk/>
+            <pc:sldMk cId="1899292602" sldId="574"/>
+            <ac:cxnSpMk id="10" creationId="{D6FBC0B7-550F-304E-B114-B33A965C3586}"/>
+          </ac:cxnSpMkLst>
+        </pc:cxnChg>
+        <pc:cxnChg chg="add del mod">
+          <ac:chgData name="Long Nguyen" userId="f59fb8f3-a021-417a-8bc1-65c8d471c621" providerId="ADAL" clId="{DEEC9A6B-597B-A549-8046-E8A6FAF2541E}" dt="2022-01-10T15:30:32.040" v="798"/>
+          <ac:cxnSpMkLst>
+            <pc:docMk/>
+            <pc:sldMk cId="1899292602" sldId="574"/>
+            <ac:cxnSpMk id="12" creationId="{E3AB391E-2C4B-884A-9DA1-B4649DAF043F}"/>
+          </ac:cxnSpMkLst>
+        </pc:cxnChg>
+      </pc:sldChg>
+      <pc:sldChg chg="modSp add">
+        <pc:chgData name="Long Nguyen" userId="f59fb8f3-a021-417a-8bc1-65c8d471c621" providerId="ADAL" clId="{DEEC9A6B-597B-A549-8046-E8A6FAF2541E}" dt="2022-01-10T15:26:39.006" v="794"/>
+        <pc:sldMkLst>
+          <pc:docMk/>
+          <pc:sldMk cId="2139759667" sldId="575"/>
+        </pc:sldMkLst>
+        <pc:spChg chg="mod">
+          <ac:chgData name="Long Nguyen" userId="f59fb8f3-a021-417a-8bc1-65c8d471c621" providerId="ADAL" clId="{DEEC9A6B-597B-A549-8046-E8A6FAF2541E}" dt="2022-01-10T15:26:39.006" v="794"/>
+          <ac:spMkLst>
+            <pc:docMk/>
+            <pc:sldMk cId="2139759667" sldId="575"/>
+            <ac:spMk id="9" creationId="{E3B2E017-30B2-884B-A113-B419A2ED51AD}"/>
+          </ac:spMkLst>
+        </pc:spChg>
+      </pc:sldChg>
+      <pc:sldChg chg="modSp add">
+        <pc:chgData name="Long Nguyen" userId="f59fb8f3-a021-417a-8bc1-65c8d471c621" providerId="ADAL" clId="{DEEC9A6B-597B-A549-8046-E8A6FAF2541E}" dt="2022-01-10T15:32:05.764" v="801"/>
+        <pc:sldMkLst>
+          <pc:docMk/>
+          <pc:sldMk cId="2696303466" sldId="575"/>
+        </pc:sldMkLst>
+        <pc:spChg chg="mod">
+          <ac:chgData name="Long Nguyen" userId="f59fb8f3-a021-417a-8bc1-65c8d471c621" providerId="ADAL" clId="{DEEC9A6B-597B-A549-8046-E8A6FAF2541E}" dt="2022-01-10T15:32:05.764" v="801"/>
+          <ac:spMkLst>
+            <pc:docMk/>
+            <pc:sldMk cId="2696303466" sldId="575"/>
+            <ac:spMk id="9" creationId="{E3B2E017-30B2-884B-A113-B419A2ED51AD}"/>
+          </ac:spMkLst>
+        </pc:spChg>
+      </pc:sldChg>
+      <pc:sldChg chg="addSp delSp modSp add modAnim">
+        <pc:chgData name="Long Nguyen" userId="f59fb8f3-a021-417a-8bc1-65c8d471c621" providerId="ADAL" clId="{DEEC9A6B-597B-A549-8046-E8A6FAF2541E}" dt="2022-01-10T16:28:28.145" v="824"/>
+        <pc:sldMkLst>
+          <pc:docMk/>
+          <pc:sldMk cId="1655667199" sldId="576"/>
+        </pc:sldMkLst>
+        <pc:spChg chg="add del mod">
+          <ac:chgData name="Long Nguyen" userId="f59fb8f3-a021-417a-8bc1-65c8d471c621" providerId="ADAL" clId="{DEEC9A6B-597B-A549-8046-E8A6FAF2541E}" dt="2022-01-10T16:27:07.655" v="820"/>
+          <ac:spMkLst>
+            <pc:docMk/>
+            <pc:sldMk cId="1655667199" sldId="576"/>
+            <ac:spMk id="3" creationId="{3E485581-9E99-0043-9EAC-32C6195DED27}"/>
+          </ac:spMkLst>
+        </pc:spChg>
+        <pc:spChg chg="add mod">
+          <ac:chgData name="Long Nguyen" userId="f59fb8f3-a021-417a-8bc1-65c8d471c621" providerId="ADAL" clId="{DEEC9A6B-597B-A549-8046-E8A6FAF2541E}" dt="2022-01-10T16:27:25.299" v="822"/>
+          <ac:spMkLst>
+            <pc:docMk/>
+            <pc:sldMk cId="1655667199" sldId="576"/>
+            <ac:spMk id="4" creationId="{F5F925A9-41D3-6E4F-86DA-C9E92CE1D468}"/>
+          </ac:spMkLst>
+        </pc:spChg>
+        <pc:spChg chg="mod">
+          <ac:chgData name="Long Nguyen" userId="f59fb8f3-a021-417a-8bc1-65c8d471c621" providerId="ADAL" clId="{DEEC9A6B-597B-A549-8046-E8A6FAF2541E}" dt="2022-01-10T16:19:55.722" v="816"/>
+          <ac:spMkLst>
+            <pc:docMk/>
+            <pc:sldMk cId="1655667199" sldId="576"/>
+            <ac:spMk id="35842" creationId="{C94BCA01-D831-ED4D-84FD-C30E8117F872}"/>
+          </ac:spMkLst>
+        </pc:spChg>
+        <pc:cxnChg chg="add mod">
+          <ac:chgData name="Long Nguyen" userId="f59fb8f3-a021-417a-8bc1-65c8d471c621" providerId="ADAL" clId="{DEEC9A6B-597B-A549-8046-E8A6FAF2541E}" dt="2022-01-10T16:28:09.945" v="823"/>
+          <ac:cxnSpMkLst>
+            <pc:docMk/>
+            <pc:sldMk cId="1655667199" sldId="576"/>
+            <ac:cxnSpMk id="13" creationId="{1D73A6C2-F3A1-7849-9298-0FABFFC03676}"/>
+          </ac:cxnSpMkLst>
+        </pc:cxnChg>
+      </pc:sldChg>
+      <pc:sldChg chg="modSp add">
+        <pc:chgData name="Long Nguyen" userId="f59fb8f3-a021-417a-8bc1-65c8d471c621" providerId="ADAL" clId="{DEEC9A6B-597B-A549-8046-E8A6FAF2541E}" dt="2022-01-10T19:13:47.222" v="827"/>
+        <pc:sldMkLst>
+          <pc:docMk/>
+          <pc:sldMk cId="1245941282" sldId="577"/>
+        </pc:sldMkLst>
+        <pc:spChg chg="mod">
+          <ac:chgData name="Long Nguyen" userId="f59fb8f3-a021-417a-8bc1-65c8d471c621" providerId="ADAL" clId="{DEEC9A6B-597B-A549-8046-E8A6FAF2541E}" dt="2022-01-10T19:13:47.222" v="827"/>
+          <ac:spMkLst>
+            <pc:docMk/>
+            <pc:sldMk cId="1245941282" sldId="577"/>
+            <ac:spMk id="35842" creationId="{C94BCA01-D831-ED4D-84FD-C30E8117F872}"/>
+          </ac:spMkLst>
+        </pc:spChg>
+      </pc:sldChg>
+      <pc:sldChg chg="add">
+        <pc:chgData name="Long Nguyen" userId="f59fb8f3-a021-417a-8bc1-65c8d471c621" providerId="ADAL" clId="{DEEC9A6B-597B-A549-8046-E8A6FAF2541E}" dt="2022-01-10T16:27:06.789" v="819"/>
+        <pc:sldMkLst>
+          <pc:docMk/>
+          <pc:sldMk cId="2407339280" sldId="578"/>
+        </pc:sldMkLst>
+      </pc:sldChg>
+    </pc:docChg>
+  </pc:docChgLst>
+  <pc:docChgLst>
+    <pc:chgData name="Long Nguyen" userId="f59fb8f3-a021-417a-8bc1-65c8d471c621" providerId="ADAL" clId="{B6BE90CF-AC9C-104F-8CE4-3F4B9598DB46}"/>
+    <pc:docChg chg="custSel addSld delSld modSld">
+      <pc:chgData name="Long Nguyen" userId="f59fb8f3-a021-417a-8bc1-65c8d471c621" providerId="ADAL" clId="{B6BE90CF-AC9C-104F-8CE4-3F4B9598DB46}" dt="2022-08-25T14:27:19.287" v="91"/>
+      <pc:docMkLst>
+        <pc:docMk/>
+      </pc:docMkLst>
+      <pc:sldChg chg="del">
+        <pc:chgData name="Long Nguyen" userId="f59fb8f3-a021-417a-8bc1-65c8d471c621" providerId="ADAL" clId="{B6BE90CF-AC9C-104F-8CE4-3F4B9598DB46}" dt="2022-08-25T14:19:07.335" v="0" actId="2696"/>
+        <pc:sldMkLst>
+          <pc:docMk/>
+          <pc:sldMk cId="1769313612" sldId="306"/>
+        </pc:sldMkLst>
+      </pc:sldChg>
+      <pc:sldChg chg="del">
+        <pc:chgData name="Long Nguyen" userId="f59fb8f3-a021-417a-8bc1-65c8d471c621" providerId="ADAL" clId="{B6BE90CF-AC9C-104F-8CE4-3F4B9598DB46}" dt="2022-08-25T14:19:07.335" v="0" actId="2696"/>
+        <pc:sldMkLst>
+          <pc:docMk/>
+          <pc:sldMk cId="2659683092" sldId="308"/>
+        </pc:sldMkLst>
+      </pc:sldChg>
+      <pc:sldChg chg="del">
+        <pc:chgData name="Long Nguyen" userId="f59fb8f3-a021-417a-8bc1-65c8d471c621" providerId="ADAL" clId="{B6BE90CF-AC9C-104F-8CE4-3F4B9598DB46}" dt="2022-08-25T14:19:07.335" v="0" actId="2696"/>
+        <pc:sldMkLst>
+          <pc:docMk/>
+          <pc:sldMk cId="3170541048" sldId="312"/>
+        </pc:sldMkLst>
+      </pc:sldChg>
+      <pc:sldChg chg="del">
+        <pc:chgData name="Long Nguyen" userId="f59fb8f3-a021-417a-8bc1-65c8d471c621" providerId="ADAL" clId="{B6BE90CF-AC9C-104F-8CE4-3F4B9598DB46}" dt="2022-08-25T14:19:07.335" v="0" actId="2696"/>
+        <pc:sldMkLst>
+          <pc:docMk/>
+          <pc:sldMk cId="1518376867" sldId="313"/>
+        </pc:sldMkLst>
+      </pc:sldChg>
+      <pc:sldChg chg="add del">
+        <pc:chgData name="Long Nguyen" userId="f59fb8f3-a021-417a-8bc1-65c8d471c621" providerId="ADAL" clId="{B6BE90CF-AC9C-104F-8CE4-3F4B9598DB46}" dt="2022-08-25T14:27:02.453" v="89" actId="2696"/>
+        <pc:sldMkLst>
+          <pc:docMk/>
+          <pc:sldMk cId="3477128042" sldId="327"/>
+        </pc:sldMkLst>
+      </pc:sldChg>
+      <pc:sldChg chg="del">
+        <pc:chgData name="Long Nguyen" userId="f59fb8f3-a021-417a-8bc1-65c8d471c621" providerId="ADAL" clId="{B6BE90CF-AC9C-104F-8CE4-3F4B9598DB46}" dt="2022-08-25T14:25:21.378" v="21" actId="2696"/>
+        <pc:sldMkLst>
+          <pc:docMk/>
+          <pc:sldMk cId="3182006449" sldId="424"/>
+        </pc:sldMkLst>
+      </pc:sldChg>
+      <pc:sldChg chg="modSp add mod">
+        <pc:chgData name="Long Nguyen" userId="f59fb8f3-a021-417a-8bc1-65c8d471c621" providerId="ADAL" clId="{B6BE90CF-AC9C-104F-8CE4-3F4B9598DB46}" dt="2022-08-25T14:26:42.674" v="88" actId="20577"/>
+        <pc:sldMkLst>
+          <pc:docMk/>
+          <pc:sldMk cId="4045518149" sldId="427"/>
+        </pc:sldMkLst>
+        <pc:spChg chg="mod">
+          <ac:chgData name="Long Nguyen" userId="f59fb8f3-a021-417a-8bc1-65c8d471c621" providerId="ADAL" clId="{B6BE90CF-AC9C-104F-8CE4-3F4B9598DB46}" dt="2022-08-25T14:26:42.674" v="88" actId="20577"/>
+          <ac:spMkLst>
+            <pc:docMk/>
+            <pc:sldMk cId="4045518149" sldId="427"/>
+            <ac:spMk id="20483" creationId="{A8F31A66-1B3E-984C-AD67-E6CB9676BCA4}"/>
+          </ac:spMkLst>
+        </pc:spChg>
+      </pc:sldChg>
+      <pc:sldChg chg="modSp mod">
+        <pc:chgData name="Long Nguyen" userId="f59fb8f3-a021-417a-8bc1-65c8d471c621" providerId="ADAL" clId="{B6BE90CF-AC9C-104F-8CE4-3F4B9598DB46}" dt="2022-08-25T14:19:32.992" v="20" actId="20577"/>
+        <pc:sldMkLst>
+          <pc:docMk/>
+          <pc:sldMk cId="847347657" sldId="555"/>
+        </pc:sldMkLst>
+        <pc:spChg chg="mod">
+          <ac:chgData name="Long Nguyen" userId="f59fb8f3-a021-417a-8bc1-65c8d471c621" providerId="ADAL" clId="{B6BE90CF-AC9C-104F-8CE4-3F4B9598DB46}" dt="2022-08-25T14:19:32.992" v="20" actId="20577"/>
+          <ac:spMkLst>
+            <pc:docMk/>
+            <pc:sldMk cId="847347657" sldId="555"/>
+            <ac:spMk id="3" creationId="{69ADCD5C-363A-6249-B0DD-5A7EF5ACE656}"/>
+          </ac:spMkLst>
+        </pc:spChg>
+      </pc:sldChg>
+      <pc:sldChg chg="del">
+        <pc:chgData name="Long Nguyen" userId="f59fb8f3-a021-417a-8bc1-65c8d471c621" providerId="ADAL" clId="{B6BE90CF-AC9C-104F-8CE4-3F4B9598DB46}" dt="2022-08-25T14:19:07.335" v="0" actId="2696"/>
+        <pc:sldMkLst>
+          <pc:docMk/>
+          <pc:sldMk cId="3515362357" sldId="556"/>
+        </pc:sldMkLst>
+      </pc:sldChg>
+      <pc:sldChg chg="del">
+        <pc:chgData name="Long Nguyen" userId="f59fb8f3-a021-417a-8bc1-65c8d471c621" providerId="ADAL" clId="{B6BE90CF-AC9C-104F-8CE4-3F4B9598DB46}" dt="2022-08-25T14:19:07.335" v="0" actId="2696"/>
+        <pc:sldMkLst>
+          <pc:docMk/>
+          <pc:sldMk cId="56364418" sldId="557"/>
+        </pc:sldMkLst>
+      </pc:sldChg>
+      <pc:sldChg chg="del">
+        <pc:chgData name="Long Nguyen" userId="f59fb8f3-a021-417a-8bc1-65c8d471c621" providerId="ADAL" clId="{B6BE90CF-AC9C-104F-8CE4-3F4B9598DB46}" dt="2022-08-25T14:19:07.335" v="0" actId="2696"/>
+        <pc:sldMkLst>
+          <pc:docMk/>
+          <pc:sldMk cId="4185702486" sldId="558"/>
+        </pc:sldMkLst>
+      </pc:sldChg>
+      <pc:sldChg chg="del">
+        <pc:chgData name="Long Nguyen" userId="f59fb8f3-a021-417a-8bc1-65c8d471c621" providerId="ADAL" clId="{B6BE90CF-AC9C-104F-8CE4-3F4B9598DB46}" dt="2022-08-25T14:25:23.966" v="23" actId="2696"/>
+        <pc:sldMkLst>
+          <pc:docMk/>
+          <pc:sldMk cId="3461972299" sldId="561"/>
+        </pc:sldMkLst>
+      </pc:sldChg>
+      <pc:sldChg chg="add">
+        <pc:chgData name="Long Nguyen" userId="f59fb8f3-a021-417a-8bc1-65c8d471c621" providerId="ADAL" clId="{B6BE90CF-AC9C-104F-8CE4-3F4B9598DB46}" dt="2022-08-25T14:27:19.287" v="91"/>
+        <pc:sldMkLst>
+          <pc:docMk/>
+          <pc:sldMk cId="3337710789" sldId="565"/>
+        </pc:sldMkLst>
+      </pc:sldChg>
+      <pc:sldChg chg="add del">
+        <pc:chgData name="Long Nguyen" userId="f59fb8f3-a021-417a-8bc1-65c8d471c621" providerId="ADAL" clId="{B6BE90CF-AC9C-104F-8CE4-3F4B9598DB46}" dt="2022-08-25T14:27:17.893" v="90" actId="2696"/>
+        <pc:sldMkLst>
+          <pc:docMk/>
+          <pc:sldMk cId="4104989124" sldId="565"/>
+        </pc:sldMkLst>
+      </pc:sldChg>
+      <pc:sldChg chg="del">
+        <pc:chgData name="Long Nguyen" userId="f59fb8f3-a021-417a-8bc1-65c8d471c621" providerId="ADAL" clId="{B6BE90CF-AC9C-104F-8CE4-3F4B9598DB46}" dt="2022-08-25T14:19:07.335" v="0" actId="2696"/>
+        <pc:sldMkLst>
+          <pc:docMk/>
+          <pc:sldMk cId="2681292538" sldId="567"/>
+        </pc:sldMkLst>
+      </pc:sldChg>
+      <pc:sldChg chg="modSp add del mod">
+        <pc:chgData name="Long Nguyen" userId="f59fb8f3-a021-417a-8bc1-65c8d471c621" providerId="ADAL" clId="{B6BE90CF-AC9C-104F-8CE4-3F4B9598DB46}" dt="2022-08-25T14:25:47.466" v="27" actId="2696"/>
+        <pc:sldMkLst>
+          <pc:docMk/>
+          <pc:sldMk cId="1316208775" sldId="568"/>
+        </pc:sldMkLst>
+        <pc:spChg chg="mod">
+          <ac:chgData name="Long Nguyen" userId="f59fb8f3-a021-417a-8bc1-65c8d471c621" providerId="ADAL" clId="{B6BE90CF-AC9C-104F-8CE4-3F4B9598DB46}" dt="2022-08-25T14:25:26.168" v="26" actId="27636"/>
+          <ac:spMkLst>
+            <pc:docMk/>
+            <pc:sldMk cId="1316208775" sldId="568"/>
+            <ac:spMk id="30722" creationId="{C70E3A34-0037-734F-81D6-0339361ED841}"/>
+          </ac:spMkLst>
+        </pc:spChg>
+      </pc:sldChg>
+      <pc:sldChg chg="del">
+        <pc:chgData name="Long Nguyen" userId="f59fb8f3-a021-417a-8bc1-65c8d471c621" providerId="ADAL" clId="{B6BE90CF-AC9C-104F-8CE4-3F4B9598DB46}" dt="2022-08-25T14:19:07.335" v="0" actId="2696"/>
+        <pc:sldMkLst>
+          <pc:docMk/>
+          <pc:sldMk cId="662705235" sldId="571"/>
+        </pc:sldMkLst>
+      </pc:sldChg>
+      <pc:sldChg chg="del">
+        <pc:chgData name="Long Nguyen" userId="f59fb8f3-a021-417a-8bc1-65c8d471c621" providerId="ADAL" clId="{B6BE90CF-AC9C-104F-8CE4-3F4B9598DB46}" dt="2022-08-25T14:19:07.335" v="0" actId="2696"/>
+        <pc:sldMkLst>
+          <pc:docMk/>
+          <pc:sldMk cId="38565667" sldId="573"/>
+        </pc:sldMkLst>
+      </pc:sldChg>
+      <pc:sldChg chg="add">
+        <pc:chgData name="Long Nguyen" userId="f59fb8f3-a021-417a-8bc1-65c8d471c621" providerId="ADAL" clId="{B6BE90CF-AC9C-104F-8CE4-3F4B9598DB46}" dt="2022-08-25T14:25:26.066" v="24"/>
+        <pc:sldMkLst>
+          <pc:docMk/>
+          <pc:sldMk cId="124955920" sldId="573"/>
+        </pc:sldMkLst>
+      </pc:sldChg>
+    </pc:docChg>
+  </pc:docChgLst>
+  <pc:docChgLst>
+    <pc:chgData name="Long B Nguyen" userId="f59fb8f3-a021-417a-8bc1-65c8d471c621" providerId="ADAL" clId="{9268B748-66AA-0742-9E6D-C568D3B99E77}"/>
+    <pc:docChg chg="undo custSel addSld delSld modSld">
+      <pc:chgData name="Long B Nguyen" userId="f59fb8f3-a021-417a-8bc1-65c8d471c621" providerId="ADAL" clId="{9268B748-66AA-0742-9E6D-C568D3B99E77}" dt="2021-02-01T16:44:08.466" v="6273" actId="207"/>
+      <pc:docMkLst>
+        <pc:docMk/>
+      </pc:docMkLst>
+      <pc:sldChg chg="modSp add del mod">
+        <pc:chgData name="Long B Nguyen" userId="f59fb8f3-a021-417a-8bc1-65c8d471c621" providerId="ADAL" clId="{9268B748-66AA-0742-9E6D-C568D3B99E77}" dt="2021-01-28T03:54:03.699" v="3911" actId="2696"/>
+        <pc:sldMkLst>
+          <pc:docMk/>
+          <pc:sldMk cId="1095332021" sldId="257"/>
+        </pc:sldMkLst>
+        <pc:spChg chg="mod">
+          <ac:chgData name="Long B Nguyen" userId="f59fb8f3-a021-417a-8bc1-65c8d471c621" providerId="ADAL" clId="{9268B748-66AA-0742-9E6D-C568D3B99E77}" dt="2021-01-28T03:27:21.454" v="3656" actId="1076"/>
+          <ac:spMkLst>
+            <pc:docMk/>
+            <pc:sldMk cId="1095332021" sldId="257"/>
+            <ac:spMk id="2" creationId="{AA3A228F-61D0-D949-A5E7-F83756230BF8}"/>
+          </ac:spMkLst>
+        </pc:spChg>
+        <pc:spChg chg="mod">
+          <ac:chgData name="Long B Nguyen" userId="f59fb8f3-a021-417a-8bc1-65c8d471c621" providerId="ADAL" clId="{9268B748-66AA-0742-9E6D-C568D3B99E77}" dt="2021-01-28T03:27:23.729" v="3657" actId="14100"/>
+          <ac:spMkLst>
+            <pc:docMk/>
+            <pc:sldMk cId="1095332021" sldId="257"/>
+            <ac:spMk id="9" creationId="{E3B2E017-30B2-884B-A113-B419A2ED51AD}"/>
+          </ac:spMkLst>
+        </pc:spChg>
+      </pc:sldChg>
+      <pc:sldChg chg="modSp add">
+        <pc:chgData name="Long B Nguyen" userId="f59fb8f3-a021-417a-8bc1-65c8d471c621" providerId="ADAL" clId="{9268B748-66AA-0742-9E6D-C568D3B99E77}" dt="2021-01-28T04:11:29.551" v="4100" actId="20577"/>
+        <pc:sldMkLst>
+          <pc:docMk/>
+          <pc:sldMk cId="2631037396" sldId="257"/>
+        </pc:sldMkLst>
+        <pc:spChg chg="mod">
+          <ac:chgData name="Long B Nguyen" userId="f59fb8f3-a021-417a-8bc1-65c8d471c621" providerId="ADAL" clId="{9268B748-66AA-0742-9E6D-C568D3B99E77}" dt="2021-01-28T04:11:29.551" v="4100" actId="20577"/>
+          <ac:spMkLst>
+            <pc:docMk/>
+            <pc:sldMk cId="2631037396" sldId="257"/>
+            <ac:spMk id="9" creationId="{E3B2E017-30B2-884B-A113-B419A2ED51AD}"/>
+          </ac:spMkLst>
+        </pc:spChg>
+      </pc:sldChg>
+      <pc:sldChg chg="modSp mod">
+        <pc:chgData name="Long B Nguyen" userId="f59fb8f3-a021-417a-8bc1-65c8d471c621" providerId="ADAL" clId="{9268B748-66AA-0742-9E6D-C568D3B99E77}" dt="2021-01-17T03:22:48.113" v="1429" actId="1076"/>
+        <pc:sldMkLst>
+          <pc:docMk/>
+          <pc:sldMk cId="1769313612" sldId="306"/>
+        </pc:sldMkLst>
+        <pc:spChg chg="mod">
+          <ac:chgData name="Long B Nguyen" userId="f59fb8f3-a021-417a-8bc1-65c8d471c621" providerId="ADAL" clId="{9268B748-66AA-0742-9E6D-C568D3B99E77}" dt="2021-01-17T03:22:46.292" v="1428" actId="1076"/>
+          <ac:spMkLst>
+            <pc:docMk/>
+            <pc:sldMk cId="1769313612" sldId="306"/>
+            <ac:spMk id="20482" creationId="{3F08065D-22F5-1B4A-B4B5-FFA336A1CACB}"/>
+          </ac:spMkLst>
+        </pc:spChg>
+        <pc:picChg chg="mod">
+          <ac:chgData name="Long B Nguyen" userId="f59fb8f3-a021-417a-8bc1-65c8d471c621" providerId="ADAL" clId="{9268B748-66AA-0742-9E6D-C568D3B99E77}" dt="2021-01-17T03:22:48.113" v="1429" actId="1076"/>
+          <ac:picMkLst>
+            <pc:docMk/>
+            <pc:sldMk cId="1769313612" sldId="306"/>
+            <ac:picMk id="11267" creationId="{02092175-2DD0-3D4C-A635-5613F8C56924}"/>
+          </ac:picMkLst>
+        </pc:picChg>
+      </pc:sldChg>
+      <pc:sldChg chg="modSp del mod">
+        <pc:chgData name="Long B Nguyen" userId="f59fb8f3-a021-417a-8bc1-65c8d471c621" providerId="ADAL" clId="{9268B748-66AA-0742-9E6D-C568D3B99E77}" dt="2021-01-17T03:25:19.644" v="1505" actId="2696"/>
+        <pc:sldMkLst>
+          <pc:docMk/>
+          <pc:sldMk cId="3175113722" sldId="307"/>
+        </pc:sldMkLst>
+        <pc:spChg chg="mod">
+          <ac:chgData name="Long B Nguyen" userId="f59fb8f3-a021-417a-8bc1-65c8d471c621" providerId="ADAL" clId="{9268B748-66AA-0742-9E6D-C568D3B99E77}" dt="2021-01-17T03:24:57.364" v="1503" actId="1076"/>
+          <ac:spMkLst>
+            <pc:docMk/>
+            <pc:sldMk cId="3175113722" sldId="307"/>
+            <ac:spMk id="20482" creationId="{4647B3F9-8A8F-FB4E-A9A1-ADAC1CD1217D}"/>
+          </ac:spMkLst>
+        </pc:spChg>
+        <pc:picChg chg="mod">
+          <ac:chgData name="Long B Nguyen" userId="f59fb8f3-a021-417a-8bc1-65c8d471c621" providerId="ADAL" clId="{9268B748-66AA-0742-9E6D-C568D3B99E77}" dt="2021-01-17T03:25:00.065" v="1504" actId="1076"/>
+          <ac:picMkLst>
+            <pc:docMk/>
+            <pc:sldMk cId="3175113722" sldId="307"/>
+            <ac:picMk id="16386" creationId="{40FC02DB-B26D-5A4E-BBEE-D925F4751876}"/>
+          </ac:picMkLst>
+        </pc:picChg>
+      </pc:sldChg>
+      <pc:sldChg chg="add">
+        <pc:chgData name="Long B Nguyen" userId="f59fb8f3-a021-417a-8bc1-65c8d471c621" providerId="ADAL" clId="{9268B748-66AA-0742-9E6D-C568D3B99E77}" dt="2021-01-28T13:03:32.143" v="4649"/>
+        <pc:sldMkLst>
+          <pc:docMk/>
+          <pc:sldMk cId="2659683092" sldId="308"/>
+        </pc:sldMkLst>
+      </pc:sldChg>
+      <pc:sldChg chg="modSp del mod">
+        <pc:chgData name="Long B Nguyen" userId="f59fb8f3-a021-417a-8bc1-65c8d471c621" providerId="ADAL" clId="{9268B748-66AA-0742-9E6D-C568D3B99E77}" dt="2021-01-28T13:03:20.422" v="4646" actId="2696"/>
+        <pc:sldMkLst>
+          <pc:docMk/>
+          <pc:sldMk cId="3855133670" sldId="308"/>
+        </pc:sldMkLst>
+        <pc:spChg chg="mod">
+          <ac:chgData name="Long B Nguyen" userId="f59fb8f3-a021-417a-8bc1-65c8d471c621" providerId="ADAL" clId="{9268B748-66AA-0742-9E6D-C568D3B99E77}" dt="2021-01-17T03:22:53.478" v="1430" actId="1076"/>
+          <ac:spMkLst>
+            <pc:docMk/>
+            <pc:sldMk cId="3855133670" sldId="308"/>
+            <ac:spMk id="20482" creationId="{F898970B-EA4B-5447-9CCD-BBB77899EA16}"/>
+          </ac:spMkLst>
+        </pc:spChg>
+        <pc:spChg chg="mod">
+          <ac:chgData name="Long B Nguyen" userId="f59fb8f3-a021-417a-8bc1-65c8d471c621" providerId="ADAL" clId="{9268B748-66AA-0742-9E6D-C568D3B99E77}" dt="2021-01-17T03:23:06.913" v="1435" actId="5793"/>
+          <ac:spMkLst>
+            <pc:docMk/>
+            <pc:sldMk cId="3855133670" sldId="308"/>
+            <ac:spMk id="20483" creationId="{A40AA280-3F94-D04A-88FB-96305DC268ED}"/>
+          </ac:spMkLst>
+        </pc:spChg>
+        <pc:picChg chg="mod">
+          <ac:chgData name="Long B Nguyen" userId="f59fb8f3-a021-417a-8bc1-65c8d471c621" providerId="ADAL" clId="{9268B748-66AA-0742-9E6D-C568D3B99E77}" dt="2021-01-17T03:22:57.913" v="1432" actId="1076"/>
+          <ac:picMkLst>
+            <pc:docMk/>
+            <pc:sldMk cId="3855133670" sldId="308"/>
+            <ac:picMk id="12291" creationId="{0A0C49C3-2913-EA43-8FE1-344434D9B958}"/>
+          </ac:picMkLst>
+        </pc:picChg>
+      </pc:sldChg>
+      <pc:sldChg chg="modSp del mod">
+        <pc:chgData name="Long B Nguyen" userId="f59fb8f3-a021-417a-8bc1-65c8d471c621" providerId="ADAL" clId="{9268B748-66AA-0742-9E6D-C568D3B99E77}" dt="2021-01-17T03:23:48.136" v="1445" actId="2696"/>
+        <pc:sldMkLst>
+          <pc:docMk/>
+          <pc:sldMk cId="3585856351" sldId="309"/>
+        </pc:sldMkLst>
+        <pc:spChg chg="mod">
+          <ac:chgData name="Long B Nguyen" userId="f59fb8f3-a021-417a-8bc1-65c8d471c621" providerId="ADAL" clId="{9268B748-66AA-0742-9E6D-C568D3B99E77}" dt="2021-01-17T03:23:30.639" v="1442" actId="1076"/>
+          <ac:spMkLst>
+            <pc:docMk/>
+            <pc:sldMk cId="3585856351" sldId="309"/>
+            <ac:spMk id="20482" creationId="{AA23FAD0-C454-854B-B4AF-02039D831D3A}"/>
+          </ac:spMkLst>
+        </pc:spChg>
+        <pc:spChg chg="mod">
+          <ac:chgData name="Long B Nguyen" userId="f59fb8f3-a021-417a-8bc1-65c8d471c621" providerId="ADAL" clId="{9268B748-66AA-0742-9E6D-C568D3B99E77}" dt="2021-01-17T03:23:35.152" v="1444" actId="14100"/>
+          <ac:spMkLst>
+            <pc:docMk/>
+            <pc:sldMk cId="3585856351" sldId="309"/>
+            <ac:spMk id="20483" creationId="{27143176-3E06-A54E-BA44-BA6A967C6460}"/>
+          </ac:spMkLst>
+        </pc:spChg>
+      </pc:sldChg>
+      <pc:sldChg chg="del">
+        <pc:chgData name="Long B Nguyen" userId="f59fb8f3-a021-417a-8bc1-65c8d471c621" providerId="ADAL" clId="{9268B748-66AA-0742-9E6D-C568D3B99E77}" dt="2021-01-17T03:25:19.644" v="1505" actId="2696"/>
+        <pc:sldMkLst>
+          <pc:docMk/>
+          <pc:sldMk cId="3276587347" sldId="310"/>
+        </pc:sldMkLst>
+      </pc:sldChg>
+      <pc:sldChg chg="modSp del mod modAnim">
+        <pc:chgData name="Long B Nguyen" userId="f59fb8f3-a021-417a-8bc1-65c8d471c621" providerId="ADAL" clId="{9268B748-66AA-0742-9E6D-C568D3B99E77}" dt="2021-01-28T13:03:20.465" v="4648" actId="2696"/>
+        <pc:sldMkLst>
+          <pc:docMk/>
+          <pc:sldMk cId="863905040" sldId="312"/>
+        </pc:sldMkLst>
+        <pc:spChg chg="mod">
+          <ac:chgData name="Long B Nguyen" userId="f59fb8f3-a021-417a-8bc1-65c8d471c621" providerId="ADAL" clId="{9268B748-66AA-0742-9E6D-C568D3B99E77}" dt="2021-01-28T13:00:32.343" v="4640" actId="14100"/>
+          <ac:spMkLst>
+            <pc:docMk/>
+            <pc:sldMk cId="863905040" sldId="312"/>
+            <ac:spMk id="20482" creationId="{73D160BB-46FA-B540-AB72-FF988D3E48D4}"/>
+          </ac:spMkLst>
+        </pc:spChg>
+        <pc:spChg chg="mod">
+          <ac:chgData name="Long B Nguyen" userId="f59fb8f3-a021-417a-8bc1-65c8d471c621" providerId="ADAL" clId="{9268B748-66AA-0742-9E6D-C568D3B99E77}" dt="2021-01-17T03:51:41.194" v="2584" actId="20577"/>
+          <ac:spMkLst>
+            <pc:docMk/>
+            <pc:sldMk cId="863905040" sldId="312"/>
+            <ac:spMk id="20483" creationId="{1BDDF6AF-7FBC-3849-B4A5-9D30ED403E3D}"/>
+          </ac:spMkLst>
+        </pc:spChg>
+      </pc:sldChg>
+      <pc:sldChg chg="add">
+        <pc:chgData name="Long B Nguyen" userId="f59fb8f3-a021-417a-8bc1-65c8d471c621" providerId="ADAL" clId="{9268B748-66AA-0742-9E6D-C568D3B99E77}" dt="2021-01-28T13:03:32.143" v="4649"/>
+        <pc:sldMkLst>
+          <pc:docMk/>
+          <pc:sldMk cId="3170541048" sldId="312"/>
+        </pc:sldMkLst>
+      </pc:sldChg>
+      <pc:sldChg chg="add">
+        <pc:chgData name="Long B Nguyen" userId="f59fb8f3-a021-417a-8bc1-65c8d471c621" providerId="ADAL" clId="{9268B748-66AA-0742-9E6D-C568D3B99E77}" dt="2021-01-28T13:03:32.143" v="4649"/>
+        <pc:sldMkLst>
+          <pc:docMk/>
+          <pc:sldMk cId="1518376867" sldId="313"/>
+        </pc:sldMkLst>
+      </pc:sldChg>
+      <pc:sldChg chg="modSp del mod modAnim">
+        <pc:chgData name="Long B Nguyen" userId="f59fb8f3-a021-417a-8bc1-65c8d471c621" providerId="ADAL" clId="{9268B748-66AA-0742-9E6D-C568D3B99E77}" dt="2021-01-28T13:03:20.443" v="4647" actId="2696"/>
+        <pc:sldMkLst>
+          <pc:docMk/>
+          <pc:sldMk cId="1871198671" sldId="313"/>
+        </pc:sldMkLst>
+        <pc:spChg chg="mod">
+          <ac:chgData name="Long B Nguyen" userId="f59fb8f3-a021-417a-8bc1-65c8d471c621" providerId="ADAL" clId="{9268B748-66AA-0742-9E6D-C568D3B99E77}" dt="2021-01-17T03:23:13.697" v="1436" actId="1076"/>
+          <ac:spMkLst>
+            <pc:docMk/>
+            <pc:sldMk cId="1871198671" sldId="313"/>
+            <ac:spMk id="20482" creationId="{0957306F-67E2-854F-B7E0-9A252AADF108}"/>
+          </ac:spMkLst>
+        </pc:spChg>
+        <pc:spChg chg="mod">
+          <ac:chgData name="Long B Nguyen" userId="f59fb8f3-a021-417a-8bc1-65c8d471c621" providerId="ADAL" clId="{9268B748-66AA-0742-9E6D-C568D3B99E77}" dt="2021-01-17T03:25:54.451" v="1510" actId="255"/>
+          <ac:spMkLst>
+            <pc:docMk/>
+            <pc:sldMk cId="1871198671" sldId="313"/>
+            <ac:spMk id="20483" creationId="{1F200ABD-6024-F048-94BB-113C30B1C4E9}"/>
+          </ac:spMkLst>
+        </pc:spChg>
+        <pc:picChg chg="mod">
+          <ac:chgData name="Long B Nguyen" userId="f59fb8f3-a021-417a-8bc1-65c8d471c621" providerId="ADAL" clId="{9268B748-66AA-0742-9E6D-C568D3B99E77}" dt="2021-01-17T03:23:18.486" v="1438" actId="1076"/>
+          <ac:picMkLst>
+            <pc:docMk/>
+            <pc:sldMk cId="1871198671" sldId="313"/>
+            <ac:picMk id="13315" creationId="{C0A2BC84-069B-3C4A-9CD8-B1A6968692D7}"/>
+          </ac:picMkLst>
+        </pc:picChg>
+      </pc:sldChg>
+      <pc:sldChg chg="del">
+        <pc:chgData name="Long B Nguyen" userId="f59fb8f3-a021-417a-8bc1-65c8d471c621" providerId="ADAL" clId="{9268B748-66AA-0742-9E6D-C568D3B99E77}" dt="2021-01-17T03:01:07.210" v="105" actId="2696"/>
+        <pc:sldMkLst>
+          <pc:docMk/>
+          <pc:sldMk cId="1880090826" sldId="316"/>
+        </pc:sldMkLst>
+      </pc:sldChg>
+      <pc:sldChg chg="del">
+        <pc:chgData name="Long B Nguyen" userId="f59fb8f3-a021-417a-8bc1-65c8d471c621" providerId="ADAL" clId="{9268B748-66AA-0742-9E6D-C568D3B99E77}" dt="2021-01-17T03:25:41.438" v="1508" actId="2696"/>
+        <pc:sldMkLst>
+          <pc:docMk/>
+          <pc:sldMk cId="518539467" sldId="317"/>
+        </pc:sldMkLst>
+      </pc:sldChg>
+      <pc:sldChg chg="del">
+        <pc:chgData name="Long B Nguyen" userId="f59fb8f3-a021-417a-8bc1-65c8d471c621" providerId="ADAL" clId="{9268B748-66AA-0742-9E6D-C568D3B99E77}" dt="2021-01-17T03:25:41.438" v="1508" actId="2696"/>
+        <pc:sldMkLst>
+          <pc:docMk/>
+          <pc:sldMk cId="2878693247" sldId="318"/>
+        </pc:sldMkLst>
+      </pc:sldChg>
+      <pc:sldChg chg="del">
+        <pc:chgData name="Long B Nguyen" userId="f59fb8f3-a021-417a-8bc1-65c8d471c621" providerId="ADAL" clId="{9268B748-66AA-0742-9E6D-C568D3B99E77}" dt="2021-01-17T03:25:41.438" v="1508" actId="2696"/>
+        <pc:sldMkLst>
+          <pc:docMk/>
+          <pc:sldMk cId="3014449171" sldId="319"/>
+        </pc:sldMkLst>
+      </pc:sldChg>
+      <pc:sldChg chg="modSp del mod">
+        <pc:chgData name="Long B Nguyen" userId="f59fb8f3-a021-417a-8bc1-65c8d471c621" providerId="ADAL" clId="{9268B748-66AA-0742-9E6D-C568D3B99E77}" dt="2021-01-17T03:27:23.279" v="1534" actId="2696"/>
+        <pc:sldMkLst>
+          <pc:docMk/>
+          <pc:sldMk cId="1925491708" sldId="322"/>
+        </pc:sldMkLst>
+        <pc:spChg chg="mod">
+          <ac:chgData name="Long B Nguyen" userId="f59fb8f3-a021-417a-8bc1-65c8d471c621" providerId="ADAL" clId="{9268B748-66AA-0742-9E6D-C568D3B99E77}" dt="2021-01-17T03:27:20.764" v="1533" actId="1076"/>
+          <ac:spMkLst>
+            <pc:docMk/>
+            <pc:sldMk cId="1925491708" sldId="322"/>
+            <ac:spMk id="20482" creationId="{CDA31265-BEED-1E44-AEB8-A0EC7AA2E02B}"/>
+          </ac:spMkLst>
+        </pc:spChg>
+      </pc:sldChg>
+      <pc:sldChg chg="del">
+        <pc:chgData name="Long B Nguyen" userId="f59fb8f3-a021-417a-8bc1-65c8d471c621" providerId="ADAL" clId="{9268B748-66AA-0742-9E6D-C568D3B99E77}" dt="2021-01-17T03:27:27.442" v="1536" actId="2696"/>
+        <pc:sldMkLst>
+          <pc:docMk/>
+          <pc:sldMk cId="856464997" sldId="323"/>
+        </pc:sldMkLst>
+      </pc:sldChg>
+      <pc:sldChg chg="modSp add del mod modAnim">
+        <pc:chgData name="Long B Nguyen" userId="f59fb8f3-a021-417a-8bc1-65c8d471c621" providerId="ADAL" clId="{9268B748-66AA-0742-9E6D-C568D3B99E77}" dt="2021-02-01T03:02:14.847" v="6027" actId="2696"/>
+        <pc:sldMkLst>
+          <pc:docMk/>
+          <pc:sldMk cId="1587565841" sldId="325"/>
+        </pc:sldMkLst>
+        <pc:spChg chg="mod">
+          <ac:chgData name="Long B Nguyen" userId="f59fb8f3-a021-417a-8bc1-65c8d471c621" providerId="ADAL" clId="{9268B748-66AA-0742-9E6D-C568D3B99E77}" dt="2021-01-17T05:28:58.517" v="2760" actId="20577"/>
+          <ac:spMkLst>
+            <pc:docMk/>
+            <pc:sldMk cId="1587565841" sldId="325"/>
+            <ac:spMk id="22529" creationId="{8FC9BF54-BC5C-D541-BCD1-D99DA9E7A890}"/>
+          </ac:spMkLst>
+        </pc:spChg>
+        <pc:spChg chg="mod">
+          <ac:chgData name="Long B Nguyen" userId="f59fb8f3-a021-417a-8bc1-65c8d471c621" providerId="ADAL" clId="{9268B748-66AA-0742-9E6D-C568D3B99E77}" dt="2021-01-17T05:36:14.742" v="2977" actId="2711"/>
+          <ac:spMkLst>
+            <pc:docMk/>
+            <pc:sldMk cId="1587565841" sldId="325"/>
+            <ac:spMk id="62467" creationId="{1D575D20-594C-2945-B2F4-512D3B748F19}"/>
+          </ac:spMkLst>
+        </pc:spChg>
+      </pc:sldChg>
+      <pc:sldChg chg="modSp del mod">
+        <pc:chgData name="Long B Nguyen" userId="f59fb8f3-a021-417a-8bc1-65c8d471c621" providerId="ADAL" clId="{9268B748-66AA-0742-9E6D-C568D3B99E77}" dt="2021-01-17T03:26:45.693" v="1522" actId="2696"/>
+        <pc:sldMkLst>
+          <pc:docMk/>
+          <pc:sldMk cId="2537719982" sldId="325"/>
+        </pc:sldMkLst>
+        <pc:spChg chg="mod">
+          <ac:chgData name="Long B Nguyen" userId="f59fb8f3-a021-417a-8bc1-65c8d471c621" providerId="ADAL" clId="{9268B748-66AA-0742-9E6D-C568D3B99E77}" dt="2021-01-17T03:26:22.504" v="1518" actId="1076"/>
+          <ac:spMkLst>
+            <pc:docMk/>
+            <pc:sldMk cId="2537719982" sldId="325"/>
+            <ac:spMk id="22529" creationId="{8FC9BF54-BC5C-D541-BCD1-D99DA9E7A890}"/>
+          </ac:spMkLst>
+        </pc:spChg>
+        <pc:spChg chg="mod">
+          <ac:chgData name="Long B Nguyen" userId="f59fb8f3-a021-417a-8bc1-65c8d471c621" providerId="ADAL" clId="{9268B748-66AA-0742-9E6D-C568D3B99E77}" dt="2021-01-17T03:26:27.925" v="1520" actId="14100"/>
+          <ac:spMkLst>
+            <pc:docMk/>
+            <pc:sldMk cId="2537719982" sldId="325"/>
+            <ac:spMk id="62467" creationId="{1D575D20-594C-2945-B2F4-512D3B748F19}"/>
+          </ac:spMkLst>
+        </pc:spChg>
+      </pc:sldChg>
+      <pc:sldChg chg="del">
+        <pc:chgData name="Long B Nguyen" userId="f59fb8f3-a021-417a-8bc1-65c8d471c621" providerId="ADAL" clId="{9268B748-66AA-0742-9E6D-C568D3B99E77}" dt="2021-01-17T03:26:34.888" v="1521" actId="2696"/>
+        <pc:sldMkLst>
+          <pc:docMk/>
+          <pc:sldMk cId="73332731" sldId="326"/>
+        </pc:sldMkLst>
+      </pc:sldChg>
+      <pc:sldChg chg="add del">
+        <pc:chgData name="Long B Nguyen" userId="f59fb8f3-a021-417a-8bc1-65c8d471c621" providerId="ADAL" clId="{9268B748-66AA-0742-9E6D-C568D3B99E77}" dt="2021-01-17T05:33:11.872" v="2883" actId="2696"/>
+        <pc:sldMkLst>
+          <pc:docMk/>
+          <pc:sldMk cId="3350220248" sldId="326"/>
+        </pc:sldMkLst>
+      </pc:sldChg>
+      <pc:sldChg chg="modSp add del mod">
+        <pc:chgData name="Long B Nguyen" userId="f59fb8f3-a021-417a-8bc1-65c8d471c621" providerId="ADAL" clId="{9268B748-66AA-0742-9E6D-C568D3B99E77}" dt="2021-02-01T03:02:14.847" v="6027" actId="2696"/>
+        <pc:sldMkLst>
+          <pc:docMk/>
+          <pc:sldMk cId="3477128042" sldId="327"/>
+        </pc:sldMkLst>
+        <pc:spChg chg="mod">
+          <ac:chgData name="Long B Nguyen" userId="f59fb8f3-a021-417a-8bc1-65c8d471c621" providerId="ADAL" clId="{9268B748-66AA-0742-9E6D-C568D3B99E77}" dt="2021-01-17T05:33:17.902" v="2884" actId="1076"/>
+          <ac:spMkLst>
+            <pc:docMk/>
+            <pc:sldMk cId="3477128042" sldId="327"/>
+            <ac:spMk id="26625" creationId="{E8538034-A182-104C-85BB-4372385916AB}"/>
+          </ac:spMkLst>
+        </pc:spChg>
+        <pc:spChg chg="mod">
+          <ac:chgData name="Long B Nguyen" userId="f59fb8f3-a021-417a-8bc1-65c8d471c621" providerId="ADAL" clId="{9268B748-66AA-0742-9E6D-C568D3B99E77}" dt="2021-01-17T05:38:28.997" v="3042" actId="2711"/>
+          <ac:spMkLst>
+            <pc:docMk/>
+            <pc:sldMk cId="3477128042" sldId="327"/>
+            <ac:spMk id="26626" creationId="{4D0361EB-D6AE-704D-8E7B-E027D54EA1C7}"/>
+          </ac:spMkLst>
+        </pc:spChg>
+      </pc:sldChg>
+      <pc:sldChg chg="del">
+        <pc:chgData name="Long B Nguyen" userId="f59fb8f3-a021-417a-8bc1-65c8d471c621" providerId="ADAL" clId="{9268B748-66AA-0742-9E6D-C568D3B99E77}" dt="2021-01-17T03:26:46.916" v="1523" actId="2696"/>
+        <pc:sldMkLst>
+          <pc:docMk/>
+          <pc:sldMk cId="3935762855" sldId="327"/>
+        </pc:sldMkLst>
+      </pc:sldChg>
+      <pc:sldChg chg="del">
+        <pc:chgData name="Long B Nguyen" userId="f59fb8f3-a021-417a-8bc1-65c8d471c621" providerId="ADAL" clId="{9268B748-66AA-0742-9E6D-C568D3B99E77}" dt="2021-01-17T03:27:23.279" v="1534" actId="2696"/>
+        <pc:sldMkLst>
+          <pc:docMk/>
+          <pc:sldMk cId="1369627949" sldId="330"/>
+        </pc:sldMkLst>
+      </pc:sldChg>
+      <pc:sldChg chg="modSp add del">
+        <pc:chgData name="Long B Nguyen" userId="f59fb8f3-a021-417a-8bc1-65c8d471c621" providerId="ADAL" clId="{9268B748-66AA-0742-9E6D-C568D3B99E77}" dt="2021-01-28T03:28:15.357" v="3659" actId="2696"/>
+        <pc:sldMkLst>
+          <pc:docMk/>
+          <pc:sldMk cId="507599542" sldId="339"/>
+        </pc:sldMkLst>
+        <pc:spChg chg="mod">
+          <ac:chgData name="Long B Nguyen" userId="f59fb8f3-a021-417a-8bc1-65c8d471c621" providerId="ADAL" clId="{9268B748-66AA-0742-9E6D-C568D3B99E77}" dt="2021-01-28T03:25:00.913" v="3573" actId="20577"/>
+          <ac:spMkLst>
+            <pc:docMk/>
+            <pc:sldMk cId="507599542" sldId="339"/>
+            <ac:spMk id="9" creationId="{E3B2E017-30B2-884B-A113-B419A2ED51AD}"/>
+          </ac:spMkLst>
+        </pc:spChg>
+      </pc:sldChg>
+      <pc:sldChg chg="modSp add del">
+        <pc:chgData name="Long B Nguyen" userId="f59fb8f3-a021-417a-8bc1-65c8d471c621" providerId="ADAL" clId="{9268B748-66AA-0742-9E6D-C568D3B99E77}" dt="2021-01-28T03:25:23.125" v="3591" actId="2696"/>
+        <pc:sldMkLst>
+          <pc:docMk/>
+          <pc:sldMk cId="156255905" sldId="340"/>
+        </pc:sldMkLst>
+        <pc:spChg chg="mod">
+          <ac:chgData name="Long B Nguyen" userId="f59fb8f3-a021-417a-8bc1-65c8d471c621" providerId="ADAL" clId="{9268B748-66AA-0742-9E6D-C568D3B99E77}" dt="2021-01-28T03:25:19.262" v="3590" actId="20577"/>
+          <ac:spMkLst>
+            <pc:docMk/>
+            <pc:sldMk cId="156255905" sldId="340"/>
+            <ac:spMk id="9" creationId="{E3B2E017-30B2-884B-A113-B419A2ED51AD}"/>
+          </ac:spMkLst>
+        </pc:spChg>
+      </pc:sldChg>
+      <pc:sldChg chg="modSp add">
+        <pc:chgData name="Long B Nguyen" userId="f59fb8f3-a021-417a-8bc1-65c8d471c621" providerId="ADAL" clId="{9268B748-66AA-0742-9E6D-C568D3B99E77}" dt="2021-01-28T04:11:59.089" v="4102" actId="20577"/>
+        <pc:sldMkLst>
+          <pc:docMk/>
+          <pc:sldMk cId="1190543687" sldId="341"/>
+        </pc:sldMkLst>
+        <pc:spChg chg="mod">
+          <ac:chgData name="Long B Nguyen" userId="f59fb8f3-a021-417a-8bc1-65c8d471c621" providerId="ADAL" clId="{9268B748-66AA-0742-9E6D-C568D3B99E77}" dt="2021-01-28T04:11:59.089" v="4102" actId="20577"/>
+          <ac:spMkLst>
+            <pc:docMk/>
+            <pc:sldMk cId="1190543687" sldId="341"/>
+            <ac:spMk id="9" creationId="{E3B2E017-30B2-884B-A113-B419A2ED51AD}"/>
+          </ac:spMkLst>
+        </pc:spChg>
+      </pc:sldChg>
+      <pc:sldChg chg="modSp add del mod modAnim">
+        <pc:chgData name="Long B Nguyen" userId="f59fb8f3-a021-417a-8bc1-65c8d471c621" providerId="ADAL" clId="{9268B748-66AA-0742-9E6D-C568D3B99E77}" dt="2021-01-28T03:54:03.748" v="3913" actId="2696"/>
+        <pc:sldMkLst>
+          <pc:docMk/>
+          <pc:sldMk cId="4136041801" sldId="341"/>
+        </pc:sldMkLst>
+        <pc:spChg chg="mod">
+          <ac:chgData name="Long B Nguyen" userId="f59fb8f3-a021-417a-8bc1-65c8d471c621" providerId="ADAL" clId="{9268B748-66AA-0742-9E6D-C568D3B99E77}" dt="2021-01-28T03:26:36.269" v="3631" actId="1076"/>
+          <ac:spMkLst>
+            <pc:docMk/>
+            <pc:sldMk cId="4136041801" sldId="341"/>
+            <ac:spMk id="2" creationId="{AA3A228F-61D0-D949-A5E7-F83756230BF8}"/>
+          </ac:spMkLst>
+        </pc:spChg>
+        <pc:spChg chg="mod">
+          <ac:chgData name="Long B Nguyen" userId="f59fb8f3-a021-417a-8bc1-65c8d471c621" providerId="ADAL" clId="{9268B748-66AA-0742-9E6D-C568D3B99E77}" dt="2021-01-28T03:27:05.671" v="3655" actId="20577"/>
+          <ac:spMkLst>
+            <pc:docMk/>
+            <pc:sldMk cId="4136041801" sldId="341"/>
+            <ac:spMk id="9" creationId="{E3B2E017-30B2-884B-A113-B419A2ED51AD}"/>
+          </ac:spMkLst>
+        </pc:spChg>
+      </pc:sldChg>
+      <pc:sldChg chg="modSp add del mod">
+        <pc:chgData name="Long B Nguyen" userId="f59fb8f3-a021-417a-8bc1-65c8d471c621" providerId="ADAL" clId="{9268B748-66AA-0742-9E6D-C568D3B99E77}" dt="2021-01-28T03:54:03.718" v="3912" actId="2696"/>
+        <pc:sldMkLst>
+          <pc:docMk/>
+          <pc:sldMk cId="429134499" sldId="342"/>
+        </pc:sldMkLst>
+        <pc:spChg chg="mod">
+          <ac:chgData name="Long B Nguyen" userId="f59fb8f3-a021-417a-8bc1-65c8d471c621" providerId="ADAL" clId="{9268B748-66AA-0742-9E6D-C568D3B99E77}" dt="2021-01-28T03:32:51.432" v="3907" actId="1076"/>
+          <ac:spMkLst>
+            <pc:docMk/>
+            <pc:sldMk cId="429134499" sldId="342"/>
+            <ac:spMk id="2" creationId="{AA3A228F-61D0-D949-A5E7-F83756230BF8}"/>
+          </ac:spMkLst>
+        </pc:spChg>
+        <pc:spChg chg="mod">
+          <ac:chgData name="Long B Nguyen" userId="f59fb8f3-a021-417a-8bc1-65c8d471c621" providerId="ADAL" clId="{9268B748-66AA-0742-9E6D-C568D3B99E77}" dt="2021-01-28T03:33:02.144" v="3910" actId="14100"/>
+          <ac:spMkLst>
+            <pc:docMk/>
+            <pc:sldMk cId="429134499" sldId="342"/>
+            <ac:spMk id="9" creationId="{E3B2E017-30B2-884B-A113-B419A2ED51AD}"/>
+          </ac:spMkLst>
+        </pc:spChg>
+      </pc:sldChg>
+      <pc:sldChg chg="add">
+        <pc:chgData name="Long B Nguyen" userId="f59fb8f3-a021-417a-8bc1-65c8d471c621" providerId="ADAL" clId="{9268B748-66AA-0742-9E6D-C568D3B99E77}" dt="2021-01-28T03:54:16.866" v="3923"/>
+        <pc:sldMkLst>
+          <pc:docMk/>
+          <pc:sldMk cId="1910973475" sldId="342"/>
+        </pc:sldMkLst>
+      </pc:sldChg>
+      <pc:sldChg chg="modSp add del mod">
+        <pc:chgData name="Long B Nguyen" userId="f59fb8f3-a021-417a-8bc1-65c8d471c621" providerId="ADAL" clId="{9268B748-66AA-0742-9E6D-C568D3B99E77}" dt="2021-01-28T03:27:57.525" v="3658" actId="2696"/>
+        <pc:sldMkLst>
+          <pc:docMk/>
+          <pc:sldMk cId="2262442249" sldId="350"/>
+        </pc:sldMkLst>
+        <pc:spChg chg="mod">
+          <ac:chgData name="Long B Nguyen" userId="f59fb8f3-a021-417a-8bc1-65c8d471c621" providerId="ADAL" clId="{9268B748-66AA-0742-9E6D-C568D3B99E77}" dt="2021-01-28T03:19:50.875" v="3407" actId="1076"/>
+          <ac:spMkLst>
+            <pc:docMk/>
+            <pc:sldMk cId="2262442249" sldId="350"/>
+            <ac:spMk id="2" creationId="{AA3A228F-61D0-D949-A5E7-F83756230BF8}"/>
+          </ac:spMkLst>
+        </pc:spChg>
+        <pc:spChg chg="mod">
+          <ac:chgData name="Long B Nguyen" userId="f59fb8f3-a021-417a-8bc1-65c8d471c621" providerId="ADAL" clId="{9268B748-66AA-0742-9E6D-C568D3B99E77}" dt="2021-01-28T03:26:23.670" v="3628" actId="21"/>
+          <ac:spMkLst>
+            <pc:docMk/>
+            <pc:sldMk cId="2262442249" sldId="350"/>
+            <ac:spMk id="9" creationId="{E3B2E017-30B2-884B-A113-B419A2ED51AD}"/>
+          </ac:spMkLst>
+        </pc:spChg>
+      </pc:sldChg>
+      <pc:sldChg chg="addSp delSp modSp add mod">
+        <pc:chgData name="Long B Nguyen" userId="f59fb8f3-a021-417a-8bc1-65c8d471c621" providerId="ADAL" clId="{9268B748-66AA-0742-9E6D-C568D3B99E77}" dt="2021-01-28T03:57:10.326" v="4071" actId="478"/>
+        <pc:sldMkLst>
+          <pc:docMk/>
+          <pc:sldMk cId="528345614" sldId="368"/>
+        </pc:sldMkLst>
+        <pc:spChg chg="add del mod">
+          <ac:chgData name="Long B Nguyen" userId="f59fb8f3-a021-417a-8bc1-65c8d471c621" providerId="ADAL" clId="{9268B748-66AA-0742-9E6D-C568D3B99E77}" dt="2021-01-28T03:57:10.326" v="4071" actId="478"/>
+          <ac:spMkLst>
+            <pc:docMk/>
+            <pc:sldMk cId="528345614" sldId="368"/>
+            <ac:spMk id="6" creationId="{CA05E5DF-0B6A-B24A-BF30-A2BD2298C9CE}"/>
+          </ac:spMkLst>
+        </pc:spChg>
+      </pc:sldChg>
+      <pc:sldChg chg="addSp modSp add del mod">
+        <pc:chgData name="Long B Nguyen" userId="f59fb8f3-a021-417a-8bc1-65c8d471c621" providerId="ADAL" clId="{9268B748-66AA-0742-9E6D-C568D3B99E77}" dt="2021-01-28T03:54:03.774" v="3914" actId="2696"/>
+        <pc:sldMkLst>
+          <pc:docMk/>
+          <pc:sldMk cId="1158998248" sldId="368"/>
+        </pc:sldMkLst>
+        <pc:spChg chg="mod">
+          <ac:chgData name="Long B Nguyen" userId="f59fb8f3-a021-417a-8bc1-65c8d471c621" providerId="ADAL" clId="{9268B748-66AA-0742-9E6D-C568D3B99E77}" dt="2021-01-28T03:11:00.656" v="3218" actId="1076"/>
+          <ac:spMkLst>
+            <pc:docMk/>
+            <pc:sldMk cId="1158998248" sldId="368"/>
+            <ac:spMk id="2" creationId="{AA3A228F-61D0-D949-A5E7-F83756230BF8}"/>
+          </ac:spMkLst>
+        </pc:spChg>
+        <pc:spChg chg="add mod">
+          <ac:chgData name="Long B Nguyen" userId="f59fb8f3-a021-417a-8bc1-65c8d471c621" providerId="ADAL" clId="{9268B748-66AA-0742-9E6D-C568D3B99E77}" dt="2021-01-28T03:30:09.327" v="3852" actId="1076"/>
+          <ac:spMkLst>
+            <pc:docMk/>
+            <pc:sldMk cId="1158998248" sldId="368"/>
+            <ac:spMk id="8" creationId="{3E503B95-E018-FE45-80D5-04FF0D154DAA}"/>
+          </ac:spMkLst>
+        </pc:spChg>
+        <pc:spChg chg="mod">
+          <ac:chgData name="Long B Nguyen" userId="f59fb8f3-a021-417a-8bc1-65c8d471c621" providerId="ADAL" clId="{9268B748-66AA-0742-9E6D-C568D3B99E77}" dt="2021-01-28T03:29:37.070" v="3815" actId="20577"/>
+          <ac:spMkLst>
+            <pc:docMk/>
+            <pc:sldMk cId="1158998248" sldId="368"/>
+            <ac:spMk id="9" creationId="{E3B2E017-30B2-884B-A113-B419A2ED51AD}"/>
+          </ac:spMkLst>
+        </pc:spChg>
+        <pc:spChg chg="add mod">
+          <ac:chgData name="Long B Nguyen" userId="f59fb8f3-a021-417a-8bc1-65c8d471c621" providerId="ADAL" clId="{9268B748-66AA-0742-9E6D-C568D3B99E77}" dt="2021-01-28T03:30:09.327" v="3852" actId="1076"/>
+          <ac:spMkLst>
+            <pc:docMk/>
+            <pc:sldMk cId="1158998248" sldId="368"/>
+            <ac:spMk id="10" creationId="{BE2ECC61-28C5-6B4B-83F0-B151E0573924}"/>
+          </ac:spMkLst>
+        </pc:spChg>
+        <pc:graphicFrameChg chg="mod modGraphic">
+          <ac:chgData name="Long B Nguyen" userId="f59fb8f3-a021-417a-8bc1-65c8d471c621" providerId="ADAL" clId="{9268B748-66AA-0742-9E6D-C568D3B99E77}" dt="2021-01-28T03:29:42.737" v="3816" actId="1076"/>
+          <ac:graphicFrameMkLst>
+            <pc:docMk/>
+            <pc:sldMk cId="1158998248" sldId="368"/>
+            <ac:graphicFrameMk id="4" creationId="{910DE0CC-5FEF-A94D-BF5D-C253E3945850}"/>
+          </ac:graphicFrameMkLst>
+        </pc:graphicFrameChg>
+        <pc:picChg chg="add mod">
+          <ac:chgData name="Long B Nguyen" userId="f59fb8f3-a021-417a-8bc1-65c8d471c621" providerId="ADAL" clId="{9268B748-66AA-0742-9E6D-C568D3B99E77}" dt="2021-01-28T03:29:44.622" v="3817" actId="1076"/>
+          <ac:picMkLst>
+            <pc:docMk/>
+            <pc:sldMk cId="1158998248" sldId="368"/>
+            <ac:picMk id="7" creationId="{0799DC86-A848-1840-A365-96FD89F949C4}"/>
+          </ac:picMkLst>
+        </pc:picChg>
+        <pc:cxnChg chg="add mod">
+          <ac:chgData name="Long B Nguyen" userId="f59fb8f3-a021-417a-8bc1-65c8d471c621" providerId="ADAL" clId="{9268B748-66AA-0742-9E6D-C568D3B99E77}" dt="2021-01-28T03:30:26.134" v="3855" actId="14100"/>
+          <ac:cxnSpMkLst>
+            <pc:docMk/>
+            <pc:sldMk cId="1158998248" sldId="368"/>
+            <ac:cxnSpMk id="11" creationId="{5338EC75-F1A0-C645-8B90-B3F51C319352}"/>
+          </ac:cxnSpMkLst>
+        </pc:cxnChg>
+      </pc:sldChg>
+      <pc:sldChg chg="add del">
+        <pc:chgData name="Long B Nguyen" userId="f59fb8f3-a021-417a-8bc1-65c8d471c621" providerId="ADAL" clId="{9268B748-66AA-0742-9E6D-C568D3B99E77}" dt="2021-01-28T03:14:22.673" v="3280" actId="2696"/>
+        <pc:sldMkLst>
+          <pc:docMk/>
+          <pc:sldMk cId="2919874628" sldId="369"/>
+        </pc:sldMkLst>
+      </pc:sldChg>
+      <pc:sldChg chg="modSp add del mod">
+        <pc:chgData name="Long B Nguyen" userId="f59fb8f3-a021-417a-8bc1-65c8d471c621" providerId="ADAL" clId="{9268B748-66AA-0742-9E6D-C568D3B99E77}" dt="2021-01-28T03:54:03.860" v="3917" actId="2696"/>
+        <pc:sldMkLst>
+          <pc:docMk/>
+          <pc:sldMk cId="534120995" sldId="371"/>
+        </pc:sldMkLst>
+        <pc:spChg chg="mod">
+          <ac:chgData name="Long B Nguyen" userId="f59fb8f3-a021-417a-8bc1-65c8d471c621" providerId="ADAL" clId="{9268B748-66AA-0742-9E6D-C568D3B99E77}" dt="2021-01-28T03:31:28.924" v="3885" actId="20577"/>
+          <ac:spMkLst>
+            <pc:docMk/>
+            <pc:sldMk cId="534120995" sldId="371"/>
+            <ac:spMk id="12" creationId="{D01CDE2F-903C-7F47-856D-C889E3B4FA1B}"/>
+          </ac:spMkLst>
+        </pc:spChg>
+        <pc:graphicFrameChg chg="mod modGraphic">
+          <ac:chgData name="Long B Nguyen" userId="f59fb8f3-a021-417a-8bc1-65c8d471c621" providerId="ADAL" clId="{9268B748-66AA-0742-9E6D-C568D3B99E77}" dt="2021-01-28T03:17:39.736" v="3321" actId="20577"/>
+          <ac:graphicFrameMkLst>
+            <pc:docMk/>
+            <pc:sldMk cId="534120995" sldId="371"/>
+            <ac:graphicFrameMk id="4" creationId="{910DE0CC-5FEF-A94D-BF5D-C253E3945850}"/>
+          </ac:graphicFrameMkLst>
+        </pc:graphicFrameChg>
+        <pc:cxnChg chg="mod">
+          <ac:chgData name="Long B Nguyen" userId="f59fb8f3-a021-417a-8bc1-65c8d471c621" providerId="ADAL" clId="{9268B748-66AA-0742-9E6D-C568D3B99E77}" dt="2021-01-28T03:32:02.426" v="3897" actId="14100"/>
+          <ac:cxnSpMkLst>
+            <pc:docMk/>
+            <pc:sldMk cId="534120995" sldId="371"/>
+            <ac:cxnSpMk id="11" creationId="{AC7375C5-F760-8B40-B965-09A789E2C477}"/>
+          </ac:cxnSpMkLst>
+        </pc:cxnChg>
+      </pc:sldChg>
+      <pc:sldChg chg="add del">
+        <pc:chgData name="Long B Nguyen" userId="f59fb8f3-a021-417a-8bc1-65c8d471c621" providerId="ADAL" clId="{9268B748-66AA-0742-9E6D-C568D3B99E77}" dt="2021-01-28T03:13:33.649" v="3273" actId="2696"/>
+        <pc:sldMkLst>
+          <pc:docMk/>
+          <pc:sldMk cId="1743667928" sldId="371"/>
+        </pc:sldMkLst>
+      </pc:sldChg>
+      <pc:sldChg chg="add">
+        <pc:chgData name="Long B Nguyen" userId="f59fb8f3-a021-417a-8bc1-65c8d471c621" providerId="ADAL" clId="{9268B748-66AA-0742-9E6D-C568D3B99E77}" dt="2021-01-28T03:54:16.866" v="3923"/>
+        <pc:sldMkLst>
+          <pc:docMk/>
+          <pc:sldMk cId="3119869035" sldId="371"/>
+        </pc:sldMkLst>
+      </pc:sldChg>
+      <pc:sldChg chg="modSp add del mod">
+        <pc:chgData name="Long B Nguyen" userId="f59fb8f3-a021-417a-8bc1-65c8d471c621" providerId="ADAL" clId="{9268B748-66AA-0742-9E6D-C568D3B99E77}" dt="2021-01-28T03:54:03.914" v="3919" actId="2696"/>
+        <pc:sldMkLst>
+          <pc:docMk/>
+          <pc:sldMk cId="1280520962" sldId="372"/>
+        </pc:sldMkLst>
+        <pc:spChg chg="mod">
+          <ac:chgData name="Long B Nguyen" userId="f59fb8f3-a021-417a-8bc1-65c8d471c621" providerId="ADAL" clId="{9268B748-66AA-0742-9E6D-C568D3B99E77}" dt="2021-01-28T03:32:14.252" v="3906" actId="20577"/>
+          <ac:spMkLst>
+            <pc:docMk/>
+            <pc:sldMk cId="1280520962" sldId="372"/>
+            <ac:spMk id="14" creationId="{63449E36-9DBB-134E-94FD-16C40C15EBDC}"/>
+          </ac:spMkLst>
+        </pc:spChg>
+        <pc:graphicFrameChg chg="mod modGraphic">
+          <ac:chgData name="Long B Nguyen" userId="f59fb8f3-a021-417a-8bc1-65c8d471c621" providerId="ADAL" clId="{9268B748-66AA-0742-9E6D-C568D3B99E77}" dt="2021-01-28T03:17:48.946" v="3327" actId="20577"/>
+          <ac:graphicFrameMkLst>
+            <pc:docMk/>
+            <pc:sldMk cId="1280520962" sldId="372"/>
+            <ac:graphicFrameMk id="4" creationId="{910DE0CC-5FEF-A94D-BF5D-C253E3945850}"/>
+          </ac:graphicFrameMkLst>
+        </pc:graphicFrameChg>
+        <pc:cxnChg chg="mod">
+          <ac:chgData name="Long B Nguyen" userId="f59fb8f3-a021-417a-8bc1-65c8d471c621" providerId="ADAL" clId="{9268B748-66AA-0742-9E6D-C568D3B99E77}" dt="2021-01-28T03:15:36.368" v="3290" actId="1076"/>
+          <ac:cxnSpMkLst>
+            <pc:docMk/>
+            <pc:sldMk cId="1280520962" sldId="372"/>
+            <ac:cxnSpMk id="13" creationId="{D2556216-41CD-8D42-B4C1-6D4D9ECF9A05}"/>
+          </ac:cxnSpMkLst>
+        </pc:cxnChg>
+      </pc:sldChg>
+      <pc:sldChg chg="add">
+        <pc:chgData name="Long B Nguyen" userId="f59fb8f3-a021-417a-8bc1-65c8d471c621" providerId="ADAL" clId="{9268B748-66AA-0742-9E6D-C568D3B99E77}" dt="2021-01-28T03:54:16.866" v="3923"/>
+        <pc:sldMkLst>
+          <pc:docMk/>
+          <pc:sldMk cId="4121273586" sldId="372"/>
+        </pc:sldMkLst>
+      </pc:sldChg>
+      <pc:sldChg chg="add">
+        <pc:chgData name="Long B Nguyen" userId="f59fb8f3-a021-417a-8bc1-65c8d471c621" providerId="ADAL" clId="{9268B748-66AA-0742-9E6D-C568D3B99E77}" dt="2021-01-28T03:54:16.866" v="3923"/>
+        <pc:sldMkLst>
+          <pc:docMk/>
+          <pc:sldMk cId="3678049184" sldId="373"/>
+        </pc:sldMkLst>
+      </pc:sldChg>
+      <pc:sldChg chg="modSp add del mod">
+        <pc:chgData name="Long B Nguyen" userId="f59fb8f3-a021-417a-8bc1-65c8d471c621" providerId="ADAL" clId="{9268B748-66AA-0742-9E6D-C568D3B99E77}" dt="2021-01-28T03:54:03.802" v="3915" actId="2696"/>
+        <pc:sldMkLst>
+          <pc:docMk/>
+          <pc:sldMk cId="3757013544" sldId="373"/>
+        </pc:sldMkLst>
+        <pc:graphicFrameChg chg="modGraphic">
+          <ac:chgData name="Long B Nguyen" userId="f59fb8f3-a021-417a-8bc1-65c8d471c621" providerId="ADAL" clId="{9268B748-66AA-0742-9E6D-C568D3B99E77}" dt="2021-01-28T03:17:20.973" v="3312" actId="20577"/>
+          <ac:graphicFrameMkLst>
+            <pc:docMk/>
+            <pc:sldMk cId="3757013544" sldId="373"/>
+            <ac:graphicFrameMk id="4" creationId="{910DE0CC-5FEF-A94D-BF5D-C253E3945850}"/>
+          </ac:graphicFrameMkLst>
+        </pc:graphicFrameChg>
+      </pc:sldChg>
+      <pc:sldChg chg="add">
+        <pc:chgData name="Long B Nguyen" userId="f59fb8f3-a021-417a-8bc1-65c8d471c621" providerId="ADAL" clId="{9268B748-66AA-0742-9E6D-C568D3B99E77}" dt="2021-01-28T03:54:16.866" v="3923"/>
+        <pc:sldMkLst>
+          <pc:docMk/>
+          <pc:sldMk cId="744554462" sldId="374"/>
+        </pc:sldMkLst>
+      </pc:sldChg>
+      <pc:sldChg chg="modSp add del mod">
+        <pc:chgData name="Long B Nguyen" userId="f59fb8f3-a021-417a-8bc1-65c8d471c621" providerId="ADAL" clId="{9268B748-66AA-0742-9E6D-C568D3B99E77}" dt="2021-01-28T03:54:03.968" v="3921" actId="2696"/>
+        <pc:sldMkLst>
+          <pc:docMk/>
+          <pc:sldMk cId="3840148047" sldId="374"/>
+        </pc:sldMkLst>
+        <pc:spChg chg="mod">
+          <ac:chgData name="Long B Nguyen" userId="f59fb8f3-a021-417a-8bc1-65c8d471c621" providerId="ADAL" clId="{9268B748-66AA-0742-9E6D-C568D3B99E77}" dt="2021-01-28T03:16:10.910" v="3304" actId="20577"/>
+          <ac:spMkLst>
+            <pc:docMk/>
+            <pc:sldMk cId="3840148047" sldId="374"/>
+            <ac:spMk id="10" creationId="{AA046367-C12B-9C4B-9484-F091A593B175}"/>
+          </ac:spMkLst>
+        </pc:spChg>
+        <pc:graphicFrameChg chg="mod modGraphic">
+          <ac:chgData name="Long B Nguyen" userId="f59fb8f3-a021-417a-8bc1-65c8d471c621" providerId="ADAL" clId="{9268B748-66AA-0742-9E6D-C568D3B99E77}" dt="2021-01-28T03:17:53.293" v="3330" actId="20577"/>
+          <ac:graphicFrameMkLst>
+            <pc:docMk/>
+            <pc:sldMk cId="3840148047" sldId="374"/>
+            <ac:graphicFrameMk id="4" creationId="{910DE0CC-5FEF-A94D-BF5D-C253E3945850}"/>
+          </ac:graphicFrameMkLst>
+        </pc:graphicFrameChg>
+        <pc:cxnChg chg="mod">
+          <ac:chgData name="Long B Nguyen" userId="f59fb8f3-a021-417a-8bc1-65c8d471c621" providerId="ADAL" clId="{9268B748-66AA-0742-9E6D-C568D3B99E77}" dt="2021-01-28T03:18:42.224" v="3334" actId="14100"/>
+          <ac:cxnSpMkLst>
+            <pc:docMk/>
+            <pc:sldMk cId="3840148047" sldId="374"/>
+            <ac:cxnSpMk id="13" creationId="{D2556216-41CD-8D42-B4C1-6D4D9ECF9A05}"/>
+          </ac:cxnSpMkLst>
+        </pc:cxnChg>
+      </pc:sldChg>
+      <pc:sldChg chg="add">
+        <pc:chgData name="Long B Nguyen" userId="f59fb8f3-a021-417a-8bc1-65c8d471c621" providerId="ADAL" clId="{9268B748-66AA-0742-9E6D-C568D3B99E77}" dt="2021-01-28T03:54:16.866" v="3923"/>
+        <pc:sldMkLst>
+          <pc:docMk/>
+          <pc:sldMk cId="1389296992" sldId="375"/>
+        </pc:sldMkLst>
+      </pc:sldChg>
+      <pc:sldChg chg="modSp add del mod">
+        <pc:chgData name="Long B Nguyen" userId="f59fb8f3-a021-417a-8bc1-65c8d471c621" providerId="ADAL" clId="{9268B748-66AA-0742-9E6D-C568D3B99E77}" dt="2021-01-28T03:54:03.987" v="3922" actId="2696"/>
+        <pc:sldMkLst>
+          <pc:docMk/>
+          <pc:sldMk cId="2304065647" sldId="375"/>
+        </pc:sldMkLst>
+        <pc:spChg chg="mod">
+          <ac:chgData name="Long B Nguyen" userId="f59fb8f3-a021-417a-8bc1-65c8d471c621" providerId="ADAL" clId="{9268B748-66AA-0742-9E6D-C568D3B99E77}" dt="2021-01-28T03:16:38.194" v="3305" actId="20577"/>
+          <ac:spMkLst>
+            <pc:docMk/>
+            <pc:sldMk cId="2304065647" sldId="375"/>
+            <ac:spMk id="11" creationId="{D4310815-845D-E54A-A272-6DAA89CB5B1C}"/>
+          </ac:spMkLst>
+        </pc:spChg>
+        <pc:graphicFrameChg chg="mod modGraphic">
+          <ac:chgData name="Long B Nguyen" userId="f59fb8f3-a021-417a-8bc1-65c8d471c621" providerId="ADAL" clId="{9268B748-66AA-0742-9E6D-C568D3B99E77}" dt="2021-01-28T03:17:58.355" v="3333" actId="20577"/>
+          <ac:graphicFrameMkLst>
+            <pc:docMk/>
+            <pc:sldMk cId="2304065647" sldId="375"/>
+            <ac:graphicFrameMk id="4" creationId="{910DE0CC-5FEF-A94D-BF5D-C253E3945850}"/>
+          </ac:graphicFrameMkLst>
+        </pc:graphicFrameChg>
+      </pc:sldChg>
+      <pc:sldChg chg="modSp add del mod">
+        <pc:chgData name="Long B Nguyen" userId="f59fb8f3-a021-417a-8bc1-65c8d471c621" providerId="ADAL" clId="{9268B748-66AA-0742-9E6D-C568D3B99E77}" dt="2021-01-28T03:15:09.808" v="3286" actId="2696"/>
+        <pc:sldMkLst>
+          <pc:docMk/>
+          <pc:sldMk cId="536933755" sldId="383"/>
+        </pc:sldMkLst>
+        <pc:graphicFrameChg chg="mod modGraphic">
+          <ac:chgData name="Long B Nguyen" userId="f59fb8f3-a021-417a-8bc1-65c8d471c621" providerId="ADAL" clId="{9268B748-66AA-0742-9E6D-C568D3B99E77}" dt="2021-01-28T03:14:47.258" v="3284" actId="14734"/>
+          <ac:graphicFrameMkLst>
+            <pc:docMk/>
+            <pc:sldMk cId="536933755" sldId="383"/>
+            <ac:graphicFrameMk id="4" creationId="{910DE0CC-5FEF-A94D-BF5D-C253E3945850}"/>
+          </ac:graphicFrameMkLst>
+        </pc:graphicFrameChg>
+        <pc:cxnChg chg="mod">
+          <ac:chgData name="Long B Nguyen" userId="f59fb8f3-a021-417a-8bc1-65c8d471c621" providerId="ADAL" clId="{9268B748-66AA-0742-9E6D-C568D3B99E77}" dt="2021-01-28T03:13:25.976" v="3272" actId="1076"/>
+          <ac:cxnSpMkLst>
+            <pc:docMk/>
+            <pc:sldMk cId="536933755" sldId="383"/>
+            <ac:cxnSpMk id="8" creationId="{A7347EC2-A2A0-0E43-A49A-A85D314519D0}"/>
+          </ac:cxnSpMkLst>
+        </pc:cxnChg>
+      </pc:sldChg>
+      <pc:sldChg chg="modSp add del mod">
+        <pc:chgData name="Long B Nguyen" userId="f59fb8f3-a021-417a-8bc1-65c8d471c621" providerId="ADAL" clId="{9268B748-66AA-0742-9E6D-C568D3B99E77}" dt="2021-01-28T03:54:03.833" v="3916" actId="2696"/>
+        <pc:sldMkLst>
+          <pc:docMk/>
+          <pc:sldMk cId="1573053566" sldId="383"/>
+        </pc:sldMkLst>
+        <pc:spChg chg="mod">
+          <ac:chgData name="Long B Nguyen" userId="f59fb8f3-a021-417a-8bc1-65c8d471c621" providerId="ADAL" clId="{9268B748-66AA-0742-9E6D-C568D3B99E77}" dt="2021-01-28T03:30:49.815" v="3856" actId="20577"/>
+          <ac:spMkLst>
+            <pc:docMk/>
+            <pc:sldMk cId="1573053566" sldId="383"/>
+            <ac:spMk id="7" creationId="{75F48114-9280-694B-AC75-C6668A84DF44}"/>
+          </ac:spMkLst>
+        </pc:spChg>
+        <pc:graphicFrameChg chg="mod modGraphic">
+          <ac:chgData name="Long B Nguyen" userId="f59fb8f3-a021-417a-8bc1-65c8d471c621" providerId="ADAL" clId="{9268B748-66AA-0742-9E6D-C568D3B99E77}" dt="2021-01-28T03:17:35.503" v="3318" actId="20577"/>
+          <ac:graphicFrameMkLst>
+            <pc:docMk/>
+            <pc:sldMk cId="1573053566" sldId="383"/>
+            <ac:graphicFrameMk id="4" creationId="{910DE0CC-5FEF-A94D-BF5D-C253E3945850}"/>
+          </ac:graphicFrameMkLst>
+        </pc:graphicFrameChg>
+      </pc:sldChg>
+      <pc:sldChg chg="add">
+        <pc:chgData name="Long B Nguyen" userId="f59fb8f3-a021-417a-8bc1-65c8d471c621" providerId="ADAL" clId="{9268B748-66AA-0742-9E6D-C568D3B99E77}" dt="2021-01-28T03:54:16.866" v="3923"/>
+        <pc:sldMkLst>
+          <pc:docMk/>
+          <pc:sldMk cId="2424282737" sldId="383"/>
+        </pc:sldMkLst>
+      </pc:sldChg>
+      <pc:sldChg chg="modSp add del mod">
+        <pc:chgData name="Long B Nguyen" userId="f59fb8f3-a021-417a-8bc1-65c8d471c621" providerId="ADAL" clId="{9268B748-66AA-0742-9E6D-C568D3B99E77}" dt="2021-01-28T03:54:03.886" v="3918" actId="2696"/>
+        <pc:sldMkLst>
+          <pc:docMk/>
+          <pc:sldMk cId="1039746147" sldId="385"/>
+        </pc:sldMkLst>
+        <pc:spChg chg="mod">
+          <ac:chgData name="Long B Nguyen" userId="f59fb8f3-a021-417a-8bc1-65c8d471c621" providerId="ADAL" clId="{9268B748-66AA-0742-9E6D-C568D3B99E77}" dt="2021-01-28T03:31:42.555" v="3896" actId="20577"/>
+          <ac:spMkLst>
+            <pc:docMk/>
+            <pc:sldMk cId="1039746147" sldId="385"/>
+            <ac:spMk id="14" creationId="{63449E36-9DBB-134E-94FD-16C40C15EBDC}"/>
+          </ac:spMkLst>
+        </pc:spChg>
+        <pc:graphicFrameChg chg="mod modGraphic">
+          <ac:chgData name="Long B Nguyen" userId="f59fb8f3-a021-417a-8bc1-65c8d471c621" providerId="ADAL" clId="{9268B748-66AA-0742-9E6D-C568D3B99E77}" dt="2021-01-28T03:17:44.271" v="3324" actId="20577"/>
+          <ac:graphicFrameMkLst>
+            <pc:docMk/>
+            <pc:sldMk cId="1039746147" sldId="385"/>
+            <ac:graphicFrameMk id="4" creationId="{910DE0CC-5FEF-A94D-BF5D-C253E3945850}"/>
+          </ac:graphicFrameMkLst>
+        </pc:graphicFrameChg>
+        <pc:cxnChg chg="mod">
+          <ac:chgData name="Long B Nguyen" userId="f59fb8f3-a021-417a-8bc1-65c8d471c621" providerId="ADAL" clId="{9268B748-66AA-0742-9E6D-C568D3B99E77}" dt="2021-01-28T03:14:35.755" v="3282" actId="1076"/>
+          <ac:cxnSpMkLst>
+            <pc:docMk/>
+            <pc:sldMk cId="1039746147" sldId="385"/>
+            <ac:cxnSpMk id="13" creationId="{D2556216-41CD-8D42-B4C1-6D4D9ECF9A05}"/>
+          </ac:cxnSpMkLst>
+        </pc:cxnChg>
+      </pc:sldChg>
+      <pc:sldChg chg="add">
+        <pc:chgData name="Long B Nguyen" userId="f59fb8f3-a021-417a-8bc1-65c8d471c621" providerId="ADAL" clId="{9268B748-66AA-0742-9E6D-C568D3B99E77}" dt="2021-01-28T03:54:16.866" v="3923"/>
+        <pc:sldMkLst>
+          <pc:docMk/>
+          <pc:sldMk cId="3949056306" sldId="385"/>
+        </pc:sldMkLst>
+      </pc:sldChg>
+      <pc:sldChg chg="modSp add mod modNotesTx">
+        <pc:chgData name="Long B Nguyen" userId="f59fb8f3-a021-417a-8bc1-65c8d471c621" providerId="ADAL" clId="{9268B748-66AA-0742-9E6D-C568D3B99E77}" dt="2021-01-17T03:52:20.756" v="2588" actId="20577"/>
+        <pc:sldMkLst>
+          <pc:docMk/>
+          <pc:sldMk cId="3182006449" sldId="424"/>
+        </pc:sldMkLst>
+        <pc:spChg chg="mod">
+          <ac:chgData name="Long B Nguyen" userId="f59fb8f3-a021-417a-8bc1-65c8d471c621" providerId="ADAL" clId="{9268B748-66AA-0742-9E6D-C568D3B99E77}" dt="2021-01-17T03:52:20.756" v="2588" actId="20577"/>
+          <ac:spMkLst>
+            <pc:docMk/>
+            <pc:sldMk cId="3182006449" sldId="424"/>
+            <ac:spMk id="30722" creationId="{C70E3A34-0037-734F-81D6-0339361ED841}"/>
+          </ac:spMkLst>
+        </pc:spChg>
+      </pc:sldChg>
+      <pc:sldChg chg="modSp del mod">
+        <pc:chgData name="Long B Nguyen" userId="f59fb8f3-a021-417a-8bc1-65c8d471c621" providerId="ADAL" clId="{9268B748-66AA-0742-9E6D-C568D3B99E77}" dt="2021-01-17T03:47:03.261" v="2400" actId="2696"/>
+        <pc:sldMkLst>
+          <pc:docMk/>
+          <pc:sldMk cId="3212712238" sldId="424"/>
+        </pc:sldMkLst>
+        <pc:spChg chg="mod">
+          <ac:chgData name="Long B Nguyen" userId="f59fb8f3-a021-417a-8bc1-65c8d471c621" providerId="ADAL" clId="{9268B748-66AA-0742-9E6D-C568D3B99E77}" dt="2021-01-17T03:26:57.150" v="1526" actId="1076"/>
+          <ac:spMkLst>
+            <pc:docMk/>
+            <pc:sldMk cId="3212712238" sldId="424"/>
+            <ac:spMk id="30721" creationId="{378752EF-A47C-2F42-B800-CF9B206624FE}"/>
+          </ac:spMkLst>
+        </pc:spChg>
+        <pc:spChg chg="mod">
+          <ac:chgData name="Long B Nguyen" userId="f59fb8f3-a021-417a-8bc1-65c8d471c621" providerId="ADAL" clId="{9268B748-66AA-0742-9E6D-C568D3B99E77}" dt="2021-01-17T03:27:02.729" v="1528" actId="14100"/>
+          <ac:spMkLst>
+            <pc:docMk/>
+            <pc:sldMk cId="3212712238" sldId="424"/>
+            <ac:spMk id="30722" creationId="{C70E3A34-0037-734F-81D6-0339361ED841}"/>
+          </ac:spMkLst>
+        </pc:spChg>
+      </pc:sldChg>
+      <pc:sldChg chg="del">
+        <pc:chgData name="Long B Nguyen" userId="f59fb8f3-a021-417a-8bc1-65c8d471c621" providerId="ADAL" clId="{9268B748-66AA-0742-9E6D-C568D3B99E77}" dt="2021-01-17T03:01:28.638" v="107" actId="2696"/>
+        <pc:sldMkLst>
+          <pc:docMk/>
+          <pc:sldMk cId="2744089513" sldId="425"/>
+        </pc:sldMkLst>
+      </pc:sldChg>
+      <pc:sldChg chg="del">
+        <pc:chgData name="Long B Nguyen" userId="f59fb8f3-a021-417a-8bc1-65c8d471c621" providerId="ADAL" clId="{9268B748-66AA-0742-9E6D-C568D3B99E77}" dt="2021-01-17T03:27:29.797" v="1537" actId="2696"/>
+        <pc:sldMkLst>
+          <pc:docMk/>
+          <pc:sldMk cId="3169230028" sldId="426"/>
+        </pc:sldMkLst>
+      </pc:sldChg>
+      <pc:sldChg chg="modSp mod">
+        <pc:chgData name="Long B Nguyen" userId="f59fb8f3-a021-417a-8bc1-65c8d471c621" providerId="ADAL" clId="{9268B748-66AA-0742-9E6D-C568D3B99E77}" dt="2021-01-17T03:00:25.901" v="15" actId="20577"/>
+        <pc:sldMkLst>
+          <pc:docMk/>
+          <pc:sldMk cId="847347657" sldId="555"/>
+        </pc:sldMkLst>
+        <pc:spChg chg="mod">
+          <ac:chgData name="Long B Nguyen" userId="f59fb8f3-a021-417a-8bc1-65c8d471c621" providerId="ADAL" clId="{9268B748-66AA-0742-9E6D-C568D3B99E77}" dt="2021-01-17T03:00:25.901" v="15" actId="20577"/>
+          <ac:spMkLst>
+            <pc:docMk/>
+            <pc:sldMk cId="847347657" sldId="555"/>
+            <ac:spMk id="3" creationId="{69ADCD5C-363A-6249-B0DD-5A7EF5ACE656}"/>
+          </ac:spMkLst>
+        </pc:spChg>
+      </pc:sldChg>
+      <pc:sldChg chg="modSp mod modAnim">
+        <pc:chgData name="Long B Nguyen" userId="f59fb8f3-a021-417a-8bc1-65c8d471c621" providerId="ADAL" clId="{9268B748-66AA-0742-9E6D-C568D3B99E77}" dt="2021-02-01T00:36:23.028" v="5586" actId="20577"/>
+        <pc:sldMkLst>
+          <pc:docMk/>
+          <pc:sldMk cId="3515362357" sldId="556"/>
+        </pc:sldMkLst>
+        <pc:spChg chg="mod">
+          <ac:chgData name="Long B Nguyen" userId="f59fb8f3-a021-417a-8bc1-65c8d471c621" providerId="ADAL" clId="{9268B748-66AA-0742-9E6D-C568D3B99E77}" dt="2021-01-17T03:22:03.170" v="1421" actId="1076"/>
+          <ac:spMkLst>
+            <pc:docMk/>
+            <pc:sldMk cId="3515362357" sldId="556"/>
+            <ac:spMk id="20482" creationId="{122029F5-C3C9-E94E-9E27-3AADE7978759}"/>
+          </ac:spMkLst>
+        </pc:spChg>
+        <pc:spChg chg="mod">
+          <ac:chgData name="Long B Nguyen" userId="f59fb8f3-a021-417a-8bc1-65c8d471c621" providerId="ADAL" clId="{9268B748-66AA-0742-9E6D-C568D3B99E77}" dt="2021-02-01T00:36:23.028" v="5586" actId="20577"/>
+          <ac:spMkLst>
+            <pc:docMk/>
+            <pc:sldMk cId="3515362357" sldId="556"/>
+            <ac:spMk id="20483" creationId="{11D6A34E-F264-984B-AD46-8F4C5C826246}"/>
+          </ac:spMkLst>
+        </pc:spChg>
+      </pc:sldChg>
+      <pc:sldChg chg="modSp mod modAnim">
+        <pc:chgData name="Long B Nguyen" userId="f59fb8f3-a021-417a-8bc1-65c8d471c621" providerId="ADAL" clId="{9268B748-66AA-0742-9E6D-C568D3B99E77}" dt="2021-02-01T02:57:47.994" v="5602"/>
+        <pc:sldMkLst>
+          <pc:docMk/>
+          <pc:sldMk cId="56364418" sldId="557"/>
+        </pc:sldMkLst>
+        <pc:spChg chg="mod">
+          <ac:chgData name="Long B Nguyen" userId="f59fb8f3-a021-417a-8bc1-65c8d471c621" providerId="ADAL" clId="{9268B748-66AA-0742-9E6D-C568D3B99E77}" dt="2021-02-01T02:57:47.994" v="5602"/>
+          <ac:spMkLst>
+            <pc:docMk/>
+            <pc:sldMk cId="56364418" sldId="557"/>
+            <ac:spMk id="6146" creationId="{095FC28F-CF01-5C45-8C80-38CA0C2B9DF5}"/>
+          </ac:spMkLst>
+        </pc:spChg>
+        <pc:spChg chg="mod">
+          <ac:chgData name="Long B Nguyen" userId="f59fb8f3-a021-417a-8bc1-65c8d471c621" providerId="ADAL" clId="{9268B748-66AA-0742-9E6D-C568D3B99E77}" dt="2021-01-17T03:21:32.889" v="1414" actId="1076"/>
+          <ac:spMkLst>
+            <pc:docMk/>
+            <pc:sldMk cId="56364418" sldId="557"/>
+            <ac:spMk id="20482" creationId="{6D756BCF-3D62-744E-A1A2-5EA11AF1F5DE}"/>
+          </ac:spMkLst>
+        </pc:spChg>
+      </pc:sldChg>
+      <pc:sldChg chg="modSp mod modAnim">
+        <pc:chgData name="Long B Nguyen" userId="f59fb8f3-a021-417a-8bc1-65c8d471c621" providerId="ADAL" clId="{9268B748-66AA-0742-9E6D-C568D3B99E77}" dt="2021-01-28T13:06:20.495" v="4681" actId="207"/>
+        <pc:sldMkLst>
+          <pc:docMk/>
+          <pc:sldMk cId="4185702486" sldId="558"/>
+        </pc:sldMkLst>
+        <pc:spChg chg="mod">
+          <ac:chgData name="Long B Nguyen" userId="f59fb8f3-a021-417a-8bc1-65c8d471c621" providerId="ADAL" clId="{9268B748-66AA-0742-9E6D-C568D3B99E77}" dt="2021-01-28T13:06:20.495" v="4681" actId="207"/>
+          <ac:spMkLst>
+            <pc:docMk/>
+            <pc:sldMk cId="4185702486" sldId="558"/>
+            <ac:spMk id="7170" creationId="{63A32A1E-B5AF-FA47-8296-065102CBE2F8}"/>
+          </ac:spMkLst>
+        </pc:spChg>
+        <pc:spChg chg="mod">
+          <ac:chgData name="Long B Nguyen" userId="f59fb8f3-a021-417a-8bc1-65c8d471c621" providerId="ADAL" clId="{9268B748-66AA-0742-9E6D-C568D3B99E77}" dt="2021-01-17T03:14:33.782" v="971" actId="20577"/>
+          <ac:spMkLst>
+            <pc:docMk/>
+            <pc:sldMk cId="4185702486" sldId="558"/>
+            <ac:spMk id="20482" creationId="{6D756BCF-3D62-744E-A1A2-5EA11AF1F5DE}"/>
+          </ac:spMkLst>
+        </pc:spChg>
+      </pc:sldChg>
+      <pc:sldChg chg="del">
+        <pc:chgData name="Long B Nguyen" userId="f59fb8f3-a021-417a-8bc1-65c8d471c621" providerId="ADAL" clId="{9268B748-66AA-0742-9E6D-C568D3B99E77}" dt="2021-01-17T03:22:35.767" v="1426" actId="2696"/>
+        <pc:sldMkLst>
+          <pc:docMk/>
+          <pc:sldMk cId="2190184513" sldId="559"/>
+        </pc:sldMkLst>
+      </pc:sldChg>
+      <pc:sldChg chg="del">
+        <pc:chgData name="Long B Nguyen" userId="f59fb8f3-a021-417a-8bc1-65c8d471c621" providerId="ADAL" clId="{9268B748-66AA-0742-9E6D-C568D3B99E77}" dt="2021-01-17T03:22:41.917" v="1427" actId="2696"/>
+        <pc:sldMkLst>
+          <pc:docMk/>
+          <pc:sldMk cId="3797534927" sldId="560"/>
+        </pc:sldMkLst>
+      </pc:sldChg>
+      <pc:sldChg chg="modSp mod">
+        <pc:chgData name="Long B Nguyen" userId="f59fb8f3-a021-417a-8bc1-65c8d471c621" providerId="ADAL" clId="{9268B748-66AA-0742-9E6D-C568D3B99E77}" dt="2021-01-17T03:49:49.752" v="2475" actId="20577"/>
+        <pc:sldMkLst>
+          <pc:docMk/>
+          <pc:sldMk cId="3461972299" sldId="561"/>
+        </pc:sldMkLst>
+        <pc:spChg chg="mod">
+          <ac:chgData name="Long B Nguyen" userId="f59fb8f3-a021-417a-8bc1-65c8d471c621" providerId="ADAL" clId="{9268B748-66AA-0742-9E6D-C568D3B99E77}" dt="2021-01-17T03:49:49.752" v="2475" actId="20577"/>
+          <ac:spMkLst>
+            <pc:docMk/>
+            <pc:sldMk cId="3461972299" sldId="561"/>
+            <ac:spMk id="18434" creationId="{DCC791A7-12CD-D84A-9EC8-A0C8BB69E328}"/>
+          </ac:spMkLst>
+        </pc:spChg>
+        <pc:spChg chg="mod">
+          <ac:chgData name="Long B Nguyen" userId="f59fb8f3-a021-417a-8bc1-65c8d471c621" providerId="ADAL" clId="{9268B748-66AA-0742-9E6D-C568D3B99E77}" dt="2021-01-17T03:25:23.592" v="1506" actId="1076"/>
+          <ac:spMkLst>
+            <pc:docMk/>
+            <pc:sldMk cId="3461972299" sldId="561"/>
+            <ac:spMk id="20482" creationId="{AA23FAD0-C454-854B-B4AF-02039D831D3A}"/>
+          </ac:spMkLst>
+        </pc:spChg>
+      </pc:sldChg>
+      <pc:sldChg chg="del">
+        <pc:chgData name="Long B Nguyen" userId="f59fb8f3-a021-417a-8bc1-65c8d471c621" providerId="ADAL" clId="{9268B748-66AA-0742-9E6D-C568D3B99E77}" dt="2021-01-17T03:26:48.352" v="1524" actId="2696"/>
+        <pc:sldMkLst>
+          <pc:docMk/>
+          <pc:sldMk cId="2056856836" sldId="562"/>
+        </pc:sldMkLst>
+      </pc:sldChg>
+      <pc:sldChg chg="del">
+        <pc:chgData name="Long B Nguyen" userId="f59fb8f3-a021-417a-8bc1-65c8d471c621" providerId="ADAL" clId="{9268B748-66AA-0742-9E6D-C568D3B99E77}" dt="2021-01-17T03:26:51.907" v="1525" actId="2696"/>
+        <pc:sldMkLst>
+          <pc:docMk/>
+          <pc:sldMk cId="1129266536" sldId="563"/>
+        </pc:sldMkLst>
+      </pc:sldChg>
+      <pc:sldChg chg="del">
+        <pc:chgData name="Long B Nguyen" userId="f59fb8f3-a021-417a-8bc1-65c8d471c621" providerId="ADAL" clId="{9268B748-66AA-0742-9E6D-C568D3B99E77}" dt="2021-01-17T03:01:27.950" v="106" actId="2696"/>
+        <pc:sldMkLst>
+          <pc:docMk/>
+          <pc:sldMk cId="602950482" sldId="564"/>
+        </pc:sldMkLst>
+      </pc:sldChg>
+      <pc:sldChg chg="addSp delSp modSp mod">
+        <pc:chgData name="Long B Nguyen" userId="f59fb8f3-a021-417a-8bc1-65c8d471c621" providerId="ADAL" clId="{9268B748-66AA-0742-9E6D-C568D3B99E77}" dt="2021-02-01T02:55:33.692" v="5588"/>
+        <pc:sldMkLst>
+          <pc:docMk/>
+          <pc:sldMk cId="4104989124" sldId="565"/>
+        </pc:sldMkLst>
+        <pc:spChg chg="mod">
+          <ac:chgData name="Long B Nguyen" userId="f59fb8f3-a021-417a-8bc1-65c8d471c621" providerId="ADAL" clId="{9268B748-66AA-0742-9E6D-C568D3B99E77}" dt="2021-01-17T03:27:09.403" v="1530" actId="1076"/>
+          <ac:spMkLst>
+            <pc:docMk/>
+            <pc:sldMk cId="4104989124" sldId="565"/>
+            <ac:spMk id="35841" creationId="{09D8876C-8F7A-C748-966B-672B36C17545}"/>
+          </ac:spMkLst>
+        </pc:spChg>
+        <pc:spChg chg="mod">
+          <ac:chgData name="Long B Nguyen" userId="f59fb8f3-a021-417a-8bc1-65c8d471c621" providerId="ADAL" clId="{9268B748-66AA-0742-9E6D-C568D3B99E77}" dt="2021-01-17T05:46:41.434" v="3212" actId="20577"/>
+          <ac:spMkLst>
+            <pc:docMk/>
+            <pc:sldMk cId="4104989124" sldId="565"/>
+            <ac:spMk id="35842" creationId="{C94BCA01-D831-ED4D-84FD-C30E8117F872}"/>
+          </ac:spMkLst>
+        </pc:spChg>
+        <pc:picChg chg="add del mod">
+          <ac:chgData name="Long B Nguyen" userId="f59fb8f3-a021-417a-8bc1-65c8d471c621" providerId="ADAL" clId="{9268B748-66AA-0742-9E6D-C568D3B99E77}" dt="2021-02-01T02:55:33.692" v="5588"/>
+          <ac:picMkLst>
+            <pc:docMk/>
+            <pc:sldMk cId="4104989124" sldId="565"/>
+            <ac:picMk id="3" creationId="{CC62BCE2-BD78-384D-9079-8FEAD8642B89}"/>
+          </ac:picMkLst>
+        </pc:picChg>
+      </pc:sldChg>
+      <pc:sldChg chg="addSp delSp modSp add del mod modAnim">
+        <pc:chgData name="Long B Nguyen" userId="f59fb8f3-a021-417a-8bc1-65c8d471c621" providerId="ADAL" clId="{9268B748-66AA-0742-9E6D-C568D3B99E77}" dt="2021-01-28T13:02:26.431" v="4643" actId="2696"/>
+        <pc:sldMkLst>
+          <pc:docMk/>
+          <pc:sldMk cId="37137412" sldId="566"/>
+        </pc:sldMkLst>
+        <pc:spChg chg="add mod">
+          <ac:chgData name="Long B Nguyen" userId="f59fb8f3-a021-417a-8bc1-65c8d471c621" providerId="ADAL" clId="{9268B748-66AA-0742-9E6D-C568D3B99E77}" dt="2021-01-17T03:47:39.202" v="2430" actId="1076"/>
+          <ac:spMkLst>
+            <pc:docMk/>
+            <pc:sldMk cId="37137412" sldId="566"/>
+            <ac:spMk id="2" creationId="{C360779D-4CA6-E54E-AF40-CFF286ECEDB6}"/>
+          </ac:spMkLst>
+        </pc:spChg>
+        <pc:spChg chg="mod">
+          <ac:chgData name="Long B Nguyen" userId="f59fb8f3-a021-417a-8bc1-65c8d471c621" providerId="ADAL" clId="{9268B748-66AA-0742-9E6D-C568D3B99E77}" dt="2021-01-17T05:26:06.909" v="2707" actId="20577"/>
+          <ac:spMkLst>
+            <pc:docMk/>
+            <pc:sldMk cId="37137412" sldId="566"/>
+            <ac:spMk id="35841" creationId="{09D8876C-8F7A-C748-966B-672B36C17545}"/>
+          </ac:spMkLst>
+        </pc:spChg>
+        <pc:spChg chg="mod">
+          <ac:chgData name="Long B Nguyen" userId="f59fb8f3-a021-417a-8bc1-65c8d471c621" providerId="ADAL" clId="{9268B748-66AA-0742-9E6D-C568D3B99E77}" dt="2021-01-17T03:41:20.895" v="2130" actId="20577"/>
+          <ac:spMkLst>
+            <pc:docMk/>
+            <pc:sldMk cId="37137412" sldId="566"/>
+            <ac:spMk id="35842" creationId="{C94BCA01-D831-ED4D-84FD-C30E8117F872}"/>
+          </ac:spMkLst>
+        </pc:spChg>
+        <pc:cxnChg chg="add mod">
+          <ac:chgData name="Long B Nguyen" userId="f59fb8f3-a021-417a-8bc1-65c8d471c621" providerId="ADAL" clId="{9268B748-66AA-0742-9E6D-C568D3B99E77}" dt="2021-01-17T03:39:46.671" v="2077" actId="1076"/>
+          <ac:cxnSpMkLst>
+            <pc:docMk/>
+            <pc:sldMk cId="37137412" sldId="566"/>
+            <ac:cxnSpMk id="4" creationId="{53D1A4C4-2FD3-E74A-B6A8-E938E6191ED0}"/>
+          </ac:cxnSpMkLst>
+        </pc:cxnChg>
+        <pc:cxnChg chg="add del mod">
+          <ac:chgData name="Long B Nguyen" userId="f59fb8f3-a021-417a-8bc1-65c8d471c621" providerId="ADAL" clId="{9268B748-66AA-0742-9E6D-C568D3B99E77}" dt="2021-01-17T03:39:43.507" v="2076" actId="478"/>
+          <ac:cxnSpMkLst>
+            <pc:docMk/>
+            <pc:sldMk cId="37137412" sldId="566"/>
+            <ac:cxnSpMk id="8" creationId="{11602C2F-2F76-ED4E-9EAB-79F64A2F7942}"/>
+          </ac:cxnSpMkLst>
+        </pc:cxnChg>
+        <pc:cxnChg chg="add mod">
+          <ac:chgData name="Long B Nguyen" userId="f59fb8f3-a021-417a-8bc1-65c8d471c621" providerId="ADAL" clId="{9268B748-66AA-0742-9E6D-C568D3B99E77}" dt="2021-01-17T03:41:17.784" v="2129" actId="1076"/>
+          <ac:cxnSpMkLst>
+            <pc:docMk/>
+            <pc:sldMk cId="37137412" sldId="566"/>
+            <ac:cxnSpMk id="9" creationId="{1AB067D5-4CF2-3E4D-A945-5CDBCBD53EF8}"/>
+          </ac:cxnSpMkLst>
+        </pc:cxnChg>
+      </pc:sldChg>
+      <pc:sldChg chg="del">
+        <pc:chgData name="Long B Nguyen" userId="f59fb8f3-a021-417a-8bc1-65c8d471c621" providerId="ADAL" clId="{9268B748-66AA-0742-9E6D-C568D3B99E77}" dt="2021-01-17T03:27:25.431" v="1535" actId="2696"/>
+        <pc:sldMkLst>
+          <pc:docMk/>
+          <pc:sldMk cId="2615412358" sldId="566"/>
+        </pc:sldMkLst>
+      </pc:sldChg>
+      <pc:sldChg chg="addSp delSp modSp add mod delAnim modAnim">
+        <pc:chgData name="Long B Nguyen" userId="f59fb8f3-a021-417a-8bc1-65c8d471c621" providerId="ADAL" clId="{9268B748-66AA-0742-9E6D-C568D3B99E77}" dt="2021-01-28T14:31:33.213" v="5579"/>
+        <pc:sldMkLst>
+          <pc:docMk/>
+          <pc:sldMk cId="2722221053" sldId="566"/>
+        </pc:sldMkLst>
+        <pc:spChg chg="add mod">
+          <ac:chgData name="Long B Nguyen" userId="f59fb8f3-a021-417a-8bc1-65c8d471c621" providerId="ADAL" clId="{9268B748-66AA-0742-9E6D-C568D3B99E77}" dt="2021-01-28T14:29:04.207" v="5566" actId="20577"/>
+          <ac:spMkLst>
+            <pc:docMk/>
+            <pc:sldMk cId="2722221053" sldId="566"/>
+            <ac:spMk id="8" creationId="{CDB6DDAB-EF4C-A94C-87F4-05952EB9F7FB}"/>
+          </ac:spMkLst>
+        </pc:spChg>
+        <pc:spChg chg="mod">
+          <ac:chgData name="Long B Nguyen" userId="f59fb8f3-a021-417a-8bc1-65c8d471c621" providerId="ADAL" clId="{9268B748-66AA-0742-9E6D-C568D3B99E77}" dt="2021-01-28T13:06:54.656" v="4688" actId="20577"/>
+          <ac:spMkLst>
+            <pc:docMk/>
+            <pc:sldMk cId="2722221053" sldId="566"/>
+            <ac:spMk id="35842" creationId="{C94BCA01-D831-ED4D-84FD-C30E8117F872}"/>
+          </ac:spMkLst>
+        </pc:spChg>
+        <pc:cxnChg chg="del mod">
+          <ac:chgData name="Long B Nguyen" userId="f59fb8f3-a021-417a-8bc1-65c8d471c621" providerId="ADAL" clId="{9268B748-66AA-0742-9E6D-C568D3B99E77}" dt="2021-01-28T14:28:51.842" v="5562" actId="478"/>
+          <ac:cxnSpMkLst>
+            <pc:docMk/>
+            <pc:sldMk cId="2722221053" sldId="566"/>
+            <ac:cxnSpMk id="9" creationId="{1AB067D5-4CF2-3E4D-A945-5CDBCBD53EF8}"/>
+          </ac:cxnSpMkLst>
+        </pc:cxnChg>
+        <pc:cxnChg chg="add mod">
+          <ac:chgData name="Long B Nguyen" userId="f59fb8f3-a021-417a-8bc1-65c8d471c621" providerId="ADAL" clId="{9268B748-66AA-0742-9E6D-C568D3B99E77}" dt="2021-01-28T14:29:34.408" v="5571" actId="14100"/>
+          <ac:cxnSpMkLst>
+            <pc:docMk/>
+            <pc:sldMk cId="2722221053" sldId="566"/>
+            <ac:cxnSpMk id="10" creationId="{8D505A7E-646A-6B46-825F-49A2F6E29335}"/>
+          </ac:cxnSpMkLst>
+        </pc:cxnChg>
+      </pc:sldChg>
+      <pc:sldChg chg="addSp delSp modSp add del mod modAnim">
+        <pc:chgData name="Long B Nguyen" userId="f59fb8f3-a021-417a-8bc1-65c8d471c621" providerId="ADAL" clId="{9268B748-66AA-0742-9E6D-C568D3B99E77}" dt="2021-01-28T13:02:26.460" v="4644" actId="2696"/>
+        <pc:sldMkLst>
+          <pc:docMk/>
+          <pc:sldMk cId="4138501364" sldId="567"/>
+        </pc:sldMkLst>
+        <pc:spChg chg="mod">
+          <ac:chgData name="Long B Nguyen" userId="f59fb8f3-a021-417a-8bc1-65c8d471c621" providerId="ADAL" clId="{9268B748-66AA-0742-9E6D-C568D3B99E77}" dt="2021-01-17T03:44:37.880" v="2320" actId="1076"/>
+          <ac:spMkLst>
+            <pc:docMk/>
+            <pc:sldMk cId="4138501364" sldId="567"/>
+            <ac:spMk id="2" creationId="{C360779D-4CA6-E54E-AF40-CFF286ECEDB6}"/>
+          </ac:spMkLst>
+        </pc:spChg>
+        <pc:spChg chg="add mod">
+          <ac:chgData name="Long B Nguyen" userId="f59fb8f3-a021-417a-8bc1-65c8d471c621" providerId="ADAL" clId="{9268B748-66AA-0742-9E6D-C568D3B99E77}" dt="2021-01-17T03:46:24.835" v="2399" actId="207"/>
+          <ac:spMkLst>
+            <pc:docMk/>
+            <pc:sldMk cId="4138501364" sldId="567"/>
+            <ac:spMk id="7" creationId="{FCD9C15D-1329-1444-B6C2-5E444C159CB2}"/>
+          </ac:spMkLst>
+        </pc:spChg>
+        <pc:spChg chg="mod">
+          <ac:chgData name="Long B Nguyen" userId="f59fb8f3-a021-417a-8bc1-65c8d471c621" providerId="ADAL" clId="{9268B748-66AA-0742-9E6D-C568D3B99E77}" dt="2021-01-17T03:41:51.515" v="2140" actId="20577"/>
+          <ac:spMkLst>
+            <pc:docMk/>
+            <pc:sldMk cId="4138501364" sldId="567"/>
+            <ac:spMk id="35841" creationId="{09D8876C-8F7A-C748-966B-672B36C17545}"/>
+          </ac:spMkLst>
+        </pc:spChg>
+        <pc:spChg chg="mod">
+          <ac:chgData name="Long B Nguyen" userId="f59fb8f3-a021-417a-8bc1-65c8d471c621" providerId="ADAL" clId="{9268B748-66AA-0742-9E6D-C568D3B99E77}" dt="2021-01-17T03:46:04.905" v="2342" actId="20577"/>
+          <ac:spMkLst>
+            <pc:docMk/>
+            <pc:sldMk cId="4138501364" sldId="567"/>
+            <ac:spMk id="35842" creationId="{C94BCA01-D831-ED4D-84FD-C30E8117F872}"/>
+          </ac:spMkLst>
+        </pc:spChg>
+        <pc:cxnChg chg="del">
+          <ac:chgData name="Long B Nguyen" userId="f59fb8f3-a021-417a-8bc1-65c8d471c621" providerId="ADAL" clId="{9268B748-66AA-0742-9E6D-C568D3B99E77}" dt="2021-01-17T03:42:10.314" v="2199" actId="478"/>
+          <ac:cxnSpMkLst>
+            <pc:docMk/>
+            <pc:sldMk cId="4138501364" sldId="567"/>
+            <ac:cxnSpMk id="4" creationId="{53D1A4C4-2FD3-E74A-B6A8-E938E6191ED0}"/>
+          </ac:cxnSpMkLst>
+        </pc:cxnChg>
+        <pc:cxnChg chg="del">
+          <ac:chgData name="Long B Nguyen" userId="f59fb8f3-a021-417a-8bc1-65c8d471c621" providerId="ADAL" clId="{9268B748-66AA-0742-9E6D-C568D3B99E77}" dt="2021-01-17T03:42:08.524" v="2198" actId="478"/>
+          <ac:cxnSpMkLst>
+            <pc:docMk/>
+            <pc:sldMk cId="4138501364" sldId="567"/>
+            <ac:cxnSpMk id="9" creationId="{1AB067D5-4CF2-3E4D-A945-5CDBCBD53EF8}"/>
+          </ac:cxnSpMkLst>
+        </pc:cxnChg>
+      </pc:sldChg>
+      <pc:sldChg chg="addSp modSp add mod modAnim">
+        <pc:chgData name="Long B Nguyen" userId="f59fb8f3-a021-417a-8bc1-65c8d471c621" providerId="ADAL" clId="{9268B748-66AA-0742-9E6D-C568D3B99E77}" dt="2021-01-28T14:32:22.838" v="5585"/>
+        <pc:sldMkLst>
+          <pc:docMk/>
+          <pc:sldMk cId="4279211704" sldId="567"/>
+        </pc:sldMkLst>
+        <pc:spChg chg="mod">
+          <ac:chgData name="Long B Nguyen" userId="f59fb8f3-a021-417a-8bc1-65c8d471c621" providerId="ADAL" clId="{9268B748-66AA-0742-9E6D-C568D3B99E77}" dt="2021-01-28T13:04:28.502" v="4654" actId="1076"/>
+          <ac:spMkLst>
+            <pc:docMk/>
+            <pc:sldMk cId="4279211704" sldId="567"/>
+            <ac:spMk id="2" creationId="{C360779D-4CA6-E54E-AF40-CFF286ECEDB6}"/>
+          </ac:spMkLst>
+        </pc:spChg>
+        <pc:spChg chg="mod">
+          <ac:chgData name="Long B Nguyen" userId="f59fb8f3-a021-417a-8bc1-65c8d471c621" providerId="ADAL" clId="{9268B748-66AA-0742-9E6D-C568D3B99E77}" dt="2021-01-28T13:04:31.664" v="4655" actId="1076"/>
+          <ac:spMkLst>
+            <pc:docMk/>
+            <pc:sldMk cId="4279211704" sldId="567"/>
+            <ac:spMk id="7" creationId="{FCD9C15D-1329-1444-B6C2-5E444C159CB2}"/>
+          </ac:spMkLst>
+        </pc:spChg>
+        <pc:spChg chg="mod">
+          <ac:chgData name="Long B Nguyen" userId="f59fb8f3-a021-417a-8bc1-65c8d471c621" providerId="ADAL" clId="{9268B748-66AA-0742-9E6D-C568D3B99E77}" dt="2021-01-28T13:05:56.420" v="4677" actId="207"/>
+          <ac:spMkLst>
+            <pc:docMk/>
+            <pc:sldMk cId="4279211704" sldId="567"/>
+            <ac:spMk id="35842" creationId="{C94BCA01-D831-ED4D-84FD-C30E8117F872}"/>
+          </ac:spMkLst>
+        </pc:spChg>
+        <pc:cxnChg chg="add mod">
+          <ac:chgData name="Long B Nguyen" userId="f59fb8f3-a021-417a-8bc1-65c8d471c621" providerId="ADAL" clId="{9268B748-66AA-0742-9E6D-C568D3B99E77}" dt="2021-01-28T13:04:46.723" v="4658" actId="14100"/>
+          <ac:cxnSpMkLst>
+            <pc:docMk/>
+            <pc:sldMk cId="4279211704" sldId="567"/>
+            <ac:cxnSpMk id="6" creationId="{2FF5D069-E1A9-3247-B4C1-70C074CCF398}"/>
+          </ac:cxnSpMkLst>
+        </pc:cxnChg>
+      </pc:sldChg>
+      <pc:sldChg chg="add del">
+        <pc:chgData name="Long B Nguyen" userId="f59fb8f3-a021-417a-8bc1-65c8d471c621" providerId="ADAL" clId="{9268B748-66AA-0742-9E6D-C568D3B99E77}" dt="2021-02-01T03:02:14.847" v="6027" actId="2696"/>
+        <pc:sldMkLst>
+          <pc:docMk/>
+          <pc:sldMk cId="1316208775" sldId="568"/>
+        </pc:sldMkLst>
+      </pc:sldChg>
+      <pc:sldChg chg="modSp add del mod">
+        <pc:chgData name="Long B Nguyen" userId="f59fb8f3-a021-417a-8bc1-65c8d471c621" providerId="ADAL" clId="{9268B748-66AA-0742-9E6D-C568D3B99E77}" dt="2021-01-17T05:39:20.803" v="3091" actId="2696"/>
+        <pc:sldMkLst>
+          <pc:docMk/>
+          <pc:sldMk cId="1870468434" sldId="568"/>
+        </pc:sldMkLst>
+        <pc:spChg chg="mod">
+          <ac:chgData name="Long B Nguyen" userId="f59fb8f3-a021-417a-8bc1-65c8d471c621" providerId="ADAL" clId="{9268B748-66AA-0742-9E6D-C568D3B99E77}" dt="2021-01-17T05:24:21.392" v="2611" actId="20577"/>
+          <ac:spMkLst>
+            <pc:docMk/>
+            <pc:sldMk cId="1870468434" sldId="568"/>
+            <ac:spMk id="30721" creationId="{378752EF-A47C-2F42-B800-CF9B206624FE}"/>
+          </ac:spMkLst>
+        </pc:spChg>
+        <pc:spChg chg="mod">
+          <ac:chgData name="Long B Nguyen" userId="f59fb8f3-a021-417a-8bc1-65c8d471c621" providerId="ADAL" clId="{9268B748-66AA-0742-9E6D-C568D3B99E77}" dt="2021-01-17T05:39:05.749" v="3090" actId="20577"/>
+          <ac:spMkLst>
+            <pc:docMk/>
+            <pc:sldMk cId="1870468434" sldId="568"/>
+            <ac:spMk id="30722" creationId="{C70E3A34-0037-734F-81D6-0339361ED841}"/>
+          </ac:spMkLst>
+        </pc:spChg>
+      </pc:sldChg>
+      <pc:sldChg chg="add del">
+        <pc:chgData name="Long B Nguyen" userId="f59fb8f3-a021-417a-8bc1-65c8d471c621" providerId="ADAL" clId="{9268B748-66AA-0742-9E6D-C568D3B99E77}" dt="2021-01-28T03:14:03.181" v="3278"/>
+        <pc:sldMkLst>
+          <pc:docMk/>
+          <pc:sldMk cId="2249337032" sldId="569"/>
+        </pc:sldMkLst>
+      </pc:sldChg>
+      <pc:sldChg chg="add">
+        <pc:chgData name="Long B Nguyen" userId="f59fb8f3-a021-417a-8bc1-65c8d471c621" providerId="ADAL" clId="{9268B748-66AA-0742-9E6D-C568D3B99E77}" dt="2021-01-28T03:54:16.866" v="3923"/>
+        <pc:sldMkLst>
+          <pc:docMk/>
+          <pc:sldMk cId="3614561866" sldId="569"/>
+        </pc:sldMkLst>
+      </pc:sldChg>
+      <pc:sldChg chg="modSp add del mod">
+        <pc:chgData name="Long B Nguyen" userId="f59fb8f3-a021-417a-8bc1-65c8d471c621" providerId="ADAL" clId="{9268B748-66AA-0742-9E6D-C568D3B99E77}" dt="2021-01-28T03:54:03.940" v="3920" actId="2696"/>
+        <pc:sldMkLst>
+          <pc:docMk/>
+          <pc:sldMk cId="3828686532" sldId="569"/>
+        </pc:sldMkLst>
+        <pc:spChg chg="mod">
+          <ac:chgData name="Long B Nguyen" userId="f59fb8f3-a021-417a-8bc1-65c8d471c621" providerId="ADAL" clId="{9268B748-66AA-0742-9E6D-C568D3B99E77}" dt="2021-01-28T03:21:30.597" v="3481" actId="14100"/>
+          <ac:spMkLst>
+            <pc:docMk/>
+            <pc:sldMk cId="3828686532" sldId="569"/>
+            <ac:spMk id="14" creationId="{63449E36-9DBB-134E-94FD-16C40C15EBDC}"/>
+          </ac:spMkLst>
+        </pc:spChg>
+        <pc:cxnChg chg="mod">
+          <ac:chgData name="Long B Nguyen" userId="f59fb8f3-a021-417a-8bc1-65c8d471c621" providerId="ADAL" clId="{9268B748-66AA-0742-9E6D-C568D3B99E77}" dt="2021-01-28T03:18:50.056" v="3336" actId="1076"/>
+          <ac:cxnSpMkLst>
+            <pc:docMk/>
+            <pc:sldMk cId="3828686532" sldId="569"/>
+            <ac:cxnSpMk id="13" creationId="{D2556216-41CD-8D42-B4C1-6D4D9ECF9A05}"/>
+          </ac:cxnSpMkLst>
+        </pc:cxnChg>
+      </pc:sldChg>
+      <pc:sldChg chg="new del">
+        <pc:chgData name="Long B Nguyen" userId="f59fb8f3-a021-417a-8bc1-65c8d471c621" providerId="ADAL" clId="{9268B748-66AA-0742-9E6D-C568D3B99E77}" dt="2021-01-28T14:20:01.244" v="4694" actId="2696"/>
+        <pc:sldMkLst>
+          <pc:docMk/>
+          <pc:sldMk cId="3048806200" sldId="570"/>
+        </pc:sldMkLst>
+      </pc:sldChg>
+      <pc:sldChg chg="modSp add mod modAnim">
+        <pc:chgData name="Long B Nguyen" userId="f59fb8f3-a021-417a-8bc1-65c8d471c621" providerId="ADAL" clId="{9268B748-66AA-0742-9E6D-C568D3B99E77}" dt="2021-01-28T14:23:36.330" v="5462"/>
+        <pc:sldMkLst>
+          <pc:docMk/>
+          <pc:sldMk cId="662705235" sldId="571"/>
+        </pc:sldMkLst>
+        <pc:spChg chg="mod">
+          <ac:chgData name="Long B Nguyen" userId="f59fb8f3-a021-417a-8bc1-65c8d471c621" providerId="ADAL" clId="{9268B748-66AA-0742-9E6D-C568D3B99E77}" dt="2021-01-28T14:23:08.398" v="5459" actId="20577"/>
+          <ac:spMkLst>
+            <pc:docMk/>
+            <pc:sldMk cId="662705235" sldId="571"/>
+            <ac:spMk id="6146" creationId="{095FC28F-CF01-5C45-8C80-38CA0C2B9DF5}"/>
+          </ac:spMkLst>
+        </pc:spChg>
+        <pc:spChg chg="mod">
+          <ac:chgData name="Long B Nguyen" userId="f59fb8f3-a021-417a-8bc1-65c8d471c621" providerId="ADAL" clId="{9268B748-66AA-0742-9E6D-C568D3B99E77}" dt="2021-01-28T14:20:11.164" v="4733" actId="14100"/>
+          <ac:spMkLst>
+            <pc:docMk/>
+            <pc:sldMk cId="662705235" sldId="571"/>
+            <ac:spMk id="20482" creationId="{6D756BCF-3D62-744E-A1A2-5EA11AF1F5DE}"/>
+          </ac:spMkLst>
+        </pc:spChg>
+      </pc:sldChg>
+      <pc:sldChg chg="addSp delSp modSp add mod">
+        <pc:chgData name="Long B Nguyen" userId="f59fb8f3-a021-417a-8bc1-65c8d471c621" providerId="ADAL" clId="{9268B748-66AA-0742-9E6D-C568D3B99E77}" dt="2021-02-01T16:44:08.466" v="6273" actId="207"/>
+        <pc:sldMkLst>
+          <pc:docMk/>
+          <pc:sldMk cId="1097849800" sldId="572"/>
+        </pc:sldMkLst>
+        <pc:spChg chg="add del mod">
+          <ac:chgData name="Long B Nguyen" userId="f59fb8f3-a021-417a-8bc1-65c8d471c621" providerId="ADAL" clId="{9268B748-66AA-0742-9E6D-C568D3B99E77}" dt="2021-02-01T03:01:36.608" v="6026"/>
+          <ac:spMkLst>
+            <pc:docMk/>
+            <pc:sldMk cId="1097849800" sldId="572"/>
+            <ac:spMk id="2" creationId="{0536A3E0-4619-5D4A-8AD5-E279CAAEAADF}"/>
+          </ac:spMkLst>
+        </pc:spChg>
+        <pc:spChg chg="mod">
+          <ac:chgData name="Long B Nguyen" userId="f59fb8f3-a021-417a-8bc1-65c8d471c621" providerId="ADAL" clId="{9268B748-66AA-0742-9E6D-C568D3B99E77}" dt="2021-02-01T03:19:04.947" v="6095" actId="20577"/>
+          <ac:spMkLst>
+            <pc:docMk/>
+            <pc:sldMk cId="1097849800" sldId="572"/>
+            <ac:spMk id="35841" creationId="{09D8876C-8F7A-C748-966B-672B36C17545}"/>
+          </ac:spMkLst>
+        </pc:spChg>
+        <pc:spChg chg="mod">
+          <ac:chgData name="Long B Nguyen" userId="f59fb8f3-a021-417a-8bc1-65c8d471c621" providerId="ADAL" clId="{9268B748-66AA-0742-9E6D-C568D3B99E77}" dt="2021-02-01T16:44:08.466" v="6273" actId="207"/>
+          <ac:spMkLst>
+            <pc:docMk/>
+            <pc:sldMk cId="1097849800" sldId="572"/>
+            <ac:spMk id="35842" creationId="{C94BCA01-D831-ED4D-84FD-C30E8117F872}"/>
+          </ac:spMkLst>
+        </pc:spChg>
+      </pc:sldChg>
+    </pc:docChg>
+  </pc:docChgLst>
+  <pc:docChgLst>
+    <pc:chgData name="Long B Nguyen" userId="f59fb8f3-a021-417a-8bc1-65c8d471c621" providerId="ADAL" clId="{8C729B60-193B-8444-910A-752A96A0942F}"/>
+    <pc:docChg chg="modSld">
+      <pc:chgData name="Long B Nguyen" userId="f59fb8f3-a021-417a-8bc1-65c8d471c621" providerId="ADAL" clId="{8C729B60-193B-8444-910A-752A96A0942F}" dt="2020-03-29T01:57:52.362" v="1" actId="20577"/>
+      <pc:docMkLst>
+        <pc:docMk/>
+      </pc:docMkLst>
+      <pc:sldChg chg="modSp">
+        <pc:chgData name="Long B Nguyen" userId="f59fb8f3-a021-417a-8bc1-65c8d471c621" providerId="ADAL" clId="{8C729B60-193B-8444-910A-752A96A0942F}" dt="2020-03-29T01:57:52.362" v="1" actId="20577"/>
+        <pc:sldMkLst>
+          <pc:docMk/>
+          <pc:sldMk cId="1880090826" sldId="316"/>
+        </pc:sldMkLst>
+        <pc:spChg chg="mod">
+          <ac:chgData name="Long B Nguyen" userId="f59fb8f3-a021-417a-8bc1-65c8d471c621" providerId="ADAL" clId="{8C729B60-193B-8444-910A-752A96A0942F}" dt="2020-03-29T01:57:52.362" v="1" actId="20577"/>
+          <ac:spMkLst>
+            <pc:docMk/>
+            <pc:sldMk cId="1880090826" sldId="316"/>
+            <ac:spMk id="10242" creationId="{2E23079A-5ACF-FA4B-BC1D-0D52C05F7CA4}"/>
+          </ac:spMkLst>
+        </pc:spChg>
+      </pc:sldChg>
+    </pc:docChg>
+  </pc:docChgLst>
+  <pc:docChgLst>
+    <pc:chgData name="Long B Nguyen" userId="f59fb8f3-a021-417a-8bc1-65c8d471c621" providerId="ADAL" clId="{809B38DD-6807-2340-A6E8-3DAAFD3B5DC0}"/>
+    <pc:docChg chg="custSel modSld">
+      <pc:chgData name="Long B Nguyen" userId="f59fb8f3-a021-417a-8bc1-65c8d471c621" providerId="ADAL" clId="{809B38DD-6807-2340-A6E8-3DAAFD3B5DC0}" dt="2023-11-02T11:55:12.158" v="162" actId="1038"/>
+      <pc:docMkLst>
+        <pc:docMk/>
+      </pc:docMkLst>
+      <pc:sldChg chg="addSp modSp mod">
+        <pc:chgData name="Long B Nguyen" userId="f59fb8f3-a021-417a-8bc1-65c8d471c621" providerId="ADAL" clId="{809B38DD-6807-2340-A6E8-3DAAFD3B5DC0}" dt="2023-11-02T11:55:12.158" v="162" actId="1038"/>
+        <pc:sldMkLst>
+          <pc:docMk/>
+          <pc:sldMk cId="1655667199" sldId="576"/>
+        </pc:sldMkLst>
+        <pc:spChg chg="add mod">
+          <ac:chgData name="Long B Nguyen" userId="f59fb8f3-a021-417a-8bc1-65c8d471c621" providerId="ADAL" clId="{809B38DD-6807-2340-A6E8-3DAAFD3B5DC0}" dt="2023-11-02T11:55:12.158" v="162" actId="1038"/>
+          <ac:spMkLst>
+            <pc:docMk/>
+            <pc:sldMk cId="1655667199" sldId="576"/>
+            <ac:spMk id="2" creationId="{B2329E0C-257B-BD11-0343-7C8CDA4B2367}"/>
+          </ac:spMkLst>
+        </pc:spChg>
+        <pc:spChg chg="mod">
+          <ac:chgData name="Long B Nguyen" userId="f59fb8f3-a021-417a-8bc1-65c8d471c621" providerId="ADAL" clId="{809B38DD-6807-2340-A6E8-3DAAFD3B5DC0}" dt="2023-11-02T11:54:20.184" v="87" actId="1076"/>
+          <ac:spMkLst>
+            <pc:docMk/>
+            <pc:sldMk cId="1655667199" sldId="576"/>
+            <ac:spMk id="4" creationId="{F5F925A9-41D3-6E4F-86DA-C9E92CE1D468}"/>
+          </ac:spMkLst>
+        </pc:spChg>
+        <pc:spChg chg="mod">
+          <ac:chgData name="Long B Nguyen" userId="f59fb8f3-a021-417a-8bc1-65c8d471c621" providerId="ADAL" clId="{809B38DD-6807-2340-A6E8-3DAAFD3B5DC0}" dt="2023-11-02T11:54:29.467" v="92" actId="27636"/>
+          <ac:spMkLst>
+            <pc:docMk/>
+            <pc:sldMk cId="1655667199" sldId="576"/>
+            <ac:spMk id="35842" creationId="{C94BCA01-D831-ED4D-84FD-C30E8117F872}"/>
+          </ac:spMkLst>
+        </pc:spChg>
+        <pc:cxnChg chg="mod">
+          <ac:chgData name="Long B Nguyen" userId="f59fb8f3-a021-417a-8bc1-65c8d471c621" providerId="ADAL" clId="{809B38DD-6807-2340-A6E8-3DAAFD3B5DC0}" dt="2023-11-02T11:54:23.682" v="89" actId="14100"/>
+          <ac:cxnSpMkLst>
+            <pc:docMk/>
+            <pc:sldMk cId="1655667199" sldId="576"/>
+            <ac:cxnSpMk id="13" creationId="{1D73A6C2-F3A1-7849-9298-0FABFFC03676}"/>
+          </ac:cxnSpMkLst>
+        </pc:cxnChg>
+      </pc:sldChg>
+      <pc:sldChg chg="modSp mod">
+        <pc:chgData name="Long B Nguyen" userId="f59fb8f3-a021-417a-8bc1-65c8d471c621" providerId="ADAL" clId="{809B38DD-6807-2340-A6E8-3DAAFD3B5DC0}" dt="2023-11-02T11:55:04.847" v="156" actId="20577"/>
+        <pc:sldMkLst>
+          <pc:docMk/>
+          <pc:sldMk cId="1245941282" sldId="577"/>
+        </pc:sldMkLst>
+        <pc:spChg chg="mod">
+          <ac:chgData name="Long B Nguyen" userId="f59fb8f3-a021-417a-8bc1-65c8d471c621" providerId="ADAL" clId="{809B38DD-6807-2340-A6E8-3DAAFD3B5DC0}" dt="2023-11-02T11:55:04.847" v="156" actId="20577"/>
+          <ac:spMkLst>
+            <pc:docMk/>
+            <pc:sldMk cId="1245941282" sldId="577"/>
+            <ac:spMk id="35842" creationId="{C94BCA01-D831-ED4D-84FD-C30E8117F872}"/>
+          </ac:spMkLst>
+        </pc:spChg>
+      </pc:sldChg>
+    </pc:docChg>
+  </pc:docChgLst>
   <pc:docChgLst>
     <pc:chgData name="Long B Nguyen" userId="f59fb8f3-a021-417a-8bc1-65c8d471c621" providerId="ADAL" clId="{59CB9C7B-CBC7-E549-B176-97F9C29CB310}"/>
     <pc:docChg chg="undo custSel addSld delSld modSld">
@@ -1307,494 +3754,6 @@
             <ac:spMk id="9" creationId="{E3B2E017-30B2-884B-A113-B419A2ED51AD}"/>
           </ac:spMkLst>
         </pc:spChg>
-      </pc:sldChg>
-    </pc:docChg>
-  </pc:docChgLst>
-  <pc:docChgLst>
-    <pc:chgData name="Long B Nguyen" userId="f59fb8f3-a021-417a-8bc1-65c8d471c621" providerId="ADAL" clId="{308CFCF3-47BA-8D4A-8A80-5ECC75BA7E52}"/>
-    <pc:docChg chg="addSld delSld modSld">
-      <pc:chgData name="Long B Nguyen" userId="f59fb8f3-a021-417a-8bc1-65c8d471c621" providerId="ADAL" clId="{308CFCF3-47BA-8D4A-8A80-5ECC75BA7E52}" dt="2019-11-19T12:50:23.367" v="38" actId="207"/>
-      <pc:docMkLst>
-        <pc:docMk/>
-      </pc:docMkLst>
-      <pc:sldChg chg="del">
-        <pc:chgData name="Long B Nguyen" userId="f59fb8f3-a021-417a-8bc1-65c8d471c621" providerId="ADAL" clId="{308CFCF3-47BA-8D4A-8A80-5ECC75BA7E52}" dt="2019-11-19T12:49:13.963" v="1" actId="2696"/>
-        <pc:sldMkLst>
-          <pc:docMk/>
-          <pc:sldMk cId="4247104139" sldId="256"/>
-        </pc:sldMkLst>
-      </pc:sldChg>
-      <pc:sldChg chg="del">
-        <pc:chgData name="Long B Nguyen" userId="f59fb8f3-a021-417a-8bc1-65c8d471c621" providerId="ADAL" clId="{308CFCF3-47BA-8D4A-8A80-5ECC75BA7E52}" dt="2019-11-19T12:49:54.751" v="6" actId="2696"/>
-        <pc:sldMkLst>
-          <pc:docMk/>
-          <pc:sldMk cId="278045358" sldId="257"/>
-        </pc:sldMkLst>
-      </pc:sldChg>
-      <pc:sldChg chg="del">
-        <pc:chgData name="Long B Nguyen" userId="f59fb8f3-a021-417a-8bc1-65c8d471c621" providerId="ADAL" clId="{308CFCF3-47BA-8D4A-8A80-5ECC75BA7E52}" dt="2019-11-19T12:49:55.390" v="35" actId="2696"/>
-        <pc:sldMkLst>
-          <pc:docMk/>
-          <pc:sldMk cId="1438711869" sldId="284"/>
-        </pc:sldMkLst>
-      </pc:sldChg>
-      <pc:sldChg chg="del">
-        <pc:chgData name="Long B Nguyen" userId="f59fb8f3-a021-417a-8bc1-65c8d471c621" providerId="ADAL" clId="{308CFCF3-47BA-8D4A-8A80-5ECC75BA7E52}" dt="2019-11-19T12:49:54.721" v="4" actId="2696"/>
-        <pc:sldMkLst>
-          <pc:docMk/>
-          <pc:sldMk cId="131840209" sldId="286"/>
-        </pc:sldMkLst>
-      </pc:sldChg>
-      <pc:sldChg chg="add">
-        <pc:chgData name="Long B Nguyen" userId="f59fb8f3-a021-417a-8bc1-65c8d471c621" providerId="ADAL" clId="{308CFCF3-47BA-8D4A-8A80-5ECC75BA7E52}" dt="2019-11-19T12:49:08.416" v="0"/>
-        <pc:sldMkLst>
-          <pc:docMk/>
-          <pc:sldMk cId="1769313612" sldId="306"/>
-        </pc:sldMkLst>
-      </pc:sldChg>
-      <pc:sldChg chg="add">
-        <pc:chgData name="Long B Nguyen" userId="f59fb8f3-a021-417a-8bc1-65c8d471c621" providerId="ADAL" clId="{308CFCF3-47BA-8D4A-8A80-5ECC75BA7E52}" dt="2019-11-19T12:49:08.416" v="0"/>
-        <pc:sldMkLst>
-          <pc:docMk/>
-          <pc:sldMk cId="3175113722" sldId="307"/>
-        </pc:sldMkLst>
-      </pc:sldChg>
-      <pc:sldChg chg="add">
-        <pc:chgData name="Long B Nguyen" userId="f59fb8f3-a021-417a-8bc1-65c8d471c621" providerId="ADAL" clId="{308CFCF3-47BA-8D4A-8A80-5ECC75BA7E52}" dt="2019-11-19T12:49:08.416" v="0"/>
-        <pc:sldMkLst>
-          <pc:docMk/>
-          <pc:sldMk cId="3855133670" sldId="308"/>
-        </pc:sldMkLst>
-      </pc:sldChg>
-      <pc:sldChg chg="add">
-        <pc:chgData name="Long B Nguyen" userId="f59fb8f3-a021-417a-8bc1-65c8d471c621" providerId="ADAL" clId="{308CFCF3-47BA-8D4A-8A80-5ECC75BA7E52}" dt="2019-11-19T12:49:08.416" v="0"/>
-        <pc:sldMkLst>
-          <pc:docMk/>
-          <pc:sldMk cId="3585856351" sldId="309"/>
-        </pc:sldMkLst>
-      </pc:sldChg>
-      <pc:sldChg chg="add">
-        <pc:chgData name="Long B Nguyen" userId="f59fb8f3-a021-417a-8bc1-65c8d471c621" providerId="ADAL" clId="{308CFCF3-47BA-8D4A-8A80-5ECC75BA7E52}" dt="2019-11-19T12:49:08.416" v="0"/>
-        <pc:sldMkLst>
-          <pc:docMk/>
-          <pc:sldMk cId="3276587347" sldId="310"/>
-        </pc:sldMkLst>
-      </pc:sldChg>
-      <pc:sldChg chg="add">
-        <pc:chgData name="Long B Nguyen" userId="f59fb8f3-a021-417a-8bc1-65c8d471c621" providerId="ADAL" clId="{308CFCF3-47BA-8D4A-8A80-5ECC75BA7E52}" dt="2019-11-19T12:49:08.416" v="0"/>
-        <pc:sldMkLst>
-          <pc:docMk/>
-          <pc:sldMk cId="863905040" sldId="312"/>
-        </pc:sldMkLst>
-      </pc:sldChg>
-      <pc:sldChg chg="add">
-        <pc:chgData name="Long B Nguyen" userId="f59fb8f3-a021-417a-8bc1-65c8d471c621" providerId="ADAL" clId="{308CFCF3-47BA-8D4A-8A80-5ECC75BA7E52}" dt="2019-11-19T12:49:08.416" v="0"/>
-        <pc:sldMkLst>
-          <pc:docMk/>
-          <pc:sldMk cId="1871198671" sldId="313"/>
-        </pc:sldMkLst>
-      </pc:sldChg>
-      <pc:sldChg chg="add">
-        <pc:chgData name="Long B Nguyen" userId="f59fb8f3-a021-417a-8bc1-65c8d471c621" providerId="ADAL" clId="{308CFCF3-47BA-8D4A-8A80-5ECC75BA7E52}" dt="2019-11-19T12:49:08.416" v="0"/>
-        <pc:sldMkLst>
-          <pc:docMk/>
-          <pc:sldMk cId="1880090826" sldId="316"/>
-        </pc:sldMkLst>
-      </pc:sldChg>
-      <pc:sldChg chg="add">
-        <pc:chgData name="Long B Nguyen" userId="f59fb8f3-a021-417a-8bc1-65c8d471c621" providerId="ADAL" clId="{308CFCF3-47BA-8D4A-8A80-5ECC75BA7E52}" dt="2019-11-19T12:49:08.416" v="0"/>
-        <pc:sldMkLst>
-          <pc:docMk/>
-          <pc:sldMk cId="518539467" sldId="317"/>
-        </pc:sldMkLst>
-      </pc:sldChg>
-      <pc:sldChg chg="add">
-        <pc:chgData name="Long B Nguyen" userId="f59fb8f3-a021-417a-8bc1-65c8d471c621" providerId="ADAL" clId="{308CFCF3-47BA-8D4A-8A80-5ECC75BA7E52}" dt="2019-11-19T12:49:08.416" v="0"/>
-        <pc:sldMkLst>
-          <pc:docMk/>
-          <pc:sldMk cId="2878693247" sldId="318"/>
-        </pc:sldMkLst>
-      </pc:sldChg>
-      <pc:sldChg chg="add">
-        <pc:chgData name="Long B Nguyen" userId="f59fb8f3-a021-417a-8bc1-65c8d471c621" providerId="ADAL" clId="{308CFCF3-47BA-8D4A-8A80-5ECC75BA7E52}" dt="2019-11-19T12:49:08.416" v="0"/>
-        <pc:sldMkLst>
-          <pc:docMk/>
-          <pc:sldMk cId="3014449171" sldId="319"/>
-        </pc:sldMkLst>
-      </pc:sldChg>
-      <pc:sldChg chg="del">
-        <pc:chgData name="Long B Nguyen" userId="f59fb8f3-a021-417a-8bc1-65c8d471c621" providerId="ADAL" clId="{308CFCF3-47BA-8D4A-8A80-5ECC75BA7E52}" dt="2019-11-19T12:49:55.067" v="19" actId="2696"/>
-        <pc:sldMkLst>
-          <pc:docMk/>
-          <pc:sldMk cId="3036972376" sldId="321"/>
-        </pc:sldMkLst>
-      </pc:sldChg>
-      <pc:sldChg chg="add">
-        <pc:chgData name="Long B Nguyen" userId="f59fb8f3-a021-417a-8bc1-65c8d471c621" providerId="ADAL" clId="{308CFCF3-47BA-8D4A-8A80-5ECC75BA7E52}" dt="2019-11-19T12:49:08.416" v="0"/>
-        <pc:sldMkLst>
-          <pc:docMk/>
-          <pc:sldMk cId="1925491708" sldId="322"/>
-        </pc:sldMkLst>
-      </pc:sldChg>
-      <pc:sldChg chg="add">
-        <pc:chgData name="Long B Nguyen" userId="f59fb8f3-a021-417a-8bc1-65c8d471c621" providerId="ADAL" clId="{308CFCF3-47BA-8D4A-8A80-5ECC75BA7E52}" dt="2019-11-19T12:49:08.416" v="0"/>
-        <pc:sldMkLst>
-          <pc:docMk/>
-          <pc:sldMk cId="856464997" sldId="323"/>
-        </pc:sldMkLst>
-      </pc:sldChg>
-      <pc:sldChg chg="del">
-        <pc:chgData name="Long B Nguyen" userId="f59fb8f3-a021-417a-8bc1-65c8d471c621" providerId="ADAL" clId="{308CFCF3-47BA-8D4A-8A80-5ECC75BA7E52}" dt="2019-11-19T12:49:54.854" v="12" actId="2696"/>
-        <pc:sldMkLst>
-          <pc:docMk/>
-          <pc:sldMk cId="3329169435" sldId="324"/>
-        </pc:sldMkLst>
-      </pc:sldChg>
-      <pc:sldChg chg="add">
-        <pc:chgData name="Long B Nguyen" userId="f59fb8f3-a021-417a-8bc1-65c8d471c621" providerId="ADAL" clId="{308CFCF3-47BA-8D4A-8A80-5ECC75BA7E52}" dt="2019-11-19T12:49:08.416" v="0"/>
-        <pc:sldMkLst>
-          <pc:docMk/>
-          <pc:sldMk cId="2537719982" sldId="325"/>
-        </pc:sldMkLst>
-      </pc:sldChg>
-      <pc:sldChg chg="add">
-        <pc:chgData name="Long B Nguyen" userId="f59fb8f3-a021-417a-8bc1-65c8d471c621" providerId="ADAL" clId="{308CFCF3-47BA-8D4A-8A80-5ECC75BA7E52}" dt="2019-11-19T12:49:08.416" v="0"/>
-        <pc:sldMkLst>
-          <pc:docMk/>
-          <pc:sldMk cId="73332731" sldId="326"/>
-        </pc:sldMkLst>
-      </pc:sldChg>
-      <pc:sldChg chg="add">
-        <pc:chgData name="Long B Nguyen" userId="f59fb8f3-a021-417a-8bc1-65c8d471c621" providerId="ADAL" clId="{308CFCF3-47BA-8D4A-8A80-5ECC75BA7E52}" dt="2019-11-19T12:49:08.416" v="0"/>
-        <pc:sldMkLst>
-          <pc:docMk/>
-          <pc:sldMk cId="3935762855" sldId="327"/>
-        </pc:sldMkLst>
-      </pc:sldChg>
-      <pc:sldChg chg="del">
-        <pc:chgData name="Long B Nguyen" userId="f59fb8f3-a021-417a-8bc1-65c8d471c621" providerId="ADAL" clId="{308CFCF3-47BA-8D4A-8A80-5ECC75BA7E52}" dt="2019-11-19T12:49:54.890" v="13" actId="2696"/>
-        <pc:sldMkLst>
-          <pc:docMk/>
-          <pc:sldMk cId="1776864183" sldId="328"/>
-        </pc:sldMkLst>
-      </pc:sldChg>
-      <pc:sldChg chg="add">
-        <pc:chgData name="Long B Nguyen" userId="f59fb8f3-a021-417a-8bc1-65c8d471c621" providerId="ADAL" clId="{308CFCF3-47BA-8D4A-8A80-5ECC75BA7E52}" dt="2019-11-19T12:49:08.416" v="0"/>
-        <pc:sldMkLst>
-          <pc:docMk/>
-          <pc:sldMk cId="1369627949" sldId="330"/>
-        </pc:sldMkLst>
-      </pc:sldChg>
-      <pc:sldChg chg="del">
-        <pc:chgData name="Long B Nguyen" userId="f59fb8f3-a021-417a-8bc1-65c8d471c621" providerId="ADAL" clId="{308CFCF3-47BA-8D4A-8A80-5ECC75BA7E52}" dt="2019-11-19T12:49:55.092" v="20" actId="2696"/>
-        <pc:sldMkLst>
-          <pc:docMk/>
-          <pc:sldMk cId="1403592009" sldId="331"/>
-        </pc:sldMkLst>
-      </pc:sldChg>
-      <pc:sldChg chg="del">
-        <pc:chgData name="Long B Nguyen" userId="f59fb8f3-a021-417a-8bc1-65c8d471c621" providerId="ADAL" clId="{308CFCF3-47BA-8D4A-8A80-5ECC75BA7E52}" dt="2019-11-19T12:49:55.001" v="17" actId="2696"/>
-        <pc:sldMkLst>
-          <pc:docMk/>
-          <pc:sldMk cId="1776526477" sldId="332"/>
-        </pc:sldMkLst>
-      </pc:sldChg>
-      <pc:sldChg chg="del">
-        <pc:chgData name="Long B Nguyen" userId="f59fb8f3-a021-417a-8bc1-65c8d471c621" providerId="ADAL" clId="{308CFCF3-47BA-8D4A-8A80-5ECC75BA7E52}" dt="2019-11-19T12:49:54.925" v="14" actId="2696"/>
-        <pc:sldMkLst>
-          <pc:docMk/>
-          <pc:sldMk cId="3768911574" sldId="333"/>
-        </pc:sldMkLst>
-      </pc:sldChg>
-      <pc:sldChg chg="del">
-        <pc:chgData name="Long B Nguyen" userId="f59fb8f3-a021-417a-8bc1-65c8d471c621" providerId="ADAL" clId="{308CFCF3-47BA-8D4A-8A80-5ECC75BA7E52}" dt="2019-11-19T12:49:55.115" v="21" actId="2696"/>
-        <pc:sldMkLst>
-          <pc:docMk/>
-          <pc:sldMk cId="1520390356" sldId="334"/>
-        </pc:sldMkLst>
-      </pc:sldChg>
-      <pc:sldChg chg="del">
-        <pc:chgData name="Long B Nguyen" userId="f59fb8f3-a021-417a-8bc1-65c8d471c621" providerId="ADAL" clId="{308CFCF3-47BA-8D4A-8A80-5ECC75BA7E52}" dt="2019-11-19T12:49:54.938" v="15" actId="2696"/>
-        <pc:sldMkLst>
-          <pc:docMk/>
-          <pc:sldMk cId="1370301937" sldId="335"/>
-        </pc:sldMkLst>
-      </pc:sldChg>
-      <pc:sldChg chg="del">
-        <pc:chgData name="Long B Nguyen" userId="f59fb8f3-a021-417a-8bc1-65c8d471c621" providerId="ADAL" clId="{308CFCF3-47BA-8D4A-8A80-5ECC75BA7E52}" dt="2019-11-19T12:49:55.033" v="18" actId="2696"/>
-        <pc:sldMkLst>
-          <pc:docMk/>
-          <pc:sldMk cId="649473723" sldId="336"/>
-        </pc:sldMkLst>
-      </pc:sldChg>
-      <pc:sldChg chg="del">
-        <pc:chgData name="Long B Nguyen" userId="f59fb8f3-a021-417a-8bc1-65c8d471c621" providerId="ADAL" clId="{308CFCF3-47BA-8D4A-8A80-5ECC75BA7E52}" dt="2019-11-19T12:49:55.295" v="29" actId="2696"/>
-        <pc:sldMkLst>
-          <pc:docMk/>
-          <pc:sldMk cId="1454819895" sldId="337"/>
-        </pc:sldMkLst>
-      </pc:sldChg>
-      <pc:sldChg chg="del">
-        <pc:chgData name="Long B Nguyen" userId="f59fb8f3-a021-417a-8bc1-65c8d471c621" providerId="ADAL" clId="{308CFCF3-47BA-8D4A-8A80-5ECC75BA7E52}" dt="2019-11-19T12:49:55.313" v="30" actId="2696"/>
-        <pc:sldMkLst>
-          <pc:docMk/>
-          <pc:sldMk cId="3761802647" sldId="338"/>
-        </pc:sldMkLst>
-      </pc:sldChg>
-      <pc:sldChg chg="del">
-        <pc:chgData name="Long B Nguyen" userId="f59fb8f3-a021-417a-8bc1-65c8d471c621" providerId="ADAL" clId="{308CFCF3-47BA-8D4A-8A80-5ECC75BA7E52}" dt="2019-11-19T12:49:54.789" v="9" actId="2696"/>
-        <pc:sldMkLst>
-          <pc:docMk/>
-          <pc:sldMk cId="2700872664" sldId="339"/>
-        </pc:sldMkLst>
-      </pc:sldChg>
-      <pc:sldChg chg="del">
-        <pc:chgData name="Long B Nguyen" userId="f59fb8f3-a021-417a-8bc1-65c8d471c621" providerId="ADAL" clId="{308CFCF3-47BA-8D4A-8A80-5ECC75BA7E52}" dt="2019-11-19T12:49:54.803" v="10" actId="2696"/>
-        <pc:sldMkLst>
-          <pc:docMk/>
-          <pc:sldMk cId="2044636910" sldId="340"/>
-        </pc:sldMkLst>
-      </pc:sldChg>
-      <pc:sldChg chg="del">
-        <pc:chgData name="Long B Nguyen" userId="f59fb8f3-a021-417a-8bc1-65c8d471c621" providerId="ADAL" clId="{308CFCF3-47BA-8D4A-8A80-5ECC75BA7E52}" dt="2019-11-19T12:49:54.775" v="8" actId="2696"/>
-        <pc:sldMkLst>
-          <pc:docMk/>
-          <pc:sldMk cId="2849583976" sldId="341"/>
-        </pc:sldMkLst>
-      </pc:sldChg>
-      <pc:sldChg chg="del">
-        <pc:chgData name="Long B Nguyen" userId="f59fb8f3-a021-417a-8bc1-65c8d471c621" providerId="ADAL" clId="{308CFCF3-47BA-8D4A-8A80-5ECC75BA7E52}" dt="2019-11-19T12:49:54.762" v="7" actId="2696"/>
-        <pc:sldMkLst>
-          <pc:docMk/>
-          <pc:sldMk cId="1097937752" sldId="342"/>
-        </pc:sldMkLst>
-      </pc:sldChg>
-      <pc:sldChg chg="del">
-        <pc:chgData name="Long B Nguyen" userId="f59fb8f3-a021-417a-8bc1-65c8d471c621" providerId="ADAL" clId="{308CFCF3-47BA-8D4A-8A80-5ECC75BA7E52}" dt="2019-11-19T12:49:55.133" v="22" actId="2696"/>
-        <pc:sldMkLst>
-          <pc:docMk/>
-          <pc:sldMk cId="2946703032" sldId="346"/>
-        </pc:sldMkLst>
-      </pc:sldChg>
-      <pc:sldChg chg="del">
-        <pc:chgData name="Long B Nguyen" userId="f59fb8f3-a021-417a-8bc1-65c8d471c621" providerId="ADAL" clId="{308CFCF3-47BA-8D4A-8A80-5ECC75BA7E52}" dt="2019-11-19T12:49:55.164" v="23" actId="2696"/>
-        <pc:sldMkLst>
-          <pc:docMk/>
-          <pc:sldMk cId="3861312264" sldId="347"/>
-        </pc:sldMkLst>
-      </pc:sldChg>
-      <pc:sldChg chg="del">
-        <pc:chgData name="Long B Nguyen" userId="f59fb8f3-a021-417a-8bc1-65c8d471c621" providerId="ADAL" clId="{308CFCF3-47BA-8D4A-8A80-5ECC75BA7E52}" dt="2019-11-19T12:49:55.189" v="24" actId="2696"/>
-        <pc:sldMkLst>
-          <pc:docMk/>
-          <pc:sldMk cId="4152312606" sldId="348"/>
-        </pc:sldMkLst>
-      </pc:sldChg>
-      <pc:sldChg chg="del">
-        <pc:chgData name="Long B Nguyen" userId="f59fb8f3-a021-417a-8bc1-65c8d471c621" providerId="ADAL" clId="{308CFCF3-47BA-8D4A-8A80-5ECC75BA7E52}" dt="2019-11-19T12:49:55.235" v="26" actId="2696"/>
-        <pc:sldMkLst>
-          <pc:docMk/>
-          <pc:sldMk cId="2239308720" sldId="349"/>
-        </pc:sldMkLst>
-      </pc:sldChg>
-      <pc:sldChg chg="del">
-        <pc:chgData name="Long B Nguyen" userId="f59fb8f3-a021-417a-8bc1-65c8d471c621" providerId="ADAL" clId="{308CFCF3-47BA-8D4A-8A80-5ECC75BA7E52}" dt="2019-11-19T12:49:55.252" v="27" actId="2696"/>
-        <pc:sldMkLst>
-          <pc:docMk/>
-          <pc:sldMk cId="1532134668" sldId="350"/>
-        </pc:sldMkLst>
-      </pc:sldChg>
-      <pc:sldChg chg="del">
-        <pc:chgData name="Long B Nguyen" userId="f59fb8f3-a021-417a-8bc1-65c8d471c621" providerId="ADAL" clId="{308CFCF3-47BA-8D4A-8A80-5ECC75BA7E52}" dt="2019-11-19T12:49:55.212" v="25" actId="2696"/>
-        <pc:sldMkLst>
-          <pc:docMk/>
-          <pc:sldMk cId="3420249496" sldId="351"/>
-        </pc:sldMkLst>
-      </pc:sldChg>
-      <pc:sldChg chg="add">
-        <pc:chgData name="Long B Nguyen" userId="f59fb8f3-a021-417a-8bc1-65c8d471c621" providerId="ADAL" clId="{308CFCF3-47BA-8D4A-8A80-5ECC75BA7E52}" dt="2019-11-19T12:49:08.416" v="0"/>
-        <pc:sldMkLst>
-          <pc:docMk/>
-          <pc:sldMk cId="3212712238" sldId="424"/>
-        </pc:sldMkLst>
-      </pc:sldChg>
-      <pc:sldChg chg="add">
-        <pc:chgData name="Long B Nguyen" userId="f59fb8f3-a021-417a-8bc1-65c8d471c621" providerId="ADAL" clId="{308CFCF3-47BA-8D4A-8A80-5ECC75BA7E52}" dt="2019-11-19T12:49:08.416" v="0"/>
-        <pc:sldMkLst>
-          <pc:docMk/>
-          <pc:sldMk cId="2744089513" sldId="425"/>
-        </pc:sldMkLst>
-      </pc:sldChg>
-      <pc:sldChg chg="add">
-        <pc:chgData name="Long B Nguyen" userId="f59fb8f3-a021-417a-8bc1-65c8d471c621" providerId="ADAL" clId="{308CFCF3-47BA-8D4A-8A80-5ECC75BA7E52}" dt="2019-11-19T12:49:08.416" v="0"/>
-        <pc:sldMkLst>
-          <pc:docMk/>
-          <pc:sldMk cId="3169230028" sldId="426"/>
-        </pc:sldMkLst>
-      </pc:sldChg>
-      <pc:sldChg chg="del">
-        <pc:chgData name="Long B Nguyen" userId="f59fb8f3-a021-417a-8bc1-65c8d471c621" providerId="ADAL" clId="{308CFCF3-47BA-8D4A-8A80-5ECC75BA7E52}" dt="2019-11-19T12:49:54.737" v="5" actId="2696"/>
-        <pc:sldMkLst>
-          <pc:docMk/>
-          <pc:sldMk cId="2101795491" sldId="545"/>
-        </pc:sldMkLst>
-      </pc:sldChg>
-      <pc:sldChg chg="del">
-        <pc:chgData name="Long B Nguyen" userId="f59fb8f3-a021-417a-8bc1-65c8d471c621" providerId="ADAL" clId="{308CFCF3-47BA-8D4A-8A80-5ECC75BA7E52}" dt="2019-11-19T12:49:55.369" v="33" actId="2696"/>
-        <pc:sldMkLst>
-          <pc:docMk/>
-          <pc:sldMk cId="1854861563" sldId="546"/>
-        </pc:sldMkLst>
-      </pc:sldChg>
-      <pc:sldChg chg="del">
-        <pc:chgData name="Long B Nguyen" userId="f59fb8f3-a021-417a-8bc1-65c8d471c621" providerId="ADAL" clId="{308CFCF3-47BA-8D4A-8A80-5ECC75BA7E52}" dt="2019-11-19T12:49:54.838" v="11" actId="2696"/>
-        <pc:sldMkLst>
-          <pc:docMk/>
-          <pc:sldMk cId="906346442" sldId="547"/>
-        </pc:sldMkLst>
-      </pc:sldChg>
-      <pc:sldChg chg="del">
-        <pc:chgData name="Long B Nguyen" userId="f59fb8f3-a021-417a-8bc1-65c8d471c621" providerId="ADAL" clId="{308CFCF3-47BA-8D4A-8A80-5ECC75BA7E52}" dt="2019-11-19T12:49:54.972" v="16" actId="2696"/>
-        <pc:sldMkLst>
-          <pc:docMk/>
-          <pc:sldMk cId="2079192273" sldId="548"/>
-        </pc:sldMkLst>
-      </pc:sldChg>
-      <pc:sldChg chg="del">
-        <pc:chgData name="Long B Nguyen" userId="f59fb8f3-a021-417a-8bc1-65c8d471c621" providerId="ADAL" clId="{308CFCF3-47BA-8D4A-8A80-5ECC75BA7E52}" dt="2019-11-19T12:49:55.340" v="31" actId="2696"/>
-        <pc:sldMkLst>
-          <pc:docMk/>
-          <pc:sldMk cId="1299838656" sldId="549"/>
-        </pc:sldMkLst>
-      </pc:sldChg>
-      <pc:sldChg chg="del">
-        <pc:chgData name="Long B Nguyen" userId="f59fb8f3-a021-417a-8bc1-65c8d471c621" providerId="ADAL" clId="{308CFCF3-47BA-8D4A-8A80-5ECC75BA7E52}" dt="2019-11-19T12:49:55.357" v="32" actId="2696"/>
-        <pc:sldMkLst>
-          <pc:docMk/>
-          <pc:sldMk cId="2820908233" sldId="551"/>
-        </pc:sldMkLst>
-      </pc:sldChg>
-      <pc:sldChg chg="del">
-        <pc:chgData name="Long B Nguyen" userId="f59fb8f3-a021-417a-8bc1-65c8d471c621" providerId="ADAL" clId="{308CFCF3-47BA-8D4A-8A80-5ECC75BA7E52}" dt="2019-11-19T12:49:55.279" v="28" actId="2696"/>
-        <pc:sldMkLst>
-          <pc:docMk/>
-          <pc:sldMk cId="1358728332" sldId="553"/>
-        </pc:sldMkLst>
-      </pc:sldChg>
-      <pc:sldChg chg="del">
-        <pc:chgData name="Long B Nguyen" userId="f59fb8f3-a021-417a-8bc1-65c8d471c621" providerId="ADAL" clId="{308CFCF3-47BA-8D4A-8A80-5ECC75BA7E52}" dt="2019-11-19T12:49:55.378" v="34" actId="2696"/>
-        <pc:sldMkLst>
-          <pc:docMk/>
-          <pc:sldMk cId="3027756854" sldId="554"/>
-        </pc:sldMkLst>
-      </pc:sldChg>
-      <pc:sldChg chg="add">
-        <pc:chgData name="Long B Nguyen" userId="f59fb8f3-a021-417a-8bc1-65c8d471c621" providerId="ADAL" clId="{308CFCF3-47BA-8D4A-8A80-5ECC75BA7E52}" dt="2019-11-19T12:49:08.416" v="0"/>
-        <pc:sldMkLst>
-          <pc:docMk/>
-          <pc:sldMk cId="847347657" sldId="555"/>
-        </pc:sldMkLst>
-      </pc:sldChg>
-      <pc:sldChg chg="modSp add">
-        <pc:chgData name="Long B Nguyen" userId="f59fb8f3-a021-417a-8bc1-65c8d471c621" providerId="ADAL" clId="{308CFCF3-47BA-8D4A-8A80-5ECC75BA7E52}" dt="2019-11-19T12:50:23.367" v="38" actId="207"/>
-        <pc:sldMkLst>
-          <pc:docMk/>
-          <pc:sldMk cId="3515362357" sldId="556"/>
-        </pc:sldMkLst>
-        <pc:spChg chg="mod">
-          <ac:chgData name="Long B Nguyen" userId="f59fb8f3-a021-417a-8bc1-65c8d471c621" providerId="ADAL" clId="{308CFCF3-47BA-8D4A-8A80-5ECC75BA7E52}" dt="2019-11-19T12:50:23.367" v="38" actId="207"/>
-          <ac:spMkLst>
-            <pc:docMk/>
-            <pc:sldMk cId="3515362357" sldId="556"/>
-            <ac:spMk id="20483" creationId="{11D6A34E-F264-984B-AD46-8F4C5C826246}"/>
-          </ac:spMkLst>
-        </pc:spChg>
-      </pc:sldChg>
-      <pc:sldChg chg="modSp add">
-        <pc:chgData name="Long B Nguyen" userId="f59fb8f3-a021-417a-8bc1-65c8d471c621" providerId="ADAL" clId="{308CFCF3-47BA-8D4A-8A80-5ECC75BA7E52}" dt="2019-11-19T12:49:34.413" v="3" actId="1076"/>
-        <pc:sldMkLst>
-          <pc:docMk/>
-          <pc:sldMk cId="56364418" sldId="557"/>
-        </pc:sldMkLst>
-        <pc:spChg chg="mod">
-          <ac:chgData name="Long B Nguyen" userId="f59fb8f3-a021-417a-8bc1-65c8d471c621" providerId="ADAL" clId="{308CFCF3-47BA-8D4A-8A80-5ECC75BA7E52}" dt="2019-11-19T12:49:34.413" v="3" actId="1076"/>
-          <ac:spMkLst>
-            <pc:docMk/>
-            <pc:sldMk cId="56364418" sldId="557"/>
-            <ac:spMk id="20482" creationId="{6D756BCF-3D62-744E-A1A2-5EA11AF1F5DE}"/>
-          </ac:spMkLst>
-        </pc:spChg>
-      </pc:sldChg>
-      <pc:sldChg chg="modSp add">
-        <pc:chgData name="Long B Nguyen" userId="f59fb8f3-a021-417a-8bc1-65c8d471c621" providerId="ADAL" clId="{308CFCF3-47BA-8D4A-8A80-5ECC75BA7E52}" dt="2019-11-19T12:49:29.575" v="2" actId="1076"/>
-        <pc:sldMkLst>
-          <pc:docMk/>
-          <pc:sldMk cId="4185702486" sldId="558"/>
-        </pc:sldMkLst>
-        <pc:spChg chg="mod">
-          <ac:chgData name="Long B Nguyen" userId="f59fb8f3-a021-417a-8bc1-65c8d471c621" providerId="ADAL" clId="{308CFCF3-47BA-8D4A-8A80-5ECC75BA7E52}" dt="2019-11-19T12:49:29.575" v="2" actId="1076"/>
-          <ac:spMkLst>
-            <pc:docMk/>
-            <pc:sldMk cId="4185702486" sldId="558"/>
-            <ac:spMk id="20482" creationId="{6D756BCF-3D62-744E-A1A2-5EA11AF1F5DE}"/>
-          </ac:spMkLst>
-        </pc:spChg>
-      </pc:sldChg>
-      <pc:sldChg chg="add">
-        <pc:chgData name="Long B Nguyen" userId="f59fb8f3-a021-417a-8bc1-65c8d471c621" providerId="ADAL" clId="{308CFCF3-47BA-8D4A-8A80-5ECC75BA7E52}" dt="2019-11-19T12:49:08.416" v="0"/>
-        <pc:sldMkLst>
-          <pc:docMk/>
-          <pc:sldMk cId="2190184513" sldId="559"/>
-        </pc:sldMkLst>
-      </pc:sldChg>
-      <pc:sldChg chg="add">
-        <pc:chgData name="Long B Nguyen" userId="f59fb8f3-a021-417a-8bc1-65c8d471c621" providerId="ADAL" clId="{308CFCF3-47BA-8D4A-8A80-5ECC75BA7E52}" dt="2019-11-19T12:49:08.416" v="0"/>
-        <pc:sldMkLst>
-          <pc:docMk/>
-          <pc:sldMk cId="3797534927" sldId="560"/>
-        </pc:sldMkLst>
-      </pc:sldChg>
-      <pc:sldChg chg="add">
-        <pc:chgData name="Long B Nguyen" userId="f59fb8f3-a021-417a-8bc1-65c8d471c621" providerId="ADAL" clId="{308CFCF3-47BA-8D4A-8A80-5ECC75BA7E52}" dt="2019-11-19T12:49:08.416" v="0"/>
-        <pc:sldMkLst>
-          <pc:docMk/>
-          <pc:sldMk cId="3461972299" sldId="561"/>
-        </pc:sldMkLst>
-      </pc:sldChg>
-      <pc:sldChg chg="add">
-        <pc:chgData name="Long B Nguyen" userId="f59fb8f3-a021-417a-8bc1-65c8d471c621" providerId="ADAL" clId="{308CFCF3-47BA-8D4A-8A80-5ECC75BA7E52}" dt="2019-11-19T12:49:08.416" v="0"/>
-        <pc:sldMkLst>
-          <pc:docMk/>
-          <pc:sldMk cId="2056856836" sldId="562"/>
-        </pc:sldMkLst>
-      </pc:sldChg>
-      <pc:sldChg chg="add">
-        <pc:chgData name="Long B Nguyen" userId="f59fb8f3-a021-417a-8bc1-65c8d471c621" providerId="ADAL" clId="{308CFCF3-47BA-8D4A-8A80-5ECC75BA7E52}" dt="2019-11-19T12:49:08.416" v="0"/>
-        <pc:sldMkLst>
-          <pc:docMk/>
-          <pc:sldMk cId="1129266536" sldId="563"/>
-        </pc:sldMkLst>
-      </pc:sldChg>
-      <pc:sldChg chg="add">
-        <pc:chgData name="Long B Nguyen" userId="f59fb8f3-a021-417a-8bc1-65c8d471c621" providerId="ADAL" clId="{308CFCF3-47BA-8D4A-8A80-5ECC75BA7E52}" dt="2019-11-19T12:49:08.416" v="0"/>
-        <pc:sldMkLst>
-          <pc:docMk/>
-          <pc:sldMk cId="602950482" sldId="564"/>
-        </pc:sldMkLst>
-      </pc:sldChg>
-      <pc:sldChg chg="add">
-        <pc:chgData name="Long B Nguyen" userId="f59fb8f3-a021-417a-8bc1-65c8d471c621" providerId="ADAL" clId="{308CFCF3-47BA-8D4A-8A80-5ECC75BA7E52}" dt="2019-11-19T12:49:08.416" v="0"/>
-        <pc:sldMkLst>
-          <pc:docMk/>
-          <pc:sldMk cId="4104989124" sldId="565"/>
-        </pc:sldMkLst>
-      </pc:sldChg>
-      <pc:sldChg chg="add">
-        <pc:chgData name="Long B Nguyen" userId="f59fb8f3-a021-417a-8bc1-65c8d471c621" providerId="ADAL" clId="{308CFCF3-47BA-8D4A-8A80-5ECC75BA7E52}" dt="2019-11-19T12:49:08.416" v="0"/>
-        <pc:sldMkLst>
-          <pc:docMk/>
-          <pc:sldMk cId="2615412358" sldId="566"/>
-        </pc:sldMkLst>
       </pc:sldChg>
     </pc:docChg>
   </pc:docChgLst>
@@ -2089,1902 +4048,6 @@
           <ac:spMkLst>
             <pc:docMk/>
             <pc:sldMk cId="1245941282" sldId="577"/>
-            <ac:spMk id="35842" creationId="{C94BCA01-D831-ED4D-84FD-C30E8117F872}"/>
-          </ac:spMkLst>
-        </pc:spChg>
-      </pc:sldChg>
-    </pc:docChg>
-  </pc:docChgLst>
-  <pc:docChgLst>
-    <pc:chgData name="Long B Nguyen" userId="f59fb8f3-a021-417a-8bc1-65c8d471c621" providerId="ADAL" clId="{8C729B60-193B-8444-910A-752A96A0942F}"/>
-    <pc:docChg chg="modSld">
-      <pc:chgData name="Long B Nguyen" userId="f59fb8f3-a021-417a-8bc1-65c8d471c621" providerId="ADAL" clId="{8C729B60-193B-8444-910A-752A96A0942F}" dt="2020-03-29T01:57:52.362" v="1" actId="20577"/>
-      <pc:docMkLst>
-        <pc:docMk/>
-      </pc:docMkLst>
-      <pc:sldChg chg="modSp">
-        <pc:chgData name="Long B Nguyen" userId="f59fb8f3-a021-417a-8bc1-65c8d471c621" providerId="ADAL" clId="{8C729B60-193B-8444-910A-752A96A0942F}" dt="2020-03-29T01:57:52.362" v="1" actId="20577"/>
-        <pc:sldMkLst>
-          <pc:docMk/>
-          <pc:sldMk cId="1880090826" sldId="316"/>
-        </pc:sldMkLst>
-        <pc:spChg chg="mod">
-          <ac:chgData name="Long B Nguyen" userId="f59fb8f3-a021-417a-8bc1-65c8d471c621" providerId="ADAL" clId="{8C729B60-193B-8444-910A-752A96A0942F}" dt="2020-03-29T01:57:52.362" v="1" actId="20577"/>
-          <ac:spMkLst>
-            <pc:docMk/>
-            <pc:sldMk cId="1880090826" sldId="316"/>
-            <ac:spMk id="10242" creationId="{2E23079A-5ACF-FA4B-BC1D-0D52C05F7CA4}"/>
-          </ac:spMkLst>
-        </pc:spChg>
-      </pc:sldChg>
-    </pc:docChg>
-  </pc:docChgLst>
-  <pc:docChgLst>
-    <pc:chgData name="Long Nguyen" userId="f59fb8f3-a021-417a-8bc1-65c8d471c621" providerId="ADAL" clId="{B6BE90CF-AC9C-104F-8CE4-3F4B9598DB46}"/>
-    <pc:docChg chg="custSel addSld delSld modSld">
-      <pc:chgData name="Long Nguyen" userId="f59fb8f3-a021-417a-8bc1-65c8d471c621" providerId="ADAL" clId="{B6BE90CF-AC9C-104F-8CE4-3F4B9598DB46}" dt="2022-08-25T14:27:19.287" v="91"/>
-      <pc:docMkLst>
-        <pc:docMk/>
-      </pc:docMkLst>
-      <pc:sldChg chg="del">
-        <pc:chgData name="Long Nguyen" userId="f59fb8f3-a021-417a-8bc1-65c8d471c621" providerId="ADAL" clId="{B6BE90CF-AC9C-104F-8CE4-3F4B9598DB46}" dt="2022-08-25T14:19:07.335" v="0" actId="2696"/>
-        <pc:sldMkLst>
-          <pc:docMk/>
-          <pc:sldMk cId="1769313612" sldId="306"/>
-        </pc:sldMkLst>
-      </pc:sldChg>
-      <pc:sldChg chg="del">
-        <pc:chgData name="Long Nguyen" userId="f59fb8f3-a021-417a-8bc1-65c8d471c621" providerId="ADAL" clId="{B6BE90CF-AC9C-104F-8CE4-3F4B9598DB46}" dt="2022-08-25T14:19:07.335" v="0" actId="2696"/>
-        <pc:sldMkLst>
-          <pc:docMk/>
-          <pc:sldMk cId="2659683092" sldId="308"/>
-        </pc:sldMkLst>
-      </pc:sldChg>
-      <pc:sldChg chg="del">
-        <pc:chgData name="Long Nguyen" userId="f59fb8f3-a021-417a-8bc1-65c8d471c621" providerId="ADAL" clId="{B6BE90CF-AC9C-104F-8CE4-3F4B9598DB46}" dt="2022-08-25T14:19:07.335" v="0" actId="2696"/>
-        <pc:sldMkLst>
-          <pc:docMk/>
-          <pc:sldMk cId="3170541048" sldId="312"/>
-        </pc:sldMkLst>
-      </pc:sldChg>
-      <pc:sldChg chg="del">
-        <pc:chgData name="Long Nguyen" userId="f59fb8f3-a021-417a-8bc1-65c8d471c621" providerId="ADAL" clId="{B6BE90CF-AC9C-104F-8CE4-3F4B9598DB46}" dt="2022-08-25T14:19:07.335" v="0" actId="2696"/>
-        <pc:sldMkLst>
-          <pc:docMk/>
-          <pc:sldMk cId="1518376867" sldId="313"/>
-        </pc:sldMkLst>
-      </pc:sldChg>
-      <pc:sldChg chg="add del">
-        <pc:chgData name="Long Nguyen" userId="f59fb8f3-a021-417a-8bc1-65c8d471c621" providerId="ADAL" clId="{B6BE90CF-AC9C-104F-8CE4-3F4B9598DB46}" dt="2022-08-25T14:27:02.453" v="89" actId="2696"/>
-        <pc:sldMkLst>
-          <pc:docMk/>
-          <pc:sldMk cId="3477128042" sldId="327"/>
-        </pc:sldMkLst>
-      </pc:sldChg>
-      <pc:sldChg chg="del">
-        <pc:chgData name="Long Nguyen" userId="f59fb8f3-a021-417a-8bc1-65c8d471c621" providerId="ADAL" clId="{B6BE90CF-AC9C-104F-8CE4-3F4B9598DB46}" dt="2022-08-25T14:25:21.378" v="21" actId="2696"/>
-        <pc:sldMkLst>
-          <pc:docMk/>
-          <pc:sldMk cId="3182006449" sldId="424"/>
-        </pc:sldMkLst>
-      </pc:sldChg>
-      <pc:sldChg chg="modSp add mod">
-        <pc:chgData name="Long Nguyen" userId="f59fb8f3-a021-417a-8bc1-65c8d471c621" providerId="ADAL" clId="{B6BE90CF-AC9C-104F-8CE4-3F4B9598DB46}" dt="2022-08-25T14:26:42.674" v="88" actId="20577"/>
-        <pc:sldMkLst>
-          <pc:docMk/>
-          <pc:sldMk cId="4045518149" sldId="427"/>
-        </pc:sldMkLst>
-        <pc:spChg chg="mod">
-          <ac:chgData name="Long Nguyen" userId="f59fb8f3-a021-417a-8bc1-65c8d471c621" providerId="ADAL" clId="{B6BE90CF-AC9C-104F-8CE4-3F4B9598DB46}" dt="2022-08-25T14:26:42.674" v="88" actId="20577"/>
-          <ac:spMkLst>
-            <pc:docMk/>
-            <pc:sldMk cId="4045518149" sldId="427"/>
-            <ac:spMk id="20483" creationId="{A8F31A66-1B3E-984C-AD67-E6CB9676BCA4}"/>
-          </ac:spMkLst>
-        </pc:spChg>
-      </pc:sldChg>
-      <pc:sldChg chg="modSp mod">
-        <pc:chgData name="Long Nguyen" userId="f59fb8f3-a021-417a-8bc1-65c8d471c621" providerId="ADAL" clId="{B6BE90CF-AC9C-104F-8CE4-3F4B9598DB46}" dt="2022-08-25T14:19:32.992" v="20" actId="20577"/>
-        <pc:sldMkLst>
-          <pc:docMk/>
-          <pc:sldMk cId="847347657" sldId="555"/>
-        </pc:sldMkLst>
-        <pc:spChg chg="mod">
-          <ac:chgData name="Long Nguyen" userId="f59fb8f3-a021-417a-8bc1-65c8d471c621" providerId="ADAL" clId="{B6BE90CF-AC9C-104F-8CE4-3F4B9598DB46}" dt="2022-08-25T14:19:32.992" v="20" actId="20577"/>
-          <ac:spMkLst>
-            <pc:docMk/>
-            <pc:sldMk cId="847347657" sldId="555"/>
-            <ac:spMk id="3" creationId="{69ADCD5C-363A-6249-B0DD-5A7EF5ACE656}"/>
-          </ac:spMkLst>
-        </pc:spChg>
-      </pc:sldChg>
-      <pc:sldChg chg="del">
-        <pc:chgData name="Long Nguyen" userId="f59fb8f3-a021-417a-8bc1-65c8d471c621" providerId="ADAL" clId="{B6BE90CF-AC9C-104F-8CE4-3F4B9598DB46}" dt="2022-08-25T14:19:07.335" v="0" actId="2696"/>
-        <pc:sldMkLst>
-          <pc:docMk/>
-          <pc:sldMk cId="3515362357" sldId="556"/>
-        </pc:sldMkLst>
-      </pc:sldChg>
-      <pc:sldChg chg="del">
-        <pc:chgData name="Long Nguyen" userId="f59fb8f3-a021-417a-8bc1-65c8d471c621" providerId="ADAL" clId="{B6BE90CF-AC9C-104F-8CE4-3F4B9598DB46}" dt="2022-08-25T14:19:07.335" v="0" actId="2696"/>
-        <pc:sldMkLst>
-          <pc:docMk/>
-          <pc:sldMk cId="56364418" sldId="557"/>
-        </pc:sldMkLst>
-      </pc:sldChg>
-      <pc:sldChg chg="del">
-        <pc:chgData name="Long Nguyen" userId="f59fb8f3-a021-417a-8bc1-65c8d471c621" providerId="ADAL" clId="{B6BE90CF-AC9C-104F-8CE4-3F4B9598DB46}" dt="2022-08-25T14:19:07.335" v="0" actId="2696"/>
-        <pc:sldMkLst>
-          <pc:docMk/>
-          <pc:sldMk cId="4185702486" sldId="558"/>
-        </pc:sldMkLst>
-      </pc:sldChg>
-      <pc:sldChg chg="del">
-        <pc:chgData name="Long Nguyen" userId="f59fb8f3-a021-417a-8bc1-65c8d471c621" providerId="ADAL" clId="{B6BE90CF-AC9C-104F-8CE4-3F4B9598DB46}" dt="2022-08-25T14:25:23.966" v="23" actId="2696"/>
-        <pc:sldMkLst>
-          <pc:docMk/>
-          <pc:sldMk cId="3461972299" sldId="561"/>
-        </pc:sldMkLst>
-      </pc:sldChg>
-      <pc:sldChg chg="add">
-        <pc:chgData name="Long Nguyen" userId="f59fb8f3-a021-417a-8bc1-65c8d471c621" providerId="ADAL" clId="{B6BE90CF-AC9C-104F-8CE4-3F4B9598DB46}" dt="2022-08-25T14:27:19.287" v="91"/>
-        <pc:sldMkLst>
-          <pc:docMk/>
-          <pc:sldMk cId="3337710789" sldId="565"/>
-        </pc:sldMkLst>
-      </pc:sldChg>
-      <pc:sldChg chg="add del">
-        <pc:chgData name="Long Nguyen" userId="f59fb8f3-a021-417a-8bc1-65c8d471c621" providerId="ADAL" clId="{B6BE90CF-AC9C-104F-8CE4-3F4B9598DB46}" dt="2022-08-25T14:27:17.893" v="90" actId="2696"/>
-        <pc:sldMkLst>
-          <pc:docMk/>
-          <pc:sldMk cId="4104989124" sldId="565"/>
-        </pc:sldMkLst>
-      </pc:sldChg>
-      <pc:sldChg chg="del">
-        <pc:chgData name="Long Nguyen" userId="f59fb8f3-a021-417a-8bc1-65c8d471c621" providerId="ADAL" clId="{B6BE90CF-AC9C-104F-8CE4-3F4B9598DB46}" dt="2022-08-25T14:19:07.335" v="0" actId="2696"/>
-        <pc:sldMkLst>
-          <pc:docMk/>
-          <pc:sldMk cId="2681292538" sldId="567"/>
-        </pc:sldMkLst>
-      </pc:sldChg>
-      <pc:sldChg chg="modSp add del mod">
-        <pc:chgData name="Long Nguyen" userId="f59fb8f3-a021-417a-8bc1-65c8d471c621" providerId="ADAL" clId="{B6BE90CF-AC9C-104F-8CE4-3F4B9598DB46}" dt="2022-08-25T14:25:47.466" v="27" actId="2696"/>
-        <pc:sldMkLst>
-          <pc:docMk/>
-          <pc:sldMk cId="1316208775" sldId="568"/>
-        </pc:sldMkLst>
-        <pc:spChg chg="mod">
-          <ac:chgData name="Long Nguyen" userId="f59fb8f3-a021-417a-8bc1-65c8d471c621" providerId="ADAL" clId="{B6BE90CF-AC9C-104F-8CE4-3F4B9598DB46}" dt="2022-08-25T14:25:26.168" v="26" actId="27636"/>
-          <ac:spMkLst>
-            <pc:docMk/>
-            <pc:sldMk cId="1316208775" sldId="568"/>
-            <ac:spMk id="30722" creationId="{C70E3A34-0037-734F-81D6-0339361ED841}"/>
-          </ac:spMkLst>
-        </pc:spChg>
-      </pc:sldChg>
-      <pc:sldChg chg="del">
-        <pc:chgData name="Long Nguyen" userId="f59fb8f3-a021-417a-8bc1-65c8d471c621" providerId="ADAL" clId="{B6BE90CF-AC9C-104F-8CE4-3F4B9598DB46}" dt="2022-08-25T14:19:07.335" v="0" actId="2696"/>
-        <pc:sldMkLst>
-          <pc:docMk/>
-          <pc:sldMk cId="662705235" sldId="571"/>
-        </pc:sldMkLst>
-      </pc:sldChg>
-      <pc:sldChg chg="del">
-        <pc:chgData name="Long Nguyen" userId="f59fb8f3-a021-417a-8bc1-65c8d471c621" providerId="ADAL" clId="{B6BE90CF-AC9C-104F-8CE4-3F4B9598DB46}" dt="2022-08-25T14:19:07.335" v="0" actId="2696"/>
-        <pc:sldMkLst>
-          <pc:docMk/>
-          <pc:sldMk cId="38565667" sldId="573"/>
-        </pc:sldMkLst>
-      </pc:sldChg>
-      <pc:sldChg chg="add">
-        <pc:chgData name="Long Nguyen" userId="f59fb8f3-a021-417a-8bc1-65c8d471c621" providerId="ADAL" clId="{B6BE90CF-AC9C-104F-8CE4-3F4B9598DB46}" dt="2022-08-25T14:25:26.066" v="24"/>
-        <pc:sldMkLst>
-          <pc:docMk/>
-          <pc:sldMk cId="124955920" sldId="573"/>
-        </pc:sldMkLst>
-      </pc:sldChg>
-    </pc:docChg>
-  </pc:docChgLst>
-  <pc:docChgLst>
-    <pc:chgData name="Long Nguyen" userId="f59fb8f3-a021-417a-8bc1-65c8d471c621" providerId="ADAL" clId="{DEEC9A6B-597B-A549-8046-E8A6FAF2541E}"/>
-    <pc:docChg chg="addSld modSld">
-      <pc:chgData name="Long Nguyen" userId="f59fb8f3-a021-417a-8bc1-65c8d471c621" providerId="ADAL" clId="{DEEC9A6B-597B-A549-8046-E8A6FAF2541E}" dt="2022-01-10T19:13:47.222" v="827"/>
-      <pc:docMkLst>
-        <pc:docMk/>
-      </pc:docMkLst>
-      <pc:sldChg chg="modSp">
-        <pc:chgData name="Long Nguyen" userId="f59fb8f3-a021-417a-8bc1-65c8d471c621" providerId="ADAL" clId="{DEEC9A6B-597B-A549-8046-E8A6FAF2541E}" dt="2022-01-10T16:01:48.822" v="805" actId="20577"/>
-        <pc:sldMkLst>
-          <pc:docMk/>
-          <pc:sldMk cId="1190543687" sldId="341"/>
-        </pc:sldMkLst>
-        <pc:spChg chg="mod">
-          <ac:chgData name="Long Nguyen" userId="f59fb8f3-a021-417a-8bc1-65c8d471c621" providerId="ADAL" clId="{DEEC9A6B-597B-A549-8046-E8A6FAF2541E}" dt="2022-01-10T16:01:48.822" v="805" actId="20577"/>
-          <ac:spMkLst>
-            <pc:docMk/>
-            <pc:sldMk cId="1190543687" sldId="341"/>
-            <ac:spMk id="9" creationId="{E3B2E017-30B2-884B-A113-B419A2ED51AD}"/>
-          </ac:spMkLst>
-        </pc:spChg>
-      </pc:sldChg>
-      <pc:sldChg chg="addSp modSp modAnim">
-        <pc:chgData name="Long Nguyen" userId="f59fb8f3-a021-417a-8bc1-65c8d471c621" providerId="ADAL" clId="{DEEC9A6B-597B-A549-8046-E8A6FAF2541E}" dt="2022-01-10T15:05:52.399" v="414"/>
-        <pc:sldMkLst>
-          <pc:docMk/>
-          <pc:sldMk cId="2681292538" sldId="567"/>
-        </pc:sldMkLst>
-        <pc:spChg chg="mod">
-          <ac:chgData name="Long Nguyen" userId="f59fb8f3-a021-417a-8bc1-65c8d471c621" providerId="ADAL" clId="{DEEC9A6B-597B-A549-8046-E8A6FAF2541E}" dt="2022-01-10T14:56:41.122" v="56" actId="20577"/>
-          <ac:spMkLst>
-            <pc:docMk/>
-            <pc:sldMk cId="2681292538" sldId="567"/>
-            <ac:spMk id="2" creationId="{C360779D-4CA6-E54E-AF40-CFF286ECEDB6}"/>
-          </ac:spMkLst>
-        </pc:spChg>
-        <pc:spChg chg="mod">
-          <ac:chgData name="Long Nguyen" userId="f59fb8f3-a021-417a-8bc1-65c8d471c621" providerId="ADAL" clId="{DEEC9A6B-597B-A549-8046-E8A6FAF2541E}" dt="2022-01-10T14:57:15.920" v="88" actId="20577"/>
-          <ac:spMkLst>
-            <pc:docMk/>
-            <pc:sldMk cId="2681292538" sldId="567"/>
-            <ac:spMk id="7" creationId="{FCD9C15D-1329-1444-B6C2-5E444C159CB2}"/>
-          </ac:spMkLst>
-        </pc:spChg>
-        <pc:spChg chg="add mod">
-          <ac:chgData name="Long Nguyen" userId="f59fb8f3-a021-417a-8bc1-65c8d471c621" providerId="ADAL" clId="{DEEC9A6B-597B-A549-8046-E8A6FAF2541E}" dt="2022-01-10T14:57:53.445" v="90" actId="20577"/>
-          <ac:spMkLst>
-            <pc:docMk/>
-            <pc:sldMk cId="2681292538" sldId="567"/>
-            <ac:spMk id="9" creationId="{6947F684-5A40-904D-92F6-7871C732A6FC}"/>
-          </ac:spMkLst>
-        </pc:spChg>
-        <pc:spChg chg="add mod">
-          <ac:chgData name="Long Nguyen" userId="f59fb8f3-a021-417a-8bc1-65c8d471c621" providerId="ADAL" clId="{DEEC9A6B-597B-A549-8046-E8A6FAF2541E}" dt="2022-01-10T15:01:55.951" v="300" actId="20577"/>
-          <ac:spMkLst>
-            <pc:docMk/>
-            <pc:sldMk cId="2681292538" sldId="567"/>
-            <ac:spMk id="10" creationId="{6CBCEBFC-7FEB-A942-8AA6-1D8C8EE77906}"/>
-          </ac:spMkLst>
-        </pc:spChg>
-        <pc:spChg chg="add mod">
-          <ac:chgData name="Long Nguyen" userId="f59fb8f3-a021-417a-8bc1-65c8d471c621" providerId="ADAL" clId="{DEEC9A6B-597B-A549-8046-E8A6FAF2541E}" dt="2022-01-10T15:01:50.244" v="288" actId="20577"/>
-          <ac:spMkLst>
-            <pc:docMk/>
-            <pc:sldMk cId="2681292538" sldId="567"/>
-            <ac:spMk id="15" creationId="{3FA56609-6251-2345-BA26-D035BE446C47}"/>
-          </ac:spMkLst>
-        </pc:spChg>
-        <pc:spChg chg="mod">
-          <ac:chgData name="Long Nguyen" userId="f59fb8f3-a021-417a-8bc1-65c8d471c621" providerId="ADAL" clId="{DEEC9A6B-597B-A549-8046-E8A6FAF2541E}" dt="2022-01-10T15:00:32.436" v="186" actId="20577"/>
-          <ac:spMkLst>
-            <pc:docMk/>
-            <pc:sldMk cId="2681292538" sldId="567"/>
-            <ac:spMk id="35842" creationId="{C94BCA01-D831-ED4D-84FD-C30E8117F872}"/>
-          </ac:spMkLst>
-        </pc:spChg>
-        <pc:cxnChg chg="add mod">
-          <ac:chgData name="Long Nguyen" userId="f59fb8f3-a021-417a-8bc1-65c8d471c621" providerId="ADAL" clId="{DEEC9A6B-597B-A549-8046-E8A6FAF2541E}" dt="2022-01-10T15:00:41.622" v="187"/>
-          <ac:cxnSpMkLst>
-            <pc:docMk/>
-            <pc:sldMk cId="2681292538" sldId="567"/>
-            <ac:cxnSpMk id="11" creationId="{4E4AC876-0F77-7543-B7D3-9FBA2F410F0C}"/>
-          </ac:cxnSpMkLst>
-        </pc:cxnChg>
-        <pc:cxnChg chg="add mod">
-          <ac:chgData name="Long Nguyen" userId="f59fb8f3-a021-417a-8bc1-65c8d471c621" providerId="ADAL" clId="{DEEC9A6B-597B-A549-8046-E8A6FAF2541E}" dt="2022-01-10T15:01:31.700" v="243"/>
-          <ac:cxnSpMkLst>
-            <pc:docMk/>
-            <pc:sldMk cId="2681292538" sldId="567"/>
-            <ac:cxnSpMk id="16" creationId="{75E9AD7F-0E14-4E4B-9F19-CF7FF14EDDA7}"/>
-          </ac:cxnSpMkLst>
-        </pc:cxnChg>
-      </pc:sldChg>
-      <pc:sldChg chg="addSp modSp modAnim">
-        <pc:chgData name="Long Nguyen" userId="f59fb8f3-a021-417a-8bc1-65c8d471c621" providerId="ADAL" clId="{DEEC9A6B-597B-A549-8046-E8A6FAF2541E}" dt="2022-01-10T15:06:14.745" v="418"/>
-        <pc:sldMkLst>
-          <pc:docMk/>
-          <pc:sldMk cId="38565667" sldId="573"/>
-        </pc:sldMkLst>
-        <pc:spChg chg="add mod">
-          <ac:chgData name="Long Nguyen" userId="f59fb8f3-a021-417a-8bc1-65c8d471c621" providerId="ADAL" clId="{DEEC9A6B-597B-A549-8046-E8A6FAF2541E}" dt="2022-01-10T15:04:19.558" v="355" actId="20577"/>
-          <ac:spMkLst>
-            <pc:docMk/>
-            <pc:sldMk cId="38565667" sldId="573"/>
-            <ac:spMk id="9" creationId="{35CC8408-E93C-EB4D-BCE0-708761392E17}"/>
-          </ac:spMkLst>
-        </pc:spChg>
-        <pc:spChg chg="add mod">
-          <ac:chgData name="Long Nguyen" userId="f59fb8f3-a021-417a-8bc1-65c8d471c621" providerId="ADAL" clId="{DEEC9A6B-597B-A549-8046-E8A6FAF2541E}" dt="2022-01-10T15:05:13.458" v="410" actId="20577"/>
-          <ac:spMkLst>
-            <pc:docMk/>
-            <pc:sldMk cId="38565667" sldId="573"/>
-            <ac:spMk id="13" creationId="{89954A57-FAD0-2145-9240-CC143305A109}"/>
-          </ac:spMkLst>
-        </pc:spChg>
-        <pc:spChg chg="mod">
-          <ac:chgData name="Long Nguyen" userId="f59fb8f3-a021-417a-8bc1-65c8d471c621" providerId="ADAL" clId="{DEEC9A6B-597B-A549-8046-E8A6FAF2541E}" dt="2022-01-10T15:03:21.880" v="318" actId="20577"/>
-          <ac:spMkLst>
-            <pc:docMk/>
-            <pc:sldMk cId="38565667" sldId="573"/>
-            <ac:spMk id="35842" creationId="{C94BCA01-D831-ED4D-84FD-C30E8117F872}"/>
-          </ac:spMkLst>
-        </pc:spChg>
-        <pc:cxnChg chg="add mod">
-          <ac:chgData name="Long Nguyen" userId="f59fb8f3-a021-417a-8bc1-65c8d471c621" providerId="ADAL" clId="{DEEC9A6B-597B-A549-8046-E8A6FAF2541E}" dt="2022-01-10T15:03:58.463" v="319"/>
-          <ac:cxnSpMkLst>
-            <pc:docMk/>
-            <pc:sldMk cId="38565667" sldId="573"/>
-            <ac:cxnSpMk id="10" creationId="{45FCB104-5BCC-3048-9038-D14F4C9B439C}"/>
-          </ac:cxnSpMkLst>
-        </pc:cxnChg>
-        <pc:cxnChg chg="add mod">
-          <ac:chgData name="Long Nguyen" userId="f59fb8f3-a021-417a-8bc1-65c8d471c621" providerId="ADAL" clId="{DEEC9A6B-597B-A549-8046-E8A6FAF2541E}" dt="2022-01-10T15:04:37.914" v="356"/>
-          <ac:cxnSpMkLst>
-            <pc:docMk/>
-            <pc:sldMk cId="38565667" sldId="573"/>
-            <ac:cxnSpMk id="14" creationId="{B2A0D62D-1FB8-E449-88AE-FE32A1C9F275}"/>
-          </ac:cxnSpMkLst>
-        </pc:cxnChg>
-      </pc:sldChg>
-      <pc:sldChg chg="addSp delSp modSp add modAnim">
-        <pc:chgData name="Long Nguyen" userId="f59fb8f3-a021-417a-8bc1-65c8d471c621" providerId="ADAL" clId="{DEEC9A6B-597B-A549-8046-E8A6FAF2541E}" dt="2022-01-10T16:09:45.624" v="806"/>
-        <pc:sldMkLst>
-          <pc:docMk/>
-          <pc:sldMk cId="1899292602" sldId="574"/>
-        </pc:sldMkLst>
-        <pc:spChg chg="add mod">
-          <ac:chgData name="Long Nguyen" userId="f59fb8f3-a021-417a-8bc1-65c8d471c621" providerId="ADAL" clId="{DEEC9A6B-597B-A549-8046-E8A6FAF2541E}" dt="2022-01-10T15:26:25.746" v="793"/>
-          <ac:spMkLst>
-            <pc:docMk/>
-            <pc:sldMk cId="1899292602" sldId="574"/>
-            <ac:spMk id="3" creationId="{43066786-2460-4F4E-A926-EC35B443FC7C}"/>
-          </ac:spMkLst>
-        </pc:spChg>
-        <pc:spChg chg="add mod">
-          <ac:chgData name="Long Nguyen" userId="f59fb8f3-a021-417a-8bc1-65c8d471c621" providerId="ADAL" clId="{DEEC9A6B-597B-A549-8046-E8A6FAF2541E}" dt="2022-01-10T15:30:03.832" v="796"/>
-          <ac:spMkLst>
-            <pc:docMk/>
-            <pc:sldMk cId="1899292602" sldId="574"/>
-            <ac:spMk id="8" creationId="{1518AF63-F058-5848-A6B8-99B63BA4A5AA}"/>
-          </ac:spMkLst>
-        </pc:spChg>
-        <pc:spChg chg="mod">
-          <ac:chgData name="Long Nguyen" userId="f59fb8f3-a021-417a-8bc1-65c8d471c621" providerId="ADAL" clId="{DEEC9A6B-597B-A549-8046-E8A6FAF2541E}" dt="2022-01-10T15:32:13.467" v="802"/>
-          <ac:spMkLst>
-            <pc:docMk/>
-            <pc:sldMk cId="1899292602" sldId="574"/>
-            <ac:spMk id="9" creationId="{E3B2E017-30B2-884B-A113-B419A2ED51AD}"/>
-          </ac:spMkLst>
-        </pc:spChg>
-        <pc:spChg chg="add del mod">
-          <ac:chgData name="Long Nguyen" userId="f59fb8f3-a021-417a-8bc1-65c8d471c621" providerId="ADAL" clId="{DEEC9A6B-597B-A549-8046-E8A6FAF2541E}" dt="2022-01-10T15:30:32.040" v="798"/>
-          <ac:spMkLst>
-            <pc:docMk/>
-            <pc:sldMk cId="1899292602" sldId="574"/>
-            <ac:spMk id="11" creationId="{7DEF6168-241B-B244-A6F2-5CCF1A0B517E}"/>
-          </ac:spMkLst>
-        </pc:spChg>
-        <pc:spChg chg="add mod">
-          <ac:chgData name="Long Nguyen" userId="f59fb8f3-a021-417a-8bc1-65c8d471c621" providerId="ADAL" clId="{DEEC9A6B-597B-A549-8046-E8A6FAF2541E}" dt="2022-01-10T15:30:34.435" v="799"/>
-          <ac:spMkLst>
-            <pc:docMk/>
-            <pc:sldMk cId="1899292602" sldId="574"/>
-            <ac:spMk id="13" creationId="{6BD218E2-AF0E-114A-A6E0-CB450613A31F}"/>
-          </ac:spMkLst>
-        </pc:spChg>
-        <pc:spChg chg="add mod">
-          <ac:chgData name="Long Nguyen" userId="f59fb8f3-a021-417a-8bc1-65c8d471c621" providerId="ADAL" clId="{DEEC9A6B-597B-A549-8046-E8A6FAF2541E}" dt="2022-01-10T16:09:45.624" v="806"/>
-          <ac:spMkLst>
-            <pc:docMk/>
-            <pc:sldMk cId="1899292602" sldId="574"/>
-            <ac:spMk id="14" creationId="{E0452E39-9133-5B48-9209-7A7A2D22DFED}"/>
-          </ac:spMkLst>
-        </pc:spChg>
-        <pc:cxnChg chg="add mod">
-          <ac:chgData name="Long Nguyen" userId="f59fb8f3-a021-417a-8bc1-65c8d471c621" providerId="ADAL" clId="{DEEC9A6B-597B-A549-8046-E8A6FAF2541E}" dt="2022-01-10T15:29:49.065" v="795"/>
-          <ac:cxnSpMkLst>
-            <pc:docMk/>
-            <pc:sldMk cId="1899292602" sldId="574"/>
-            <ac:cxnSpMk id="5" creationId="{7ECFE949-5E17-FC42-9960-BCDAB348B02C}"/>
-          </ac:cxnSpMkLst>
-        </pc:cxnChg>
-        <pc:cxnChg chg="add mod">
-          <ac:chgData name="Long Nguyen" userId="f59fb8f3-a021-417a-8bc1-65c8d471c621" providerId="ADAL" clId="{DEEC9A6B-597B-A549-8046-E8A6FAF2541E}" dt="2022-01-10T15:30:03.832" v="796"/>
-          <ac:cxnSpMkLst>
-            <pc:docMk/>
-            <pc:sldMk cId="1899292602" sldId="574"/>
-            <ac:cxnSpMk id="10" creationId="{D6FBC0B7-550F-304E-B114-B33A965C3586}"/>
-          </ac:cxnSpMkLst>
-        </pc:cxnChg>
-        <pc:cxnChg chg="add del mod">
-          <ac:chgData name="Long Nguyen" userId="f59fb8f3-a021-417a-8bc1-65c8d471c621" providerId="ADAL" clId="{DEEC9A6B-597B-A549-8046-E8A6FAF2541E}" dt="2022-01-10T15:30:32.040" v="798"/>
-          <ac:cxnSpMkLst>
-            <pc:docMk/>
-            <pc:sldMk cId="1899292602" sldId="574"/>
-            <ac:cxnSpMk id="12" creationId="{E3AB391E-2C4B-884A-9DA1-B4649DAF043F}"/>
-          </ac:cxnSpMkLst>
-        </pc:cxnChg>
-      </pc:sldChg>
-      <pc:sldChg chg="modSp add">
-        <pc:chgData name="Long Nguyen" userId="f59fb8f3-a021-417a-8bc1-65c8d471c621" providerId="ADAL" clId="{DEEC9A6B-597B-A549-8046-E8A6FAF2541E}" dt="2022-01-10T15:26:39.006" v="794"/>
-        <pc:sldMkLst>
-          <pc:docMk/>
-          <pc:sldMk cId="2139759667" sldId="575"/>
-        </pc:sldMkLst>
-        <pc:spChg chg="mod">
-          <ac:chgData name="Long Nguyen" userId="f59fb8f3-a021-417a-8bc1-65c8d471c621" providerId="ADAL" clId="{DEEC9A6B-597B-A549-8046-E8A6FAF2541E}" dt="2022-01-10T15:26:39.006" v="794"/>
-          <ac:spMkLst>
-            <pc:docMk/>
-            <pc:sldMk cId="2139759667" sldId="575"/>
-            <ac:spMk id="9" creationId="{E3B2E017-30B2-884B-A113-B419A2ED51AD}"/>
-          </ac:spMkLst>
-        </pc:spChg>
-      </pc:sldChg>
-      <pc:sldChg chg="modSp add">
-        <pc:chgData name="Long Nguyen" userId="f59fb8f3-a021-417a-8bc1-65c8d471c621" providerId="ADAL" clId="{DEEC9A6B-597B-A549-8046-E8A6FAF2541E}" dt="2022-01-10T15:32:05.764" v="801"/>
-        <pc:sldMkLst>
-          <pc:docMk/>
-          <pc:sldMk cId="2696303466" sldId="575"/>
-        </pc:sldMkLst>
-        <pc:spChg chg="mod">
-          <ac:chgData name="Long Nguyen" userId="f59fb8f3-a021-417a-8bc1-65c8d471c621" providerId="ADAL" clId="{DEEC9A6B-597B-A549-8046-E8A6FAF2541E}" dt="2022-01-10T15:32:05.764" v="801"/>
-          <ac:spMkLst>
-            <pc:docMk/>
-            <pc:sldMk cId="2696303466" sldId="575"/>
-            <ac:spMk id="9" creationId="{E3B2E017-30B2-884B-A113-B419A2ED51AD}"/>
-          </ac:spMkLst>
-        </pc:spChg>
-      </pc:sldChg>
-      <pc:sldChg chg="addSp delSp modSp add modAnim">
-        <pc:chgData name="Long Nguyen" userId="f59fb8f3-a021-417a-8bc1-65c8d471c621" providerId="ADAL" clId="{DEEC9A6B-597B-A549-8046-E8A6FAF2541E}" dt="2022-01-10T16:28:28.145" v="824"/>
-        <pc:sldMkLst>
-          <pc:docMk/>
-          <pc:sldMk cId="1655667199" sldId="576"/>
-        </pc:sldMkLst>
-        <pc:spChg chg="add del mod">
-          <ac:chgData name="Long Nguyen" userId="f59fb8f3-a021-417a-8bc1-65c8d471c621" providerId="ADAL" clId="{DEEC9A6B-597B-A549-8046-E8A6FAF2541E}" dt="2022-01-10T16:27:07.655" v="820"/>
-          <ac:spMkLst>
-            <pc:docMk/>
-            <pc:sldMk cId="1655667199" sldId="576"/>
-            <ac:spMk id="3" creationId="{3E485581-9E99-0043-9EAC-32C6195DED27}"/>
-          </ac:spMkLst>
-        </pc:spChg>
-        <pc:spChg chg="add mod">
-          <ac:chgData name="Long Nguyen" userId="f59fb8f3-a021-417a-8bc1-65c8d471c621" providerId="ADAL" clId="{DEEC9A6B-597B-A549-8046-E8A6FAF2541E}" dt="2022-01-10T16:27:25.299" v="822"/>
-          <ac:spMkLst>
-            <pc:docMk/>
-            <pc:sldMk cId="1655667199" sldId="576"/>
-            <ac:spMk id="4" creationId="{F5F925A9-41D3-6E4F-86DA-C9E92CE1D468}"/>
-          </ac:spMkLst>
-        </pc:spChg>
-        <pc:spChg chg="mod">
-          <ac:chgData name="Long Nguyen" userId="f59fb8f3-a021-417a-8bc1-65c8d471c621" providerId="ADAL" clId="{DEEC9A6B-597B-A549-8046-E8A6FAF2541E}" dt="2022-01-10T16:19:55.722" v="816"/>
-          <ac:spMkLst>
-            <pc:docMk/>
-            <pc:sldMk cId="1655667199" sldId="576"/>
-            <ac:spMk id="35842" creationId="{C94BCA01-D831-ED4D-84FD-C30E8117F872}"/>
-          </ac:spMkLst>
-        </pc:spChg>
-        <pc:cxnChg chg="add mod">
-          <ac:chgData name="Long Nguyen" userId="f59fb8f3-a021-417a-8bc1-65c8d471c621" providerId="ADAL" clId="{DEEC9A6B-597B-A549-8046-E8A6FAF2541E}" dt="2022-01-10T16:28:09.945" v="823"/>
-          <ac:cxnSpMkLst>
-            <pc:docMk/>
-            <pc:sldMk cId="1655667199" sldId="576"/>
-            <ac:cxnSpMk id="13" creationId="{1D73A6C2-F3A1-7849-9298-0FABFFC03676}"/>
-          </ac:cxnSpMkLst>
-        </pc:cxnChg>
-      </pc:sldChg>
-      <pc:sldChg chg="modSp add">
-        <pc:chgData name="Long Nguyen" userId="f59fb8f3-a021-417a-8bc1-65c8d471c621" providerId="ADAL" clId="{DEEC9A6B-597B-A549-8046-E8A6FAF2541E}" dt="2022-01-10T19:13:47.222" v="827"/>
-        <pc:sldMkLst>
-          <pc:docMk/>
-          <pc:sldMk cId="1245941282" sldId="577"/>
-        </pc:sldMkLst>
-        <pc:spChg chg="mod">
-          <ac:chgData name="Long Nguyen" userId="f59fb8f3-a021-417a-8bc1-65c8d471c621" providerId="ADAL" clId="{DEEC9A6B-597B-A549-8046-E8A6FAF2541E}" dt="2022-01-10T19:13:47.222" v="827"/>
-          <ac:spMkLst>
-            <pc:docMk/>
-            <pc:sldMk cId="1245941282" sldId="577"/>
-            <ac:spMk id="35842" creationId="{C94BCA01-D831-ED4D-84FD-C30E8117F872}"/>
-          </ac:spMkLst>
-        </pc:spChg>
-      </pc:sldChg>
-      <pc:sldChg chg="add">
-        <pc:chgData name="Long Nguyen" userId="f59fb8f3-a021-417a-8bc1-65c8d471c621" providerId="ADAL" clId="{DEEC9A6B-597B-A549-8046-E8A6FAF2541E}" dt="2022-01-10T16:27:06.789" v="819"/>
-        <pc:sldMkLst>
-          <pc:docMk/>
-          <pc:sldMk cId="2407339280" sldId="578"/>
-        </pc:sldMkLst>
-      </pc:sldChg>
-    </pc:docChg>
-  </pc:docChgLst>
-  <pc:docChgLst>
-    <pc:chgData name="Long B Nguyen" userId="f59fb8f3-a021-417a-8bc1-65c8d471c621" providerId="ADAL" clId="{9268B748-66AA-0742-9E6D-C568D3B99E77}"/>
-    <pc:docChg chg="undo custSel addSld delSld modSld">
-      <pc:chgData name="Long B Nguyen" userId="f59fb8f3-a021-417a-8bc1-65c8d471c621" providerId="ADAL" clId="{9268B748-66AA-0742-9E6D-C568D3B99E77}" dt="2021-02-01T16:44:08.466" v="6273" actId="207"/>
-      <pc:docMkLst>
-        <pc:docMk/>
-      </pc:docMkLst>
-      <pc:sldChg chg="modSp add del mod">
-        <pc:chgData name="Long B Nguyen" userId="f59fb8f3-a021-417a-8bc1-65c8d471c621" providerId="ADAL" clId="{9268B748-66AA-0742-9E6D-C568D3B99E77}" dt="2021-01-28T03:54:03.699" v="3911" actId="2696"/>
-        <pc:sldMkLst>
-          <pc:docMk/>
-          <pc:sldMk cId="1095332021" sldId="257"/>
-        </pc:sldMkLst>
-        <pc:spChg chg="mod">
-          <ac:chgData name="Long B Nguyen" userId="f59fb8f3-a021-417a-8bc1-65c8d471c621" providerId="ADAL" clId="{9268B748-66AA-0742-9E6D-C568D3B99E77}" dt="2021-01-28T03:27:21.454" v="3656" actId="1076"/>
-          <ac:spMkLst>
-            <pc:docMk/>
-            <pc:sldMk cId="1095332021" sldId="257"/>
-            <ac:spMk id="2" creationId="{AA3A228F-61D0-D949-A5E7-F83756230BF8}"/>
-          </ac:spMkLst>
-        </pc:spChg>
-        <pc:spChg chg="mod">
-          <ac:chgData name="Long B Nguyen" userId="f59fb8f3-a021-417a-8bc1-65c8d471c621" providerId="ADAL" clId="{9268B748-66AA-0742-9E6D-C568D3B99E77}" dt="2021-01-28T03:27:23.729" v="3657" actId="14100"/>
-          <ac:spMkLst>
-            <pc:docMk/>
-            <pc:sldMk cId="1095332021" sldId="257"/>
-            <ac:spMk id="9" creationId="{E3B2E017-30B2-884B-A113-B419A2ED51AD}"/>
-          </ac:spMkLst>
-        </pc:spChg>
-      </pc:sldChg>
-      <pc:sldChg chg="modSp add">
-        <pc:chgData name="Long B Nguyen" userId="f59fb8f3-a021-417a-8bc1-65c8d471c621" providerId="ADAL" clId="{9268B748-66AA-0742-9E6D-C568D3B99E77}" dt="2021-01-28T04:11:29.551" v="4100" actId="20577"/>
-        <pc:sldMkLst>
-          <pc:docMk/>
-          <pc:sldMk cId="2631037396" sldId="257"/>
-        </pc:sldMkLst>
-        <pc:spChg chg="mod">
-          <ac:chgData name="Long B Nguyen" userId="f59fb8f3-a021-417a-8bc1-65c8d471c621" providerId="ADAL" clId="{9268B748-66AA-0742-9E6D-C568D3B99E77}" dt="2021-01-28T04:11:29.551" v="4100" actId="20577"/>
-          <ac:spMkLst>
-            <pc:docMk/>
-            <pc:sldMk cId="2631037396" sldId="257"/>
-            <ac:spMk id="9" creationId="{E3B2E017-30B2-884B-A113-B419A2ED51AD}"/>
-          </ac:spMkLst>
-        </pc:spChg>
-      </pc:sldChg>
-      <pc:sldChg chg="modSp mod">
-        <pc:chgData name="Long B Nguyen" userId="f59fb8f3-a021-417a-8bc1-65c8d471c621" providerId="ADAL" clId="{9268B748-66AA-0742-9E6D-C568D3B99E77}" dt="2021-01-17T03:22:48.113" v="1429" actId="1076"/>
-        <pc:sldMkLst>
-          <pc:docMk/>
-          <pc:sldMk cId="1769313612" sldId="306"/>
-        </pc:sldMkLst>
-        <pc:spChg chg="mod">
-          <ac:chgData name="Long B Nguyen" userId="f59fb8f3-a021-417a-8bc1-65c8d471c621" providerId="ADAL" clId="{9268B748-66AA-0742-9E6D-C568D3B99E77}" dt="2021-01-17T03:22:46.292" v="1428" actId="1076"/>
-          <ac:spMkLst>
-            <pc:docMk/>
-            <pc:sldMk cId="1769313612" sldId="306"/>
-            <ac:spMk id="20482" creationId="{3F08065D-22F5-1B4A-B4B5-FFA336A1CACB}"/>
-          </ac:spMkLst>
-        </pc:spChg>
-        <pc:picChg chg="mod">
-          <ac:chgData name="Long B Nguyen" userId="f59fb8f3-a021-417a-8bc1-65c8d471c621" providerId="ADAL" clId="{9268B748-66AA-0742-9E6D-C568D3B99E77}" dt="2021-01-17T03:22:48.113" v="1429" actId="1076"/>
-          <ac:picMkLst>
-            <pc:docMk/>
-            <pc:sldMk cId="1769313612" sldId="306"/>
-            <ac:picMk id="11267" creationId="{02092175-2DD0-3D4C-A635-5613F8C56924}"/>
-          </ac:picMkLst>
-        </pc:picChg>
-      </pc:sldChg>
-      <pc:sldChg chg="modSp del mod">
-        <pc:chgData name="Long B Nguyen" userId="f59fb8f3-a021-417a-8bc1-65c8d471c621" providerId="ADAL" clId="{9268B748-66AA-0742-9E6D-C568D3B99E77}" dt="2021-01-17T03:25:19.644" v="1505" actId="2696"/>
-        <pc:sldMkLst>
-          <pc:docMk/>
-          <pc:sldMk cId="3175113722" sldId="307"/>
-        </pc:sldMkLst>
-        <pc:spChg chg="mod">
-          <ac:chgData name="Long B Nguyen" userId="f59fb8f3-a021-417a-8bc1-65c8d471c621" providerId="ADAL" clId="{9268B748-66AA-0742-9E6D-C568D3B99E77}" dt="2021-01-17T03:24:57.364" v="1503" actId="1076"/>
-          <ac:spMkLst>
-            <pc:docMk/>
-            <pc:sldMk cId="3175113722" sldId="307"/>
-            <ac:spMk id="20482" creationId="{4647B3F9-8A8F-FB4E-A9A1-ADAC1CD1217D}"/>
-          </ac:spMkLst>
-        </pc:spChg>
-        <pc:picChg chg="mod">
-          <ac:chgData name="Long B Nguyen" userId="f59fb8f3-a021-417a-8bc1-65c8d471c621" providerId="ADAL" clId="{9268B748-66AA-0742-9E6D-C568D3B99E77}" dt="2021-01-17T03:25:00.065" v="1504" actId="1076"/>
-          <ac:picMkLst>
-            <pc:docMk/>
-            <pc:sldMk cId="3175113722" sldId="307"/>
-            <ac:picMk id="16386" creationId="{40FC02DB-B26D-5A4E-BBEE-D925F4751876}"/>
-          </ac:picMkLst>
-        </pc:picChg>
-      </pc:sldChg>
-      <pc:sldChg chg="add">
-        <pc:chgData name="Long B Nguyen" userId="f59fb8f3-a021-417a-8bc1-65c8d471c621" providerId="ADAL" clId="{9268B748-66AA-0742-9E6D-C568D3B99E77}" dt="2021-01-28T13:03:32.143" v="4649"/>
-        <pc:sldMkLst>
-          <pc:docMk/>
-          <pc:sldMk cId="2659683092" sldId="308"/>
-        </pc:sldMkLst>
-      </pc:sldChg>
-      <pc:sldChg chg="modSp del mod">
-        <pc:chgData name="Long B Nguyen" userId="f59fb8f3-a021-417a-8bc1-65c8d471c621" providerId="ADAL" clId="{9268B748-66AA-0742-9E6D-C568D3B99E77}" dt="2021-01-28T13:03:20.422" v="4646" actId="2696"/>
-        <pc:sldMkLst>
-          <pc:docMk/>
-          <pc:sldMk cId="3855133670" sldId="308"/>
-        </pc:sldMkLst>
-        <pc:spChg chg="mod">
-          <ac:chgData name="Long B Nguyen" userId="f59fb8f3-a021-417a-8bc1-65c8d471c621" providerId="ADAL" clId="{9268B748-66AA-0742-9E6D-C568D3B99E77}" dt="2021-01-17T03:22:53.478" v="1430" actId="1076"/>
-          <ac:spMkLst>
-            <pc:docMk/>
-            <pc:sldMk cId="3855133670" sldId="308"/>
-            <ac:spMk id="20482" creationId="{F898970B-EA4B-5447-9CCD-BBB77899EA16}"/>
-          </ac:spMkLst>
-        </pc:spChg>
-        <pc:spChg chg="mod">
-          <ac:chgData name="Long B Nguyen" userId="f59fb8f3-a021-417a-8bc1-65c8d471c621" providerId="ADAL" clId="{9268B748-66AA-0742-9E6D-C568D3B99E77}" dt="2021-01-17T03:23:06.913" v="1435" actId="5793"/>
-          <ac:spMkLst>
-            <pc:docMk/>
-            <pc:sldMk cId="3855133670" sldId="308"/>
-            <ac:spMk id="20483" creationId="{A40AA280-3F94-D04A-88FB-96305DC268ED}"/>
-          </ac:spMkLst>
-        </pc:spChg>
-        <pc:picChg chg="mod">
-          <ac:chgData name="Long B Nguyen" userId="f59fb8f3-a021-417a-8bc1-65c8d471c621" providerId="ADAL" clId="{9268B748-66AA-0742-9E6D-C568D3B99E77}" dt="2021-01-17T03:22:57.913" v="1432" actId="1076"/>
-          <ac:picMkLst>
-            <pc:docMk/>
-            <pc:sldMk cId="3855133670" sldId="308"/>
-            <ac:picMk id="12291" creationId="{0A0C49C3-2913-EA43-8FE1-344434D9B958}"/>
-          </ac:picMkLst>
-        </pc:picChg>
-      </pc:sldChg>
-      <pc:sldChg chg="modSp del mod">
-        <pc:chgData name="Long B Nguyen" userId="f59fb8f3-a021-417a-8bc1-65c8d471c621" providerId="ADAL" clId="{9268B748-66AA-0742-9E6D-C568D3B99E77}" dt="2021-01-17T03:23:48.136" v="1445" actId="2696"/>
-        <pc:sldMkLst>
-          <pc:docMk/>
-          <pc:sldMk cId="3585856351" sldId="309"/>
-        </pc:sldMkLst>
-        <pc:spChg chg="mod">
-          <ac:chgData name="Long B Nguyen" userId="f59fb8f3-a021-417a-8bc1-65c8d471c621" providerId="ADAL" clId="{9268B748-66AA-0742-9E6D-C568D3B99E77}" dt="2021-01-17T03:23:30.639" v="1442" actId="1076"/>
-          <ac:spMkLst>
-            <pc:docMk/>
-            <pc:sldMk cId="3585856351" sldId="309"/>
-            <ac:spMk id="20482" creationId="{AA23FAD0-C454-854B-B4AF-02039D831D3A}"/>
-          </ac:spMkLst>
-        </pc:spChg>
-        <pc:spChg chg="mod">
-          <ac:chgData name="Long B Nguyen" userId="f59fb8f3-a021-417a-8bc1-65c8d471c621" providerId="ADAL" clId="{9268B748-66AA-0742-9E6D-C568D3B99E77}" dt="2021-01-17T03:23:35.152" v="1444" actId="14100"/>
-          <ac:spMkLst>
-            <pc:docMk/>
-            <pc:sldMk cId="3585856351" sldId="309"/>
-            <ac:spMk id="20483" creationId="{27143176-3E06-A54E-BA44-BA6A967C6460}"/>
-          </ac:spMkLst>
-        </pc:spChg>
-      </pc:sldChg>
-      <pc:sldChg chg="del">
-        <pc:chgData name="Long B Nguyen" userId="f59fb8f3-a021-417a-8bc1-65c8d471c621" providerId="ADAL" clId="{9268B748-66AA-0742-9E6D-C568D3B99E77}" dt="2021-01-17T03:25:19.644" v="1505" actId="2696"/>
-        <pc:sldMkLst>
-          <pc:docMk/>
-          <pc:sldMk cId="3276587347" sldId="310"/>
-        </pc:sldMkLst>
-      </pc:sldChg>
-      <pc:sldChg chg="modSp del mod modAnim">
-        <pc:chgData name="Long B Nguyen" userId="f59fb8f3-a021-417a-8bc1-65c8d471c621" providerId="ADAL" clId="{9268B748-66AA-0742-9E6D-C568D3B99E77}" dt="2021-01-28T13:03:20.465" v="4648" actId="2696"/>
-        <pc:sldMkLst>
-          <pc:docMk/>
-          <pc:sldMk cId="863905040" sldId="312"/>
-        </pc:sldMkLst>
-        <pc:spChg chg="mod">
-          <ac:chgData name="Long B Nguyen" userId="f59fb8f3-a021-417a-8bc1-65c8d471c621" providerId="ADAL" clId="{9268B748-66AA-0742-9E6D-C568D3B99E77}" dt="2021-01-28T13:00:32.343" v="4640" actId="14100"/>
-          <ac:spMkLst>
-            <pc:docMk/>
-            <pc:sldMk cId="863905040" sldId="312"/>
-            <ac:spMk id="20482" creationId="{73D160BB-46FA-B540-AB72-FF988D3E48D4}"/>
-          </ac:spMkLst>
-        </pc:spChg>
-        <pc:spChg chg="mod">
-          <ac:chgData name="Long B Nguyen" userId="f59fb8f3-a021-417a-8bc1-65c8d471c621" providerId="ADAL" clId="{9268B748-66AA-0742-9E6D-C568D3B99E77}" dt="2021-01-17T03:51:41.194" v="2584" actId="20577"/>
-          <ac:spMkLst>
-            <pc:docMk/>
-            <pc:sldMk cId="863905040" sldId="312"/>
-            <ac:spMk id="20483" creationId="{1BDDF6AF-7FBC-3849-B4A5-9D30ED403E3D}"/>
-          </ac:spMkLst>
-        </pc:spChg>
-      </pc:sldChg>
-      <pc:sldChg chg="add">
-        <pc:chgData name="Long B Nguyen" userId="f59fb8f3-a021-417a-8bc1-65c8d471c621" providerId="ADAL" clId="{9268B748-66AA-0742-9E6D-C568D3B99E77}" dt="2021-01-28T13:03:32.143" v="4649"/>
-        <pc:sldMkLst>
-          <pc:docMk/>
-          <pc:sldMk cId="3170541048" sldId="312"/>
-        </pc:sldMkLst>
-      </pc:sldChg>
-      <pc:sldChg chg="add">
-        <pc:chgData name="Long B Nguyen" userId="f59fb8f3-a021-417a-8bc1-65c8d471c621" providerId="ADAL" clId="{9268B748-66AA-0742-9E6D-C568D3B99E77}" dt="2021-01-28T13:03:32.143" v="4649"/>
-        <pc:sldMkLst>
-          <pc:docMk/>
-          <pc:sldMk cId="1518376867" sldId="313"/>
-        </pc:sldMkLst>
-      </pc:sldChg>
-      <pc:sldChg chg="modSp del mod modAnim">
-        <pc:chgData name="Long B Nguyen" userId="f59fb8f3-a021-417a-8bc1-65c8d471c621" providerId="ADAL" clId="{9268B748-66AA-0742-9E6D-C568D3B99E77}" dt="2021-01-28T13:03:20.443" v="4647" actId="2696"/>
-        <pc:sldMkLst>
-          <pc:docMk/>
-          <pc:sldMk cId="1871198671" sldId="313"/>
-        </pc:sldMkLst>
-        <pc:spChg chg="mod">
-          <ac:chgData name="Long B Nguyen" userId="f59fb8f3-a021-417a-8bc1-65c8d471c621" providerId="ADAL" clId="{9268B748-66AA-0742-9E6D-C568D3B99E77}" dt="2021-01-17T03:23:13.697" v="1436" actId="1076"/>
-          <ac:spMkLst>
-            <pc:docMk/>
-            <pc:sldMk cId="1871198671" sldId="313"/>
-            <ac:spMk id="20482" creationId="{0957306F-67E2-854F-B7E0-9A252AADF108}"/>
-          </ac:spMkLst>
-        </pc:spChg>
-        <pc:spChg chg="mod">
-          <ac:chgData name="Long B Nguyen" userId="f59fb8f3-a021-417a-8bc1-65c8d471c621" providerId="ADAL" clId="{9268B748-66AA-0742-9E6D-C568D3B99E77}" dt="2021-01-17T03:25:54.451" v="1510" actId="255"/>
-          <ac:spMkLst>
-            <pc:docMk/>
-            <pc:sldMk cId="1871198671" sldId="313"/>
-            <ac:spMk id="20483" creationId="{1F200ABD-6024-F048-94BB-113C30B1C4E9}"/>
-          </ac:spMkLst>
-        </pc:spChg>
-        <pc:picChg chg="mod">
-          <ac:chgData name="Long B Nguyen" userId="f59fb8f3-a021-417a-8bc1-65c8d471c621" providerId="ADAL" clId="{9268B748-66AA-0742-9E6D-C568D3B99E77}" dt="2021-01-17T03:23:18.486" v="1438" actId="1076"/>
-          <ac:picMkLst>
-            <pc:docMk/>
-            <pc:sldMk cId="1871198671" sldId="313"/>
-            <ac:picMk id="13315" creationId="{C0A2BC84-069B-3C4A-9CD8-B1A6968692D7}"/>
-          </ac:picMkLst>
-        </pc:picChg>
-      </pc:sldChg>
-      <pc:sldChg chg="del">
-        <pc:chgData name="Long B Nguyen" userId="f59fb8f3-a021-417a-8bc1-65c8d471c621" providerId="ADAL" clId="{9268B748-66AA-0742-9E6D-C568D3B99E77}" dt="2021-01-17T03:01:07.210" v="105" actId="2696"/>
-        <pc:sldMkLst>
-          <pc:docMk/>
-          <pc:sldMk cId="1880090826" sldId="316"/>
-        </pc:sldMkLst>
-      </pc:sldChg>
-      <pc:sldChg chg="del">
-        <pc:chgData name="Long B Nguyen" userId="f59fb8f3-a021-417a-8bc1-65c8d471c621" providerId="ADAL" clId="{9268B748-66AA-0742-9E6D-C568D3B99E77}" dt="2021-01-17T03:25:41.438" v="1508" actId="2696"/>
-        <pc:sldMkLst>
-          <pc:docMk/>
-          <pc:sldMk cId="518539467" sldId="317"/>
-        </pc:sldMkLst>
-      </pc:sldChg>
-      <pc:sldChg chg="del">
-        <pc:chgData name="Long B Nguyen" userId="f59fb8f3-a021-417a-8bc1-65c8d471c621" providerId="ADAL" clId="{9268B748-66AA-0742-9E6D-C568D3B99E77}" dt="2021-01-17T03:25:41.438" v="1508" actId="2696"/>
-        <pc:sldMkLst>
-          <pc:docMk/>
-          <pc:sldMk cId="2878693247" sldId="318"/>
-        </pc:sldMkLst>
-      </pc:sldChg>
-      <pc:sldChg chg="del">
-        <pc:chgData name="Long B Nguyen" userId="f59fb8f3-a021-417a-8bc1-65c8d471c621" providerId="ADAL" clId="{9268B748-66AA-0742-9E6D-C568D3B99E77}" dt="2021-01-17T03:25:41.438" v="1508" actId="2696"/>
-        <pc:sldMkLst>
-          <pc:docMk/>
-          <pc:sldMk cId="3014449171" sldId="319"/>
-        </pc:sldMkLst>
-      </pc:sldChg>
-      <pc:sldChg chg="modSp del mod">
-        <pc:chgData name="Long B Nguyen" userId="f59fb8f3-a021-417a-8bc1-65c8d471c621" providerId="ADAL" clId="{9268B748-66AA-0742-9E6D-C568D3B99E77}" dt="2021-01-17T03:27:23.279" v="1534" actId="2696"/>
-        <pc:sldMkLst>
-          <pc:docMk/>
-          <pc:sldMk cId="1925491708" sldId="322"/>
-        </pc:sldMkLst>
-        <pc:spChg chg="mod">
-          <ac:chgData name="Long B Nguyen" userId="f59fb8f3-a021-417a-8bc1-65c8d471c621" providerId="ADAL" clId="{9268B748-66AA-0742-9E6D-C568D3B99E77}" dt="2021-01-17T03:27:20.764" v="1533" actId="1076"/>
-          <ac:spMkLst>
-            <pc:docMk/>
-            <pc:sldMk cId="1925491708" sldId="322"/>
-            <ac:spMk id="20482" creationId="{CDA31265-BEED-1E44-AEB8-A0EC7AA2E02B}"/>
-          </ac:spMkLst>
-        </pc:spChg>
-      </pc:sldChg>
-      <pc:sldChg chg="del">
-        <pc:chgData name="Long B Nguyen" userId="f59fb8f3-a021-417a-8bc1-65c8d471c621" providerId="ADAL" clId="{9268B748-66AA-0742-9E6D-C568D3B99E77}" dt="2021-01-17T03:27:27.442" v="1536" actId="2696"/>
-        <pc:sldMkLst>
-          <pc:docMk/>
-          <pc:sldMk cId="856464997" sldId="323"/>
-        </pc:sldMkLst>
-      </pc:sldChg>
-      <pc:sldChg chg="modSp add del mod modAnim">
-        <pc:chgData name="Long B Nguyen" userId="f59fb8f3-a021-417a-8bc1-65c8d471c621" providerId="ADAL" clId="{9268B748-66AA-0742-9E6D-C568D3B99E77}" dt="2021-02-01T03:02:14.847" v="6027" actId="2696"/>
-        <pc:sldMkLst>
-          <pc:docMk/>
-          <pc:sldMk cId="1587565841" sldId="325"/>
-        </pc:sldMkLst>
-        <pc:spChg chg="mod">
-          <ac:chgData name="Long B Nguyen" userId="f59fb8f3-a021-417a-8bc1-65c8d471c621" providerId="ADAL" clId="{9268B748-66AA-0742-9E6D-C568D3B99E77}" dt="2021-01-17T05:28:58.517" v="2760" actId="20577"/>
-          <ac:spMkLst>
-            <pc:docMk/>
-            <pc:sldMk cId="1587565841" sldId="325"/>
-            <ac:spMk id="22529" creationId="{8FC9BF54-BC5C-D541-BCD1-D99DA9E7A890}"/>
-          </ac:spMkLst>
-        </pc:spChg>
-        <pc:spChg chg="mod">
-          <ac:chgData name="Long B Nguyen" userId="f59fb8f3-a021-417a-8bc1-65c8d471c621" providerId="ADAL" clId="{9268B748-66AA-0742-9E6D-C568D3B99E77}" dt="2021-01-17T05:36:14.742" v="2977" actId="2711"/>
-          <ac:spMkLst>
-            <pc:docMk/>
-            <pc:sldMk cId="1587565841" sldId="325"/>
-            <ac:spMk id="62467" creationId="{1D575D20-594C-2945-B2F4-512D3B748F19}"/>
-          </ac:spMkLst>
-        </pc:spChg>
-      </pc:sldChg>
-      <pc:sldChg chg="modSp del mod">
-        <pc:chgData name="Long B Nguyen" userId="f59fb8f3-a021-417a-8bc1-65c8d471c621" providerId="ADAL" clId="{9268B748-66AA-0742-9E6D-C568D3B99E77}" dt="2021-01-17T03:26:45.693" v="1522" actId="2696"/>
-        <pc:sldMkLst>
-          <pc:docMk/>
-          <pc:sldMk cId="2537719982" sldId="325"/>
-        </pc:sldMkLst>
-        <pc:spChg chg="mod">
-          <ac:chgData name="Long B Nguyen" userId="f59fb8f3-a021-417a-8bc1-65c8d471c621" providerId="ADAL" clId="{9268B748-66AA-0742-9E6D-C568D3B99E77}" dt="2021-01-17T03:26:22.504" v="1518" actId="1076"/>
-          <ac:spMkLst>
-            <pc:docMk/>
-            <pc:sldMk cId="2537719982" sldId="325"/>
-            <ac:spMk id="22529" creationId="{8FC9BF54-BC5C-D541-BCD1-D99DA9E7A890}"/>
-          </ac:spMkLst>
-        </pc:spChg>
-        <pc:spChg chg="mod">
-          <ac:chgData name="Long B Nguyen" userId="f59fb8f3-a021-417a-8bc1-65c8d471c621" providerId="ADAL" clId="{9268B748-66AA-0742-9E6D-C568D3B99E77}" dt="2021-01-17T03:26:27.925" v="1520" actId="14100"/>
-          <ac:spMkLst>
-            <pc:docMk/>
-            <pc:sldMk cId="2537719982" sldId="325"/>
-            <ac:spMk id="62467" creationId="{1D575D20-594C-2945-B2F4-512D3B748F19}"/>
-          </ac:spMkLst>
-        </pc:spChg>
-      </pc:sldChg>
-      <pc:sldChg chg="del">
-        <pc:chgData name="Long B Nguyen" userId="f59fb8f3-a021-417a-8bc1-65c8d471c621" providerId="ADAL" clId="{9268B748-66AA-0742-9E6D-C568D3B99E77}" dt="2021-01-17T03:26:34.888" v="1521" actId="2696"/>
-        <pc:sldMkLst>
-          <pc:docMk/>
-          <pc:sldMk cId="73332731" sldId="326"/>
-        </pc:sldMkLst>
-      </pc:sldChg>
-      <pc:sldChg chg="add del">
-        <pc:chgData name="Long B Nguyen" userId="f59fb8f3-a021-417a-8bc1-65c8d471c621" providerId="ADAL" clId="{9268B748-66AA-0742-9E6D-C568D3B99E77}" dt="2021-01-17T05:33:11.872" v="2883" actId="2696"/>
-        <pc:sldMkLst>
-          <pc:docMk/>
-          <pc:sldMk cId="3350220248" sldId="326"/>
-        </pc:sldMkLst>
-      </pc:sldChg>
-      <pc:sldChg chg="modSp add del mod">
-        <pc:chgData name="Long B Nguyen" userId="f59fb8f3-a021-417a-8bc1-65c8d471c621" providerId="ADAL" clId="{9268B748-66AA-0742-9E6D-C568D3B99E77}" dt="2021-02-01T03:02:14.847" v="6027" actId="2696"/>
-        <pc:sldMkLst>
-          <pc:docMk/>
-          <pc:sldMk cId="3477128042" sldId="327"/>
-        </pc:sldMkLst>
-        <pc:spChg chg="mod">
-          <ac:chgData name="Long B Nguyen" userId="f59fb8f3-a021-417a-8bc1-65c8d471c621" providerId="ADAL" clId="{9268B748-66AA-0742-9E6D-C568D3B99E77}" dt="2021-01-17T05:33:17.902" v="2884" actId="1076"/>
-          <ac:spMkLst>
-            <pc:docMk/>
-            <pc:sldMk cId="3477128042" sldId="327"/>
-            <ac:spMk id="26625" creationId="{E8538034-A182-104C-85BB-4372385916AB}"/>
-          </ac:spMkLst>
-        </pc:spChg>
-        <pc:spChg chg="mod">
-          <ac:chgData name="Long B Nguyen" userId="f59fb8f3-a021-417a-8bc1-65c8d471c621" providerId="ADAL" clId="{9268B748-66AA-0742-9E6D-C568D3B99E77}" dt="2021-01-17T05:38:28.997" v="3042" actId="2711"/>
-          <ac:spMkLst>
-            <pc:docMk/>
-            <pc:sldMk cId="3477128042" sldId="327"/>
-            <ac:spMk id="26626" creationId="{4D0361EB-D6AE-704D-8E7B-E027D54EA1C7}"/>
-          </ac:spMkLst>
-        </pc:spChg>
-      </pc:sldChg>
-      <pc:sldChg chg="del">
-        <pc:chgData name="Long B Nguyen" userId="f59fb8f3-a021-417a-8bc1-65c8d471c621" providerId="ADAL" clId="{9268B748-66AA-0742-9E6D-C568D3B99E77}" dt="2021-01-17T03:26:46.916" v="1523" actId="2696"/>
-        <pc:sldMkLst>
-          <pc:docMk/>
-          <pc:sldMk cId="3935762855" sldId="327"/>
-        </pc:sldMkLst>
-      </pc:sldChg>
-      <pc:sldChg chg="del">
-        <pc:chgData name="Long B Nguyen" userId="f59fb8f3-a021-417a-8bc1-65c8d471c621" providerId="ADAL" clId="{9268B748-66AA-0742-9E6D-C568D3B99E77}" dt="2021-01-17T03:27:23.279" v="1534" actId="2696"/>
-        <pc:sldMkLst>
-          <pc:docMk/>
-          <pc:sldMk cId="1369627949" sldId="330"/>
-        </pc:sldMkLst>
-      </pc:sldChg>
-      <pc:sldChg chg="modSp add del">
-        <pc:chgData name="Long B Nguyen" userId="f59fb8f3-a021-417a-8bc1-65c8d471c621" providerId="ADAL" clId="{9268B748-66AA-0742-9E6D-C568D3B99E77}" dt="2021-01-28T03:28:15.357" v="3659" actId="2696"/>
-        <pc:sldMkLst>
-          <pc:docMk/>
-          <pc:sldMk cId="507599542" sldId="339"/>
-        </pc:sldMkLst>
-        <pc:spChg chg="mod">
-          <ac:chgData name="Long B Nguyen" userId="f59fb8f3-a021-417a-8bc1-65c8d471c621" providerId="ADAL" clId="{9268B748-66AA-0742-9E6D-C568D3B99E77}" dt="2021-01-28T03:25:00.913" v="3573" actId="20577"/>
-          <ac:spMkLst>
-            <pc:docMk/>
-            <pc:sldMk cId="507599542" sldId="339"/>
-            <ac:spMk id="9" creationId="{E3B2E017-30B2-884B-A113-B419A2ED51AD}"/>
-          </ac:spMkLst>
-        </pc:spChg>
-      </pc:sldChg>
-      <pc:sldChg chg="modSp add del">
-        <pc:chgData name="Long B Nguyen" userId="f59fb8f3-a021-417a-8bc1-65c8d471c621" providerId="ADAL" clId="{9268B748-66AA-0742-9E6D-C568D3B99E77}" dt="2021-01-28T03:25:23.125" v="3591" actId="2696"/>
-        <pc:sldMkLst>
-          <pc:docMk/>
-          <pc:sldMk cId="156255905" sldId="340"/>
-        </pc:sldMkLst>
-        <pc:spChg chg="mod">
-          <ac:chgData name="Long B Nguyen" userId="f59fb8f3-a021-417a-8bc1-65c8d471c621" providerId="ADAL" clId="{9268B748-66AA-0742-9E6D-C568D3B99E77}" dt="2021-01-28T03:25:19.262" v="3590" actId="20577"/>
-          <ac:spMkLst>
-            <pc:docMk/>
-            <pc:sldMk cId="156255905" sldId="340"/>
-            <ac:spMk id="9" creationId="{E3B2E017-30B2-884B-A113-B419A2ED51AD}"/>
-          </ac:spMkLst>
-        </pc:spChg>
-      </pc:sldChg>
-      <pc:sldChg chg="modSp add">
-        <pc:chgData name="Long B Nguyen" userId="f59fb8f3-a021-417a-8bc1-65c8d471c621" providerId="ADAL" clId="{9268B748-66AA-0742-9E6D-C568D3B99E77}" dt="2021-01-28T04:11:59.089" v="4102" actId="20577"/>
-        <pc:sldMkLst>
-          <pc:docMk/>
-          <pc:sldMk cId="1190543687" sldId="341"/>
-        </pc:sldMkLst>
-        <pc:spChg chg="mod">
-          <ac:chgData name="Long B Nguyen" userId="f59fb8f3-a021-417a-8bc1-65c8d471c621" providerId="ADAL" clId="{9268B748-66AA-0742-9E6D-C568D3B99E77}" dt="2021-01-28T04:11:59.089" v="4102" actId="20577"/>
-          <ac:spMkLst>
-            <pc:docMk/>
-            <pc:sldMk cId="1190543687" sldId="341"/>
-            <ac:spMk id="9" creationId="{E3B2E017-30B2-884B-A113-B419A2ED51AD}"/>
-          </ac:spMkLst>
-        </pc:spChg>
-      </pc:sldChg>
-      <pc:sldChg chg="modSp add del mod modAnim">
-        <pc:chgData name="Long B Nguyen" userId="f59fb8f3-a021-417a-8bc1-65c8d471c621" providerId="ADAL" clId="{9268B748-66AA-0742-9E6D-C568D3B99E77}" dt="2021-01-28T03:54:03.748" v="3913" actId="2696"/>
-        <pc:sldMkLst>
-          <pc:docMk/>
-          <pc:sldMk cId="4136041801" sldId="341"/>
-        </pc:sldMkLst>
-        <pc:spChg chg="mod">
-          <ac:chgData name="Long B Nguyen" userId="f59fb8f3-a021-417a-8bc1-65c8d471c621" providerId="ADAL" clId="{9268B748-66AA-0742-9E6D-C568D3B99E77}" dt="2021-01-28T03:26:36.269" v="3631" actId="1076"/>
-          <ac:spMkLst>
-            <pc:docMk/>
-            <pc:sldMk cId="4136041801" sldId="341"/>
-            <ac:spMk id="2" creationId="{AA3A228F-61D0-D949-A5E7-F83756230BF8}"/>
-          </ac:spMkLst>
-        </pc:spChg>
-        <pc:spChg chg="mod">
-          <ac:chgData name="Long B Nguyen" userId="f59fb8f3-a021-417a-8bc1-65c8d471c621" providerId="ADAL" clId="{9268B748-66AA-0742-9E6D-C568D3B99E77}" dt="2021-01-28T03:27:05.671" v="3655" actId="20577"/>
-          <ac:spMkLst>
-            <pc:docMk/>
-            <pc:sldMk cId="4136041801" sldId="341"/>
-            <ac:spMk id="9" creationId="{E3B2E017-30B2-884B-A113-B419A2ED51AD}"/>
-          </ac:spMkLst>
-        </pc:spChg>
-      </pc:sldChg>
-      <pc:sldChg chg="modSp add del mod">
-        <pc:chgData name="Long B Nguyen" userId="f59fb8f3-a021-417a-8bc1-65c8d471c621" providerId="ADAL" clId="{9268B748-66AA-0742-9E6D-C568D3B99E77}" dt="2021-01-28T03:54:03.718" v="3912" actId="2696"/>
-        <pc:sldMkLst>
-          <pc:docMk/>
-          <pc:sldMk cId="429134499" sldId="342"/>
-        </pc:sldMkLst>
-        <pc:spChg chg="mod">
-          <ac:chgData name="Long B Nguyen" userId="f59fb8f3-a021-417a-8bc1-65c8d471c621" providerId="ADAL" clId="{9268B748-66AA-0742-9E6D-C568D3B99E77}" dt="2021-01-28T03:32:51.432" v="3907" actId="1076"/>
-          <ac:spMkLst>
-            <pc:docMk/>
-            <pc:sldMk cId="429134499" sldId="342"/>
-            <ac:spMk id="2" creationId="{AA3A228F-61D0-D949-A5E7-F83756230BF8}"/>
-          </ac:spMkLst>
-        </pc:spChg>
-        <pc:spChg chg="mod">
-          <ac:chgData name="Long B Nguyen" userId="f59fb8f3-a021-417a-8bc1-65c8d471c621" providerId="ADAL" clId="{9268B748-66AA-0742-9E6D-C568D3B99E77}" dt="2021-01-28T03:33:02.144" v="3910" actId="14100"/>
-          <ac:spMkLst>
-            <pc:docMk/>
-            <pc:sldMk cId="429134499" sldId="342"/>
-            <ac:spMk id="9" creationId="{E3B2E017-30B2-884B-A113-B419A2ED51AD}"/>
-          </ac:spMkLst>
-        </pc:spChg>
-      </pc:sldChg>
-      <pc:sldChg chg="add">
-        <pc:chgData name="Long B Nguyen" userId="f59fb8f3-a021-417a-8bc1-65c8d471c621" providerId="ADAL" clId="{9268B748-66AA-0742-9E6D-C568D3B99E77}" dt="2021-01-28T03:54:16.866" v="3923"/>
-        <pc:sldMkLst>
-          <pc:docMk/>
-          <pc:sldMk cId="1910973475" sldId="342"/>
-        </pc:sldMkLst>
-      </pc:sldChg>
-      <pc:sldChg chg="modSp add del mod">
-        <pc:chgData name="Long B Nguyen" userId="f59fb8f3-a021-417a-8bc1-65c8d471c621" providerId="ADAL" clId="{9268B748-66AA-0742-9E6D-C568D3B99E77}" dt="2021-01-28T03:27:57.525" v="3658" actId="2696"/>
-        <pc:sldMkLst>
-          <pc:docMk/>
-          <pc:sldMk cId="2262442249" sldId="350"/>
-        </pc:sldMkLst>
-        <pc:spChg chg="mod">
-          <ac:chgData name="Long B Nguyen" userId="f59fb8f3-a021-417a-8bc1-65c8d471c621" providerId="ADAL" clId="{9268B748-66AA-0742-9E6D-C568D3B99E77}" dt="2021-01-28T03:19:50.875" v="3407" actId="1076"/>
-          <ac:spMkLst>
-            <pc:docMk/>
-            <pc:sldMk cId="2262442249" sldId="350"/>
-            <ac:spMk id="2" creationId="{AA3A228F-61D0-D949-A5E7-F83756230BF8}"/>
-          </ac:spMkLst>
-        </pc:spChg>
-        <pc:spChg chg="mod">
-          <ac:chgData name="Long B Nguyen" userId="f59fb8f3-a021-417a-8bc1-65c8d471c621" providerId="ADAL" clId="{9268B748-66AA-0742-9E6D-C568D3B99E77}" dt="2021-01-28T03:26:23.670" v="3628" actId="21"/>
-          <ac:spMkLst>
-            <pc:docMk/>
-            <pc:sldMk cId="2262442249" sldId="350"/>
-            <ac:spMk id="9" creationId="{E3B2E017-30B2-884B-A113-B419A2ED51AD}"/>
-          </ac:spMkLst>
-        </pc:spChg>
-      </pc:sldChg>
-      <pc:sldChg chg="addSp delSp modSp add mod">
-        <pc:chgData name="Long B Nguyen" userId="f59fb8f3-a021-417a-8bc1-65c8d471c621" providerId="ADAL" clId="{9268B748-66AA-0742-9E6D-C568D3B99E77}" dt="2021-01-28T03:57:10.326" v="4071" actId="478"/>
-        <pc:sldMkLst>
-          <pc:docMk/>
-          <pc:sldMk cId="528345614" sldId="368"/>
-        </pc:sldMkLst>
-        <pc:spChg chg="add del mod">
-          <ac:chgData name="Long B Nguyen" userId="f59fb8f3-a021-417a-8bc1-65c8d471c621" providerId="ADAL" clId="{9268B748-66AA-0742-9E6D-C568D3B99E77}" dt="2021-01-28T03:57:10.326" v="4071" actId="478"/>
-          <ac:spMkLst>
-            <pc:docMk/>
-            <pc:sldMk cId="528345614" sldId="368"/>
-            <ac:spMk id="6" creationId="{CA05E5DF-0B6A-B24A-BF30-A2BD2298C9CE}"/>
-          </ac:spMkLst>
-        </pc:spChg>
-      </pc:sldChg>
-      <pc:sldChg chg="addSp modSp add del mod">
-        <pc:chgData name="Long B Nguyen" userId="f59fb8f3-a021-417a-8bc1-65c8d471c621" providerId="ADAL" clId="{9268B748-66AA-0742-9E6D-C568D3B99E77}" dt="2021-01-28T03:54:03.774" v="3914" actId="2696"/>
-        <pc:sldMkLst>
-          <pc:docMk/>
-          <pc:sldMk cId="1158998248" sldId="368"/>
-        </pc:sldMkLst>
-        <pc:spChg chg="mod">
-          <ac:chgData name="Long B Nguyen" userId="f59fb8f3-a021-417a-8bc1-65c8d471c621" providerId="ADAL" clId="{9268B748-66AA-0742-9E6D-C568D3B99E77}" dt="2021-01-28T03:11:00.656" v="3218" actId="1076"/>
-          <ac:spMkLst>
-            <pc:docMk/>
-            <pc:sldMk cId="1158998248" sldId="368"/>
-            <ac:spMk id="2" creationId="{AA3A228F-61D0-D949-A5E7-F83756230BF8}"/>
-          </ac:spMkLst>
-        </pc:spChg>
-        <pc:spChg chg="add mod">
-          <ac:chgData name="Long B Nguyen" userId="f59fb8f3-a021-417a-8bc1-65c8d471c621" providerId="ADAL" clId="{9268B748-66AA-0742-9E6D-C568D3B99E77}" dt="2021-01-28T03:30:09.327" v="3852" actId="1076"/>
-          <ac:spMkLst>
-            <pc:docMk/>
-            <pc:sldMk cId="1158998248" sldId="368"/>
-            <ac:spMk id="8" creationId="{3E503B95-E018-FE45-80D5-04FF0D154DAA}"/>
-          </ac:spMkLst>
-        </pc:spChg>
-        <pc:spChg chg="mod">
-          <ac:chgData name="Long B Nguyen" userId="f59fb8f3-a021-417a-8bc1-65c8d471c621" providerId="ADAL" clId="{9268B748-66AA-0742-9E6D-C568D3B99E77}" dt="2021-01-28T03:29:37.070" v="3815" actId="20577"/>
-          <ac:spMkLst>
-            <pc:docMk/>
-            <pc:sldMk cId="1158998248" sldId="368"/>
-            <ac:spMk id="9" creationId="{E3B2E017-30B2-884B-A113-B419A2ED51AD}"/>
-          </ac:spMkLst>
-        </pc:spChg>
-        <pc:spChg chg="add mod">
-          <ac:chgData name="Long B Nguyen" userId="f59fb8f3-a021-417a-8bc1-65c8d471c621" providerId="ADAL" clId="{9268B748-66AA-0742-9E6D-C568D3B99E77}" dt="2021-01-28T03:30:09.327" v="3852" actId="1076"/>
-          <ac:spMkLst>
-            <pc:docMk/>
-            <pc:sldMk cId="1158998248" sldId="368"/>
-            <ac:spMk id="10" creationId="{BE2ECC61-28C5-6B4B-83F0-B151E0573924}"/>
-          </ac:spMkLst>
-        </pc:spChg>
-        <pc:graphicFrameChg chg="mod modGraphic">
-          <ac:chgData name="Long B Nguyen" userId="f59fb8f3-a021-417a-8bc1-65c8d471c621" providerId="ADAL" clId="{9268B748-66AA-0742-9E6D-C568D3B99E77}" dt="2021-01-28T03:29:42.737" v="3816" actId="1076"/>
-          <ac:graphicFrameMkLst>
-            <pc:docMk/>
-            <pc:sldMk cId="1158998248" sldId="368"/>
-            <ac:graphicFrameMk id="4" creationId="{910DE0CC-5FEF-A94D-BF5D-C253E3945850}"/>
-          </ac:graphicFrameMkLst>
-        </pc:graphicFrameChg>
-        <pc:picChg chg="add mod">
-          <ac:chgData name="Long B Nguyen" userId="f59fb8f3-a021-417a-8bc1-65c8d471c621" providerId="ADAL" clId="{9268B748-66AA-0742-9E6D-C568D3B99E77}" dt="2021-01-28T03:29:44.622" v="3817" actId="1076"/>
-          <ac:picMkLst>
-            <pc:docMk/>
-            <pc:sldMk cId="1158998248" sldId="368"/>
-            <ac:picMk id="7" creationId="{0799DC86-A848-1840-A365-96FD89F949C4}"/>
-          </ac:picMkLst>
-        </pc:picChg>
-        <pc:cxnChg chg="add mod">
-          <ac:chgData name="Long B Nguyen" userId="f59fb8f3-a021-417a-8bc1-65c8d471c621" providerId="ADAL" clId="{9268B748-66AA-0742-9E6D-C568D3B99E77}" dt="2021-01-28T03:30:26.134" v="3855" actId="14100"/>
-          <ac:cxnSpMkLst>
-            <pc:docMk/>
-            <pc:sldMk cId="1158998248" sldId="368"/>
-            <ac:cxnSpMk id="11" creationId="{5338EC75-F1A0-C645-8B90-B3F51C319352}"/>
-          </ac:cxnSpMkLst>
-        </pc:cxnChg>
-      </pc:sldChg>
-      <pc:sldChg chg="add del">
-        <pc:chgData name="Long B Nguyen" userId="f59fb8f3-a021-417a-8bc1-65c8d471c621" providerId="ADAL" clId="{9268B748-66AA-0742-9E6D-C568D3B99E77}" dt="2021-01-28T03:14:22.673" v="3280" actId="2696"/>
-        <pc:sldMkLst>
-          <pc:docMk/>
-          <pc:sldMk cId="2919874628" sldId="369"/>
-        </pc:sldMkLst>
-      </pc:sldChg>
-      <pc:sldChg chg="modSp add del mod">
-        <pc:chgData name="Long B Nguyen" userId="f59fb8f3-a021-417a-8bc1-65c8d471c621" providerId="ADAL" clId="{9268B748-66AA-0742-9E6D-C568D3B99E77}" dt="2021-01-28T03:54:03.860" v="3917" actId="2696"/>
-        <pc:sldMkLst>
-          <pc:docMk/>
-          <pc:sldMk cId="534120995" sldId="371"/>
-        </pc:sldMkLst>
-        <pc:spChg chg="mod">
-          <ac:chgData name="Long B Nguyen" userId="f59fb8f3-a021-417a-8bc1-65c8d471c621" providerId="ADAL" clId="{9268B748-66AA-0742-9E6D-C568D3B99E77}" dt="2021-01-28T03:31:28.924" v="3885" actId="20577"/>
-          <ac:spMkLst>
-            <pc:docMk/>
-            <pc:sldMk cId="534120995" sldId="371"/>
-            <ac:spMk id="12" creationId="{D01CDE2F-903C-7F47-856D-C889E3B4FA1B}"/>
-          </ac:spMkLst>
-        </pc:spChg>
-        <pc:graphicFrameChg chg="mod modGraphic">
-          <ac:chgData name="Long B Nguyen" userId="f59fb8f3-a021-417a-8bc1-65c8d471c621" providerId="ADAL" clId="{9268B748-66AA-0742-9E6D-C568D3B99E77}" dt="2021-01-28T03:17:39.736" v="3321" actId="20577"/>
-          <ac:graphicFrameMkLst>
-            <pc:docMk/>
-            <pc:sldMk cId="534120995" sldId="371"/>
-            <ac:graphicFrameMk id="4" creationId="{910DE0CC-5FEF-A94D-BF5D-C253E3945850}"/>
-          </ac:graphicFrameMkLst>
-        </pc:graphicFrameChg>
-        <pc:cxnChg chg="mod">
-          <ac:chgData name="Long B Nguyen" userId="f59fb8f3-a021-417a-8bc1-65c8d471c621" providerId="ADAL" clId="{9268B748-66AA-0742-9E6D-C568D3B99E77}" dt="2021-01-28T03:32:02.426" v="3897" actId="14100"/>
-          <ac:cxnSpMkLst>
-            <pc:docMk/>
-            <pc:sldMk cId="534120995" sldId="371"/>
-            <ac:cxnSpMk id="11" creationId="{AC7375C5-F760-8B40-B965-09A789E2C477}"/>
-          </ac:cxnSpMkLst>
-        </pc:cxnChg>
-      </pc:sldChg>
-      <pc:sldChg chg="add del">
-        <pc:chgData name="Long B Nguyen" userId="f59fb8f3-a021-417a-8bc1-65c8d471c621" providerId="ADAL" clId="{9268B748-66AA-0742-9E6D-C568D3B99E77}" dt="2021-01-28T03:13:33.649" v="3273" actId="2696"/>
-        <pc:sldMkLst>
-          <pc:docMk/>
-          <pc:sldMk cId="1743667928" sldId="371"/>
-        </pc:sldMkLst>
-      </pc:sldChg>
-      <pc:sldChg chg="add">
-        <pc:chgData name="Long B Nguyen" userId="f59fb8f3-a021-417a-8bc1-65c8d471c621" providerId="ADAL" clId="{9268B748-66AA-0742-9E6D-C568D3B99E77}" dt="2021-01-28T03:54:16.866" v="3923"/>
-        <pc:sldMkLst>
-          <pc:docMk/>
-          <pc:sldMk cId="3119869035" sldId="371"/>
-        </pc:sldMkLst>
-      </pc:sldChg>
-      <pc:sldChg chg="modSp add del mod">
-        <pc:chgData name="Long B Nguyen" userId="f59fb8f3-a021-417a-8bc1-65c8d471c621" providerId="ADAL" clId="{9268B748-66AA-0742-9E6D-C568D3B99E77}" dt="2021-01-28T03:54:03.914" v="3919" actId="2696"/>
-        <pc:sldMkLst>
-          <pc:docMk/>
-          <pc:sldMk cId="1280520962" sldId="372"/>
-        </pc:sldMkLst>
-        <pc:spChg chg="mod">
-          <ac:chgData name="Long B Nguyen" userId="f59fb8f3-a021-417a-8bc1-65c8d471c621" providerId="ADAL" clId="{9268B748-66AA-0742-9E6D-C568D3B99E77}" dt="2021-01-28T03:32:14.252" v="3906" actId="20577"/>
-          <ac:spMkLst>
-            <pc:docMk/>
-            <pc:sldMk cId="1280520962" sldId="372"/>
-            <ac:spMk id="14" creationId="{63449E36-9DBB-134E-94FD-16C40C15EBDC}"/>
-          </ac:spMkLst>
-        </pc:spChg>
-        <pc:graphicFrameChg chg="mod modGraphic">
-          <ac:chgData name="Long B Nguyen" userId="f59fb8f3-a021-417a-8bc1-65c8d471c621" providerId="ADAL" clId="{9268B748-66AA-0742-9E6D-C568D3B99E77}" dt="2021-01-28T03:17:48.946" v="3327" actId="20577"/>
-          <ac:graphicFrameMkLst>
-            <pc:docMk/>
-            <pc:sldMk cId="1280520962" sldId="372"/>
-            <ac:graphicFrameMk id="4" creationId="{910DE0CC-5FEF-A94D-BF5D-C253E3945850}"/>
-          </ac:graphicFrameMkLst>
-        </pc:graphicFrameChg>
-        <pc:cxnChg chg="mod">
-          <ac:chgData name="Long B Nguyen" userId="f59fb8f3-a021-417a-8bc1-65c8d471c621" providerId="ADAL" clId="{9268B748-66AA-0742-9E6D-C568D3B99E77}" dt="2021-01-28T03:15:36.368" v="3290" actId="1076"/>
-          <ac:cxnSpMkLst>
-            <pc:docMk/>
-            <pc:sldMk cId="1280520962" sldId="372"/>
-            <ac:cxnSpMk id="13" creationId="{D2556216-41CD-8D42-B4C1-6D4D9ECF9A05}"/>
-          </ac:cxnSpMkLst>
-        </pc:cxnChg>
-      </pc:sldChg>
-      <pc:sldChg chg="add">
-        <pc:chgData name="Long B Nguyen" userId="f59fb8f3-a021-417a-8bc1-65c8d471c621" providerId="ADAL" clId="{9268B748-66AA-0742-9E6D-C568D3B99E77}" dt="2021-01-28T03:54:16.866" v="3923"/>
-        <pc:sldMkLst>
-          <pc:docMk/>
-          <pc:sldMk cId="4121273586" sldId="372"/>
-        </pc:sldMkLst>
-      </pc:sldChg>
-      <pc:sldChg chg="add">
-        <pc:chgData name="Long B Nguyen" userId="f59fb8f3-a021-417a-8bc1-65c8d471c621" providerId="ADAL" clId="{9268B748-66AA-0742-9E6D-C568D3B99E77}" dt="2021-01-28T03:54:16.866" v="3923"/>
-        <pc:sldMkLst>
-          <pc:docMk/>
-          <pc:sldMk cId="3678049184" sldId="373"/>
-        </pc:sldMkLst>
-      </pc:sldChg>
-      <pc:sldChg chg="modSp add del mod">
-        <pc:chgData name="Long B Nguyen" userId="f59fb8f3-a021-417a-8bc1-65c8d471c621" providerId="ADAL" clId="{9268B748-66AA-0742-9E6D-C568D3B99E77}" dt="2021-01-28T03:54:03.802" v="3915" actId="2696"/>
-        <pc:sldMkLst>
-          <pc:docMk/>
-          <pc:sldMk cId="3757013544" sldId="373"/>
-        </pc:sldMkLst>
-        <pc:graphicFrameChg chg="modGraphic">
-          <ac:chgData name="Long B Nguyen" userId="f59fb8f3-a021-417a-8bc1-65c8d471c621" providerId="ADAL" clId="{9268B748-66AA-0742-9E6D-C568D3B99E77}" dt="2021-01-28T03:17:20.973" v="3312" actId="20577"/>
-          <ac:graphicFrameMkLst>
-            <pc:docMk/>
-            <pc:sldMk cId="3757013544" sldId="373"/>
-            <ac:graphicFrameMk id="4" creationId="{910DE0CC-5FEF-A94D-BF5D-C253E3945850}"/>
-          </ac:graphicFrameMkLst>
-        </pc:graphicFrameChg>
-      </pc:sldChg>
-      <pc:sldChg chg="add">
-        <pc:chgData name="Long B Nguyen" userId="f59fb8f3-a021-417a-8bc1-65c8d471c621" providerId="ADAL" clId="{9268B748-66AA-0742-9E6D-C568D3B99E77}" dt="2021-01-28T03:54:16.866" v="3923"/>
-        <pc:sldMkLst>
-          <pc:docMk/>
-          <pc:sldMk cId="744554462" sldId="374"/>
-        </pc:sldMkLst>
-      </pc:sldChg>
-      <pc:sldChg chg="modSp add del mod">
-        <pc:chgData name="Long B Nguyen" userId="f59fb8f3-a021-417a-8bc1-65c8d471c621" providerId="ADAL" clId="{9268B748-66AA-0742-9E6D-C568D3B99E77}" dt="2021-01-28T03:54:03.968" v="3921" actId="2696"/>
-        <pc:sldMkLst>
-          <pc:docMk/>
-          <pc:sldMk cId="3840148047" sldId="374"/>
-        </pc:sldMkLst>
-        <pc:spChg chg="mod">
-          <ac:chgData name="Long B Nguyen" userId="f59fb8f3-a021-417a-8bc1-65c8d471c621" providerId="ADAL" clId="{9268B748-66AA-0742-9E6D-C568D3B99E77}" dt="2021-01-28T03:16:10.910" v="3304" actId="20577"/>
-          <ac:spMkLst>
-            <pc:docMk/>
-            <pc:sldMk cId="3840148047" sldId="374"/>
-            <ac:spMk id="10" creationId="{AA046367-C12B-9C4B-9484-F091A593B175}"/>
-          </ac:spMkLst>
-        </pc:spChg>
-        <pc:graphicFrameChg chg="mod modGraphic">
-          <ac:chgData name="Long B Nguyen" userId="f59fb8f3-a021-417a-8bc1-65c8d471c621" providerId="ADAL" clId="{9268B748-66AA-0742-9E6D-C568D3B99E77}" dt="2021-01-28T03:17:53.293" v="3330" actId="20577"/>
-          <ac:graphicFrameMkLst>
-            <pc:docMk/>
-            <pc:sldMk cId="3840148047" sldId="374"/>
-            <ac:graphicFrameMk id="4" creationId="{910DE0CC-5FEF-A94D-BF5D-C253E3945850}"/>
-          </ac:graphicFrameMkLst>
-        </pc:graphicFrameChg>
-        <pc:cxnChg chg="mod">
-          <ac:chgData name="Long B Nguyen" userId="f59fb8f3-a021-417a-8bc1-65c8d471c621" providerId="ADAL" clId="{9268B748-66AA-0742-9E6D-C568D3B99E77}" dt="2021-01-28T03:18:42.224" v="3334" actId="14100"/>
-          <ac:cxnSpMkLst>
-            <pc:docMk/>
-            <pc:sldMk cId="3840148047" sldId="374"/>
-            <ac:cxnSpMk id="13" creationId="{D2556216-41CD-8D42-B4C1-6D4D9ECF9A05}"/>
-          </ac:cxnSpMkLst>
-        </pc:cxnChg>
-      </pc:sldChg>
-      <pc:sldChg chg="add">
-        <pc:chgData name="Long B Nguyen" userId="f59fb8f3-a021-417a-8bc1-65c8d471c621" providerId="ADAL" clId="{9268B748-66AA-0742-9E6D-C568D3B99E77}" dt="2021-01-28T03:54:16.866" v="3923"/>
-        <pc:sldMkLst>
-          <pc:docMk/>
-          <pc:sldMk cId="1389296992" sldId="375"/>
-        </pc:sldMkLst>
-      </pc:sldChg>
-      <pc:sldChg chg="modSp add del mod">
-        <pc:chgData name="Long B Nguyen" userId="f59fb8f3-a021-417a-8bc1-65c8d471c621" providerId="ADAL" clId="{9268B748-66AA-0742-9E6D-C568D3B99E77}" dt="2021-01-28T03:54:03.987" v="3922" actId="2696"/>
-        <pc:sldMkLst>
-          <pc:docMk/>
-          <pc:sldMk cId="2304065647" sldId="375"/>
-        </pc:sldMkLst>
-        <pc:spChg chg="mod">
-          <ac:chgData name="Long B Nguyen" userId="f59fb8f3-a021-417a-8bc1-65c8d471c621" providerId="ADAL" clId="{9268B748-66AA-0742-9E6D-C568D3B99E77}" dt="2021-01-28T03:16:38.194" v="3305" actId="20577"/>
-          <ac:spMkLst>
-            <pc:docMk/>
-            <pc:sldMk cId="2304065647" sldId="375"/>
-            <ac:spMk id="11" creationId="{D4310815-845D-E54A-A272-6DAA89CB5B1C}"/>
-          </ac:spMkLst>
-        </pc:spChg>
-        <pc:graphicFrameChg chg="mod modGraphic">
-          <ac:chgData name="Long B Nguyen" userId="f59fb8f3-a021-417a-8bc1-65c8d471c621" providerId="ADAL" clId="{9268B748-66AA-0742-9E6D-C568D3B99E77}" dt="2021-01-28T03:17:58.355" v="3333" actId="20577"/>
-          <ac:graphicFrameMkLst>
-            <pc:docMk/>
-            <pc:sldMk cId="2304065647" sldId="375"/>
-            <ac:graphicFrameMk id="4" creationId="{910DE0CC-5FEF-A94D-BF5D-C253E3945850}"/>
-          </ac:graphicFrameMkLst>
-        </pc:graphicFrameChg>
-      </pc:sldChg>
-      <pc:sldChg chg="modSp add del mod">
-        <pc:chgData name="Long B Nguyen" userId="f59fb8f3-a021-417a-8bc1-65c8d471c621" providerId="ADAL" clId="{9268B748-66AA-0742-9E6D-C568D3B99E77}" dt="2021-01-28T03:15:09.808" v="3286" actId="2696"/>
-        <pc:sldMkLst>
-          <pc:docMk/>
-          <pc:sldMk cId="536933755" sldId="383"/>
-        </pc:sldMkLst>
-        <pc:graphicFrameChg chg="mod modGraphic">
-          <ac:chgData name="Long B Nguyen" userId="f59fb8f3-a021-417a-8bc1-65c8d471c621" providerId="ADAL" clId="{9268B748-66AA-0742-9E6D-C568D3B99E77}" dt="2021-01-28T03:14:47.258" v="3284" actId="14734"/>
-          <ac:graphicFrameMkLst>
-            <pc:docMk/>
-            <pc:sldMk cId="536933755" sldId="383"/>
-            <ac:graphicFrameMk id="4" creationId="{910DE0CC-5FEF-A94D-BF5D-C253E3945850}"/>
-          </ac:graphicFrameMkLst>
-        </pc:graphicFrameChg>
-        <pc:cxnChg chg="mod">
-          <ac:chgData name="Long B Nguyen" userId="f59fb8f3-a021-417a-8bc1-65c8d471c621" providerId="ADAL" clId="{9268B748-66AA-0742-9E6D-C568D3B99E77}" dt="2021-01-28T03:13:25.976" v="3272" actId="1076"/>
-          <ac:cxnSpMkLst>
-            <pc:docMk/>
-            <pc:sldMk cId="536933755" sldId="383"/>
-            <ac:cxnSpMk id="8" creationId="{A7347EC2-A2A0-0E43-A49A-A85D314519D0}"/>
-          </ac:cxnSpMkLst>
-        </pc:cxnChg>
-      </pc:sldChg>
-      <pc:sldChg chg="modSp add del mod">
-        <pc:chgData name="Long B Nguyen" userId="f59fb8f3-a021-417a-8bc1-65c8d471c621" providerId="ADAL" clId="{9268B748-66AA-0742-9E6D-C568D3B99E77}" dt="2021-01-28T03:54:03.833" v="3916" actId="2696"/>
-        <pc:sldMkLst>
-          <pc:docMk/>
-          <pc:sldMk cId="1573053566" sldId="383"/>
-        </pc:sldMkLst>
-        <pc:spChg chg="mod">
-          <ac:chgData name="Long B Nguyen" userId="f59fb8f3-a021-417a-8bc1-65c8d471c621" providerId="ADAL" clId="{9268B748-66AA-0742-9E6D-C568D3B99E77}" dt="2021-01-28T03:30:49.815" v="3856" actId="20577"/>
-          <ac:spMkLst>
-            <pc:docMk/>
-            <pc:sldMk cId="1573053566" sldId="383"/>
-            <ac:spMk id="7" creationId="{75F48114-9280-694B-AC75-C6668A84DF44}"/>
-          </ac:spMkLst>
-        </pc:spChg>
-        <pc:graphicFrameChg chg="mod modGraphic">
-          <ac:chgData name="Long B Nguyen" userId="f59fb8f3-a021-417a-8bc1-65c8d471c621" providerId="ADAL" clId="{9268B748-66AA-0742-9E6D-C568D3B99E77}" dt="2021-01-28T03:17:35.503" v="3318" actId="20577"/>
-          <ac:graphicFrameMkLst>
-            <pc:docMk/>
-            <pc:sldMk cId="1573053566" sldId="383"/>
-            <ac:graphicFrameMk id="4" creationId="{910DE0CC-5FEF-A94D-BF5D-C253E3945850}"/>
-          </ac:graphicFrameMkLst>
-        </pc:graphicFrameChg>
-      </pc:sldChg>
-      <pc:sldChg chg="add">
-        <pc:chgData name="Long B Nguyen" userId="f59fb8f3-a021-417a-8bc1-65c8d471c621" providerId="ADAL" clId="{9268B748-66AA-0742-9E6D-C568D3B99E77}" dt="2021-01-28T03:54:16.866" v="3923"/>
-        <pc:sldMkLst>
-          <pc:docMk/>
-          <pc:sldMk cId="2424282737" sldId="383"/>
-        </pc:sldMkLst>
-      </pc:sldChg>
-      <pc:sldChg chg="modSp add del mod">
-        <pc:chgData name="Long B Nguyen" userId="f59fb8f3-a021-417a-8bc1-65c8d471c621" providerId="ADAL" clId="{9268B748-66AA-0742-9E6D-C568D3B99E77}" dt="2021-01-28T03:54:03.886" v="3918" actId="2696"/>
-        <pc:sldMkLst>
-          <pc:docMk/>
-          <pc:sldMk cId="1039746147" sldId="385"/>
-        </pc:sldMkLst>
-        <pc:spChg chg="mod">
-          <ac:chgData name="Long B Nguyen" userId="f59fb8f3-a021-417a-8bc1-65c8d471c621" providerId="ADAL" clId="{9268B748-66AA-0742-9E6D-C568D3B99E77}" dt="2021-01-28T03:31:42.555" v="3896" actId="20577"/>
-          <ac:spMkLst>
-            <pc:docMk/>
-            <pc:sldMk cId="1039746147" sldId="385"/>
-            <ac:spMk id="14" creationId="{63449E36-9DBB-134E-94FD-16C40C15EBDC}"/>
-          </ac:spMkLst>
-        </pc:spChg>
-        <pc:graphicFrameChg chg="mod modGraphic">
-          <ac:chgData name="Long B Nguyen" userId="f59fb8f3-a021-417a-8bc1-65c8d471c621" providerId="ADAL" clId="{9268B748-66AA-0742-9E6D-C568D3B99E77}" dt="2021-01-28T03:17:44.271" v="3324" actId="20577"/>
-          <ac:graphicFrameMkLst>
-            <pc:docMk/>
-            <pc:sldMk cId="1039746147" sldId="385"/>
-            <ac:graphicFrameMk id="4" creationId="{910DE0CC-5FEF-A94D-BF5D-C253E3945850}"/>
-          </ac:graphicFrameMkLst>
-        </pc:graphicFrameChg>
-        <pc:cxnChg chg="mod">
-          <ac:chgData name="Long B Nguyen" userId="f59fb8f3-a021-417a-8bc1-65c8d471c621" providerId="ADAL" clId="{9268B748-66AA-0742-9E6D-C568D3B99E77}" dt="2021-01-28T03:14:35.755" v="3282" actId="1076"/>
-          <ac:cxnSpMkLst>
-            <pc:docMk/>
-            <pc:sldMk cId="1039746147" sldId="385"/>
-            <ac:cxnSpMk id="13" creationId="{D2556216-41CD-8D42-B4C1-6D4D9ECF9A05}"/>
-          </ac:cxnSpMkLst>
-        </pc:cxnChg>
-      </pc:sldChg>
-      <pc:sldChg chg="add">
-        <pc:chgData name="Long B Nguyen" userId="f59fb8f3-a021-417a-8bc1-65c8d471c621" providerId="ADAL" clId="{9268B748-66AA-0742-9E6D-C568D3B99E77}" dt="2021-01-28T03:54:16.866" v="3923"/>
-        <pc:sldMkLst>
-          <pc:docMk/>
-          <pc:sldMk cId="3949056306" sldId="385"/>
-        </pc:sldMkLst>
-      </pc:sldChg>
-      <pc:sldChg chg="modSp add mod modNotesTx">
-        <pc:chgData name="Long B Nguyen" userId="f59fb8f3-a021-417a-8bc1-65c8d471c621" providerId="ADAL" clId="{9268B748-66AA-0742-9E6D-C568D3B99E77}" dt="2021-01-17T03:52:20.756" v="2588" actId="20577"/>
-        <pc:sldMkLst>
-          <pc:docMk/>
-          <pc:sldMk cId="3182006449" sldId="424"/>
-        </pc:sldMkLst>
-        <pc:spChg chg="mod">
-          <ac:chgData name="Long B Nguyen" userId="f59fb8f3-a021-417a-8bc1-65c8d471c621" providerId="ADAL" clId="{9268B748-66AA-0742-9E6D-C568D3B99E77}" dt="2021-01-17T03:52:20.756" v="2588" actId="20577"/>
-          <ac:spMkLst>
-            <pc:docMk/>
-            <pc:sldMk cId="3182006449" sldId="424"/>
-            <ac:spMk id="30722" creationId="{C70E3A34-0037-734F-81D6-0339361ED841}"/>
-          </ac:spMkLst>
-        </pc:spChg>
-      </pc:sldChg>
-      <pc:sldChg chg="modSp del mod">
-        <pc:chgData name="Long B Nguyen" userId="f59fb8f3-a021-417a-8bc1-65c8d471c621" providerId="ADAL" clId="{9268B748-66AA-0742-9E6D-C568D3B99E77}" dt="2021-01-17T03:47:03.261" v="2400" actId="2696"/>
-        <pc:sldMkLst>
-          <pc:docMk/>
-          <pc:sldMk cId="3212712238" sldId="424"/>
-        </pc:sldMkLst>
-        <pc:spChg chg="mod">
-          <ac:chgData name="Long B Nguyen" userId="f59fb8f3-a021-417a-8bc1-65c8d471c621" providerId="ADAL" clId="{9268B748-66AA-0742-9E6D-C568D3B99E77}" dt="2021-01-17T03:26:57.150" v="1526" actId="1076"/>
-          <ac:spMkLst>
-            <pc:docMk/>
-            <pc:sldMk cId="3212712238" sldId="424"/>
-            <ac:spMk id="30721" creationId="{378752EF-A47C-2F42-B800-CF9B206624FE}"/>
-          </ac:spMkLst>
-        </pc:spChg>
-        <pc:spChg chg="mod">
-          <ac:chgData name="Long B Nguyen" userId="f59fb8f3-a021-417a-8bc1-65c8d471c621" providerId="ADAL" clId="{9268B748-66AA-0742-9E6D-C568D3B99E77}" dt="2021-01-17T03:27:02.729" v="1528" actId="14100"/>
-          <ac:spMkLst>
-            <pc:docMk/>
-            <pc:sldMk cId="3212712238" sldId="424"/>
-            <ac:spMk id="30722" creationId="{C70E3A34-0037-734F-81D6-0339361ED841}"/>
-          </ac:spMkLst>
-        </pc:spChg>
-      </pc:sldChg>
-      <pc:sldChg chg="del">
-        <pc:chgData name="Long B Nguyen" userId="f59fb8f3-a021-417a-8bc1-65c8d471c621" providerId="ADAL" clId="{9268B748-66AA-0742-9E6D-C568D3B99E77}" dt="2021-01-17T03:01:28.638" v="107" actId="2696"/>
-        <pc:sldMkLst>
-          <pc:docMk/>
-          <pc:sldMk cId="2744089513" sldId="425"/>
-        </pc:sldMkLst>
-      </pc:sldChg>
-      <pc:sldChg chg="del">
-        <pc:chgData name="Long B Nguyen" userId="f59fb8f3-a021-417a-8bc1-65c8d471c621" providerId="ADAL" clId="{9268B748-66AA-0742-9E6D-C568D3B99E77}" dt="2021-01-17T03:27:29.797" v="1537" actId="2696"/>
-        <pc:sldMkLst>
-          <pc:docMk/>
-          <pc:sldMk cId="3169230028" sldId="426"/>
-        </pc:sldMkLst>
-      </pc:sldChg>
-      <pc:sldChg chg="modSp mod">
-        <pc:chgData name="Long B Nguyen" userId="f59fb8f3-a021-417a-8bc1-65c8d471c621" providerId="ADAL" clId="{9268B748-66AA-0742-9E6D-C568D3B99E77}" dt="2021-01-17T03:00:25.901" v="15" actId="20577"/>
-        <pc:sldMkLst>
-          <pc:docMk/>
-          <pc:sldMk cId="847347657" sldId="555"/>
-        </pc:sldMkLst>
-        <pc:spChg chg="mod">
-          <ac:chgData name="Long B Nguyen" userId="f59fb8f3-a021-417a-8bc1-65c8d471c621" providerId="ADAL" clId="{9268B748-66AA-0742-9E6D-C568D3B99E77}" dt="2021-01-17T03:00:25.901" v="15" actId="20577"/>
-          <ac:spMkLst>
-            <pc:docMk/>
-            <pc:sldMk cId="847347657" sldId="555"/>
-            <ac:spMk id="3" creationId="{69ADCD5C-363A-6249-B0DD-5A7EF5ACE656}"/>
-          </ac:spMkLst>
-        </pc:spChg>
-      </pc:sldChg>
-      <pc:sldChg chg="modSp mod modAnim">
-        <pc:chgData name="Long B Nguyen" userId="f59fb8f3-a021-417a-8bc1-65c8d471c621" providerId="ADAL" clId="{9268B748-66AA-0742-9E6D-C568D3B99E77}" dt="2021-02-01T00:36:23.028" v="5586" actId="20577"/>
-        <pc:sldMkLst>
-          <pc:docMk/>
-          <pc:sldMk cId="3515362357" sldId="556"/>
-        </pc:sldMkLst>
-        <pc:spChg chg="mod">
-          <ac:chgData name="Long B Nguyen" userId="f59fb8f3-a021-417a-8bc1-65c8d471c621" providerId="ADAL" clId="{9268B748-66AA-0742-9E6D-C568D3B99E77}" dt="2021-01-17T03:22:03.170" v="1421" actId="1076"/>
-          <ac:spMkLst>
-            <pc:docMk/>
-            <pc:sldMk cId="3515362357" sldId="556"/>
-            <ac:spMk id="20482" creationId="{122029F5-C3C9-E94E-9E27-3AADE7978759}"/>
-          </ac:spMkLst>
-        </pc:spChg>
-        <pc:spChg chg="mod">
-          <ac:chgData name="Long B Nguyen" userId="f59fb8f3-a021-417a-8bc1-65c8d471c621" providerId="ADAL" clId="{9268B748-66AA-0742-9E6D-C568D3B99E77}" dt="2021-02-01T00:36:23.028" v="5586" actId="20577"/>
-          <ac:spMkLst>
-            <pc:docMk/>
-            <pc:sldMk cId="3515362357" sldId="556"/>
-            <ac:spMk id="20483" creationId="{11D6A34E-F264-984B-AD46-8F4C5C826246}"/>
-          </ac:spMkLst>
-        </pc:spChg>
-      </pc:sldChg>
-      <pc:sldChg chg="modSp mod modAnim">
-        <pc:chgData name="Long B Nguyen" userId="f59fb8f3-a021-417a-8bc1-65c8d471c621" providerId="ADAL" clId="{9268B748-66AA-0742-9E6D-C568D3B99E77}" dt="2021-02-01T02:57:47.994" v="5602"/>
-        <pc:sldMkLst>
-          <pc:docMk/>
-          <pc:sldMk cId="56364418" sldId="557"/>
-        </pc:sldMkLst>
-        <pc:spChg chg="mod">
-          <ac:chgData name="Long B Nguyen" userId="f59fb8f3-a021-417a-8bc1-65c8d471c621" providerId="ADAL" clId="{9268B748-66AA-0742-9E6D-C568D3B99E77}" dt="2021-02-01T02:57:47.994" v="5602"/>
-          <ac:spMkLst>
-            <pc:docMk/>
-            <pc:sldMk cId="56364418" sldId="557"/>
-            <ac:spMk id="6146" creationId="{095FC28F-CF01-5C45-8C80-38CA0C2B9DF5}"/>
-          </ac:spMkLst>
-        </pc:spChg>
-        <pc:spChg chg="mod">
-          <ac:chgData name="Long B Nguyen" userId="f59fb8f3-a021-417a-8bc1-65c8d471c621" providerId="ADAL" clId="{9268B748-66AA-0742-9E6D-C568D3B99E77}" dt="2021-01-17T03:21:32.889" v="1414" actId="1076"/>
-          <ac:spMkLst>
-            <pc:docMk/>
-            <pc:sldMk cId="56364418" sldId="557"/>
-            <ac:spMk id="20482" creationId="{6D756BCF-3D62-744E-A1A2-5EA11AF1F5DE}"/>
-          </ac:spMkLst>
-        </pc:spChg>
-      </pc:sldChg>
-      <pc:sldChg chg="modSp mod modAnim">
-        <pc:chgData name="Long B Nguyen" userId="f59fb8f3-a021-417a-8bc1-65c8d471c621" providerId="ADAL" clId="{9268B748-66AA-0742-9E6D-C568D3B99E77}" dt="2021-01-28T13:06:20.495" v="4681" actId="207"/>
-        <pc:sldMkLst>
-          <pc:docMk/>
-          <pc:sldMk cId="4185702486" sldId="558"/>
-        </pc:sldMkLst>
-        <pc:spChg chg="mod">
-          <ac:chgData name="Long B Nguyen" userId="f59fb8f3-a021-417a-8bc1-65c8d471c621" providerId="ADAL" clId="{9268B748-66AA-0742-9E6D-C568D3B99E77}" dt="2021-01-28T13:06:20.495" v="4681" actId="207"/>
-          <ac:spMkLst>
-            <pc:docMk/>
-            <pc:sldMk cId="4185702486" sldId="558"/>
-            <ac:spMk id="7170" creationId="{63A32A1E-B5AF-FA47-8296-065102CBE2F8}"/>
-          </ac:spMkLst>
-        </pc:spChg>
-        <pc:spChg chg="mod">
-          <ac:chgData name="Long B Nguyen" userId="f59fb8f3-a021-417a-8bc1-65c8d471c621" providerId="ADAL" clId="{9268B748-66AA-0742-9E6D-C568D3B99E77}" dt="2021-01-17T03:14:33.782" v="971" actId="20577"/>
-          <ac:spMkLst>
-            <pc:docMk/>
-            <pc:sldMk cId="4185702486" sldId="558"/>
-            <ac:spMk id="20482" creationId="{6D756BCF-3D62-744E-A1A2-5EA11AF1F5DE}"/>
-          </ac:spMkLst>
-        </pc:spChg>
-      </pc:sldChg>
-      <pc:sldChg chg="del">
-        <pc:chgData name="Long B Nguyen" userId="f59fb8f3-a021-417a-8bc1-65c8d471c621" providerId="ADAL" clId="{9268B748-66AA-0742-9E6D-C568D3B99E77}" dt="2021-01-17T03:22:35.767" v="1426" actId="2696"/>
-        <pc:sldMkLst>
-          <pc:docMk/>
-          <pc:sldMk cId="2190184513" sldId="559"/>
-        </pc:sldMkLst>
-      </pc:sldChg>
-      <pc:sldChg chg="del">
-        <pc:chgData name="Long B Nguyen" userId="f59fb8f3-a021-417a-8bc1-65c8d471c621" providerId="ADAL" clId="{9268B748-66AA-0742-9E6D-C568D3B99E77}" dt="2021-01-17T03:22:41.917" v="1427" actId="2696"/>
-        <pc:sldMkLst>
-          <pc:docMk/>
-          <pc:sldMk cId="3797534927" sldId="560"/>
-        </pc:sldMkLst>
-      </pc:sldChg>
-      <pc:sldChg chg="modSp mod">
-        <pc:chgData name="Long B Nguyen" userId="f59fb8f3-a021-417a-8bc1-65c8d471c621" providerId="ADAL" clId="{9268B748-66AA-0742-9E6D-C568D3B99E77}" dt="2021-01-17T03:49:49.752" v="2475" actId="20577"/>
-        <pc:sldMkLst>
-          <pc:docMk/>
-          <pc:sldMk cId="3461972299" sldId="561"/>
-        </pc:sldMkLst>
-        <pc:spChg chg="mod">
-          <ac:chgData name="Long B Nguyen" userId="f59fb8f3-a021-417a-8bc1-65c8d471c621" providerId="ADAL" clId="{9268B748-66AA-0742-9E6D-C568D3B99E77}" dt="2021-01-17T03:49:49.752" v="2475" actId="20577"/>
-          <ac:spMkLst>
-            <pc:docMk/>
-            <pc:sldMk cId="3461972299" sldId="561"/>
-            <ac:spMk id="18434" creationId="{DCC791A7-12CD-D84A-9EC8-A0C8BB69E328}"/>
-          </ac:spMkLst>
-        </pc:spChg>
-        <pc:spChg chg="mod">
-          <ac:chgData name="Long B Nguyen" userId="f59fb8f3-a021-417a-8bc1-65c8d471c621" providerId="ADAL" clId="{9268B748-66AA-0742-9E6D-C568D3B99E77}" dt="2021-01-17T03:25:23.592" v="1506" actId="1076"/>
-          <ac:spMkLst>
-            <pc:docMk/>
-            <pc:sldMk cId="3461972299" sldId="561"/>
-            <ac:spMk id="20482" creationId="{AA23FAD0-C454-854B-B4AF-02039D831D3A}"/>
-          </ac:spMkLst>
-        </pc:spChg>
-      </pc:sldChg>
-      <pc:sldChg chg="del">
-        <pc:chgData name="Long B Nguyen" userId="f59fb8f3-a021-417a-8bc1-65c8d471c621" providerId="ADAL" clId="{9268B748-66AA-0742-9E6D-C568D3B99E77}" dt="2021-01-17T03:26:48.352" v="1524" actId="2696"/>
-        <pc:sldMkLst>
-          <pc:docMk/>
-          <pc:sldMk cId="2056856836" sldId="562"/>
-        </pc:sldMkLst>
-      </pc:sldChg>
-      <pc:sldChg chg="del">
-        <pc:chgData name="Long B Nguyen" userId="f59fb8f3-a021-417a-8bc1-65c8d471c621" providerId="ADAL" clId="{9268B748-66AA-0742-9E6D-C568D3B99E77}" dt="2021-01-17T03:26:51.907" v="1525" actId="2696"/>
-        <pc:sldMkLst>
-          <pc:docMk/>
-          <pc:sldMk cId="1129266536" sldId="563"/>
-        </pc:sldMkLst>
-      </pc:sldChg>
-      <pc:sldChg chg="del">
-        <pc:chgData name="Long B Nguyen" userId="f59fb8f3-a021-417a-8bc1-65c8d471c621" providerId="ADAL" clId="{9268B748-66AA-0742-9E6D-C568D3B99E77}" dt="2021-01-17T03:01:27.950" v="106" actId="2696"/>
-        <pc:sldMkLst>
-          <pc:docMk/>
-          <pc:sldMk cId="602950482" sldId="564"/>
-        </pc:sldMkLst>
-      </pc:sldChg>
-      <pc:sldChg chg="addSp delSp modSp mod">
-        <pc:chgData name="Long B Nguyen" userId="f59fb8f3-a021-417a-8bc1-65c8d471c621" providerId="ADAL" clId="{9268B748-66AA-0742-9E6D-C568D3B99E77}" dt="2021-02-01T02:55:33.692" v="5588"/>
-        <pc:sldMkLst>
-          <pc:docMk/>
-          <pc:sldMk cId="4104989124" sldId="565"/>
-        </pc:sldMkLst>
-        <pc:spChg chg="mod">
-          <ac:chgData name="Long B Nguyen" userId="f59fb8f3-a021-417a-8bc1-65c8d471c621" providerId="ADAL" clId="{9268B748-66AA-0742-9E6D-C568D3B99E77}" dt="2021-01-17T03:27:09.403" v="1530" actId="1076"/>
-          <ac:spMkLst>
-            <pc:docMk/>
-            <pc:sldMk cId="4104989124" sldId="565"/>
-            <ac:spMk id="35841" creationId="{09D8876C-8F7A-C748-966B-672B36C17545}"/>
-          </ac:spMkLst>
-        </pc:spChg>
-        <pc:spChg chg="mod">
-          <ac:chgData name="Long B Nguyen" userId="f59fb8f3-a021-417a-8bc1-65c8d471c621" providerId="ADAL" clId="{9268B748-66AA-0742-9E6D-C568D3B99E77}" dt="2021-01-17T05:46:41.434" v="3212" actId="20577"/>
-          <ac:spMkLst>
-            <pc:docMk/>
-            <pc:sldMk cId="4104989124" sldId="565"/>
-            <ac:spMk id="35842" creationId="{C94BCA01-D831-ED4D-84FD-C30E8117F872}"/>
-          </ac:spMkLst>
-        </pc:spChg>
-        <pc:picChg chg="add del mod">
-          <ac:chgData name="Long B Nguyen" userId="f59fb8f3-a021-417a-8bc1-65c8d471c621" providerId="ADAL" clId="{9268B748-66AA-0742-9E6D-C568D3B99E77}" dt="2021-02-01T02:55:33.692" v="5588"/>
-          <ac:picMkLst>
-            <pc:docMk/>
-            <pc:sldMk cId="4104989124" sldId="565"/>
-            <ac:picMk id="3" creationId="{CC62BCE2-BD78-384D-9079-8FEAD8642B89}"/>
-          </ac:picMkLst>
-        </pc:picChg>
-      </pc:sldChg>
-      <pc:sldChg chg="addSp delSp modSp add del mod modAnim">
-        <pc:chgData name="Long B Nguyen" userId="f59fb8f3-a021-417a-8bc1-65c8d471c621" providerId="ADAL" clId="{9268B748-66AA-0742-9E6D-C568D3B99E77}" dt="2021-01-28T13:02:26.431" v="4643" actId="2696"/>
-        <pc:sldMkLst>
-          <pc:docMk/>
-          <pc:sldMk cId="37137412" sldId="566"/>
-        </pc:sldMkLst>
-        <pc:spChg chg="add mod">
-          <ac:chgData name="Long B Nguyen" userId="f59fb8f3-a021-417a-8bc1-65c8d471c621" providerId="ADAL" clId="{9268B748-66AA-0742-9E6D-C568D3B99E77}" dt="2021-01-17T03:47:39.202" v="2430" actId="1076"/>
-          <ac:spMkLst>
-            <pc:docMk/>
-            <pc:sldMk cId="37137412" sldId="566"/>
-            <ac:spMk id="2" creationId="{C360779D-4CA6-E54E-AF40-CFF286ECEDB6}"/>
-          </ac:spMkLst>
-        </pc:spChg>
-        <pc:spChg chg="mod">
-          <ac:chgData name="Long B Nguyen" userId="f59fb8f3-a021-417a-8bc1-65c8d471c621" providerId="ADAL" clId="{9268B748-66AA-0742-9E6D-C568D3B99E77}" dt="2021-01-17T05:26:06.909" v="2707" actId="20577"/>
-          <ac:spMkLst>
-            <pc:docMk/>
-            <pc:sldMk cId="37137412" sldId="566"/>
-            <ac:spMk id="35841" creationId="{09D8876C-8F7A-C748-966B-672B36C17545}"/>
-          </ac:spMkLst>
-        </pc:spChg>
-        <pc:spChg chg="mod">
-          <ac:chgData name="Long B Nguyen" userId="f59fb8f3-a021-417a-8bc1-65c8d471c621" providerId="ADAL" clId="{9268B748-66AA-0742-9E6D-C568D3B99E77}" dt="2021-01-17T03:41:20.895" v="2130" actId="20577"/>
-          <ac:spMkLst>
-            <pc:docMk/>
-            <pc:sldMk cId="37137412" sldId="566"/>
-            <ac:spMk id="35842" creationId="{C94BCA01-D831-ED4D-84FD-C30E8117F872}"/>
-          </ac:spMkLst>
-        </pc:spChg>
-        <pc:cxnChg chg="add mod">
-          <ac:chgData name="Long B Nguyen" userId="f59fb8f3-a021-417a-8bc1-65c8d471c621" providerId="ADAL" clId="{9268B748-66AA-0742-9E6D-C568D3B99E77}" dt="2021-01-17T03:39:46.671" v="2077" actId="1076"/>
-          <ac:cxnSpMkLst>
-            <pc:docMk/>
-            <pc:sldMk cId="37137412" sldId="566"/>
-            <ac:cxnSpMk id="4" creationId="{53D1A4C4-2FD3-E74A-B6A8-E938E6191ED0}"/>
-          </ac:cxnSpMkLst>
-        </pc:cxnChg>
-        <pc:cxnChg chg="add del mod">
-          <ac:chgData name="Long B Nguyen" userId="f59fb8f3-a021-417a-8bc1-65c8d471c621" providerId="ADAL" clId="{9268B748-66AA-0742-9E6D-C568D3B99E77}" dt="2021-01-17T03:39:43.507" v="2076" actId="478"/>
-          <ac:cxnSpMkLst>
-            <pc:docMk/>
-            <pc:sldMk cId="37137412" sldId="566"/>
-            <ac:cxnSpMk id="8" creationId="{11602C2F-2F76-ED4E-9EAB-79F64A2F7942}"/>
-          </ac:cxnSpMkLst>
-        </pc:cxnChg>
-        <pc:cxnChg chg="add mod">
-          <ac:chgData name="Long B Nguyen" userId="f59fb8f3-a021-417a-8bc1-65c8d471c621" providerId="ADAL" clId="{9268B748-66AA-0742-9E6D-C568D3B99E77}" dt="2021-01-17T03:41:17.784" v="2129" actId="1076"/>
-          <ac:cxnSpMkLst>
-            <pc:docMk/>
-            <pc:sldMk cId="37137412" sldId="566"/>
-            <ac:cxnSpMk id="9" creationId="{1AB067D5-4CF2-3E4D-A945-5CDBCBD53EF8}"/>
-          </ac:cxnSpMkLst>
-        </pc:cxnChg>
-      </pc:sldChg>
-      <pc:sldChg chg="del">
-        <pc:chgData name="Long B Nguyen" userId="f59fb8f3-a021-417a-8bc1-65c8d471c621" providerId="ADAL" clId="{9268B748-66AA-0742-9E6D-C568D3B99E77}" dt="2021-01-17T03:27:25.431" v="1535" actId="2696"/>
-        <pc:sldMkLst>
-          <pc:docMk/>
-          <pc:sldMk cId="2615412358" sldId="566"/>
-        </pc:sldMkLst>
-      </pc:sldChg>
-      <pc:sldChg chg="addSp delSp modSp add mod delAnim modAnim">
-        <pc:chgData name="Long B Nguyen" userId="f59fb8f3-a021-417a-8bc1-65c8d471c621" providerId="ADAL" clId="{9268B748-66AA-0742-9E6D-C568D3B99E77}" dt="2021-01-28T14:31:33.213" v="5579"/>
-        <pc:sldMkLst>
-          <pc:docMk/>
-          <pc:sldMk cId="2722221053" sldId="566"/>
-        </pc:sldMkLst>
-        <pc:spChg chg="add mod">
-          <ac:chgData name="Long B Nguyen" userId="f59fb8f3-a021-417a-8bc1-65c8d471c621" providerId="ADAL" clId="{9268B748-66AA-0742-9E6D-C568D3B99E77}" dt="2021-01-28T14:29:04.207" v="5566" actId="20577"/>
-          <ac:spMkLst>
-            <pc:docMk/>
-            <pc:sldMk cId="2722221053" sldId="566"/>
-            <ac:spMk id="8" creationId="{CDB6DDAB-EF4C-A94C-87F4-05952EB9F7FB}"/>
-          </ac:spMkLst>
-        </pc:spChg>
-        <pc:spChg chg="mod">
-          <ac:chgData name="Long B Nguyen" userId="f59fb8f3-a021-417a-8bc1-65c8d471c621" providerId="ADAL" clId="{9268B748-66AA-0742-9E6D-C568D3B99E77}" dt="2021-01-28T13:06:54.656" v="4688" actId="20577"/>
-          <ac:spMkLst>
-            <pc:docMk/>
-            <pc:sldMk cId="2722221053" sldId="566"/>
-            <ac:spMk id="35842" creationId="{C94BCA01-D831-ED4D-84FD-C30E8117F872}"/>
-          </ac:spMkLst>
-        </pc:spChg>
-        <pc:cxnChg chg="del mod">
-          <ac:chgData name="Long B Nguyen" userId="f59fb8f3-a021-417a-8bc1-65c8d471c621" providerId="ADAL" clId="{9268B748-66AA-0742-9E6D-C568D3B99E77}" dt="2021-01-28T14:28:51.842" v="5562" actId="478"/>
-          <ac:cxnSpMkLst>
-            <pc:docMk/>
-            <pc:sldMk cId="2722221053" sldId="566"/>
-            <ac:cxnSpMk id="9" creationId="{1AB067D5-4CF2-3E4D-A945-5CDBCBD53EF8}"/>
-          </ac:cxnSpMkLst>
-        </pc:cxnChg>
-        <pc:cxnChg chg="add mod">
-          <ac:chgData name="Long B Nguyen" userId="f59fb8f3-a021-417a-8bc1-65c8d471c621" providerId="ADAL" clId="{9268B748-66AA-0742-9E6D-C568D3B99E77}" dt="2021-01-28T14:29:34.408" v="5571" actId="14100"/>
-          <ac:cxnSpMkLst>
-            <pc:docMk/>
-            <pc:sldMk cId="2722221053" sldId="566"/>
-            <ac:cxnSpMk id="10" creationId="{8D505A7E-646A-6B46-825F-49A2F6E29335}"/>
-          </ac:cxnSpMkLst>
-        </pc:cxnChg>
-      </pc:sldChg>
-      <pc:sldChg chg="addSp delSp modSp add del mod modAnim">
-        <pc:chgData name="Long B Nguyen" userId="f59fb8f3-a021-417a-8bc1-65c8d471c621" providerId="ADAL" clId="{9268B748-66AA-0742-9E6D-C568D3B99E77}" dt="2021-01-28T13:02:26.460" v="4644" actId="2696"/>
-        <pc:sldMkLst>
-          <pc:docMk/>
-          <pc:sldMk cId="4138501364" sldId="567"/>
-        </pc:sldMkLst>
-        <pc:spChg chg="mod">
-          <ac:chgData name="Long B Nguyen" userId="f59fb8f3-a021-417a-8bc1-65c8d471c621" providerId="ADAL" clId="{9268B748-66AA-0742-9E6D-C568D3B99E77}" dt="2021-01-17T03:44:37.880" v="2320" actId="1076"/>
-          <ac:spMkLst>
-            <pc:docMk/>
-            <pc:sldMk cId="4138501364" sldId="567"/>
-            <ac:spMk id="2" creationId="{C360779D-4CA6-E54E-AF40-CFF286ECEDB6}"/>
-          </ac:spMkLst>
-        </pc:spChg>
-        <pc:spChg chg="add mod">
-          <ac:chgData name="Long B Nguyen" userId="f59fb8f3-a021-417a-8bc1-65c8d471c621" providerId="ADAL" clId="{9268B748-66AA-0742-9E6D-C568D3B99E77}" dt="2021-01-17T03:46:24.835" v="2399" actId="207"/>
-          <ac:spMkLst>
-            <pc:docMk/>
-            <pc:sldMk cId="4138501364" sldId="567"/>
-            <ac:spMk id="7" creationId="{FCD9C15D-1329-1444-B6C2-5E444C159CB2}"/>
-          </ac:spMkLst>
-        </pc:spChg>
-        <pc:spChg chg="mod">
-          <ac:chgData name="Long B Nguyen" userId="f59fb8f3-a021-417a-8bc1-65c8d471c621" providerId="ADAL" clId="{9268B748-66AA-0742-9E6D-C568D3B99E77}" dt="2021-01-17T03:41:51.515" v="2140" actId="20577"/>
-          <ac:spMkLst>
-            <pc:docMk/>
-            <pc:sldMk cId="4138501364" sldId="567"/>
-            <ac:spMk id="35841" creationId="{09D8876C-8F7A-C748-966B-672B36C17545}"/>
-          </ac:spMkLst>
-        </pc:spChg>
-        <pc:spChg chg="mod">
-          <ac:chgData name="Long B Nguyen" userId="f59fb8f3-a021-417a-8bc1-65c8d471c621" providerId="ADAL" clId="{9268B748-66AA-0742-9E6D-C568D3B99E77}" dt="2021-01-17T03:46:04.905" v="2342" actId="20577"/>
-          <ac:spMkLst>
-            <pc:docMk/>
-            <pc:sldMk cId="4138501364" sldId="567"/>
-            <ac:spMk id="35842" creationId="{C94BCA01-D831-ED4D-84FD-C30E8117F872}"/>
-          </ac:spMkLst>
-        </pc:spChg>
-        <pc:cxnChg chg="del">
-          <ac:chgData name="Long B Nguyen" userId="f59fb8f3-a021-417a-8bc1-65c8d471c621" providerId="ADAL" clId="{9268B748-66AA-0742-9E6D-C568D3B99E77}" dt="2021-01-17T03:42:10.314" v="2199" actId="478"/>
-          <ac:cxnSpMkLst>
-            <pc:docMk/>
-            <pc:sldMk cId="4138501364" sldId="567"/>
-            <ac:cxnSpMk id="4" creationId="{53D1A4C4-2FD3-E74A-B6A8-E938E6191ED0}"/>
-          </ac:cxnSpMkLst>
-        </pc:cxnChg>
-        <pc:cxnChg chg="del">
-          <ac:chgData name="Long B Nguyen" userId="f59fb8f3-a021-417a-8bc1-65c8d471c621" providerId="ADAL" clId="{9268B748-66AA-0742-9E6D-C568D3B99E77}" dt="2021-01-17T03:42:08.524" v="2198" actId="478"/>
-          <ac:cxnSpMkLst>
-            <pc:docMk/>
-            <pc:sldMk cId="4138501364" sldId="567"/>
-            <ac:cxnSpMk id="9" creationId="{1AB067D5-4CF2-3E4D-A945-5CDBCBD53EF8}"/>
-          </ac:cxnSpMkLst>
-        </pc:cxnChg>
-      </pc:sldChg>
-      <pc:sldChg chg="addSp modSp add mod modAnim">
-        <pc:chgData name="Long B Nguyen" userId="f59fb8f3-a021-417a-8bc1-65c8d471c621" providerId="ADAL" clId="{9268B748-66AA-0742-9E6D-C568D3B99E77}" dt="2021-01-28T14:32:22.838" v="5585"/>
-        <pc:sldMkLst>
-          <pc:docMk/>
-          <pc:sldMk cId="4279211704" sldId="567"/>
-        </pc:sldMkLst>
-        <pc:spChg chg="mod">
-          <ac:chgData name="Long B Nguyen" userId="f59fb8f3-a021-417a-8bc1-65c8d471c621" providerId="ADAL" clId="{9268B748-66AA-0742-9E6D-C568D3B99E77}" dt="2021-01-28T13:04:28.502" v="4654" actId="1076"/>
-          <ac:spMkLst>
-            <pc:docMk/>
-            <pc:sldMk cId="4279211704" sldId="567"/>
-            <ac:spMk id="2" creationId="{C360779D-4CA6-E54E-AF40-CFF286ECEDB6}"/>
-          </ac:spMkLst>
-        </pc:spChg>
-        <pc:spChg chg="mod">
-          <ac:chgData name="Long B Nguyen" userId="f59fb8f3-a021-417a-8bc1-65c8d471c621" providerId="ADAL" clId="{9268B748-66AA-0742-9E6D-C568D3B99E77}" dt="2021-01-28T13:04:31.664" v="4655" actId="1076"/>
-          <ac:spMkLst>
-            <pc:docMk/>
-            <pc:sldMk cId="4279211704" sldId="567"/>
-            <ac:spMk id="7" creationId="{FCD9C15D-1329-1444-B6C2-5E444C159CB2}"/>
-          </ac:spMkLst>
-        </pc:spChg>
-        <pc:spChg chg="mod">
-          <ac:chgData name="Long B Nguyen" userId="f59fb8f3-a021-417a-8bc1-65c8d471c621" providerId="ADAL" clId="{9268B748-66AA-0742-9E6D-C568D3B99E77}" dt="2021-01-28T13:05:56.420" v="4677" actId="207"/>
-          <ac:spMkLst>
-            <pc:docMk/>
-            <pc:sldMk cId="4279211704" sldId="567"/>
-            <ac:spMk id="35842" creationId="{C94BCA01-D831-ED4D-84FD-C30E8117F872}"/>
-          </ac:spMkLst>
-        </pc:spChg>
-        <pc:cxnChg chg="add mod">
-          <ac:chgData name="Long B Nguyen" userId="f59fb8f3-a021-417a-8bc1-65c8d471c621" providerId="ADAL" clId="{9268B748-66AA-0742-9E6D-C568D3B99E77}" dt="2021-01-28T13:04:46.723" v="4658" actId="14100"/>
-          <ac:cxnSpMkLst>
-            <pc:docMk/>
-            <pc:sldMk cId="4279211704" sldId="567"/>
-            <ac:cxnSpMk id="6" creationId="{2FF5D069-E1A9-3247-B4C1-70C074CCF398}"/>
-          </ac:cxnSpMkLst>
-        </pc:cxnChg>
-      </pc:sldChg>
-      <pc:sldChg chg="add del">
-        <pc:chgData name="Long B Nguyen" userId="f59fb8f3-a021-417a-8bc1-65c8d471c621" providerId="ADAL" clId="{9268B748-66AA-0742-9E6D-C568D3B99E77}" dt="2021-02-01T03:02:14.847" v="6027" actId="2696"/>
-        <pc:sldMkLst>
-          <pc:docMk/>
-          <pc:sldMk cId="1316208775" sldId="568"/>
-        </pc:sldMkLst>
-      </pc:sldChg>
-      <pc:sldChg chg="modSp add del mod">
-        <pc:chgData name="Long B Nguyen" userId="f59fb8f3-a021-417a-8bc1-65c8d471c621" providerId="ADAL" clId="{9268B748-66AA-0742-9E6D-C568D3B99E77}" dt="2021-01-17T05:39:20.803" v="3091" actId="2696"/>
-        <pc:sldMkLst>
-          <pc:docMk/>
-          <pc:sldMk cId="1870468434" sldId="568"/>
-        </pc:sldMkLst>
-        <pc:spChg chg="mod">
-          <ac:chgData name="Long B Nguyen" userId="f59fb8f3-a021-417a-8bc1-65c8d471c621" providerId="ADAL" clId="{9268B748-66AA-0742-9E6D-C568D3B99E77}" dt="2021-01-17T05:24:21.392" v="2611" actId="20577"/>
-          <ac:spMkLst>
-            <pc:docMk/>
-            <pc:sldMk cId="1870468434" sldId="568"/>
-            <ac:spMk id="30721" creationId="{378752EF-A47C-2F42-B800-CF9B206624FE}"/>
-          </ac:spMkLst>
-        </pc:spChg>
-        <pc:spChg chg="mod">
-          <ac:chgData name="Long B Nguyen" userId="f59fb8f3-a021-417a-8bc1-65c8d471c621" providerId="ADAL" clId="{9268B748-66AA-0742-9E6D-C568D3B99E77}" dt="2021-01-17T05:39:05.749" v="3090" actId="20577"/>
-          <ac:spMkLst>
-            <pc:docMk/>
-            <pc:sldMk cId="1870468434" sldId="568"/>
-            <ac:spMk id="30722" creationId="{C70E3A34-0037-734F-81D6-0339361ED841}"/>
-          </ac:spMkLst>
-        </pc:spChg>
-      </pc:sldChg>
-      <pc:sldChg chg="add del">
-        <pc:chgData name="Long B Nguyen" userId="f59fb8f3-a021-417a-8bc1-65c8d471c621" providerId="ADAL" clId="{9268B748-66AA-0742-9E6D-C568D3B99E77}" dt="2021-01-28T03:14:03.181" v="3278"/>
-        <pc:sldMkLst>
-          <pc:docMk/>
-          <pc:sldMk cId="2249337032" sldId="569"/>
-        </pc:sldMkLst>
-      </pc:sldChg>
-      <pc:sldChg chg="add">
-        <pc:chgData name="Long B Nguyen" userId="f59fb8f3-a021-417a-8bc1-65c8d471c621" providerId="ADAL" clId="{9268B748-66AA-0742-9E6D-C568D3B99E77}" dt="2021-01-28T03:54:16.866" v="3923"/>
-        <pc:sldMkLst>
-          <pc:docMk/>
-          <pc:sldMk cId="3614561866" sldId="569"/>
-        </pc:sldMkLst>
-      </pc:sldChg>
-      <pc:sldChg chg="modSp add del mod">
-        <pc:chgData name="Long B Nguyen" userId="f59fb8f3-a021-417a-8bc1-65c8d471c621" providerId="ADAL" clId="{9268B748-66AA-0742-9E6D-C568D3B99E77}" dt="2021-01-28T03:54:03.940" v="3920" actId="2696"/>
-        <pc:sldMkLst>
-          <pc:docMk/>
-          <pc:sldMk cId="3828686532" sldId="569"/>
-        </pc:sldMkLst>
-        <pc:spChg chg="mod">
-          <ac:chgData name="Long B Nguyen" userId="f59fb8f3-a021-417a-8bc1-65c8d471c621" providerId="ADAL" clId="{9268B748-66AA-0742-9E6D-C568D3B99E77}" dt="2021-01-28T03:21:30.597" v="3481" actId="14100"/>
-          <ac:spMkLst>
-            <pc:docMk/>
-            <pc:sldMk cId="3828686532" sldId="569"/>
-            <ac:spMk id="14" creationId="{63449E36-9DBB-134E-94FD-16C40C15EBDC}"/>
-          </ac:spMkLst>
-        </pc:spChg>
-        <pc:cxnChg chg="mod">
-          <ac:chgData name="Long B Nguyen" userId="f59fb8f3-a021-417a-8bc1-65c8d471c621" providerId="ADAL" clId="{9268B748-66AA-0742-9E6D-C568D3B99E77}" dt="2021-01-28T03:18:50.056" v="3336" actId="1076"/>
-          <ac:cxnSpMkLst>
-            <pc:docMk/>
-            <pc:sldMk cId="3828686532" sldId="569"/>
-            <ac:cxnSpMk id="13" creationId="{D2556216-41CD-8D42-B4C1-6D4D9ECF9A05}"/>
-          </ac:cxnSpMkLst>
-        </pc:cxnChg>
-      </pc:sldChg>
-      <pc:sldChg chg="new del">
-        <pc:chgData name="Long B Nguyen" userId="f59fb8f3-a021-417a-8bc1-65c8d471c621" providerId="ADAL" clId="{9268B748-66AA-0742-9E6D-C568D3B99E77}" dt="2021-01-28T14:20:01.244" v="4694" actId="2696"/>
-        <pc:sldMkLst>
-          <pc:docMk/>
-          <pc:sldMk cId="3048806200" sldId="570"/>
-        </pc:sldMkLst>
-      </pc:sldChg>
-      <pc:sldChg chg="modSp add mod modAnim">
-        <pc:chgData name="Long B Nguyen" userId="f59fb8f3-a021-417a-8bc1-65c8d471c621" providerId="ADAL" clId="{9268B748-66AA-0742-9E6D-C568D3B99E77}" dt="2021-01-28T14:23:36.330" v="5462"/>
-        <pc:sldMkLst>
-          <pc:docMk/>
-          <pc:sldMk cId="662705235" sldId="571"/>
-        </pc:sldMkLst>
-        <pc:spChg chg="mod">
-          <ac:chgData name="Long B Nguyen" userId="f59fb8f3-a021-417a-8bc1-65c8d471c621" providerId="ADAL" clId="{9268B748-66AA-0742-9E6D-C568D3B99E77}" dt="2021-01-28T14:23:08.398" v="5459" actId="20577"/>
-          <ac:spMkLst>
-            <pc:docMk/>
-            <pc:sldMk cId="662705235" sldId="571"/>
-            <ac:spMk id="6146" creationId="{095FC28F-CF01-5C45-8C80-38CA0C2B9DF5}"/>
-          </ac:spMkLst>
-        </pc:spChg>
-        <pc:spChg chg="mod">
-          <ac:chgData name="Long B Nguyen" userId="f59fb8f3-a021-417a-8bc1-65c8d471c621" providerId="ADAL" clId="{9268B748-66AA-0742-9E6D-C568D3B99E77}" dt="2021-01-28T14:20:11.164" v="4733" actId="14100"/>
-          <ac:spMkLst>
-            <pc:docMk/>
-            <pc:sldMk cId="662705235" sldId="571"/>
-            <ac:spMk id="20482" creationId="{6D756BCF-3D62-744E-A1A2-5EA11AF1F5DE}"/>
-          </ac:spMkLst>
-        </pc:spChg>
-      </pc:sldChg>
-      <pc:sldChg chg="addSp delSp modSp add mod">
-        <pc:chgData name="Long B Nguyen" userId="f59fb8f3-a021-417a-8bc1-65c8d471c621" providerId="ADAL" clId="{9268B748-66AA-0742-9E6D-C568D3B99E77}" dt="2021-02-01T16:44:08.466" v="6273" actId="207"/>
-        <pc:sldMkLst>
-          <pc:docMk/>
-          <pc:sldMk cId="1097849800" sldId="572"/>
-        </pc:sldMkLst>
-        <pc:spChg chg="add del mod">
-          <ac:chgData name="Long B Nguyen" userId="f59fb8f3-a021-417a-8bc1-65c8d471c621" providerId="ADAL" clId="{9268B748-66AA-0742-9E6D-C568D3B99E77}" dt="2021-02-01T03:01:36.608" v="6026"/>
-          <ac:spMkLst>
-            <pc:docMk/>
-            <pc:sldMk cId="1097849800" sldId="572"/>
-            <ac:spMk id="2" creationId="{0536A3E0-4619-5D4A-8AD5-E279CAAEAADF}"/>
-          </ac:spMkLst>
-        </pc:spChg>
-        <pc:spChg chg="mod">
-          <ac:chgData name="Long B Nguyen" userId="f59fb8f3-a021-417a-8bc1-65c8d471c621" providerId="ADAL" clId="{9268B748-66AA-0742-9E6D-C568D3B99E77}" dt="2021-02-01T03:19:04.947" v="6095" actId="20577"/>
-          <ac:spMkLst>
-            <pc:docMk/>
-            <pc:sldMk cId="1097849800" sldId="572"/>
-            <ac:spMk id="35841" creationId="{09D8876C-8F7A-C748-966B-672B36C17545}"/>
-          </ac:spMkLst>
-        </pc:spChg>
-        <pc:spChg chg="mod">
-          <ac:chgData name="Long B Nguyen" userId="f59fb8f3-a021-417a-8bc1-65c8d471c621" providerId="ADAL" clId="{9268B748-66AA-0742-9E6D-C568D3B99E77}" dt="2021-02-01T16:44:08.466" v="6273" actId="207"/>
-          <ac:spMkLst>
-            <pc:docMk/>
-            <pc:sldMk cId="1097849800" sldId="572"/>
             <ac:spMk id="35842" creationId="{C94BCA01-D831-ED4D-84FD-C30E8117F872}"/>
           </ac:spMkLst>
         </pc:spChg>
@@ -4076,7 +4139,7 @@
           <a:p>
             <a:fld id="{29FB45CD-1365-4F4B-B580-C19222E1A371}" type="datetimeFigureOut">
               <a:rPr lang="en-US" smtClean="0"/>
-              <a:t>1/10/23</a:t>
+              <a:t>11/2/23</a:t>
             </a:fld>
             <a:endParaRPr lang="en-US"/>
           </a:p>
@@ -4474,7 +4537,7 @@
           <a:p>
             <a:fld id="{4AAD347D-5ACD-4C99-B74B-A9C85AD731AF}" type="datetimeFigureOut">
               <a:rPr lang="en-US" smtClean="0"/>
-              <a:t>1/10/23</a:t>
+              <a:t>11/2/23</a:t>
             </a:fld>
             <a:endParaRPr lang="en-US" dirty="0"/>
           </a:p>
@@ -4644,7 +4707,7 @@
           <a:p>
             <a:fld id="{4509A250-FF31-4206-8172-F9D3106AACB1}" type="datetimeFigureOut">
               <a:rPr lang="en-US" smtClean="0"/>
-              <a:t>1/10/23</a:t>
+              <a:t>11/2/23</a:t>
             </a:fld>
             <a:endParaRPr lang="en-US" dirty="0"/>
           </a:p>
@@ -4824,7 +4887,7 @@
           <a:p>
             <a:fld id="{4509A250-FF31-4206-8172-F9D3106AACB1}" type="datetimeFigureOut">
               <a:rPr lang="en-US" smtClean="0"/>
-              <a:t>1/10/23</a:t>
+              <a:t>11/2/23</a:t>
             </a:fld>
             <a:endParaRPr lang="en-US" dirty="0"/>
           </a:p>
@@ -4994,7 +5057,7 @@
           <a:p>
             <a:fld id="{4509A250-FF31-4206-8172-F9D3106AACB1}" type="datetimeFigureOut">
               <a:rPr lang="en-US" smtClean="0"/>
-              <a:t>1/10/23</a:t>
+              <a:t>11/2/23</a:t>
             </a:fld>
             <a:endParaRPr lang="en-US" dirty="0"/>
           </a:p>
@@ -5240,7 +5303,7 @@
           <a:p>
             <a:fld id="{9796027F-7875-4030-9381-8BD8C4F21935}" type="datetimeFigureOut">
               <a:rPr lang="en-US" smtClean="0"/>
-              <a:t>1/10/23</a:t>
+              <a:t>11/2/23</a:t>
             </a:fld>
             <a:endParaRPr lang="en-US" dirty="0"/>
           </a:p>
@@ -5472,7 +5535,7 @@
           <a:p>
             <a:fld id="{9796027F-7875-4030-9381-8BD8C4F21935}" type="datetimeFigureOut">
               <a:rPr lang="en-US" smtClean="0"/>
-              <a:t>1/10/23</a:t>
+              <a:t>11/2/23</a:t>
             </a:fld>
             <a:endParaRPr lang="en-US" dirty="0"/>
           </a:p>
@@ -5839,7 +5902,7 @@
           <a:p>
             <a:fld id="{9796027F-7875-4030-9381-8BD8C4F21935}" type="datetimeFigureOut">
               <a:rPr lang="en-US" smtClean="0"/>
-              <a:t>1/10/23</a:t>
+              <a:t>11/2/23</a:t>
             </a:fld>
             <a:endParaRPr lang="en-US" dirty="0"/>
           </a:p>
@@ -5957,7 +6020,7 @@
           <a:p>
             <a:fld id="{4509A250-FF31-4206-8172-F9D3106AACB1}" type="datetimeFigureOut">
               <a:rPr lang="en-US" smtClean="0"/>
-              <a:t>1/10/23</a:t>
+              <a:t>11/2/23</a:t>
             </a:fld>
             <a:endParaRPr lang="en-US" dirty="0"/>
           </a:p>
@@ -6052,7 +6115,7 @@
           <a:p>
             <a:fld id="{4509A250-FF31-4206-8172-F9D3106AACB1}" type="datetimeFigureOut">
               <a:rPr lang="en-US" smtClean="0"/>
-              <a:t>1/10/23</a:t>
+              <a:t>11/2/23</a:t>
             </a:fld>
             <a:endParaRPr lang="en-US" dirty="0"/>
           </a:p>
@@ -6329,7 +6392,7 @@
           <a:p>
             <a:fld id="{4509A250-FF31-4206-8172-F9D3106AACB1}" type="datetimeFigureOut">
               <a:rPr lang="en-US" smtClean="0"/>
-              <a:t>1/10/23</a:t>
+              <a:t>11/2/23</a:t>
             </a:fld>
             <a:endParaRPr lang="en-US" dirty="0"/>
           </a:p>
@@ -6586,7 +6649,7 @@
           <a:p>
             <a:fld id="{4509A250-FF31-4206-8172-F9D3106AACB1}" type="datetimeFigureOut">
               <a:rPr lang="en-US" smtClean="0"/>
-              <a:t>1/10/23</a:t>
+              <a:t>11/2/23</a:t>
             </a:fld>
             <a:endParaRPr lang="en-US" dirty="0"/>
           </a:p>
@@ -6799,7 +6862,7 @@
           <a:p>
             <a:fld id="{4AAD347D-5ACD-4C99-B74B-A9C85AD731AF}" type="datetimeFigureOut">
               <a:rPr lang="en-US" smtClean="0"/>
-              <a:t>1/10/23</a:t>
+              <a:t>11/2/23</a:t>
             </a:fld>
             <a:endParaRPr lang="en-US" dirty="0"/>
           </a:p>
@@ -9591,9 +9654,27 @@
         </p:spPr>
         <p:txBody>
           <a:bodyPr>
-            <a:normAutofit/>
+            <a:normAutofit lnSpcReduction="10000"/>
           </a:bodyPr>
           <a:lstStyle/>
+          <a:p>
+            <a:pPr marL="0" indent="0">
+              <a:buNone/>
+            </a:pPr>
+            <a:endParaRPr lang="en-US" altLang="en-US" sz="1800" dirty="0">
+              <a:latin typeface="INCONSOLATA" panose="020B0609030003000000" pitchFamily="49" charset="77"/>
+              <a:ea typeface="ＭＳ Ｐゴシック" panose="020B0600070205080204" pitchFamily="34" charset="-128"/>
+            </a:endParaRPr>
+          </a:p>
+          <a:p>
+            <a:pPr marL="0" indent="0">
+              <a:buNone/>
+            </a:pPr>
+            <a:endParaRPr lang="en-US" altLang="en-US" sz="1800" dirty="0">
+              <a:latin typeface="INCONSOLATA" panose="020B0609030003000000" pitchFamily="49" charset="77"/>
+              <a:ea typeface="ＭＳ Ｐゴシック" panose="020B0600070205080204" pitchFamily="34" charset="-128"/>
+            </a:endParaRPr>
+          </a:p>
           <a:p>
             <a:pPr marL="0" indent="0">
               <a:buNone/>
@@ -10092,7 +10173,7 @@
         </p:nvSpPr>
         <p:spPr>
           <a:xfrm>
-            <a:off x="3358014" y="3142854"/>
+            <a:off x="3882510" y="3679284"/>
             <a:ext cx="5109091" cy="800860"/>
           </a:xfrm>
           <a:prstGeom prst="rect">
@@ -10200,8 +10281,8 @@
         </p:nvCxnSpPr>
         <p:spPr>
           <a:xfrm>
-            <a:off x="4230624" y="2244025"/>
-            <a:ext cx="573024" cy="898829"/>
+            <a:off x="4318824" y="2716503"/>
+            <a:ext cx="925587" cy="962781"/>
           </a:xfrm>
           <a:prstGeom prst="straightConnector1">
             <a:avLst/>
@@ -10225,6 +10306,41 @@
           </a:fontRef>
         </p:style>
       </p:cxnSp>
+      <p:sp>
+        <p:nvSpPr>
+          <p:cNvPr id="2" name="TextBox 1">
+            <a:extLst>
+              <a:ext uri="{FF2B5EF4-FFF2-40B4-BE49-F238E27FC236}">
+                <a16:creationId xmlns:a16="http://schemas.microsoft.com/office/drawing/2014/main" id="{B2329E0C-257B-BD11-0343-7C8CDA4B2367}"/>
+              </a:ext>
+            </a:extLst>
+          </p:cNvPr>
+          <p:cNvSpPr txBox="1"/>
+          <p:nvPr/>
+        </p:nvSpPr>
+        <p:spPr>
+          <a:xfrm>
+            <a:off x="207181" y="690109"/>
+            <a:ext cx="6499793" cy="430887"/>
+          </a:xfrm>
+          <a:prstGeom prst="rect">
+            <a:avLst/>
+          </a:prstGeom>
+          <a:noFill/>
+        </p:spPr>
+        <p:txBody>
+          <a:bodyPr wrap="none" rtlCol="0">
+            <a:spAutoFit/>
+          </a:bodyPr>
+          <a:lstStyle/>
+          <a:p>
+            <a:r>
+              <a:rPr lang="en-US" sz="2200"/>
+              <a:t>A tank sprite is drawn on the screen but is not moving.</a:t>
+            </a:r>
+          </a:p>
+        </p:txBody>
+      </p:sp>
     </p:spTree>
     <p:extLst>
       <p:ext uri="{BB962C8B-B14F-4D97-AF65-F5344CB8AC3E}">
@@ -10428,6 +10544,37 @@
             <a:pPr marL="0" indent="0">
               <a:buNone/>
             </a:pPr>
+            <a:endParaRPr lang="en-US" altLang="en-US" sz="1800" dirty="0">
+              <a:latin typeface="INCONSOLATA" panose="020B0609030003000000" pitchFamily="49" charset="77"/>
+              <a:ea typeface="ＭＳ Ｐゴシック" panose="020B0600070205080204" pitchFamily="34" charset="-128"/>
+            </a:endParaRPr>
+          </a:p>
+          <a:p>
+            <a:pPr marL="0" indent="0">
+              <a:buNone/>
+            </a:pPr>
+            <a:r>
+              <a:rPr lang="en-US" sz="2200"/>
+              <a:t>A tank sprite is drawn on the screen but is moving 5 pixels per frame to the right. </a:t>
+            </a:r>
+            <a:endParaRPr lang="en-US" sz="2200" dirty="0">
+              <a:latin typeface="INCONSOLATA" panose="020B0609030003000000" pitchFamily="49" charset="77"/>
+              <a:ea typeface="ＭＳ Ｐゴシック" panose="020B0600070205080204" pitchFamily="34" charset="-128"/>
+            </a:endParaRPr>
+          </a:p>
+          <a:p>
+            <a:pPr marL="0" indent="0">
+              <a:buNone/>
+            </a:pPr>
+            <a:endParaRPr lang="en-US" altLang="en-US" sz="1800" dirty="0">
+              <a:latin typeface="INCONSOLATA" panose="020B0609030003000000" pitchFamily="49" charset="77"/>
+              <a:ea typeface="ＭＳ Ｐゴシック" panose="020B0600070205080204" pitchFamily="34" charset="-128"/>
+            </a:endParaRPr>
+          </a:p>
+          <a:p>
+            <a:pPr marL="0" indent="0">
+              <a:buNone/>
+            </a:pPr>
             <a:r>
               <a:rPr lang="en-US" altLang="en-US" sz="1800" dirty="0">
                 <a:latin typeface="INCONSOLATA" panose="020B0609030003000000" pitchFamily="49" charset="77"/>
@@ -10622,7 +10769,22 @@
                 <a:latin typeface="INCONSOLATA" panose="020B0609030003000000" pitchFamily="49" charset="77"/>
                 <a:ea typeface="ＭＳ Ｐゴシック" panose="020B0600070205080204" pitchFamily="34" charset="-128"/>
               </a:rPr>
-              <a:t>    def </a:t>
+              <a:t>    </a:t>
+            </a:r>
+          </a:p>
+          <a:p>
+            <a:pPr marL="0" indent="0">
+              <a:buNone/>
+            </a:pPr>
+            <a:r>
+              <a:rPr lang="en-US" altLang="en-US" sz="1800" dirty="0">
+                <a:solidFill>
+                  <a:srgbClr val="7030A0"/>
+                </a:solidFill>
+                <a:latin typeface="INCONSOLATA" panose="020B0609030003000000" pitchFamily="49" charset="77"/>
+                <a:ea typeface="ＭＳ Ｐゴシック" panose="020B0600070205080204" pitchFamily="34" charset="-128"/>
+              </a:rPr>
+              <a:t>   def </a:t>
             </a:r>
             <a:r>
               <a:rPr lang="en-US" altLang="en-US" sz="1800" dirty="0" err="1">
